--- a/EDU GRAPH-API Demo Script.pptx
+++ b/EDU GRAPH-API Demo Script.pptx
@@ -372,7 +372,7 @@
               <a:rPr lang="en-US" smtClean="0">
                 <a:latin typeface="Segoe UI" pitchFamily="34" charset="0"/>
               </a:rPr>
-              <a:t>2/7/2017 2:59 PM</a:t>
+              <a:t>2/9/2017 15:38</a:t>
             </a:fld>
             <a:endParaRPr lang="en-US" dirty="0">
               <a:latin typeface="Segoe UI" pitchFamily="34" charset="0"/>
@@ -655,7 +655,7 @@
           <a:p>
             <a:fld id="{38EEC551-8CDA-4EB6-89BB-2A86C9F091C8}" type="datetime8">
               <a:rPr lang="en-US" smtClean="0"/>
-              <a:t>2/7/2017 2:59 PM</a:t>
+              <a:t>2/9/2017 15:38</a:t>
             </a:fld>
             <a:endParaRPr lang="en-US" dirty="0"/>
           </a:p>
@@ -1019,7 +1019,7 @@
           <a:p>
             <a:fld id="{C6996B83-60CF-42A8-BA06-F99D0BEC30B3}" type="datetime1">
               <a:rPr lang="en-US" smtClean="0"/>
-              <a:t>2/7/2017</a:t>
+              <a:t>2/9/2017</a:t>
             </a:fld>
             <a:endParaRPr lang="en-US" dirty="0"/>
           </a:p>
@@ -1239,7 +1239,7 @@
                 </a:solidFill>
               </a:rPr>
               <a:pPr/>
-              <a:t>2/7/2017</a:t>
+              <a:t>2/9/2017</a:t>
             </a:fld>
             <a:endParaRPr lang="en-US" dirty="0">
               <a:solidFill>
@@ -1449,7 +1449,7 @@
                 </a:solidFill>
               </a:rPr>
               <a:pPr/>
-              <a:t>2/7/2017</a:t>
+              <a:t>2/9/2017</a:t>
             </a:fld>
             <a:endParaRPr lang="en-US" dirty="0">
               <a:solidFill>
@@ -1659,7 +1659,7 @@
                 </a:solidFill>
               </a:rPr>
               <a:pPr/>
-              <a:t>2/7/2017</a:t>
+              <a:t>2/9/2017</a:t>
             </a:fld>
             <a:endParaRPr lang="en-US" dirty="0">
               <a:solidFill>
@@ -1838,7 +1838,7 @@
                 </a:solidFill>
               </a:rPr>
               <a:pPr/>
-              <a:t>2/7/2017</a:t>
+              <a:t>2/9/2017</a:t>
             </a:fld>
             <a:endParaRPr lang="en-US" dirty="0">
               <a:solidFill>
@@ -2079,7 +2079,7 @@
                 </a:solidFill>
               </a:rPr>
               <a:pPr/>
-              <a:t>2/7/2017</a:t>
+              <a:t>2/9/2017</a:t>
             </a:fld>
             <a:endParaRPr lang="en-US" dirty="0">
               <a:solidFill>
@@ -2289,7 +2289,7 @@
                 </a:solidFill>
               </a:rPr>
               <a:pPr/>
-              <a:t>2/7/2017</a:t>
+              <a:t>2/9/2017</a:t>
             </a:fld>
             <a:endParaRPr lang="en-US" dirty="0">
               <a:solidFill>
@@ -2499,7 +2499,7 @@
                 </a:solidFill>
               </a:rPr>
               <a:pPr/>
-              <a:t>2/7/2017</a:t>
+              <a:t>2/9/2017</a:t>
             </a:fld>
             <a:endParaRPr lang="en-US" dirty="0">
               <a:solidFill>
@@ -2709,7 +2709,7 @@
                 </a:solidFill>
               </a:rPr>
               <a:pPr/>
-              <a:t>2/7/2017</a:t>
+              <a:t>2/9/2017</a:t>
             </a:fld>
             <a:endParaRPr lang="en-US" dirty="0">
               <a:solidFill>
@@ -2919,7 +2919,7 @@
                 </a:solidFill>
               </a:rPr>
               <a:pPr/>
-              <a:t>2/7/2017</a:t>
+              <a:t>2/9/2017</a:t>
             </a:fld>
             <a:endParaRPr lang="en-US" dirty="0">
               <a:solidFill>
@@ -3129,7 +3129,7 @@
                 </a:solidFill>
               </a:rPr>
               <a:pPr/>
-              <a:t>2/7/2017</a:t>
+              <a:t>2/9/2017</a:t>
             </a:fld>
             <a:endParaRPr lang="en-US" dirty="0">
               <a:solidFill>
@@ -3303,7 +3303,7 @@
           <a:p>
             <a:fld id="{B079C3B8-7366-4A44-A34B-3977080C19E7}" type="datetime1">
               <a:rPr lang="en-US" smtClean="0"/>
-              <a:t>2/7/2017</a:t>
+              <a:t>2/9/2017</a:t>
             </a:fld>
             <a:endParaRPr lang="en-US" dirty="0"/>
           </a:p>
@@ -3493,7 +3493,7 @@
                 </a:solidFill>
               </a:rPr>
               <a:pPr/>
-              <a:t>2/7/2017</a:t>
+              <a:t>2/9/2017</a:t>
             </a:fld>
             <a:endParaRPr lang="en-US" dirty="0">
               <a:solidFill>
@@ -3734,7 +3734,7 @@
                 </a:solidFill>
               </a:rPr>
               <a:pPr/>
-              <a:t>2/7/2017</a:t>
+              <a:t>2/9/2017</a:t>
             </a:fld>
             <a:endParaRPr lang="en-US" dirty="0">
               <a:solidFill>
@@ -3944,7 +3944,7 @@
                 </a:solidFill>
               </a:rPr>
               <a:pPr/>
-              <a:t>2/7/2017</a:t>
+              <a:t>2/9/2017</a:t>
             </a:fld>
             <a:endParaRPr lang="en-US" dirty="0">
               <a:solidFill>
@@ -4154,7 +4154,7 @@
                 </a:solidFill>
               </a:rPr>
               <a:pPr/>
-              <a:t>2/7/2017</a:t>
+              <a:t>2/9/2017</a:t>
             </a:fld>
             <a:endParaRPr lang="en-US" dirty="0">
               <a:solidFill>
@@ -4364,7 +4364,7 @@
                 </a:solidFill>
               </a:rPr>
               <a:pPr/>
-              <a:t>2/7/2017</a:t>
+              <a:t>2/9/2017</a:t>
             </a:fld>
             <a:endParaRPr lang="en-US" dirty="0">
               <a:solidFill>
@@ -4574,7 +4574,7 @@
                 </a:solidFill>
               </a:rPr>
               <a:pPr/>
-              <a:t>2/7/2017</a:t>
+              <a:t>2/9/2017</a:t>
             </a:fld>
             <a:endParaRPr lang="en-US" dirty="0">
               <a:solidFill>
@@ -4784,7 +4784,7 @@
                 </a:solidFill>
               </a:rPr>
               <a:pPr/>
-              <a:t>2/7/2017</a:t>
+              <a:t>2/9/2017</a:t>
             </a:fld>
             <a:endParaRPr lang="en-US" dirty="0">
               <a:solidFill>
@@ -4963,7 +4963,7 @@
                 </a:solidFill>
               </a:rPr>
               <a:pPr/>
-              <a:t>2/7/2017</a:t>
+              <a:t>2/9/2017</a:t>
             </a:fld>
             <a:endParaRPr lang="en-US" dirty="0">
               <a:solidFill>
@@ -5204,7 +5204,7 @@
                 </a:solidFill>
               </a:rPr>
               <a:pPr/>
-              <a:t>2/7/2017</a:t>
+              <a:t>2/9/2017</a:t>
             </a:fld>
             <a:endParaRPr lang="en-US" dirty="0">
               <a:solidFill>
@@ -5383,7 +5383,7 @@
                 </a:solidFill>
               </a:rPr>
               <a:pPr/>
-              <a:t>2/7/2017</a:t>
+              <a:t>2/9/2017</a:t>
             </a:fld>
             <a:endParaRPr lang="en-US" dirty="0">
               <a:solidFill>
@@ -5593,7 +5593,7 @@
                 </a:solidFill>
               </a:rPr>
               <a:pPr/>
-              <a:t>2/7/2017</a:t>
+              <a:t>2/9/2017</a:t>
             </a:fld>
             <a:endParaRPr lang="en-US" dirty="0">
               <a:solidFill>
@@ -5834,7 +5834,7 @@
                 </a:solidFill>
               </a:rPr>
               <a:pPr/>
-              <a:t>2/7/2017</a:t>
+              <a:t>2/9/2017</a:t>
             </a:fld>
             <a:endParaRPr lang="en-US" dirty="0">
               <a:solidFill>
@@ -6044,7 +6044,7 @@
                 </a:solidFill>
               </a:rPr>
               <a:pPr/>
-              <a:t>2/7/2017</a:t>
+              <a:t>2/9/2017</a:t>
             </a:fld>
             <a:endParaRPr lang="en-US" dirty="0">
               <a:solidFill>
@@ -6223,7 +6223,7 @@
                 </a:solidFill>
               </a:rPr>
               <a:pPr/>
-              <a:t>2/7/2017</a:t>
+              <a:t>2/9/2017</a:t>
             </a:fld>
             <a:endParaRPr lang="en-US" dirty="0">
               <a:solidFill>
@@ -6464,7 +6464,7 @@
                 </a:solidFill>
               </a:rPr>
               <a:pPr/>
-              <a:t>2/7/2017</a:t>
+              <a:t>2/9/2017</a:t>
             </a:fld>
             <a:endParaRPr lang="en-US" dirty="0">
               <a:solidFill>
@@ -6674,7 +6674,7 @@
                 </a:solidFill>
               </a:rPr>
               <a:pPr/>
-              <a:t>2/7/2017</a:t>
+              <a:t>2/9/2017</a:t>
             </a:fld>
             <a:endParaRPr lang="en-US" dirty="0">
               <a:solidFill>
@@ -6884,7 +6884,7 @@
                 </a:solidFill>
               </a:rPr>
               <a:pPr/>
-              <a:t>2/7/2017</a:t>
+              <a:t>2/9/2017</a:t>
             </a:fld>
             <a:endParaRPr lang="en-US" dirty="0">
               <a:solidFill>
@@ -7063,7 +7063,7 @@
                 </a:solidFill>
               </a:rPr>
               <a:pPr/>
-              <a:t>2/7/2017</a:t>
+              <a:t>2/9/2017</a:t>
             </a:fld>
             <a:endParaRPr lang="en-US" dirty="0">
               <a:solidFill>
@@ -7304,7 +7304,7 @@
                 </a:solidFill>
               </a:rPr>
               <a:pPr/>
-              <a:t>2/7/2017</a:t>
+              <a:t>2/9/2017</a:t>
             </a:fld>
             <a:endParaRPr lang="en-US" dirty="0">
               <a:solidFill>
@@ -7483,7 +7483,7 @@
                 </a:solidFill>
               </a:rPr>
               <a:pPr/>
-              <a:t>2/7/2017</a:t>
+              <a:t>2/9/2017</a:t>
             </a:fld>
             <a:endParaRPr lang="en-US" dirty="0">
               <a:solidFill>
@@ -7724,7 +7724,7 @@
                 </a:solidFill>
               </a:rPr>
               <a:pPr/>
-              <a:t>2/7/2017</a:t>
+              <a:t>2/9/2017</a:t>
             </a:fld>
             <a:endParaRPr lang="en-US" dirty="0">
               <a:solidFill>
@@ -7934,7 +7934,7 @@
                 </a:solidFill>
               </a:rPr>
               <a:pPr/>
-              <a:t>2/7/2017</a:t>
+              <a:t>2/9/2017</a:t>
             </a:fld>
             <a:endParaRPr lang="en-US" dirty="0">
               <a:solidFill>
@@ -8113,7 +8113,7 @@
                 </a:solidFill>
               </a:rPr>
               <a:pPr/>
-              <a:t>2/7/2017</a:t>
+              <a:t>2/9/2017</a:t>
             </a:fld>
             <a:endParaRPr lang="en-US" dirty="0">
               <a:solidFill>
@@ -8354,7 +8354,7 @@
                 </a:solidFill>
               </a:rPr>
               <a:pPr/>
-              <a:t>2/7/2017</a:t>
+              <a:t>2/9/2017</a:t>
             </a:fld>
             <a:endParaRPr lang="en-US" dirty="0">
               <a:solidFill>
@@ -8564,7 +8564,7 @@
                 </a:solidFill>
               </a:rPr>
               <a:pPr/>
-              <a:t>2/7/2017</a:t>
+              <a:t>2/9/2017</a:t>
             </a:fld>
             <a:endParaRPr lang="en-US" dirty="0">
               <a:solidFill>
@@ -8774,7 +8774,7 @@
                 </a:solidFill>
               </a:rPr>
               <a:pPr/>
-              <a:t>2/7/2017</a:t>
+              <a:t>2/9/2017</a:t>
             </a:fld>
             <a:endParaRPr lang="en-US" dirty="0">
               <a:solidFill>
@@ -8984,7 +8984,7 @@
                 </a:solidFill>
               </a:rPr>
               <a:pPr/>
-              <a:t>2/7/2017</a:t>
+              <a:t>2/9/2017</a:t>
             </a:fld>
             <a:endParaRPr lang="en-US" dirty="0">
               <a:solidFill>
@@ -9194,7 +9194,7 @@
                 </a:solidFill>
               </a:rPr>
               <a:pPr/>
-              <a:t>2/7/2017</a:t>
+              <a:t>2/9/2017</a:t>
             </a:fld>
             <a:endParaRPr lang="en-US" dirty="0">
               <a:solidFill>
@@ -9404,7 +9404,7 @@
                 </a:solidFill>
               </a:rPr>
               <a:pPr/>
-              <a:t>2/7/2017</a:t>
+              <a:t>2/9/2017</a:t>
             </a:fld>
             <a:endParaRPr lang="en-US" dirty="0">
               <a:solidFill>
@@ -9614,7 +9614,7 @@
                 </a:solidFill>
               </a:rPr>
               <a:pPr/>
-              <a:t>2/7/2017</a:t>
+              <a:t>2/9/2017</a:t>
             </a:fld>
             <a:endParaRPr lang="en-US" dirty="0">
               <a:solidFill>
@@ -9824,7 +9824,7 @@
                 </a:solidFill>
               </a:rPr>
               <a:pPr/>
-              <a:t>2/7/2017</a:t>
+              <a:t>2/9/2017</a:t>
             </a:fld>
             <a:endParaRPr lang="en-US" dirty="0">
               <a:solidFill>
@@ -10034,7 +10034,7 @@
                 </a:solidFill>
               </a:rPr>
               <a:pPr/>
-              <a:t>2/7/2017</a:t>
+              <a:t>2/9/2017</a:t>
             </a:fld>
             <a:endParaRPr lang="en-US" dirty="0">
               <a:solidFill>
@@ -10244,7 +10244,7 @@
                 </a:solidFill>
               </a:rPr>
               <a:pPr/>
-              <a:t>2/7/2017</a:t>
+              <a:t>2/9/2017</a:t>
             </a:fld>
             <a:endParaRPr lang="en-US" dirty="0">
               <a:solidFill>
@@ -10454,7 +10454,7 @@
                 </a:solidFill>
               </a:rPr>
               <a:pPr/>
-              <a:t>2/7/2017</a:t>
+              <a:t>2/9/2017</a:t>
             </a:fld>
             <a:endParaRPr lang="en-US" dirty="0">
               <a:solidFill>
@@ -10664,7 +10664,7 @@
                 </a:solidFill>
               </a:rPr>
               <a:pPr/>
-              <a:t>2/7/2017</a:t>
+              <a:t>2/9/2017</a:t>
             </a:fld>
             <a:endParaRPr lang="en-US" dirty="0">
               <a:solidFill>
@@ -25296,7 +25296,7 @@
               <a:buChar char="•"/>
             </a:pPr>
             <a:r>
-              <a:rPr lang="en-US" dirty="0" smtClean="0"/>
+              <a:rPr lang="en-US" dirty="0"/>
               <a:t>Admin needs to consent when first go to admin panel.</a:t>
             </a:r>
           </a:p>
@@ -25306,18 +25306,17 @@
               <a:buChar char="•"/>
             </a:pPr>
             <a:r>
-              <a:rPr lang="en-US" dirty="0" smtClean="0"/>
+              <a:rPr lang="en-US" dirty="0"/>
               <a:t>Click </a:t>
             </a:r>
             <a:r>
-              <a:rPr lang="en-US" b="1" dirty="0" smtClean="0"/>
+              <a:rPr lang="en-US" b="1" dirty="0"/>
               <a:t>Consent</a:t>
             </a:r>
             <a:r>
-              <a:rPr lang="en-US" dirty="0" smtClean="0"/>
+              <a:rPr lang="en-US" dirty="0"/>
               <a:t> button to login and accept and then consent success. </a:t>
             </a:r>
-            <a:endParaRPr lang="en-US" dirty="0"/>
           </a:p>
         </p:txBody>
       </p:sp>
@@ -25426,13 +25425,8 @@
           <a:p>
             <a:r>
               <a:rPr lang="en-US" dirty="0"/>
-              <a:t>Admin Panel </a:t>
-            </a:r>
-            <a:r>
-              <a:rPr lang="en-US" dirty="0" smtClean="0"/>
-              <a:t>- Admin Consent and Unconsent</a:t>
-            </a:r>
-            <a:endParaRPr lang="en-US" dirty="0"/>
+              <a:t>Admin Panel - Admin Consent and Unconsent</a:t>
+            </a:r>
           </a:p>
         </p:txBody>
       </p:sp>
@@ -25460,24 +25454,15 @@
           <a:lstStyle/>
           <a:p>
             <a:r>
-              <a:rPr lang="en-US" dirty="0" smtClean="0"/>
+              <a:rPr lang="en-US" dirty="0"/>
               <a:t>Admin can click consent and unconsent buttons to apply/re-apply admin consent.</a:t>
             </a:r>
           </a:p>
           <a:p>
             <a:r>
-              <a:rPr lang="en-US" dirty="0" smtClean="0"/>
-              <a:t>If clicks </a:t>
-            </a:r>
-            <a:r>
               <a:rPr lang="en-US" dirty="0"/>
-              <a:t>consent and unconsent buttons </a:t>
-            </a:r>
-            <a:r>
-              <a:rPr lang="en-US" dirty="0" smtClean="0"/>
-              <a:t>admin needs to login again and then continue. </a:t>
-            </a:r>
-            <a:endParaRPr lang="en-US" dirty="0"/>
+              <a:t>If clicks consent and unconsent buttons admin needs to login again and then continue. </a:t>
+            </a:r>
           </a:p>
         </p:txBody>
       </p:sp>
@@ -25716,15 +25701,15 @@
               <a:buChar char="•"/>
             </a:pPr>
             <a:r>
-              <a:rPr lang="en-US" dirty="0" smtClean="0"/>
+              <a:rPr lang="en-US" dirty="0"/>
               <a:t>Admin can click </a:t>
             </a:r>
             <a:r>
-              <a:rPr lang="en-US" b="1" dirty="0" smtClean="0"/>
+              <a:rPr lang="en-US" b="1" dirty="0"/>
               <a:t>Enable User Access</a:t>
             </a:r>
             <a:r>
-              <a:rPr lang="en-US" dirty="0" smtClean="0"/>
+              <a:rPr lang="en-US" dirty="0"/>
               <a:t> button to enable access to all tenant users.</a:t>
             </a:r>
           </a:p>
@@ -25734,10 +25719,9 @@
               <a:buChar char="•"/>
             </a:pPr>
             <a:r>
-              <a:rPr lang="en-US" dirty="0" smtClean="0"/>
+              <a:rPr lang="en-US" dirty="0"/>
               <a:t>It will take a while to effect after the button is clicked.</a:t>
             </a:r>
-            <a:endParaRPr lang="en-US" dirty="0"/>
           </a:p>
           <a:p>
             <a:pPr marL="571500" indent="-571500">
@@ -25765,13 +25749,8 @@
           <a:p>
             <a:r>
               <a:rPr lang="en-US" dirty="0"/>
-              <a:t>Admin Panel - </a:t>
-            </a:r>
-            <a:r>
-              <a:rPr lang="en-US" dirty="0" smtClean="0"/>
-              <a:t>Enable User Access</a:t>
-            </a:r>
-            <a:endParaRPr lang="en-US" dirty="0"/>
+              <a:t>Admin Panel - Enable User Access</a:t>
+            </a:r>
           </a:p>
         </p:txBody>
       </p:sp>
@@ -26352,20 +26331,12 @@
               <a:t>Click the </a:t>
             </a:r>
             <a:r>
-              <a:rPr lang="en-US" b="1" dirty="0" smtClean="0"/>
+              <a:rPr lang="en-US" b="1" dirty="0"/>
               <a:t>Use Existing O365 Account </a:t>
             </a:r>
             <a:r>
-              <a:rPr lang="en-US" dirty="0" smtClean="0"/>
-              <a:t>button to login and then </a:t>
-            </a:r>
-            <a:r>
               <a:rPr lang="en-US" dirty="0"/>
-              <a:t>link the </a:t>
-            </a:r>
-            <a:r>
-              <a:rPr lang="en-US" dirty="0" smtClean="0"/>
-              <a:t>accounts.</a:t>
+              <a:t>button to login and then link the accounts.</a:t>
             </a:r>
           </a:p>
           <a:p>
@@ -26374,14 +26345,9 @@
               <a:buChar char="•"/>
             </a:pPr>
             <a:r>
-              <a:rPr lang="en-US" dirty="0" smtClean="0"/>
-              <a:t>After link succeed it will go to all schools page</a:t>
-            </a:r>
-            <a:r>
-              <a:rPr lang="en-US" dirty="0" smtClean="0"/>
-              <a:t>.</a:t>
-            </a:r>
-            <a:endParaRPr lang="en-US" dirty="0"/>
+              <a:rPr lang="en-US" dirty="0"/>
+              <a:t>After link succeed it will go to all schools page.</a:t>
+            </a:r>
           </a:p>
         </p:txBody>
       </p:sp>
@@ -26644,26 +26610,21 @@
           <a:p>
             <a:r>
               <a:rPr lang="en-US" dirty="0"/>
-              <a:t>CLASS </a:t>
-            </a:r>
-            <a:r>
-              <a:rPr lang="en-US" dirty="0" smtClean="0"/>
-              <a:t>DETAILS</a:t>
-            </a:r>
-          </a:p>
-          <a:p>
-            <a:r>
-              <a:rPr lang="en-US" altLang="zh-CN" dirty="0" smtClean="0"/>
+              <a:t>CLASS DETAILS</a:t>
+            </a:r>
+          </a:p>
+          <a:p>
+            <a:r>
+              <a:rPr lang="en-US" altLang="zh-CN" dirty="0"/>
               <a:t>Teachers/Students</a:t>
             </a:r>
-            <a:endParaRPr lang="en-US" dirty="0" smtClean="0"/>
-          </a:p>
-          <a:p>
-            <a:r>
-              <a:rPr lang="en-US" dirty="0" smtClean="0"/>
+            <a:endParaRPr lang="en-US" dirty="0"/>
+          </a:p>
+          <a:p>
+            <a:r>
+              <a:rPr lang="en-US" dirty="0"/>
               <a:t>Demo Helper</a:t>
             </a:r>
-            <a:endParaRPr lang="en-US" dirty="0"/>
           </a:p>
           <a:p>
             <a:r>
@@ -26804,7 +26765,7 @@
           <a:lstStyle/>
           <a:p>
             <a:r>
-              <a:rPr lang="en-US" altLang="zh-CN" dirty="0" smtClean="0"/>
+              <a:rPr lang="en-US" altLang="zh-CN" dirty="0"/>
               <a:t>About Me</a:t>
             </a:r>
             <a:endParaRPr lang="en-US" dirty="0"/>
@@ -26835,28 +26796,27 @@
           <a:lstStyle/>
           <a:p>
             <a:r>
-              <a:rPr lang="en-US" altLang="zh-CN" dirty="0" smtClean="0"/>
+              <a:rPr lang="en-US" altLang="zh-CN" dirty="0"/>
               <a:t>Click username on top right corner and click “About Me”.</a:t>
             </a:r>
           </a:p>
           <a:p>
             <a:r>
-              <a:rPr lang="en-US" dirty="0" smtClean="0"/>
+              <a:rPr lang="en-US" dirty="0"/>
               <a:t>Username will display here.</a:t>
             </a:r>
           </a:p>
           <a:p>
             <a:r>
-              <a:rPr lang="en-US" dirty="0" smtClean="0"/>
+              <a:rPr lang="en-US" dirty="0"/>
               <a:t>User’s favorite color will show here and user can change and save it.</a:t>
             </a:r>
           </a:p>
           <a:p>
             <a:r>
-              <a:rPr lang="en-US" dirty="0" smtClean="0"/>
+              <a:rPr lang="en-US" dirty="0"/>
               <a:t>If user is linked to O365 his(her) classes will display here.</a:t>
             </a:r>
-            <a:endParaRPr lang="en-US" dirty="0"/>
           </a:p>
         </p:txBody>
       </p:sp>
@@ -26930,13 +26890,6 @@
       </p:transition>
     </mc:Fallback>
   </mc:AlternateContent>
-  <p:timing>
-    <p:tnLst>
-      <p:par>
-        <p:cTn id="1" dur="indefinite" restart="never" nodeType="tmRoot"/>
-      </p:par>
-    </p:tnLst>
-  </p:timing>
 </p:sld>
 </file>
 
@@ -26983,11 +26936,7 @@
             </a:pPr>
             <a:r>
               <a:rPr lang="en-US" altLang="zh-CN" dirty="0"/>
-              <a:t>Click username on top right corner and click </a:t>
-            </a:r>
-            <a:r>
-              <a:rPr lang="en-US" altLang="zh-CN" dirty="0" smtClean="0"/>
-              <a:t>“Link”.</a:t>
+              <a:t>Click username on top right corner and click “Link”.</a:t>
             </a:r>
           </a:p>
           <a:p>
@@ -26996,7 +26945,7 @@
               <a:buChar char="•"/>
             </a:pPr>
             <a:r>
-              <a:rPr lang="en-US" altLang="zh-CN" dirty="0" smtClean="0"/>
+              <a:rPr lang="en-US" altLang="zh-CN" dirty="0"/>
               <a:t>Here will display link status if account is linked to O365 account.</a:t>
             </a:r>
           </a:p>
@@ -27006,18 +26955,9 @@
               <a:buChar char="•"/>
             </a:pPr>
             <a:r>
-              <a:rPr lang="en-US" altLang="zh-CN" dirty="0" smtClean="0"/>
-              <a:t>If local account is not linked to O365 account it will show option </a:t>
-            </a:r>
-            <a:r>
               <a:rPr lang="en-US" altLang="zh-CN" dirty="0"/>
-              <a:t>“Link to existing O365 account” </a:t>
-            </a:r>
-            <a:r>
-              <a:rPr lang="en-US" altLang="zh-CN" dirty="0" smtClean="0"/>
-              <a:t>and then link.</a:t>
-            </a:r>
-            <a:endParaRPr lang="en-US" altLang="zh-CN" dirty="0"/>
+              <a:t>If local account is not linked to O365 account it will show option “Link to existing O365 account” and then link.</a:t>
+            </a:r>
           </a:p>
         </p:txBody>
       </p:sp>
@@ -27037,10 +26977,9 @@
           <a:lstStyle/>
           <a:p>
             <a:r>
-              <a:rPr lang="en-US" dirty="0" smtClean="0"/>
+              <a:rPr lang="en-US" dirty="0"/>
               <a:t>Link</a:t>
             </a:r>
-            <a:endParaRPr lang="en-US" dirty="0"/>
           </a:p>
         </p:txBody>
       </p:sp>
@@ -27138,13 +27077,6 @@
       </p:transition>
     </mc:Fallback>
   </mc:AlternateContent>
-  <p:timing>
-    <p:tnLst>
-      <p:par>
-        <p:cTn id="1" dur="indefinite" restart="never" nodeType="tmRoot"/>
-      </p:par>
-    </p:tnLst>
-  </p:timing>
 </p:sld>
 </file>
 
@@ -27487,16 +27419,8 @@
               <a:t>Link with existing Local Account </a:t>
             </a:r>
             <a:r>
-              <a:rPr lang="en-US" dirty="0" smtClean="0"/>
-              <a:t>button </a:t>
-            </a:r>
-            <a:r>
               <a:rPr lang="en-US" dirty="0"/>
-              <a:t>to link the </a:t>
-            </a:r>
-            <a:r>
-              <a:rPr lang="en-US" dirty="0" smtClean="0"/>
-              <a:t>account to an existing account.</a:t>
+              <a:t>button to link the account to an existing account.</a:t>
             </a:r>
           </a:p>
           <a:p>
@@ -27505,30 +27429,17 @@
               <a:buChar char="•"/>
             </a:pPr>
             <a:r>
-              <a:rPr lang="en-US" dirty="0" smtClean="0"/>
+              <a:rPr lang="en-US" dirty="0"/>
               <a:t>Click </a:t>
             </a:r>
             <a:r>
               <a:rPr lang="en-US" b="1" dirty="0"/>
-              <a:t>Continue with new Local </a:t>
-            </a:r>
-            <a:r>
-              <a:rPr lang="en-US" b="1" dirty="0" smtClean="0"/>
-              <a:t>Account </a:t>
-            </a:r>
-            <a:r>
-              <a:rPr lang="en-US" dirty="0" smtClean="0"/>
-              <a:t>to </a:t>
-            </a:r>
-            <a:r>
-              <a:rPr lang="en-US" dirty="0" smtClean="0"/>
-              <a:t>create a new local account and then link</a:t>
-            </a:r>
-            <a:r>
-              <a:rPr lang="en-US" dirty="0" smtClean="0"/>
-              <a:t>.</a:t>
-            </a:r>
-            <a:endParaRPr lang="en-US" dirty="0"/>
+              <a:t>Continue with new Local Account </a:t>
+            </a:r>
+            <a:r>
+              <a:rPr lang="en-US" dirty="0"/>
+              <a:t>to create a new local account and then link.</a:t>
+            </a:r>
           </a:p>
         </p:txBody>
       </p:sp>
@@ -27666,28 +27577,23 @@
           <a:lstStyle/>
           <a:p>
             <a:r>
-              <a:rPr lang="en-US" dirty="0" smtClean="0"/>
+              <a:rPr lang="en-US" dirty="0"/>
               <a:t>Input local account’s email and password and then click </a:t>
             </a:r>
             <a:r>
-              <a:rPr lang="en-US" b="1" dirty="0" smtClean="0"/>
+              <a:rPr lang="en-US" b="1" dirty="0"/>
               <a:t>Login and Link </a:t>
             </a:r>
             <a:r>
-              <a:rPr lang="en-US" dirty="0" smtClean="0"/>
-              <a:t>button to link</a:t>
-            </a:r>
-            <a:r>
-              <a:rPr lang="en-US" dirty="0" smtClean="0"/>
-              <a:t>.</a:t>
-            </a:r>
-          </a:p>
-          <a:p>
-            <a:r>
-              <a:rPr lang="en-US" dirty="0" smtClean="0"/>
+              <a:rPr lang="en-US" dirty="0"/>
+              <a:t>button to link.</a:t>
+            </a:r>
+          </a:p>
+          <a:p>
+            <a:r>
+              <a:rPr lang="en-US" dirty="0"/>
               <a:t>If there’s a local account with the same email as O365 email, these input fields will no show and link directly.</a:t>
             </a:r>
-            <a:endParaRPr lang="en-US" dirty="0"/>
           </a:p>
         </p:txBody>
       </p:sp>
@@ -27782,7 +27688,7 @@
               <a:buChar char="•"/>
             </a:pPr>
             <a:r>
-              <a:rPr lang="en-US" dirty="0" smtClean="0"/>
+              <a:rPr lang="en-US" dirty="0"/>
               <a:t>Select </a:t>
             </a:r>
             <a:r>
@@ -27918,7 +27824,7 @@
           <a:lstStyle/>
           <a:p>
             <a:r>
-              <a:rPr lang="en-US" altLang="zh-CN" dirty="0" smtClean="0"/>
+              <a:rPr lang="en-US" altLang="zh-CN" dirty="0"/>
               <a:t>About Me</a:t>
             </a:r>
             <a:endParaRPr lang="en-US" dirty="0"/>
@@ -27949,28 +27855,27 @@
           <a:lstStyle/>
           <a:p>
             <a:r>
-              <a:rPr lang="en-US" altLang="zh-CN" dirty="0" smtClean="0"/>
+              <a:rPr lang="en-US" altLang="zh-CN" dirty="0"/>
               <a:t>Click username on top right corner and click “About Me”.</a:t>
             </a:r>
           </a:p>
           <a:p>
             <a:r>
-              <a:rPr lang="en-US" dirty="0" smtClean="0"/>
+              <a:rPr lang="en-US" dirty="0"/>
               <a:t>Username will display here.</a:t>
             </a:r>
           </a:p>
           <a:p>
             <a:r>
-              <a:rPr lang="en-US" dirty="0" smtClean="0"/>
+              <a:rPr lang="en-US" dirty="0"/>
               <a:t>User’s favorite color will show here if linked to local account and user can change/save it.</a:t>
             </a:r>
           </a:p>
           <a:p>
             <a:r>
-              <a:rPr lang="en-US" dirty="0" smtClean="0"/>
+              <a:rPr lang="en-US" dirty="0"/>
               <a:t>User classes will display here.</a:t>
             </a:r>
-            <a:endParaRPr lang="en-US" dirty="0"/>
           </a:p>
         </p:txBody>
       </p:sp>
@@ -28044,13 +27949,6 @@
       </p:transition>
     </mc:Fallback>
   </mc:AlternateContent>
-  <p:timing>
-    <p:tnLst>
-      <p:par>
-        <p:cTn id="1" dur="indefinite" restart="never" nodeType="tmRoot"/>
-      </p:par>
-    </p:tnLst>
-  </p:timing>
 </p:sld>
 </file>
 
@@ -28097,11 +27995,7 @@
             </a:pPr>
             <a:r>
               <a:rPr lang="en-US" altLang="zh-CN" dirty="0"/>
-              <a:t>Click username on top right corner and click </a:t>
-            </a:r>
-            <a:r>
-              <a:rPr lang="en-US" altLang="zh-CN" dirty="0" smtClean="0"/>
-              <a:t>“Link”.</a:t>
+              <a:t>Click username on top right corner and click “Link”.</a:t>
             </a:r>
           </a:p>
           <a:p>
@@ -28110,7 +28004,7 @@
               <a:buChar char="•"/>
             </a:pPr>
             <a:r>
-              <a:rPr lang="en-US" altLang="zh-CN" dirty="0" smtClean="0"/>
+              <a:rPr lang="en-US" altLang="zh-CN" dirty="0"/>
               <a:t>Here will display link status if account is linked to local account.</a:t>
             </a:r>
           </a:p>
@@ -28120,22 +28014,9 @@
               <a:buChar char="•"/>
             </a:pPr>
             <a:r>
-              <a:rPr lang="en-US" altLang="zh-CN" dirty="0" smtClean="0"/>
-              <a:t>If O365 account is not linked to local account it will show link options like </a:t>
-            </a:r>
-            <a:r>
               <a:rPr lang="en-US" altLang="zh-CN" dirty="0"/>
-              <a:t>“Continue with new Local Account” </a:t>
-            </a:r>
-            <a:r>
-              <a:rPr lang="en-US" altLang="zh-CN" dirty="0" smtClean="0"/>
-              <a:t>or </a:t>
-            </a:r>
-            <a:r>
-              <a:rPr lang="en-US" altLang="zh-CN" dirty="0"/>
-              <a:t>“Link with existing Local Account”.</a:t>
-            </a:r>
-            <a:endParaRPr lang="en-US" altLang="zh-CN" dirty="0"/>
+              <a:t>If O365 account is not linked to local account it will show link options like “Continue with new Local Account” or “Link with existing Local Account”.</a:t>
+            </a:r>
           </a:p>
         </p:txBody>
       </p:sp>
@@ -28155,10 +28036,9 @@
           <a:lstStyle/>
           <a:p>
             <a:r>
-              <a:rPr lang="en-US" dirty="0" smtClean="0"/>
+              <a:rPr lang="en-US" dirty="0"/>
               <a:t>Link</a:t>
             </a:r>
-            <a:endParaRPr lang="en-US" dirty="0"/>
           </a:p>
         </p:txBody>
       </p:sp>
@@ -28256,13 +28136,6 @@
       </p:transition>
     </mc:Fallback>
   </mc:AlternateContent>
-  <p:timing>
-    <p:tnLst>
-      <p:par>
-        <p:cTn id="1" dur="indefinite" restart="never" nodeType="tmRoot"/>
-      </p:par>
-    </p:tnLst>
-  </p:timing>
 </p:sld>
 </file>
 
@@ -28470,16 +28343,12 @@
               <a:t>Click </a:t>
             </a:r>
             <a:r>
-              <a:rPr lang="en-US" sz="2800" b="1" dirty="0" smtClean="0"/>
+              <a:rPr lang="en-US" sz="2800" b="1" dirty="0"/>
               <a:t>CLASSES</a:t>
             </a:r>
             <a:r>
-              <a:rPr lang="en-US" sz="2800" dirty="0" smtClean="0"/>
-              <a:t> to </a:t>
-            </a:r>
-            <a:r>
               <a:rPr lang="en-US" sz="2800" dirty="0"/>
-              <a:t>go to the classes page.</a:t>
+              <a:t> to go to the classes page.</a:t>
             </a:r>
           </a:p>
           <a:p>
@@ -28495,7 +28364,6 @@
               <a:rPr lang="en-US" sz="2800" dirty="0"/>
               <a:t>to show a map of the selected school. </a:t>
             </a:r>
-            <a:endParaRPr lang="en-US" sz="2800" dirty="0" smtClean="0"/>
           </a:p>
           <a:p>
             <a:r>
@@ -28503,14 +28371,13 @@
               <a:t>Click </a:t>
             </a:r>
             <a:r>
-              <a:rPr lang="en-US" sz="2800" b="1" dirty="0" smtClean="0"/>
+              <a:rPr lang="en-US" sz="2800" b="1" dirty="0"/>
               <a:t>Teachers/students</a:t>
             </a:r>
             <a:r>
-              <a:rPr lang="en-US" sz="2800" dirty="0" smtClean="0"/>
+              <a:rPr lang="en-US" sz="2800" dirty="0"/>
               <a:t> to show teachers/students of current school.</a:t>
             </a:r>
-            <a:endParaRPr lang="en-US" sz="2800" dirty="0"/>
           </a:p>
         </p:txBody>
       </p:sp>
@@ -29062,21 +28929,8 @@
             </a:pPr>
             <a:r>
               <a:rPr lang="en-US" dirty="0"/>
-              <a:t>There are </a:t>
-            </a:r>
-            <a:r>
-              <a:rPr lang="en-US" dirty="0" smtClean="0"/>
-              <a:t>4 </a:t>
-            </a:r>
-            <a:r>
-              <a:rPr lang="en-US" dirty="0"/>
-              <a:t>tabs containing  students, class </a:t>
-            </a:r>
-            <a:r>
-              <a:rPr lang="en-US" dirty="0" smtClean="0"/>
-              <a:t>documents, conversations and seating chart. </a:t>
-            </a:r>
-            <a:endParaRPr lang="en-US" dirty="0"/>
+              <a:t>There are 4 tabs containing  students, class documents, conversations and seating chart. </a:t>
+            </a:r>
           </a:p>
           <a:p>
             <a:pPr marL="571500" indent="-571500">
@@ -29276,11 +29130,7 @@
             </a:pPr>
             <a:r>
               <a:rPr lang="en-US" dirty="0"/>
-              <a:t>W</a:t>
-            </a:r>
-            <a:r>
-              <a:rPr lang="en-US" dirty="0" smtClean="0"/>
-              <a:t>hen login as a student, his assigned seat will display on the chart.</a:t>
+              <a:t>When login as a student, his assigned seat will display on the chart.</a:t>
             </a:r>
           </a:p>
           <a:p>
@@ -29289,7 +29139,7 @@
               <a:buChar char="•"/>
             </a:pPr>
             <a:r>
-              <a:rPr lang="en-US" dirty="0" smtClean="0"/>
+              <a:rPr lang="en-US" dirty="0"/>
               <a:t>Current student’s seat will high lighted with the color of his favorite color.</a:t>
             </a:r>
           </a:p>
@@ -29299,7 +29149,7 @@
               <a:buChar char="•"/>
             </a:pPr>
             <a:r>
-              <a:rPr lang="en-US" dirty="0" smtClean="0"/>
+              <a:rPr lang="en-US" dirty="0"/>
               <a:t>Other students’ seat will show with gray background color.</a:t>
             </a:r>
           </a:p>
@@ -29329,13 +29179,8 @@
           <a:p>
             <a:r>
               <a:rPr lang="en-US" dirty="0"/>
-              <a:t>Class </a:t>
-            </a:r>
-            <a:r>
-              <a:rPr lang="en-US" dirty="0" smtClean="0"/>
-              <a:t>detail seating chart – login as a student</a:t>
-            </a:r>
-            <a:endParaRPr lang="en-US" dirty="0"/>
+              <a:t>Class detail seating chart – login as a student</a:t>
+            </a:r>
           </a:p>
         </p:txBody>
       </p:sp>
@@ -29431,11 +29276,7 @@
             </a:pPr>
             <a:r>
               <a:rPr lang="en-US" dirty="0"/>
-              <a:t>W</a:t>
-            </a:r>
-            <a:r>
-              <a:rPr lang="en-US" dirty="0" smtClean="0"/>
-              <a:t>hen login as a teacher, he can see all students’ seat on the chart.</a:t>
+              <a:t>When login as a teacher, he can see all students’ seat on the chart.</a:t>
             </a:r>
           </a:p>
           <a:p>
@@ -29444,7 +29285,7 @@
               <a:buChar char="•"/>
             </a:pPr>
             <a:r>
-              <a:rPr lang="en-US" dirty="0" smtClean="0"/>
+              <a:rPr lang="en-US" dirty="0"/>
               <a:t>A teacher can click edit button and then drag/drop/delete a student’s seat.</a:t>
             </a:r>
           </a:p>
@@ -29454,7 +29295,7 @@
               <a:buChar char="•"/>
             </a:pPr>
             <a:r>
-              <a:rPr lang="en-US" dirty="0" smtClean="0"/>
+              <a:rPr lang="en-US" dirty="0"/>
               <a:t>A teacher can save or cancel edit.</a:t>
             </a:r>
           </a:p>
@@ -29484,13 +29325,8 @@
           <a:p>
             <a:r>
               <a:rPr lang="en-US" dirty="0"/>
-              <a:t>Class </a:t>
-            </a:r>
-            <a:r>
-              <a:rPr lang="en-US" dirty="0" smtClean="0"/>
-              <a:t>detail seating chart – login as a teacher</a:t>
-            </a:r>
-            <a:endParaRPr lang="en-US" dirty="0"/>
+              <a:t>Class detail seating chart – login as a teacher</a:t>
+            </a:r>
           </a:p>
         </p:txBody>
       </p:sp>
@@ -29756,7 +29592,7 @@
           <a:lstStyle/>
           <a:p>
             <a:r>
-              <a:rPr lang="en-US" sz="2800" dirty="0" smtClean="0"/>
+              <a:rPr lang="en-US" sz="2800" dirty="0"/>
               <a:t>Click </a:t>
             </a:r>
             <a:r>
@@ -29765,35 +29601,26 @@
             </a:r>
             <a:r>
               <a:rPr lang="en-US" sz="2800" dirty="0"/>
-              <a:t> </a:t>
-            </a:r>
-            <a:r>
-              <a:rPr lang="en-US" sz="2800" dirty="0" smtClean="0"/>
-              <a:t> on all schools page and then go to  all users page.</a:t>
-            </a:r>
-          </a:p>
-          <a:p>
-            <a:r>
-              <a:rPr lang="en-US" sz="2800" dirty="0" smtClean="0"/>
+              <a:t>  on all schools page and then go to  all users page.</a:t>
+            </a:r>
+          </a:p>
+          <a:p>
+            <a:r>
+              <a:rPr lang="en-US" sz="2800" dirty="0"/>
               <a:t>All teachers/students will list here. </a:t>
             </a:r>
           </a:p>
           <a:p>
             <a:r>
-              <a:rPr lang="en-US" sz="2800" dirty="0" smtClean="0"/>
+              <a:rPr lang="en-US" sz="2800" dirty="0"/>
               <a:t>Click the filter on top right corn to filer teachers/students.</a:t>
             </a:r>
           </a:p>
           <a:p>
             <a:r>
               <a:rPr lang="en-US" sz="2800" dirty="0"/>
-              <a:t> </a:t>
-            </a:r>
-            <a:r>
-              <a:rPr lang="en-US" sz="2800" dirty="0" smtClean="0"/>
-              <a:t>teachers/students will be displayed with paginations.</a:t>
-            </a:r>
-            <a:endParaRPr lang="en-US" sz="2800" dirty="0"/>
+              <a:t> teachers/students will be displayed with paginations.</a:t>
+            </a:r>
           </a:p>
         </p:txBody>
       </p:sp>
@@ -29814,13 +29641,8 @@
           <a:p>
             <a:r>
               <a:rPr lang="en-US" dirty="0"/>
-              <a:t>ALL </a:t>
-            </a:r>
-            <a:r>
-              <a:rPr lang="en-US" dirty="0" smtClean="0"/>
-              <a:t>SCHOOLS – Teachers/Students</a:t>
-            </a:r>
-            <a:endParaRPr lang="en-US" dirty="0"/>
+              <a:t>ALL SCHOOLS – Teachers/Students</a:t>
+            </a:r>
           </a:p>
         </p:txBody>
       </p:sp>
@@ -29914,10 +29736,9 @@
           <a:lstStyle/>
           <a:p>
             <a:r>
-              <a:rPr lang="en-US" dirty="0" smtClean="0"/>
+              <a:rPr lang="en-US" dirty="0"/>
               <a:t>Demo Helper</a:t>
             </a:r>
-            <a:endParaRPr lang="en-US" dirty="0"/>
           </a:p>
         </p:txBody>
       </p:sp>
@@ -29988,15 +29809,15 @@
               <a:buChar char="•"/>
             </a:pPr>
             <a:r>
-              <a:rPr lang="en-US" dirty="0" smtClean="0"/>
+              <a:rPr lang="en-US" dirty="0"/>
               <a:t>Click </a:t>
             </a:r>
             <a:r>
-              <a:rPr lang="en-US" b="1" dirty="0" smtClean="0"/>
+              <a:rPr lang="en-US" b="1" dirty="0"/>
               <a:t>Demo Helper </a:t>
             </a:r>
             <a:r>
-              <a:rPr lang="en-US" dirty="0" smtClean="0"/>
+              <a:rPr lang="en-US" dirty="0"/>
               <a:t>on top right corner to open helper.</a:t>
             </a:r>
           </a:p>
@@ -30006,15 +29827,15 @@
               <a:buChar char="•"/>
             </a:pPr>
             <a:r>
-              <a:rPr lang="en-US" dirty="0" smtClean="0"/>
+              <a:rPr lang="en-US" dirty="0"/>
               <a:t>It will show information like Controller, View, Services, </a:t>
             </a:r>
             <a:r>
-              <a:rPr lang="en-US" dirty="0" err="1" smtClean="0"/>
+              <a:rPr lang="en-US" dirty="0" err="1"/>
               <a:t>ViewModel</a:t>
             </a:r>
             <a:r>
-              <a:rPr lang="en-US" dirty="0" smtClean="0"/>
+              <a:rPr lang="en-US" dirty="0"/>
               <a:t> of current page.</a:t>
             </a:r>
           </a:p>
@@ -30024,18 +29845,17 @@
               <a:buChar char="•"/>
             </a:pPr>
             <a:r>
-              <a:rPr lang="en-US" dirty="0" smtClean="0"/>
+              <a:rPr lang="en-US" dirty="0"/>
               <a:t>Click </a:t>
             </a:r>
             <a:r>
-              <a:rPr lang="en-US" b="1" dirty="0" smtClean="0"/>
+              <a:rPr lang="en-US" b="1" dirty="0"/>
               <a:t>X</a:t>
             </a:r>
             <a:r>
-              <a:rPr lang="en-US" dirty="0" smtClean="0"/>
+              <a:rPr lang="en-US" dirty="0"/>
               <a:t> to hide helper.</a:t>
             </a:r>
-            <a:endParaRPr lang="en-US" dirty="0"/>
           </a:p>
         </p:txBody>
       </p:sp>
@@ -30055,10 +29875,9 @@
           <a:lstStyle/>
           <a:p>
             <a:r>
-              <a:rPr lang="en-US" dirty="0" smtClean="0"/>
+              <a:rPr lang="en-US" dirty="0"/>
               <a:t>Demo Helper</a:t>
             </a:r>
-            <a:endParaRPr lang="en-US" dirty="0"/>
           </a:p>
         </p:txBody>
       </p:sp>
@@ -30793,18 +30612,17 @@
           <a:p>
             <a:pPr marL="571500" indent="-571500"/>
             <a:r>
-              <a:rPr lang="en-US" dirty="0" smtClean="0"/>
+              <a:rPr lang="en-US" dirty="0"/>
               <a:t>Click </a:t>
             </a:r>
             <a:r>
-              <a:rPr lang="en-US" b="1" dirty="0" smtClean="0"/>
+              <a:rPr lang="en-US" b="1" dirty="0"/>
               <a:t>Azure Active Directory </a:t>
             </a:r>
             <a:r>
-              <a:rPr lang="en-US" dirty="0" smtClean="0"/>
+              <a:rPr lang="en-US" dirty="0"/>
               <a:t>icon on left navigation panel. </a:t>
             </a:r>
-            <a:endParaRPr lang="en-US" dirty="0"/>
           </a:p>
           <a:p>
             <a:r>
@@ -30822,18 +30640,17 @@
           </a:p>
           <a:p>
             <a:r>
-              <a:rPr lang="en-US" dirty="0" smtClean="0"/>
+              <a:rPr lang="en-US" dirty="0"/>
               <a:t>If the default AD opened is not </a:t>
             </a:r>
             <a:r>
-              <a:rPr lang="en-US" b="1" dirty="0" smtClean="0"/>
+              <a:rPr lang="en-US" b="1" dirty="0"/>
               <a:t>Canviz EDU</a:t>
             </a:r>
             <a:r>
-              <a:rPr lang="en-US" dirty="0" smtClean="0"/>
+              <a:rPr lang="en-US" dirty="0"/>
               <a:t>, switch AD by click user icon on top right corner of the page.</a:t>
             </a:r>
-            <a:endParaRPr lang="en-US" dirty="0"/>
           </a:p>
         </p:txBody>
       </p:sp>
@@ -30932,11 +30749,11 @@
               <a:t>Click the </a:t>
             </a:r>
             <a:r>
-              <a:rPr lang="en-US" b="1" dirty="0" smtClean="0"/>
+              <a:rPr lang="en-US" b="1" dirty="0"/>
               <a:t>Users and groups</a:t>
             </a:r>
             <a:r>
-              <a:rPr lang="en-US" dirty="0" smtClean="0"/>
+              <a:rPr lang="en-US" dirty="0"/>
               <a:t> and then click All users. All users will show. </a:t>
             </a:r>
           </a:p>
@@ -31077,54 +30894,30 @@
           <a:p>
             <a:r>
               <a:rPr lang="en-US" sz="3600" dirty="0"/>
-              <a:t>Click a </a:t>
-            </a:r>
-            <a:r>
-              <a:rPr lang="en-US" sz="3600" dirty="0" smtClean="0"/>
-              <a:t>user’s name </a:t>
-            </a:r>
+              <a:t>Click a user’s name and open the user detail page.</a:t>
+            </a:r>
+          </a:p>
+          <a:p>
             <a:r>
               <a:rPr lang="en-US" sz="3600" dirty="0"/>
-              <a:t>and open the </a:t>
-            </a:r>
-            <a:r>
-              <a:rPr lang="en-US" sz="3600" dirty="0" smtClean="0"/>
-              <a:t>user detail </a:t>
+              <a:t>Click </a:t>
+            </a:r>
+            <a:r>
+              <a:rPr lang="en-US" sz="3600" b="1" dirty="0"/>
+              <a:t>Profile</a:t>
             </a:r>
             <a:r>
               <a:rPr lang="en-US" sz="3600" dirty="0"/>
-              <a:t>page</a:t>
-            </a:r>
-            <a:r>
-              <a:rPr lang="en-US" sz="3600" dirty="0" smtClean="0"/>
-              <a:t>.</a:t>
-            </a:r>
-          </a:p>
-          <a:p>
-            <a:r>
-              <a:rPr lang="en-US" sz="3600" dirty="0" smtClean="0"/>
-              <a:t>Click </a:t>
-            </a:r>
-            <a:r>
-              <a:rPr lang="en-US" sz="3600" b="1" dirty="0" smtClean="0"/>
-              <a:t>Profile</a:t>
-            </a:r>
-            <a:r>
-              <a:rPr lang="en-US" sz="3600" dirty="0" smtClean="0"/>
               <a:t> will open edit profile page.</a:t>
             </a:r>
           </a:p>
           <a:p>
             <a:r>
-              <a:rPr lang="en-US" sz="3600" dirty="0" smtClean="0"/>
-              <a:t>Update </a:t>
-            </a:r>
-            <a:r>
               <a:rPr lang="en-US" sz="3600" dirty="0"/>
-              <a:t>user information like </a:t>
-            </a:r>
-            <a:r>
-              <a:rPr lang="en-US" sz="3600" b="1" dirty="0" smtClean="0"/>
+              <a:t>Update user information like </a:t>
+            </a:r>
+            <a:r>
+              <a:rPr lang="en-US" sz="3600" b="1" dirty="0"/>
               <a:t>Job title.</a:t>
             </a:r>
             <a:endParaRPr lang="en-US" sz="3600" dirty="0"/>
@@ -31132,11 +30925,7 @@
           <a:p>
             <a:r>
               <a:rPr lang="en-US" sz="3600" dirty="0"/>
-              <a:t>Save </a:t>
-            </a:r>
-            <a:r>
-              <a:rPr lang="en-US" sz="3600" dirty="0" smtClean="0"/>
-              <a:t>changes.</a:t>
+              <a:t>Save changes.</a:t>
             </a:r>
           </a:p>
           <a:p>
@@ -31181,7 +30970,6 @@
               <a:rPr lang="en-US" sz="2400" b="1" dirty="0"/>
               <a:t>Notice: </a:t>
             </a:r>
-            <a:endParaRPr lang="en-US" sz="2400" b="1" dirty="0" smtClean="0"/>
           </a:p>
           <a:p>
             <a:pPr marL="457200" indent="-457200">
@@ -31194,7 +30982,7 @@
               <a:buAutoNum type="arabicPeriod"/>
             </a:pPr>
             <a:r>
-              <a:rPr lang="en-US" sz="2400" b="1" dirty="0" smtClean="0"/>
+              <a:rPr lang="en-US" sz="2400" b="1" dirty="0"/>
               <a:t>An O365 user can only be synced after linked with a local account.</a:t>
             </a:r>
           </a:p>
@@ -31209,7 +30997,7 @@
               <a:buAutoNum type="arabicPeriod"/>
             </a:pPr>
             <a:r>
-              <a:rPr lang="en-US" sz="2400" b="1" dirty="0" smtClean="0"/>
+              <a:rPr lang="en-US" sz="2400" b="1" dirty="0"/>
               <a:t>Only properties of Department, Job Title and Mobile can be synced.</a:t>
             </a:r>
           </a:p>
@@ -31222,7 +31010,7 @@
                 <a:spcPts val="600"/>
               </a:spcAft>
             </a:pPr>
-            <a:endParaRPr lang="en-US" sz="2400" dirty="0" err="1" smtClean="0">
+            <a:endParaRPr lang="en-US" sz="2400" dirty="0" err="1">
               <a:gradFill>
                 <a:gsLst>
                   <a:gs pos="2917">
@@ -31679,7 +31467,7 @@
           <a:p>
             <a:pPr marL="527050" lvl="1" indent="-285750"/>
             <a:r>
-              <a:rPr lang="en-US" sz="2800" dirty="0" smtClean="0">
+              <a:rPr lang="en-US" sz="2800" dirty="0">
                 <a:latin typeface="+mj-lt"/>
               </a:rPr>
               <a:t>Admin can link use an existing local account.</a:t>
@@ -31688,20 +31476,11 @@
           <a:p>
             <a:pPr marL="527050" lvl="1" indent="-285750"/>
             <a:r>
-              <a:rPr lang="en-US" sz="2800" dirty="0" smtClean="0">
+              <a:rPr lang="en-US" sz="2800" dirty="0">
                 <a:latin typeface="+mj-lt"/>
               </a:rPr>
-              <a:t>Admin can create a local account and then link</a:t>
-            </a:r>
-            <a:r>
-              <a:rPr lang="en-US" sz="2800" dirty="0" smtClean="0">
-                <a:latin typeface="+mj-lt"/>
-              </a:rPr>
-              <a:t>.</a:t>
-            </a:r>
-            <a:endParaRPr lang="en-US" sz="2800" dirty="0" smtClean="0">
-              <a:latin typeface="+mj-lt"/>
-            </a:endParaRPr>
+              <a:t>Admin can create a local account and then link.</a:t>
+            </a:r>
           </a:p>
         </p:txBody>
       </p:sp>
@@ -31817,14 +31596,11 @@
               <a:buNone/>
             </a:pPr>
             <a:r>
-              <a:rPr lang="en-US" sz="2800" dirty="0" smtClean="0">
+              <a:rPr lang="en-US" sz="2800" dirty="0">
                 <a:latin typeface="+mj-lt"/>
               </a:rPr>
               <a:t>If a local account already exists with the same email as O365 email, Create Local Account will be disabled.</a:t>
             </a:r>
-            <a:endParaRPr lang="en-US" sz="2800" dirty="0">
-              <a:latin typeface="+mj-lt"/>
-            </a:endParaRPr>
           </a:p>
         </p:txBody>
       </p:sp>
@@ -31844,10 +31620,9 @@
           <a:lstStyle/>
           <a:p>
             <a:r>
-              <a:rPr lang="en-US" dirty="0" smtClean="0"/>
+              <a:rPr lang="en-US" dirty="0"/>
               <a:t>If Account with Same Email Exists</a:t>
             </a:r>
-            <a:endParaRPr lang="en-US" dirty="0"/>
           </a:p>
         </p:txBody>
       </p:sp>
@@ -31943,33 +31718,16 @@
             </a:pPr>
             <a:r>
               <a:rPr lang="en-US" dirty="0"/>
-              <a:t>If you have a </a:t>
-            </a:r>
-            <a:r>
-              <a:rPr lang="en-US" dirty="0" smtClean="0"/>
-              <a:t>local </a:t>
+              <a:t>If you have a local account, click </a:t>
+            </a:r>
+            <a:r>
+              <a:rPr lang="en-US" b="1" dirty="0"/>
+              <a:t>Link with existing Local Account</a:t>
             </a:r>
             <a:r>
               <a:rPr lang="en-US" dirty="0"/>
-              <a:t>account, </a:t>
-            </a:r>
-            <a:r>
-              <a:rPr lang="en-US" dirty="0" smtClean="0"/>
-              <a:t>click </a:t>
-            </a:r>
-            <a:r>
-              <a:rPr lang="en-US" b="1" dirty="0" smtClean="0"/>
-              <a:t>Link with existing Local Account</a:t>
-            </a:r>
-            <a:r>
-              <a:rPr lang="en-US" dirty="0" smtClean="0"/>
-              <a:t> will link O365 account to local account</a:t>
-            </a:r>
-            <a:r>
-              <a:rPr lang="en-US" dirty="0" smtClean="0"/>
-              <a:t>.</a:t>
-            </a:r>
-            <a:endParaRPr lang="en-US" dirty="0" smtClean="0"/>
+              <a:t> will link O365 account to local account.</a:t>
+            </a:r>
           </a:p>
           <a:p>
             <a:pPr marL="571500" indent="-571500">
@@ -31977,7 +31735,7 @@
               <a:buChar char="•"/>
             </a:pPr>
             <a:r>
-              <a:rPr lang="en-US" dirty="0" smtClean="0"/>
+              <a:rPr lang="en-US" dirty="0"/>
               <a:t>After link succeed it will go to all schools page. </a:t>
             </a:r>
           </a:p>
@@ -31987,10 +31745,9 @@
               <a:buChar char="•"/>
             </a:pPr>
             <a:r>
-              <a:rPr lang="en-US" dirty="0" smtClean="0"/>
+              <a:rPr lang="en-US" dirty="0"/>
               <a:t>Admin can also go to admin panel on top navigation.</a:t>
             </a:r>
-            <a:endParaRPr lang="en-US" dirty="0"/>
           </a:p>
         </p:txBody>
       </p:sp>
@@ -32016,15 +31773,7 @@
           <a:p>
             <a:r>
               <a:rPr lang="en-US" dirty="0"/>
-              <a:t>Link the Admin Account </a:t>
-            </a:r>
-            <a:r>
-              <a:rPr lang="en-US" dirty="0" smtClean="0"/>
-              <a:t>to Existing Local </a:t>
-            </a:r>
-            <a:r>
-              <a:rPr lang="en-US" dirty="0"/>
-              <a:t>Account</a:t>
+              <a:t>Link the Admin Account to Existing Local Account</a:t>
             </a:r>
           </a:p>
         </p:txBody>
@@ -32111,10 +31860,9 @@
           <a:lstStyle/>
           <a:p>
             <a:r>
-              <a:rPr lang="en-US" dirty="0" smtClean="0"/>
+              <a:rPr lang="en-US" dirty="0"/>
               <a:t>Create Local account and Link</a:t>
             </a:r>
-            <a:endParaRPr lang="en-US" dirty="0"/>
           </a:p>
         </p:txBody>
       </p:sp>
@@ -32142,28 +31890,23 @@
           <a:lstStyle/>
           <a:p>
             <a:r>
-              <a:rPr lang="en-US" dirty="0" smtClean="0"/>
+              <a:rPr lang="en-US" dirty="0"/>
               <a:t>If there’s no local account admin can create a new local account and then link.</a:t>
             </a:r>
           </a:p>
           <a:p>
             <a:r>
-              <a:rPr lang="en-US" dirty="0" smtClean="0"/>
-              <a:t>Select favorite color </a:t>
-            </a:r>
-            <a:r>
-              <a:rPr lang="en-US" dirty="0" smtClean="0"/>
-              <a:t>and then click </a:t>
-            </a:r>
-            <a:r>
-              <a:rPr lang="en-US" b="1" dirty="0" smtClean="0"/>
+              <a:rPr lang="en-US" dirty="0"/>
+              <a:t>Select favorite color and then click </a:t>
+            </a:r>
+            <a:r>
+              <a:rPr lang="en-US" b="1" dirty="0"/>
               <a:t>Create and Link</a:t>
             </a:r>
             <a:r>
-              <a:rPr lang="en-US" dirty="0" smtClean="0"/>
+              <a:rPr lang="en-US" dirty="0"/>
               <a:t> button.</a:t>
             </a:r>
-            <a:endParaRPr lang="en-US" dirty="0"/>
           </a:p>
         </p:txBody>
       </p:sp>
@@ -33670,6 +33413,12 @@
 </file>
 
 <file path=customXml/item2.xml><?xml version="1.0" encoding="utf-8"?>
+<p:properties xmlns:p="http://schemas.microsoft.com/office/2006/metadata/properties" xmlns:xsi="http://www.w3.org/2001/XMLSchema-instance" xmlns:pc="http://schemas.microsoft.com/office/infopath/2007/PartnerControls">
+  <documentManagement/>
+</p:properties>
+</file>
+
+<file path=customXml/item3.xml><?xml version="1.0" encoding="utf-8"?>
 <ct:contentTypeSchema xmlns:ct="http://schemas.microsoft.com/office/2006/metadata/contentType" xmlns:ma="http://schemas.microsoft.com/office/2006/metadata/properties/metaAttributes" ct:_="" ma:_="" ma:contentTypeName="Document" ma:contentTypeID="0x01010053433B08FA9EE742BB667ECEF5AA0226" ma:contentTypeVersion="4" ma:contentTypeDescription="Create a new document." ma:contentTypeScope="" ma:versionID="898350153c3cb7409c9d00c11df4aa1a">
   <xsd:schema xmlns:xsd="http://www.w3.org/2001/XMLSchema" xmlns:xs="http://www.w3.org/2001/XMLSchema" xmlns:p="http://schemas.microsoft.com/office/2006/metadata/properties" xmlns:ns2="09eba053-c572-4474-974d-b0bef0e9174f" targetNamespace="http://schemas.microsoft.com/office/2006/metadata/properties" ma:root="true" ma:fieldsID="f69afda497831ad76ed280df00c0bf48" ns2:_="">
     <xsd:import namespace="09eba053-c572-4474-974d-b0bef0e9174f"/>
@@ -33831,12 +33580,6 @@
 </ct:contentTypeSchema>
 </file>
 
-<file path=customXml/item3.xml><?xml version="1.0" encoding="utf-8"?>
-<p:properties xmlns:p="http://schemas.microsoft.com/office/2006/metadata/properties" xmlns:xsi="http://www.w3.org/2001/XMLSchema-instance" xmlns:pc="http://schemas.microsoft.com/office/infopath/2007/PartnerControls">
-  <documentManagement/>
-</p:properties>
-</file>
-
 <file path=customXml/itemProps1.xml><?xml version="1.0" encoding="utf-8"?>
 <ds:datastoreItem xmlns:ds="http://schemas.openxmlformats.org/officeDocument/2006/customXml" ds:itemID="{41543473-98BF-41A8-AEE8-AF1C274C4DD8}">
   <ds:schemaRefs>
@@ -33846,6 +33589,22 @@
 </file>
 
 <file path=customXml/itemProps2.xml><?xml version="1.0" encoding="utf-8"?>
+<ds:datastoreItem xmlns:ds="http://schemas.openxmlformats.org/officeDocument/2006/customXml" ds:itemID="{479EF7F2-79F0-4950-9137-4016BE64CE46}">
+  <ds:schemaRefs>
+    <ds:schemaRef ds:uri="http://purl.org/dc/elements/1.1/"/>
+    <ds:schemaRef ds:uri="http://schemas.microsoft.com/office/2006/metadata/properties"/>
+    <ds:schemaRef ds:uri="09eba053-c572-4474-974d-b0bef0e9174f"/>
+    <ds:schemaRef ds:uri="http://schemas.microsoft.com/office/2006/documentManagement/types"/>
+    <ds:schemaRef ds:uri="http://purl.org/dc/terms/"/>
+    <ds:schemaRef ds:uri="http://schemas.openxmlformats.org/package/2006/metadata/core-properties"/>
+    <ds:schemaRef ds:uri="http://purl.org/dc/dcmitype/"/>
+    <ds:schemaRef ds:uri="http://schemas.microsoft.com/office/infopath/2007/PartnerControls"/>
+    <ds:schemaRef ds:uri="http://www.w3.org/XML/1998/namespace"/>
+  </ds:schemaRefs>
+</ds:datastoreItem>
+</file>
+
+<file path=customXml/itemProps3.xml><?xml version="1.0" encoding="utf-8"?>
 <ds:datastoreItem xmlns:ds="http://schemas.openxmlformats.org/officeDocument/2006/customXml" ds:itemID="{55F7FE33-E5CA-47B4-B8F6-126891A96CF6}">
   <ds:schemaRefs>
     <ds:schemaRef ds:uri="http://schemas.microsoft.com/office/2006/metadata/contentType"/>
@@ -33861,20 +33620,4 @@
     <ds:schemaRef ds:uri="http://schemas.microsoft.com/internal/obd"/>
   </ds:schemaRefs>
 </ds:datastoreItem>
-</file>
-
-<file path=customXml/itemProps3.xml><?xml version="1.0" encoding="utf-8"?>
-<ds:datastoreItem xmlns:ds="http://schemas.openxmlformats.org/officeDocument/2006/customXml" ds:itemID="{479EF7F2-79F0-4950-9137-4016BE64CE46}">
-  <ds:schemaRefs>
-    <ds:schemaRef ds:uri="http://schemas.openxmlformats.org/package/2006/metadata/core-properties"/>
-    <ds:schemaRef ds:uri="http://purl.org/dc/terms/"/>
-    <ds:schemaRef ds:uri="09eba053-c572-4474-974d-b0bef0e9174f"/>
-    <ds:schemaRef ds:uri="http://schemas.microsoft.com/office/infopath/2007/PartnerControls"/>
-    <ds:schemaRef ds:uri="http://www.w3.org/XML/1998/namespace"/>
-    <ds:schemaRef ds:uri="http://schemas.microsoft.com/office/2006/documentManagement/types"/>
-    <ds:schemaRef ds:uri="http://purl.org/dc/dcmitype/"/>
-    <ds:schemaRef ds:uri="http://schemas.microsoft.com/office/2006/metadata/properties"/>
-    <ds:schemaRef ds:uri="http://purl.org/dc/elements/1.1/"/>
-  </ds:schemaRefs>
-</ds:datastoreItem>
 </file>
--- a/EDU GRAPH-API Demo Script.pptx
+++ b/EDU GRAPH-API Demo Script.pptx
@@ -7,10 +7,10 @@
     <p:sldMasterId id="2147484307" r:id="rId6"/>
   </p:sldMasterIdLst>
   <p:notesMasterIdLst>
-    <p:notesMasterId r:id="rId57"/>
+    <p:notesMasterId r:id="rId60"/>
   </p:notesMasterIdLst>
   <p:handoutMasterIdLst>
-    <p:handoutMasterId r:id="rId58"/>
+    <p:handoutMasterId r:id="rId61"/>
   </p:handoutMasterIdLst>
   <p:sldIdLst>
     <p:sldId id="258" r:id="rId7"/>
@@ -26,43 +26,46 @@
     <p:sldId id="305" r:id="rId17"/>
     <p:sldId id="337" r:id="rId18"/>
     <p:sldId id="306" r:id="rId19"/>
-    <p:sldId id="307" r:id="rId20"/>
-    <p:sldId id="334" r:id="rId21"/>
-    <p:sldId id="336" r:id="rId22"/>
-    <p:sldId id="308" r:id="rId23"/>
-    <p:sldId id="309" r:id="rId24"/>
-    <p:sldId id="311" r:id="rId25"/>
-    <p:sldId id="338" r:id="rId26"/>
-    <p:sldId id="339" r:id="rId27"/>
-    <p:sldId id="312" r:id="rId28"/>
-    <p:sldId id="333" r:id="rId29"/>
-    <p:sldId id="313" r:id="rId30"/>
-    <p:sldId id="314" r:id="rId31"/>
-    <p:sldId id="315" r:id="rId32"/>
-    <p:sldId id="316" r:id="rId33"/>
-    <p:sldId id="340" r:id="rId34"/>
-    <p:sldId id="341" r:id="rId35"/>
-    <p:sldId id="317" r:id="rId36"/>
-    <p:sldId id="318" r:id="rId37"/>
-    <p:sldId id="319" r:id="rId38"/>
-    <p:sldId id="320" r:id="rId39"/>
-    <p:sldId id="321" r:id="rId40"/>
-    <p:sldId id="322" r:id="rId41"/>
-    <p:sldId id="323" r:id="rId42"/>
-    <p:sldId id="342" r:id="rId43"/>
-    <p:sldId id="343" r:id="rId44"/>
-    <p:sldId id="349" r:id="rId45"/>
-    <p:sldId id="350" r:id="rId46"/>
-    <p:sldId id="347" r:id="rId47"/>
-    <p:sldId id="348" r:id="rId48"/>
-    <p:sldId id="324" r:id="rId49"/>
-    <p:sldId id="325" r:id="rId50"/>
-    <p:sldId id="326" r:id="rId51"/>
-    <p:sldId id="331" r:id="rId52"/>
-    <p:sldId id="328" r:id="rId53"/>
-    <p:sldId id="329" r:id="rId54"/>
-    <p:sldId id="330" r:id="rId55"/>
-    <p:sldId id="332" r:id="rId56"/>
+    <p:sldId id="352" r:id="rId20"/>
+    <p:sldId id="307" r:id="rId21"/>
+    <p:sldId id="334" r:id="rId22"/>
+    <p:sldId id="336" r:id="rId23"/>
+    <p:sldId id="308" r:id="rId24"/>
+    <p:sldId id="309" r:id="rId25"/>
+    <p:sldId id="311" r:id="rId26"/>
+    <p:sldId id="338" r:id="rId27"/>
+    <p:sldId id="339" r:id="rId28"/>
+    <p:sldId id="353" r:id="rId29"/>
+    <p:sldId id="312" r:id="rId30"/>
+    <p:sldId id="333" r:id="rId31"/>
+    <p:sldId id="313" r:id="rId32"/>
+    <p:sldId id="314" r:id="rId33"/>
+    <p:sldId id="315" r:id="rId34"/>
+    <p:sldId id="316" r:id="rId35"/>
+    <p:sldId id="340" r:id="rId36"/>
+    <p:sldId id="341" r:id="rId37"/>
+    <p:sldId id="354" r:id="rId38"/>
+    <p:sldId id="317" r:id="rId39"/>
+    <p:sldId id="318" r:id="rId40"/>
+    <p:sldId id="319" r:id="rId41"/>
+    <p:sldId id="320" r:id="rId42"/>
+    <p:sldId id="321" r:id="rId43"/>
+    <p:sldId id="322" r:id="rId44"/>
+    <p:sldId id="323" r:id="rId45"/>
+    <p:sldId id="342" r:id="rId46"/>
+    <p:sldId id="343" r:id="rId47"/>
+    <p:sldId id="349" r:id="rId48"/>
+    <p:sldId id="350" r:id="rId49"/>
+    <p:sldId id="347" r:id="rId50"/>
+    <p:sldId id="348" r:id="rId51"/>
+    <p:sldId id="324" r:id="rId52"/>
+    <p:sldId id="325" r:id="rId53"/>
+    <p:sldId id="326" r:id="rId54"/>
+    <p:sldId id="331" r:id="rId55"/>
+    <p:sldId id="328" r:id="rId56"/>
+    <p:sldId id="329" r:id="rId57"/>
+    <p:sldId id="330" r:id="rId58"/>
+    <p:sldId id="332" r:id="rId59"/>
   </p:sldIdLst>
   <p:sldSz cx="12436475" cy="6994525"/>
   <p:notesSz cx="6858000" cy="9144000"/>
@@ -183,6 +186,7 @@
             <p14:sldId id="305"/>
             <p14:sldId id="337"/>
             <p14:sldId id="306"/>
+            <p14:sldId id="352"/>
           </p14:sldIdLst>
         </p14:section>
         <p14:section name="Local Login Authentication Flow" id="{25416694-119D-4363-B320-6A7BB1A3E3D2}">
@@ -195,6 +199,7 @@
             <p14:sldId id="311"/>
             <p14:sldId id="338"/>
             <p14:sldId id="339"/>
+            <p14:sldId id="353"/>
           </p14:sldIdLst>
         </p14:section>
         <p14:section name="O365 Login Authentication Flow" id="{C63FAAB1-855C-443B-849C-93575DC9D136}">
@@ -207,6 +212,7 @@
             <p14:sldId id="316"/>
             <p14:sldId id="340"/>
             <p14:sldId id="341"/>
+            <p14:sldId id="354"/>
           </p14:sldIdLst>
         </p14:section>
         <p14:section name="ALL SCHOOLS" id="{8D67A21E-4116-4C6A-AAF3-2646FA38759A}">
@@ -372,7 +378,7 @@
               <a:rPr lang="en-US" smtClean="0">
                 <a:latin typeface="Segoe UI" pitchFamily="34" charset="0"/>
               </a:rPr>
-              <a:t>2/9/2017 15:38</a:t>
+              <a:t>2/9/2017 5:30 PM</a:t>
             </a:fld>
             <a:endParaRPr lang="en-US" dirty="0">
               <a:latin typeface="Segoe UI" pitchFamily="34" charset="0"/>
@@ -655,7 +661,7 @@
           <a:p>
             <a:fld id="{38EEC551-8CDA-4EB6-89BB-2A86C9F091C8}" type="datetime8">
               <a:rPr lang="en-US" smtClean="0"/>
-              <a:t>2/9/2017 15:38</a:t>
+              <a:t>2/9/2017 5:30 PM</a:t>
             </a:fld>
             <a:endParaRPr lang="en-US" dirty="0"/>
           </a:p>
@@ -1764,22 +1770,101 @@
       </p:sp>
       <p:sp>
         <p:nvSpPr>
-          <p:cNvPr id="4" name="Footer Placeholder 3"/>
-          <p:cNvSpPr>
-            <a:spLocks noGrp="1"/>
-          </p:cNvSpPr>
-          <p:nvPr>
-            <p:ph type="ftr" sz="quarter" idx="10"/>
-          </p:nvPr>
-        </p:nvSpPr>
-        <p:spPr/>
-        <p:txBody>
-          <a:bodyPr/>
-          <a:lstStyle/>
-          <a:p>
-            <a:pPr defTabSz="914099" eaLnBrk="0" hangingPunct="0"/>
-            <a:r>
-              <a:rPr lang="en-US" sz="400">
+          <p:cNvPr id="4" name="Header Placeholder 3"/>
+          <p:cNvSpPr>
+            <a:spLocks noGrp="1"/>
+          </p:cNvSpPr>
+          <p:nvPr>
+            <p:ph type="hdr" sz="quarter" idx="10"/>
+          </p:nvPr>
+        </p:nvSpPr>
+        <p:spPr/>
+        <p:txBody>
+          <a:bodyPr/>
+          <a:lstStyle/>
+          <a:p>
+            <a:pPr marL="0" marR="0" lvl="0" indent="0" defTabSz="914400" eaLnBrk="1" fontAlgn="auto" latinLnBrk="0" hangingPunct="1">
+              <a:lnSpc>
+                <a:spcPct val="100000"/>
+              </a:lnSpc>
+              <a:spcBef>
+                <a:spcPts val="0"/>
+              </a:spcBef>
+              <a:spcAft>
+                <a:spcPts val="0"/>
+              </a:spcAft>
+              <a:buClrTx/>
+              <a:buSzTx/>
+              <a:buFontTx/>
+              <a:buNone/>
+              <a:tabLst/>
+              <a:defRPr/>
+            </a:pPr>
+            <a:r>
+              <a:rPr kumimoji="0" lang="en-US" sz="1800" b="0" i="0" u="none" strike="noStrike" kern="0" cap="none" spc="0" normalizeH="0" baseline="0" noProof="0">
+                <a:ln>
+                  <a:noFill/>
+                </a:ln>
+                <a:solidFill>
+                  <a:prstClr val="black"/>
+                </a:solidFill>
+                <a:effectLst/>
+                <a:uLnTx/>
+                <a:uFillTx/>
+              </a:rPr>
+              <a:t>Build 2014</a:t>
+            </a:r>
+            <a:endParaRPr kumimoji="0" lang="en-US" sz="1800" b="0" i="0" u="none" strike="noStrike" kern="0" cap="none" spc="0" normalizeH="0" baseline="0" noProof="0" dirty="0">
+              <a:ln>
+                <a:noFill/>
+              </a:ln>
+              <a:solidFill>
+                <a:prstClr val="black"/>
+              </a:solidFill>
+              <a:effectLst/>
+              <a:uLnTx/>
+              <a:uFillTx/>
+            </a:endParaRPr>
+          </a:p>
+        </p:txBody>
+      </p:sp>
+      <p:sp>
+        <p:nvSpPr>
+          <p:cNvPr id="5" name="Footer Placeholder 4"/>
+          <p:cNvSpPr>
+            <a:spLocks noGrp="1"/>
+          </p:cNvSpPr>
+          <p:nvPr>
+            <p:ph type="ftr" sz="quarter" idx="11"/>
+          </p:nvPr>
+        </p:nvSpPr>
+        <p:spPr/>
+        <p:txBody>
+          <a:bodyPr/>
+          <a:lstStyle/>
+          <a:p>
+            <a:pPr marL="0" marR="0" lvl="0" indent="0" defTabSz="914099" eaLnBrk="0" fontAlgn="auto" latinLnBrk="0" hangingPunct="0">
+              <a:lnSpc>
+                <a:spcPct val="100000"/>
+              </a:lnSpc>
+              <a:spcBef>
+                <a:spcPts val="0"/>
+              </a:spcBef>
+              <a:spcAft>
+                <a:spcPts val="0"/>
+              </a:spcAft>
+              <a:buClrTx/>
+              <a:buSzTx/>
+              <a:buFontTx/>
+              <a:buNone/>
+              <a:tabLst/>
+              <a:defRPr/>
+            </a:pPr>
+            <a:r>
+              <a:rPr kumimoji="0" lang="en-US" sz="400" b="0" i="0" u="none" strike="noStrike" kern="0" cap="none" spc="0" normalizeH="0" baseline="0" noProof="0">
+                <a:ln>
+                  <a:noFill/>
+                </a:ln>
                 <a:gradFill>
                   <a:gsLst>
                     <a:gs pos="0">
@@ -1791,13 +1876,19 @@
                   </a:gsLst>
                   <a:lin ang="5400000" scaled="0"/>
                 </a:gradFill>
+                <a:effectLst/>
+                <a:uLnTx/>
+                <a:uFillTx/>
                 <a:latin typeface="Segoe UI" pitchFamily="34" charset="0"/>
                 <a:ea typeface="Segoe UI" pitchFamily="34" charset="0"/>
                 <a:cs typeface="Segoe UI" pitchFamily="34" charset="0"/>
               </a:rPr>
               <a:t>© 2014 Microsoft Corporation. All rights reserved. Microsoft, Windows, and other product names are or may be registered trademarks and/or trademarks in the U.S. and/or other countries. The information herein is for informational purposes only and represents the current view of Microsoft Corporation as of the date of this presentation.  Because Microsoft must respond to changing market conditions, it should not be interpreted to be a commitment on the part of Microsoft, and Microsoft cannot guarantee the accuracy of any information provided after the date of this presentation.  MICROSOFT MAKES NO WARRANTIES, EXPRESS, IMPLIED OR STATUTORY, AS TO THE INFORMATION IN THIS PRESENTATION.</a:t>
             </a:r>
-            <a:endParaRPr lang="en-US" sz="400" dirty="0">
+            <a:endParaRPr kumimoji="0" lang="en-US" sz="400" b="0" i="0" u="none" strike="noStrike" kern="0" cap="none" spc="0" normalizeH="0" baseline="0" noProof="0" dirty="0">
+              <a:ln>
+                <a:noFill/>
+              </a:ln>
               <a:gradFill>
                 <a:gsLst>
                   <a:gs pos="0">
@@ -1809,6 +1900,9 @@
                 </a:gsLst>
                 <a:lin ang="5400000" scaled="0"/>
               </a:gradFill>
+              <a:effectLst/>
+              <a:uLnTx/>
+              <a:uFillTx/>
               <a:latin typeface="Segoe UI" pitchFamily="34" charset="0"/>
               <a:ea typeface="Segoe UI" pitchFamily="34" charset="0"/>
               <a:cs typeface="Segoe UI" pitchFamily="34" charset="0"/>
@@ -1818,95 +1912,154 @@
       </p:sp>
       <p:sp>
         <p:nvSpPr>
-          <p:cNvPr id="5" name="Date Placeholder 4"/>
-          <p:cNvSpPr>
-            <a:spLocks noGrp="1"/>
-          </p:cNvSpPr>
-          <p:nvPr>
-            <p:ph type="dt" idx="11"/>
-          </p:nvPr>
-        </p:nvSpPr>
-        <p:spPr/>
-        <p:txBody>
-          <a:bodyPr/>
-          <a:lstStyle/>
-          <a:p>
-            <a:fld id="{FCF63DAE-D37E-4C44-BD81-0E251F1BE300}" type="datetime1">
-              <a:rPr lang="en-US" smtClean="0">
+          <p:cNvPr id="6" name="Date Placeholder 5"/>
+          <p:cNvSpPr>
+            <a:spLocks noGrp="1"/>
+          </p:cNvSpPr>
+          <p:nvPr>
+            <p:ph type="dt" idx="12"/>
+          </p:nvPr>
+        </p:nvSpPr>
+        <p:spPr/>
+        <p:txBody>
+          <a:bodyPr/>
+          <a:lstStyle/>
+          <a:p>
+            <a:pPr marL="0" marR="0" lvl="0" indent="0" defTabSz="914400" eaLnBrk="1" fontAlgn="auto" latinLnBrk="0" hangingPunct="1">
+              <a:lnSpc>
+                <a:spcPct val="100000"/>
+              </a:lnSpc>
+              <a:spcBef>
+                <a:spcPts val="0"/>
+              </a:spcBef>
+              <a:spcAft>
+                <a:spcPts val="0"/>
+              </a:spcAft>
+              <a:buClrTx/>
+              <a:buSzTx/>
+              <a:buFontTx/>
+              <a:buNone/>
+              <a:tabLst/>
+              <a:defRPr/>
+            </a:pPr>
+            <a:fld id="{9F00D60D-1703-4D24-8308-FEE06A50A69C}" type="datetime1">
+              <a:rPr kumimoji="0" lang="en-US" sz="1800" b="0" i="0" u="none" strike="noStrike" kern="0" cap="none" spc="0" normalizeH="0" baseline="0" noProof="0" smtClean="0">
+                <a:ln>
+                  <a:noFill/>
+                </a:ln>
                 <a:solidFill>
                   <a:prstClr val="black"/>
                 </a:solidFill>
+                <a:effectLst/>
+                <a:uLnTx/>
+                <a:uFillTx/>
               </a:rPr>
-              <a:pPr/>
+              <a:pPr marL="0" marR="0" lvl="0" indent="0" defTabSz="914400" eaLnBrk="1" fontAlgn="auto" latinLnBrk="0" hangingPunct="1">
+                <a:lnSpc>
+                  <a:spcPct val="100000"/>
+                </a:lnSpc>
+                <a:spcBef>
+                  <a:spcPts val="0"/>
+                </a:spcBef>
+                <a:spcAft>
+                  <a:spcPts val="0"/>
+                </a:spcAft>
+                <a:buClrTx/>
+                <a:buSzTx/>
+                <a:buFontTx/>
+                <a:buNone/>
+                <a:tabLst/>
+                <a:defRPr/>
+              </a:pPr>
               <a:t>2/9/2017</a:t>
             </a:fld>
-            <a:endParaRPr lang="en-US" dirty="0">
+            <a:endParaRPr kumimoji="0" lang="en-US" sz="1800" b="0" i="0" u="none" strike="noStrike" kern="0" cap="none" spc="0" normalizeH="0" baseline="0" noProof="0" dirty="0">
+              <a:ln>
+                <a:noFill/>
+              </a:ln>
               <a:solidFill>
                 <a:prstClr val="black"/>
               </a:solidFill>
+              <a:effectLst/>
+              <a:uLnTx/>
+              <a:uFillTx/>
             </a:endParaRPr>
           </a:p>
         </p:txBody>
       </p:sp>
       <p:sp>
         <p:nvSpPr>
-          <p:cNvPr id="6" name="Slide Number Placeholder 5"/>
-          <p:cNvSpPr>
-            <a:spLocks noGrp="1"/>
-          </p:cNvSpPr>
-          <p:nvPr>
-            <p:ph type="sldNum" sz="quarter" idx="12"/>
-          </p:nvPr>
-        </p:nvSpPr>
-        <p:spPr/>
-        <p:txBody>
-          <a:bodyPr/>
-          <a:lstStyle/>
-          <a:p>
+          <p:cNvPr id="7" name="Slide Number Placeholder 6"/>
+          <p:cNvSpPr>
+            <a:spLocks noGrp="1"/>
+          </p:cNvSpPr>
+          <p:nvPr>
+            <p:ph type="sldNum" sz="quarter" idx="13"/>
+          </p:nvPr>
+        </p:nvSpPr>
+        <p:spPr/>
+        <p:txBody>
+          <a:bodyPr/>
+          <a:lstStyle/>
+          <a:p>
+            <a:pPr marL="0" marR="0" lvl="0" indent="0" defTabSz="914400" eaLnBrk="1" fontAlgn="auto" latinLnBrk="0" hangingPunct="1">
+              <a:lnSpc>
+                <a:spcPct val="100000"/>
+              </a:lnSpc>
+              <a:spcBef>
+                <a:spcPts val="0"/>
+              </a:spcBef>
+              <a:spcAft>
+                <a:spcPts val="0"/>
+              </a:spcAft>
+              <a:buClrTx/>
+              <a:buSzTx/>
+              <a:buFontTx/>
+              <a:buNone/>
+              <a:tabLst/>
+              <a:defRPr/>
+            </a:pPr>
             <a:fld id="{B4008EB6-D09E-4580-8CD6-DDB14511944F}" type="slidenum">
-              <a:rPr lang="en-US" smtClean="0">
+              <a:rPr kumimoji="0" lang="en-US" sz="1800" b="0" i="0" u="none" strike="noStrike" kern="0" cap="none" spc="0" normalizeH="0" baseline="0" noProof="0" smtClean="0">
+                <a:ln>
+                  <a:noFill/>
+                </a:ln>
                 <a:solidFill>
                   <a:prstClr val="black"/>
                 </a:solidFill>
+                <a:effectLst/>
+                <a:uLnTx/>
+                <a:uFillTx/>
               </a:rPr>
-              <a:pPr/>
+              <a:pPr marL="0" marR="0" lvl="0" indent="0" defTabSz="914400" eaLnBrk="1" fontAlgn="auto" latinLnBrk="0" hangingPunct="1">
+                <a:lnSpc>
+                  <a:spcPct val="100000"/>
+                </a:lnSpc>
+                <a:spcBef>
+                  <a:spcPts val="0"/>
+                </a:spcBef>
+                <a:spcAft>
+                  <a:spcPts val="0"/>
+                </a:spcAft>
+                <a:buClrTx/>
+                <a:buSzTx/>
+                <a:buFontTx/>
+                <a:buNone/>
+                <a:tabLst/>
+                <a:defRPr/>
+              </a:pPr>
               <a:t>14</a:t>
             </a:fld>
-            <a:endParaRPr lang="en-US" dirty="0">
+            <a:endParaRPr kumimoji="0" lang="en-US" sz="1800" b="0" i="0" u="none" strike="noStrike" kern="0" cap="none" spc="0" normalizeH="0" baseline="0" noProof="0" dirty="0">
+              <a:ln>
+                <a:noFill/>
+              </a:ln>
               <a:solidFill>
                 <a:prstClr val="black"/>
               </a:solidFill>
-            </a:endParaRPr>
-          </a:p>
-        </p:txBody>
-      </p:sp>
-      <p:sp>
-        <p:nvSpPr>
-          <p:cNvPr id="7" name="Header Placeholder 6"/>
-          <p:cNvSpPr>
-            <a:spLocks noGrp="1"/>
-          </p:cNvSpPr>
-          <p:nvPr>
-            <p:ph type="hdr" sz="quarter" idx="13"/>
-          </p:nvPr>
-        </p:nvSpPr>
-        <p:spPr/>
-        <p:txBody>
-          <a:bodyPr/>
-          <a:lstStyle/>
-          <a:p>
-            <a:r>
-              <a:rPr lang="en-US">
-                <a:solidFill>
-                  <a:prstClr val="black"/>
-                </a:solidFill>
-              </a:rPr>
-              <a:t>Build 2014</a:t>
-            </a:r>
-            <a:endParaRPr lang="en-US" dirty="0">
-              <a:solidFill>
-                <a:prstClr val="black"/>
-              </a:solidFill>
+              <a:effectLst/>
+              <a:uLnTx/>
+              <a:uFillTx/>
             </a:endParaRPr>
           </a:p>
         </p:txBody>
@@ -1914,7 +2067,7 @@
     </p:spTree>
     <p:extLst>
       <p:ext uri="{BB962C8B-B14F-4D97-AF65-F5344CB8AC3E}">
-        <p14:creationId xmlns:p14="http://schemas.microsoft.com/office/powerpoint/2010/main" val="1796512126"/>
+        <p14:creationId xmlns:p14="http://schemas.microsoft.com/office/powerpoint/2010/main" val="2094861003"/>
       </p:ext>
     </p:extLst>
   </p:cSld>
@@ -1974,43 +2127,12 @@
       </p:sp>
       <p:sp>
         <p:nvSpPr>
-          <p:cNvPr id="4" name="Header Placeholder 3"/>
-          <p:cNvSpPr>
-            <a:spLocks noGrp="1"/>
-          </p:cNvSpPr>
-          <p:nvPr>
-            <p:ph type="hdr" sz="quarter" idx="10"/>
-          </p:nvPr>
-        </p:nvSpPr>
-        <p:spPr/>
-        <p:txBody>
-          <a:bodyPr/>
-          <a:lstStyle/>
-          <a:p>
-            <a:r>
-              <a:rPr lang="en-US">
-                <a:solidFill>
-                  <a:prstClr val="black"/>
-                </a:solidFill>
-              </a:rPr>
-              <a:t>Build 2014</a:t>
-            </a:r>
-            <a:endParaRPr lang="en-US" dirty="0">
-              <a:solidFill>
-                <a:prstClr val="black"/>
-              </a:solidFill>
-            </a:endParaRPr>
-          </a:p>
-        </p:txBody>
-      </p:sp>
-      <p:sp>
-        <p:nvSpPr>
-          <p:cNvPr id="5" name="Footer Placeholder 4"/>
-          <p:cNvSpPr>
-            <a:spLocks noGrp="1"/>
-          </p:cNvSpPr>
-          <p:nvPr>
-            <p:ph type="ftr" sz="quarter" idx="11"/>
+          <p:cNvPr id="4" name="Footer Placeholder 3"/>
+          <p:cNvSpPr>
+            <a:spLocks noGrp="1"/>
+          </p:cNvSpPr>
+          <p:nvPr>
+            <p:ph type="ftr" sz="quarter" idx="10"/>
           </p:nvPr>
         </p:nvSpPr>
         <p:spPr/>
@@ -2059,20 +2181,20 @@
       </p:sp>
       <p:sp>
         <p:nvSpPr>
-          <p:cNvPr id="6" name="Date Placeholder 5"/>
-          <p:cNvSpPr>
-            <a:spLocks noGrp="1"/>
-          </p:cNvSpPr>
-          <p:nvPr>
-            <p:ph type="dt" idx="12"/>
-          </p:nvPr>
-        </p:nvSpPr>
-        <p:spPr/>
-        <p:txBody>
-          <a:bodyPr/>
-          <a:lstStyle/>
-          <a:p>
-            <a:fld id="{9F00D60D-1703-4D24-8308-FEE06A50A69C}" type="datetime1">
+          <p:cNvPr id="5" name="Date Placeholder 4"/>
+          <p:cNvSpPr>
+            <a:spLocks noGrp="1"/>
+          </p:cNvSpPr>
+          <p:nvPr>
+            <p:ph type="dt" idx="11"/>
+          </p:nvPr>
+        </p:nvSpPr>
+        <p:spPr/>
+        <p:txBody>
+          <a:bodyPr/>
+          <a:lstStyle/>
+          <a:p>
+            <a:fld id="{FCF63DAE-D37E-4C44-BD81-0E251F1BE300}" type="datetime1">
               <a:rPr lang="en-US" smtClean="0">
                 <a:solidFill>
                   <a:prstClr val="black"/>
@@ -2091,12 +2213,12 @@
       </p:sp>
       <p:sp>
         <p:nvSpPr>
-          <p:cNvPr id="7" name="Slide Number Placeholder 6"/>
-          <p:cNvSpPr>
-            <a:spLocks noGrp="1"/>
-          </p:cNvSpPr>
-          <p:nvPr>
-            <p:ph type="sldNum" sz="quarter" idx="13"/>
+          <p:cNvPr id="6" name="Slide Number Placeholder 5"/>
+          <p:cNvSpPr>
+            <a:spLocks noGrp="1"/>
+          </p:cNvSpPr>
+          <p:nvPr>
+            <p:ph type="sldNum" sz="quarter" idx="12"/>
           </p:nvPr>
         </p:nvSpPr>
         <p:spPr/>
@@ -2111,7 +2233,7 @@
                 </a:solidFill>
               </a:rPr>
               <a:pPr/>
-              <a:t>16</a:t>
+              <a:t>15</a:t>
             </a:fld>
             <a:endParaRPr lang="en-US" dirty="0">
               <a:solidFill>
@@ -2121,10 +2243,41 @@
           </a:p>
         </p:txBody>
       </p:sp>
+      <p:sp>
+        <p:nvSpPr>
+          <p:cNvPr id="7" name="Header Placeholder 6"/>
+          <p:cNvSpPr>
+            <a:spLocks noGrp="1"/>
+          </p:cNvSpPr>
+          <p:nvPr>
+            <p:ph type="hdr" sz="quarter" idx="13"/>
+          </p:nvPr>
+        </p:nvSpPr>
+        <p:spPr/>
+        <p:txBody>
+          <a:bodyPr/>
+          <a:lstStyle/>
+          <a:p>
+            <a:r>
+              <a:rPr lang="en-US">
+                <a:solidFill>
+                  <a:prstClr val="black"/>
+                </a:solidFill>
+              </a:rPr>
+              <a:t>Build 2014</a:t>
+            </a:r>
+            <a:endParaRPr lang="en-US" dirty="0">
+              <a:solidFill>
+                <a:prstClr val="black"/>
+              </a:solidFill>
+            </a:endParaRPr>
+          </a:p>
+        </p:txBody>
+      </p:sp>
     </p:spTree>
     <p:extLst>
       <p:ext uri="{BB962C8B-B14F-4D97-AF65-F5344CB8AC3E}">
-        <p14:creationId xmlns:p14="http://schemas.microsoft.com/office/powerpoint/2010/main" val="1767268135"/>
+        <p14:creationId xmlns:p14="http://schemas.microsoft.com/office/powerpoint/2010/main" val="1796512126"/>
       </p:ext>
     </p:extLst>
   </p:cSld>
@@ -2334,7 +2487,7 @@
     </p:spTree>
     <p:extLst>
       <p:ext uri="{BB962C8B-B14F-4D97-AF65-F5344CB8AC3E}">
-        <p14:creationId xmlns:p14="http://schemas.microsoft.com/office/powerpoint/2010/main" val="2079953536"/>
+        <p14:creationId xmlns:p14="http://schemas.microsoft.com/office/powerpoint/2010/main" val="1767268135"/>
       </p:ext>
     </p:extLst>
   </p:cSld>
@@ -2544,7 +2697,7 @@
     </p:spTree>
     <p:extLst>
       <p:ext uri="{BB962C8B-B14F-4D97-AF65-F5344CB8AC3E}">
-        <p14:creationId xmlns:p14="http://schemas.microsoft.com/office/powerpoint/2010/main" val="2160785054"/>
+        <p14:creationId xmlns:p14="http://schemas.microsoft.com/office/powerpoint/2010/main" val="2079953536"/>
       </p:ext>
     </p:extLst>
   </p:cSld>
@@ -2754,7 +2907,7 @@
     </p:spTree>
     <p:extLst>
       <p:ext uri="{BB962C8B-B14F-4D97-AF65-F5344CB8AC3E}">
-        <p14:creationId xmlns:p14="http://schemas.microsoft.com/office/powerpoint/2010/main" val="2499110562"/>
+        <p14:creationId xmlns:p14="http://schemas.microsoft.com/office/powerpoint/2010/main" val="2160785054"/>
       </p:ext>
     </p:extLst>
   </p:cSld>
@@ -2964,7 +3117,7 @@
     </p:spTree>
     <p:extLst>
       <p:ext uri="{BB962C8B-B14F-4D97-AF65-F5344CB8AC3E}">
-        <p14:creationId xmlns:p14="http://schemas.microsoft.com/office/powerpoint/2010/main" val="3533442395"/>
+        <p14:creationId xmlns:p14="http://schemas.microsoft.com/office/powerpoint/2010/main" val="2499110562"/>
       </p:ext>
     </p:extLst>
   </p:cSld>
@@ -3174,7 +3327,7 @@
     </p:spTree>
     <p:extLst>
       <p:ext uri="{BB962C8B-B14F-4D97-AF65-F5344CB8AC3E}">
-        <p14:creationId xmlns:p14="http://schemas.microsoft.com/office/powerpoint/2010/main" val="1459406460"/>
+        <p14:creationId xmlns:p14="http://schemas.microsoft.com/office/powerpoint/2010/main" val="3533442395"/>
       </p:ext>
     </p:extLst>
   </p:cSld>
@@ -3419,12 +3572,43 @@
       </p:sp>
       <p:sp>
         <p:nvSpPr>
-          <p:cNvPr id="4" name="Footer Placeholder 3"/>
-          <p:cNvSpPr>
-            <a:spLocks noGrp="1"/>
-          </p:cNvSpPr>
-          <p:nvPr>
-            <p:ph type="ftr" sz="quarter" idx="10"/>
+          <p:cNvPr id="4" name="Header Placeholder 3"/>
+          <p:cNvSpPr>
+            <a:spLocks noGrp="1"/>
+          </p:cNvSpPr>
+          <p:nvPr>
+            <p:ph type="hdr" sz="quarter" idx="10"/>
+          </p:nvPr>
+        </p:nvSpPr>
+        <p:spPr/>
+        <p:txBody>
+          <a:bodyPr/>
+          <a:lstStyle/>
+          <a:p>
+            <a:r>
+              <a:rPr lang="en-US">
+                <a:solidFill>
+                  <a:prstClr val="black"/>
+                </a:solidFill>
+              </a:rPr>
+              <a:t>Build 2014</a:t>
+            </a:r>
+            <a:endParaRPr lang="en-US" dirty="0">
+              <a:solidFill>
+                <a:prstClr val="black"/>
+              </a:solidFill>
+            </a:endParaRPr>
+          </a:p>
+        </p:txBody>
+      </p:sp>
+      <p:sp>
+        <p:nvSpPr>
+          <p:cNvPr id="5" name="Footer Placeholder 4"/>
+          <p:cNvSpPr>
+            <a:spLocks noGrp="1"/>
+          </p:cNvSpPr>
+          <p:nvPr>
+            <p:ph type="ftr" sz="quarter" idx="11"/>
           </p:nvPr>
         </p:nvSpPr>
         <p:spPr/>
@@ -3473,20 +3657,20 @@
       </p:sp>
       <p:sp>
         <p:nvSpPr>
-          <p:cNvPr id="5" name="Date Placeholder 4"/>
-          <p:cNvSpPr>
-            <a:spLocks noGrp="1"/>
-          </p:cNvSpPr>
-          <p:nvPr>
-            <p:ph type="dt" idx="11"/>
-          </p:nvPr>
-        </p:nvSpPr>
-        <p:spPr/>
-        <p:txBody>
-          <a:bodyPr/>
-          <a:lstStyle/>
-          <a:p>
-            <a:fld id="{FCF63DAE-D37E-4C44-BD81-0E251F1BE300}" type="datetime1">
+          <p:cNvPr id="6" name="Date Placeholder 5"/>
+          <p:cNvSpPr>
+            <a:spLocks noGrp="1"/>
+          </p:cNvSpPr>
+          <p:nvPr>
+            <p:ph type="dt" idx="12"/>
+          </p:nvPr>
+        </p:nvSpPr>
+        <p:spPr/>
+        <p:txBody>
+          <a:bodyPr/>
+          <a:lstStyle/>
+          <a:p>
+            <a:fld id="{9F00D60D-1703-4D24-8308-FEE06A50A69C}" type="datetime1">
               <a:rPr lang="en-US" smtClean="0">
                 <a:solidFill>
                   <a:prstClr val="black"/>
@@ -3505,12 +3689,12 @@
       </p:sp>
       <p:sp>
         <p:nvSpPr>
-          <p:cNvPr id="6" name="Slide Number Placeholder 5"/>
-          <p:cNvSpPr>
-            <a:spLocks noGrp="1"/>
-          </p:cNvSpPr>
-          <p:nvPr>
-            <p:ph type="sldNum" sz="quarter" idx="12"/>
+          <p:cNvPr id="7" name="Slide Number Placeholder 6"/>
+          <p:cNvSpPr>
+            <a:spLocks noGrp="1"/>
+          </p:cNvSpPr>
+          <p:nvPr>
+            <p:ph type="sldNum" sz="quarter" idx="13"/>
           </p:nvPr>
         </p:nvSpPr>
         <p:spPr/>
@@ -3535,41 +3719,10 @@
           </a:p>
         </p:txBody>
       </p:sp>
-      <p:sp>
-        <p:nvSpPr>
-          <p:cNvPr id="7" name="Header Placeholder 6"/>
-          <p:cNvSpPr>
-            <a:spLocks noGrp="1"/>
-          </p:cNvSpPr>
-          <p:nvPr>
-            <p:ph type="hdr" sz="quarter" idx="13"/>
-          </p:nvPr>
-        </p:nvSpPr>
-        <p:spPr/>
-        <p:txBody>
-          <a:bodyPr/>
-          <a:lstStyle/>
-          <a:p>
-            <a:r>
-              <a:rPr lang="en-US">
-                <a:solidFill>
-                  <a:prstClr val="black"/>
-                </a:solidFill>
-              </a:rPr>
-              <a:t>Build 2014</a:t>
-            </a:r>
-            <a:endParaRPr lang="en-US" dirty="0">
-              <a:solidFill>
-                <a:prstClr val="black"/>
-              </a:solidFill>
-            </a:endParaRPr>
-          </a:p>
-        </p:txBody>
-      </p:sp>
     </p:spTree>
     <p:extLst>
       <p:ext uri="{BB962C8B-B14F-4D97-AF65-F5344CB8AC3E}">
-        <p14:creationId xmlns:p14="http://schemas.microsoft.com/office/powerpoint/2010/main" val="2327117907"/>
+        <p14:creationId xmlns:p14="http://schemas.microsoft.com/office/powerpoint/2010/main" val="1459406460"/>
       </p:ext>
     </p:extLst>
   </p:cSld>
@@ -3642,18 +3795,47 @@
           <a:bodyPr/>
           <a:lstStyle/>
           <a:p>
-            <a:r>
-              <a:rPr lang="en-US">
+            <a:pPr marL="0" marR="0" lvl="0" indent="0" defTabSz="914400" eaLnBrk="1" fontAlgn="auto" latinLnBrk="0" hangingPunct="1">
+              <a:lnSpc>
+                <a:spcPct val="100000"/>
+              </a:lnSpc>
+              <a:spcBef>
+                <a:spcPts val="0"/>
+              </a:spcBef>
+              <a:spcAft>
+                <a:spcPts val="0"/>
+              </a:spcAft>
+              <a:buClrTx/>
+              <a:buSzTx/>
+              <a:buFontTx/>
+              <a:buNone/>
+              <a:tabLst/>
+              <a:defRPr/>
+            </a:pPr>
+            <a:r>
+              <a:rPr kumimoji="0" lang="en-US" sz="1800" b="0" i="0" u="none" strike="noStrike" kern="0" cap="none" spc="0" normalizeH="0" baseline="0" noProof="0">
+                <a:ln>
+                  <a:noFill/>
+                </a:ln>
                 <a:solidFill>
                   <a:prstClr val="black"/>
                 </a:solidFill>
+                <a:effectLst/>
+                <a:uLnTx/>
+                <a:uFillTx/>
               </a:rPr>
               <a:t>Build 2014</a:t>
             </a:r>
-            <a:endParaRPr lang="en-US" dirty="0">
+            <a:endParaRPr kumimoji="0" lang="en-US" sz="1800" b="0" i="0" u="none" strike="noStrike" kern="0" cap="none" spc="0" normalizeH="0" baseline="0" noProof="0" dirty="0">
+              <a:ln>
+                <a:noFill/>
+              </a:ln>
               <a:solidFill>
                 <a:prstClr val="black"/>
               </a:solidFill>
+              <a:effectLst/>
+              <a:uLnTx/>
+              <a:uFillTx/>
             </a:endParaRPr>
           </a:p>
         </p:txBody>
@@ -3673,9 +3855,28 @@
           <a:bodyPr/>
           <a:lstStyle/>
           <a:p>
-            <a:pPr defTabSz="914099" eaLnBrk="0" hangingPunct="0"/>
-            <a:r>
-              <a:rPr lang="en-US" sz="400">
+            <a:pPr marL="0" marR="0" lvl="0" indent="0" defTabSz="914099" eaLnBrk="0" fontAlgn="auto" latinLnBrk="0" hangingPunct="0">
+              <a:lnSpc>
+                <a:spcPct val="100000"/>
+              </a:lnSpc>
+              <a:spcBef>
+                <a:spcPts val="0"/>
+              </a:spcBef>
+              <a:spcAft>
+                <a:spcPts val="0"/>
+              </a:spcAft>
+              <a:buClrTx/>
+              <a:buSzTx/>
+              <a:buFontTx/>
+              <a:buNone/>
+              <a:tabLst/>
+              <a:defRPr/>
+            </a:pPr>
+            <a:r>
+              <a:rPr kumimoji="0" lang="en-US" sz="400" b="0" i="0" u="none" strike="noStrike" kern="0" cap="none" spc="0" normalizeH="0" baseline="0" noProof="0">
+                <a:ln>
+                  <a:noFill/>
+                </a:ln>
                 <a:gradFill>
                   <a:gsLst>
                     <a:gs pos="0">
@@ -3687,13 +3888,19 @@
                   </a:gsLst>
                   <a:lin ang="5400000" scaled="0"/>
                 </a:gradFill>
+                <a:effectLst/>
+                <a:uLnTx/>
+                <a:uFillTx/>
                 <a:latin typeface="Segoe UI" pitchFamily="34" charset="0"/>
                 <a:ea typeface="Segoe UI" pitchFamily="34" charset="0"/>
                 <a:cs typeface="Segoe UI" pitchFamily="34" charset="0"/>
               </a:rPr>
               <a:t>© 2014 Microsoft Corporation. All rights reserved. Microsoft, Windows, and other product names are or may be registered trademarks and/or trademarks in the U.S. and/or other countries. The information herein is for informational purposes only and represents the current view of Microsoft Corporation as of the date of this presentation.  Because Microsoft must respond to changing market conditions, it should not be interpreted to be a commitment on the part of Microsoft, and Microsoft cannot guarantee the accuracy of any information provided after the date of this presentation.  MICROSOFT MAKES NO WARRANTIES, EXPRESS, IMPLIED OR STATUTORY, AS TO THE INFORMATION IN THIS PRESENTATION.</a:t>
             </a:r>
-            <a:endParaRPr lang="en-US" sz="400" dirty="0">
+            <a:endParaRPr kumimoji="0" lang="en-US" sz="400" b="0" i="0" u="none" strike="noStrike" kern="0" cap="none" spc="0" normalizeH="0" baseline="0" noProof="0" dirty="0">
+              <a:ln>
+                <a:noFill/>
+              </a:ln>
               <a:gradFill>
                 <a:gsLst>
                   <a:gs pos="0">
@@ -3705,6 +3912,9 @@
                 </a:gsLst>
                 <a:lin ang="5400000" scaled="0"/>
               </a:gradFill>
+              <a:effectLst/>
+              <a:uLnTx/>
+              <a:uFillTx/>
               <a:latin typeface="Segoe UI" pitchFamily="34" charset="0"/>
               <a:ea typeface="Segoe UI" pitchFamily="34" charset="0"/>
               <a:cs typeface="Segoe UI" pitchFamily="34" charset="0"/>
@@ -3727,19 +3937,64 @@
           <a:bodyPr/>
           <a:lstStyle/>
           <a:p>
+            <a:pPr marL="0" marR="0" lvl="0" indent="0" defTabSz="914400" eaLnBrk="1" fontAlgn="auto" latinLnBrk="0" hangingPunct="1">
+              <a:lnSpc>
+                <a:spcPct val="100000"/>
+              </a:lnSpc>
+              <a:spcBef>
+                <a:spcPts val="0"/>
+              </a:spcBef>
+              <a:spcAft>
+                <a:spcPts val="0"/>
+              </a:spcAft>
+              <a:buClrTx/>
+              <a:buSzTx/>
+              <a:buFontTx/>
+              <a:buNone/>
+              <a:tabLst/>
+              <a:defRPr/>
+            </a:pPr>
             <a:fld id="{9F00D60D-1703-4D24-8308-FEE06A50A69C}" type="datetime1">
-              <a:rPr lang="en-US" smtClean="0">
+              <a:rPr kumimoji="0" lang="en-US" sz="1800" b="0" i="0" u="none" strike="noStrike" kern="0" cap="none" spc="0" normalizeH="0" baseline="0" noProof="0" smtClean="0">
+                <a:ln>
+                  <a:noFill/>
+                </a:ln>
                 <a:solidFill>
                   <a:prstClr val="black"/>
                 </a:solidFill>
+                <a:effectLst/>
+                <a:uLnTx/>
+                <a:uFillTx/>
               </a:rPr>
-              <a:pPr/>
+              <a:pPr marL="0" marR="0" lvl="0" indent="0" defTabSz="914400" eaLnBrk="1" fontAlgn="auto" latinLnBrk="0" hangingPunct="1">
+                <a:lnSpc>
+                  <a:spcPct val="100000"/>
+                </a:lnSpc>
+                <a:spcBef>
+                  <a:spcPts val="0"/>
+                </a:spcBef>
+                <a:spcAft>
+                  <a:spcPts val="0"/>
+                </a:spcAft>
+                <a:buClrTx/>
+                <a:buSzTx/>
+                <a:buFontTx/>
+                <a:buNone/>
+                <a:tabLst/>
+                <a:defRPr/>
+              </a:pPr>
               <a:t>2/9/2017</a:t>
             </a:fld>
-            <a:endParaRPr lang="en-US" dirty="0">
+            <a:endParaRPr kumimoji="0" lang="en-US" sz="1800" b="0" i="0" u="none" strike="noStrike" kern="0" cap="none" spc="0" normalizeH="0" baseline="0" noProof="0" dirty="0">
+              <a:ln>
+                <a:noFill/>
+              </a:ln>
               <a:solidFill>
                 <a:prstClr val="black"/>
               </a:solidFill>
+              <a:effectLst/>
+              <a:uLnTx/>
+              <a:uFillTx/>
             </a:endParaRPr>
           </a:p>
         </p:txBody>
@@ -3759,19 +4014,64 @@
           <a:bodyPr/>
           <a:lstStyle/>
           <a:p>
+            <a:pPr marL="0" marR="0" lvl="0" indent="0" defTabSz="914400" eaLnBrk="1" fontAlgn="auto" latinLnBrk="0" hangingPunct="1">
+              <a:lnSpc>
+                <a:spcPct val="100000"/>
+              </a:lnSpc>
+              <a:spcBef>
+                <a:spcPts val="0"/>
+              </a:spcBef>
+              <a:spcAft>
+                <a:spcPts val="0"/>
+              </a:spcAft>
+              <a:buClrTx/>
+              <a:buSzTx/>
+              <a:buFontTx/>
+              <a:buNone/>
+              <a:tabLst/>
+              <a:defRPr/>
+            </a:pPr>
             <a:fld id="{B4008EB6-D09E-4580-8CD6-DDB14511944F}" type="slidenum">
-              <a:rPr lang="en-US" smtClean="0">
+              <a:rPr kumimoji="0" lang="en-US" sz="1800" b="0" i="0" u="none" strike="noStrike" kern="0" cap="none" spc="0" normalizeH="0" baseline="0" noProof="0" smtClean="0">
+                <a:ln>
+                  <a:noFill/>
+                </a:ln>
                 <a:solidFill>
                   <a:prstClr val="black"/>
                 </a:solidFill>
+                <a:effectLst/>
+                <a:uLnTx/>
+                <a:uFillTx/>
               </a:rPr>
-              <a:pPr/>
-              <a:t>24</a:t>
+              <a:pPr marL="0" marR="0" lvl="0" indent="0" defTabSz="914400" eaLnBrk="1" fontAlgn="auto" latinLnBrk="0" hangingPunct="1">
+                <a:lnSpc>
+                  <a:spcPct val="100000"/>
+                </a:lnSpc>
+                <a:spcBef>
+                  <a:spcPts val="0"/>
+                </a:spcBef>
+                <a:spcAft>
+                  <a:spcPts val="0"/>
+                </a:spcAft>
+                <a:buClrTx/>
+                <a:buSzTx/>
+                <a:buFontTx/>
+                <a:buNone/>
+                <a:tabLst/>
+                <a:defRPr/>
+              </a:pPr>
+              <a:t>23</a:t>
             </a:fld>
-            <a:endParaRPr lang="en-US" dirty="0">
+            <a:endParaRPr kumimoji="0" lang="en-US" sz="1800" b="0" i="0" u="none" strike="noStrike" kern="0" cap="none" spc="0" normalizeH="0" baseline="0" noProof="0" dirty="0">
+              <a:ln>
+                <a:noFill/>
+              </a:ln>
               <a:solidFill>
                 <a:prstClr val="black"/>
               </a:solidFill>
+              <a:effectLst/>
+              <a:uLnTx/>
+              <a:uFillTx/>
             </a:endParaRPr>
           </a:p>
         </p:txBody>
@@ -3779,7 +4079,7 @@
     </p:spTree>
     <p:extLst>
       <p:ext uri="{BB962C8B-B14F-4D97-AF65-F5344CB8AC3E}">
-        <p14:creationId xmlns:p14="http://schemas.microsoft.com/office/powerpoint/2010/main" val="2934531598"/>
+        <p14:creationId xmlns:p14="http://schemas.microsoft.com/office/powerpoint/2010/main" val="476893638"/>
       </p:ext>
     </p:extLst>
   </p:cSld>
@@ -3839,43 +4139,12 @@
       </p:sp>
       <p:sp>
         <p:nvSpPr>
-          <p:cNvPr id="4" name="Header Placeholder 3"/>
-          <p:cNvSpPr>
-            <a:spLocks noGrp="1"/>
-          </p:cNvSpPr>
-          <p:nvPr>
-            <p:ph type="hdr" sz="quarter" idx="10"/>
-          </p:nvPr>
-        </p:nvSpPr>
-        <p:spPr/>
-        <p:txBody>
-          <a:bodyPr/>
-          <a:lstStyle/>
-          <a:p>
-            <a:r>
-              <a:rPr lang="en-US">
-                <a:solidFill>
-                  <a:prstClr val="black"/>
-                </a:solidFill>
-              </a:rPr>
-              <a:t>Build 2014</a:t>
-            </a:r>
-            <a:endParaRPr lang="en-US" dirty="0">
-              <a:solidFill>
-                <a:prstClr val="black"/>
-              </a:solidFill>
-            </a:endParaRPr>
-          </a:p>
-        </p:txBody>
-      </p:sp>
-      <p:sp>
-        <p:nvSpPr>
-          <p:cNvPr id="5" name="Footer Placeholder 4"/>
-          <p:cNvSpPr>
-            <a:spLocks noGrp="1"/>
-          </p:cNvSpPr>
-          <p:nvPr>
-            <p:ph type="ftr" sz="quarter" idx="11"/>
+          <p:cNvPr id="4" name="Footer Placeholder 3"/>
+          <p:cNvSpPr>
+            <a:spLocks noGrp="1"/>
+          </p:cNvSpPr>
+          <p:nvPr>
+            <p:ph type="ftr" sz="quarter" idx="10"/>
           </p:nvPr>
         </p:nvSpPr>
         <p:spPr/>
@@ -3924,20 +4193,20 @@
       </p:sp>
       <p:sp>
         <p:nvSpPr>
-          <p:cNvPr id="6" name="Date Placeholder 5"/>
-          <p:cNvSpPr>
-            <a:spLocks noGrp="1"/>
-          </p:cNvSpPr>
-          <p:nvPr>
-            <p:ph type="dt" idx="12"/>
-          </p:nvPr>
-        </p:nvSpPr>
-        <p:spPr/>
-        <p:txBody>
-          <a:bodyPr/>
-          <a:lstStyle/>
-          <a:p>
-            <a:fld id="{9F00D60D-1703-4D24-8308-FEE06A50A69C}" type="datetime1">
+          <p:cNvPr id="5" name="Date Placeholder 4"/>
+          <p:cNvSpPr>
+            <a:spLocks noGrp="1"/>
+          </p:cNvSpPr>
+          <p:nvPr>
+            <p:ph type="dt" idx="11"/>
+          </p:nvPr>
+        </p:nvSpPr>
+        <p:spPr/>
+        <p:txBody>
+          <a:bodyPr/>
+          <a:lstStyle/>
+          <a:p>
+            <a:fld id="{FCF63DAE-D37E-4C44-BD81-0E251F1BE300}" type="datetime1">
               <a:rPr lang="en-US" smtClean="0">
                 <a:solidFill>
                   <a:prstClr val="black"/>
@@ -3956,12 +4225,12 @@
       </p:sp>
       <p:sp>
         <p:nvSpPr>
-          <p:cNvPr id="7" name="Slide Number Placeholder 6"/>
-          <p:cNvSpPr>
-            <a:spLocks noGrp="1"/>
-          </p:cNvSpPr>
-          <p:nvPr>
-            <p:ph type="sldNum" sz="quarter" idx="13"/>
+          <p:cNvPr id="6" name="Slide Number Placeholder 5"/>
+          <p:cNvSpPr>
+            <a:spLocks noGrp="1"/>
+          </p:cNvSpPr>
+          <p:nvPr>
+            <p:ph type="sldNum" sz="quarter" idx="12"/>
           </p:nvPr>
         </p:nvSpPr>
         <p:spPr/>
@@ -3976,7 +4245,7 @@
                 </a:solidFill>
               </a:rPr>
               <a:pPr/>
-              <a:t>25</a:t>
+              <a:t>24</a:t>
             </a:fld>
             <a:endParaRPr lang="en-US" dirty="0">
               <a:solidFill>
@@ -3986,10 +4255,41 @@
           </a:p>
         </p:txBody>
       </p:sp>
+      <p:sp>
+        <p:nvSpPr>
+          <p:cNvPr id="7" name="Header Placeholder 6"/>
+          <p:cNvSpPr>
+            <a:spLocks noGrp="1"/>
+          </p:cNvSpPr>
+          <p:nvPr>
+            <p:ph type="hdr" sz="quarter" idx="13"/>
+          </p:nvPr>
+        </p:nvSpPr>
+        <p:spPr/>
+        <p:txBody>
+          <a:bodyPr/>
+          <a:lstStyle/>
+          <a:p>
+            <a:r>
+              <a:rPr lang="en-US">
+                <a:solidFill>
+                  <a:prstClr val="black"/>
+                </a:solidFill>
+              </a:rPr>
+              <a:t>Build 2014</a:t>
+            </a:r>
+            <a:endParaRPr lang="en-US" dirty="0">
+              <a:solidFill>
+                <a:prstClr val="black"/>
+              </a:solidFill>
+            </a:endParaRPr>
+          </a:p>
+        </p:txBody>
+      </p:sp>
     </p:spTree>
     <p:extLst>
       <p:ext uri="{BB962C8B-B14F-4D97-AF65-F5344CB8AC3E}">
-        <p14:creationId xmlns:p14="http://schemas.microsoft.com/office/powerpoint/2010/main" val="3906853571"/>
+        <p14:creationId xmlns:p14="http://schemas.microsoft.com/office/powerpoint/2010/main" val="2327117907"/>
       </p:ext>
     </p:extLst>
   </p:cSld>
@@ -4199,7 +4499,7 @@
     </p:spTree>
     <p:extLst>
       <p:ext uri="{BB962C8B-B14F-4D97-AF65-F5344CB8AC3E}">
-        <p14:creationId xmlns:p14="http://schemas.microsoft.com/office/powerpoint/2010/main" val="528904937"/>
+        <p14:creationId xmlns:p14="http://schemas.microsoft.com/office/powerpoint/2010/main" val="2934531598"/>
       </p:ext>
     </p:extLst>
   </p:cSld>
@@ -4409,7 +4709,7 @@
     </p:spTree>
     <p:extLst>
       <p:ext uri="{BB962C8B-B14F-4D97-AF65-F5344CB8AC3E}">
-        <p14:creationId xmlns:p14="http://schemas.microsoft.com/office/powerpoint/2010/main" val="1370500354"/>
+        <p14:creationId xmlns:p14="http://schemas.microsoft.com/office/powerpoint/2010/main" val="3906853571"/>
       </p:ext>
     </p:extLst>
   </p:cSld>
@@ -4619,7 +4919,7 @@
     </p:spTree>
     <p:extLst>
       <p:ext uri="{BB962C8B-B14F-4D97-AF65-F5344CB8AC3E}">
-        <p14:creationId xmlns:p14="http://schemas.microsoft.com/office/powerpoint/2010/main" val="3470729680"/>
+        <p14:creationId xmlns:p14="http://schemas.microsoft.com/office/powerpoint/2010/main" val="528904937"/>
       </p:ext>
     </p:extLst>
   </p:cSld>
@@ -4829,7 +5129,7 @@
     </p:spTree>
     <p:extLst>
       <p:ext uri="{BB962C8B-B14F-4D97-AF65-F5344CB8AC3E}">
-        <p14:creationId xmlns:p14="http://schemas.microsoft.com/office/powerpoint/2010/main" val="1796095888"/>
+        <p14:creationId xmlns:p14="http://schemas.microsoft.com/office/powerpoint/2010/main" val="1370500354"/>
       </p:ext>
     </p:extLst>
   </p:cSld>
@@ -4889,12 +5189,43 @@
       </p:sp>
       <p:sp>
         <p:nvSpPr>
-          <p:cNvPr id="4" name="Footer Placeholder 3"/>
-          <p:cNvSpPr>
-            <a:spLocks noGrp="1"/>
-          </p:cNvSpPr>
-          <p:nvPr>
-            <p:ph type="ftr" sz="quarter" idx="10"/>
+          <p:cNvPr id="4" name="Header Placeholder 3"/>
+          <p:cNvSpPr>
+            <a:spLocks noGrp="1"/>
+          </p:cNvSpPr>
+          <p:nvPr>
+            <p:ph type="hdr" sz="quarter" idx="10"/>
+          </p:nvPr>
+        </p:nvSpPr>
+        <p:spPr/>
+        <p:txBody>
+          <a:bodyPr/>
+          <a:lstStyle/>
+          <a:p>
+            <a:r>
+              <a:rPr lang="en-US">
+                <a:solidFill>
+                  <a:prstClr val="black"/>
+                </a:solidFill>
+              </a:rPr>
+              <a:t>Build 2014</a:t>
+            </a:r>
+            <a:endParaRPr lang="en-US" dirty="0">
+              <a:solidFill>
+                <a:prstClr val="black"/>
+              </a:solidFill>
+            </a:endParaRPr>
+          </a:p>
+        </p:txBody>
+      </p:sp>
+      <p:sp>
+        <p:nvSpPr>
+          <p:cNvPr id="5" name="Footer Placeholder 4"/>
+          <p:cNvSpPr>
+            <a:spLocks noGrp="1"/>
+          </p:cNvSpPr>
+          <p:nvPr>
+            <p:ph type="ftr" sz="quarter" idx="11"/>
           </p:nvPr>
         </p:nvSpPr>
         <p:spPr/>
@@ -4943,20 +5274,20 @@
       </p:sp>
       <p:sp>
         <p:nvSpPr>
-          <p:cNvPr id="5" name="Date Placeholder 4"/>
-          <p:cNvSpPr>
-            <a:spLocks noGrp="1"/>
-          </p:cNvSpPr>
-          <p:nvPr>
-            <p:ph type="dt" idx="11"/>
-          </p:nvPr>
-        </p:nvSpPr>
-        <p:spPr/>
-        <p:txBody>
-          <a:bodyPr/>
-          <a:lstStyle/>
-          <a:p>
-            <a:fld id="{FCF63DAE-D37E-4C44-BD81-0E251F1BE300}" type="datetime1">
+          <p:cNvPr id="6" name="Date Placeholder 5"/>
+          <p:cNvSpPr>
+            <a:spLocks noGrp="1"/>
+          </p:cNvSpPr>
+          <p:nvPr>
+            <p:ph type="dt" idx="12"/>
+          </p:nvPr>
+        </p:nvSpPr>
+        <p:spPr/>
+        <p:txBody>
+          <a:bodyPr/>
+          <a:lstStyle/>
+          <a:p>
+            <a:fld id="{9F00D60D-1703-4D24-8308-FEE06A50A69C}" type="datetime1">
               <a:rPr lang="en-US" smtClean="0">
                 <a:solidFill>
                   <a:prstClr val="black"/>
@@ -4975,12 +5306,12 @@
       </p:sp>
       <p:sp>
         <p:nvSpPr>
-          <p:cNvPr id="6" name="Slide Number Placeholder 5"/>
-          <p:cNvSpPr>
-            <a:spLocks noGrp="1"/>
-          </p:cNvSpPr>
-          <p:nvPr>
-            <p:ph type="sldNum" sz="quarter" idx="12"/>
+          <p:cNvPr id="7" name="Slide Number Placeholder 6"/>
+          <p:cNvSpPr>
+            <a:spLocks noGrp="1"/>
+          </p:cNvSpPr>
+          <p:nvPr>
+            <p:ph type="sldNum" sz="quarter" idx="13"/>
           </p:nvPr>
         </p:nvSpPr>
         <p:spPr/>
@@ -5005,41 +5336,10 @@
           </a:p>
         </p:txBody>
       </p:sp>
-      <p:sp>
-        <p:nvSpPr>
-          <p:cNvPr id="7" name="Header Placeholder 6"/>
-          <p:cNvSpPr>
-            <a:spLocks noGrp="1"/>
-          </p:cNvSpPr>
-          <p:nvPr>
-            <p:ph type="hdr" sz="quarter" idx="13"/>
-          </p:nvPr>
-        </p:nvSpPr>
-        <p:spPr/>
-        <p:txBody>
-          <a:bodyPr/>
-          <a:lstStyle/>
-          <a:p>
-            <a:r>
-              <a:rPr lang="en-US">
-                <a:solidFill>
-                  <a:prstClr val="black"/>
-                </a:solidFill>
-              </a:rPr>
-              <a:t>Build 2014</a:t>
-            </a:r>
-            <a:endParaRPr lang="en-US" dirty="0">
-              <a:solidFill>
-                <a:prstClr val="black"/>
-              </a:solidFill>
-            </a:endParaRPr>
-          </a:p>
-        </p:txBody>
-      </p:sp>
     </p:spTree>
     <p:extLst>
       <p:ext uri="{BB962C8B-B14F-4D97-AF65-F5344CB8AC3E}">
-        <p14:creationId xmlns:p14="http://schemas.microsoft.com/office/powerpoint/2010/main" val="777518763"/>
+        <p14:creationId xmlns:p14="http://schemas.microsoft.com/office/powerpoint/2010/main" val="3470729680"/>
       </p:ext>
     </p:extLst>
   </p:cSld>
@@ -5249,7 +5549,7 @@
     </p:spTree>
     <p:extLst>
       <p:ext uri="{BB962C8B-B14F-4D97-AF65-F5344CB8AC3E}">
-        <p14:creationId xmlns:p14="http://schemas.microsoft.com/office/powerpoint/2010/main" val="2808479397"/>
+        <p14:creationId xmlns:p14="http://schemas.microsoft.com/office/powerpoint/2010/main" val="1796095888"/>
       </p:ext>
     </p:extLst>
   </p:cSld>
@@ -5309,22 +5609,101 @@
       </p:sp>
       <p:sp>
         <p:nvSpPr>
-          <p:cNvPr id="4" name="Footer Placeholder 3"/>
-          <p:cNvSpPr>
-            <a:spLocks noGrp="1"/>
-          </p:cNvSpPr>
-          <p:nvPr>
-            <p:ph type="ftr" sz="quarter" idx="10"/>
-          </p:nvPr>
-        </p:nvSpPr>
-        <p:spPr/>
-        <p:txBody>
-          <a:bodyPr/>
-          <a:lstStyle/>
-          <a:p>
-            <a:pPr defTabSz="914099" eaLnBrk="0" hangingPunct="0"/>
-            <a:r>
-              <a:rPr lang="en-US" sz="400">
+          <p:cNvPr id="4" name="Header Placeholder 3"/>
+          <p:cNvSpPr>
+            <a:spLocks noGrp="1"/>
+          </p:cNvSpPr>
+          <p:nvPr>
+            <p:ph type="hdr" sz="quarter" idx="10"/>
+          </p:nvPr>
+        </p:nvSpPr>
+        <p:spPr/>
+        <p:txBody>
+          <a:bodyPr/>
+          <a:lstStyle/>
+          <a:p>
+            <a:pPr marL="0" marR="0" lvl="0" indent="0" defTabSz="914400" eaLnBrk="1" fontAlgn="auto" latinLnBrk="0" hangingPunct="1">
+              <a:lnSpc>
+                <a:spcPct val="100000"/>
+              </a:lnSpc>
+              <a:spcBef>
+                <a:spcPts val="0"/>
+              </a:spcBef>
+              <a:spcAft>
+                <a:spcPts val="0"/>
+              </a:spcAft>
+              <a:buClrTx/>
+              <a:buSzTx/>
+              <a:buFontTx/>
+              <a:buNone/>
+              <a:tabLst/>
+              <a:defRPr/>
+            </a:pPr>
+            <a:r>
+              <a:rPr kumimoji="0" lang="en-US" sz="1800" b="0" i="0" u="none" strike="noStrike" kern="0" cap="none" spc="0" normalizeH="0" baseline="0" noProof="0">
+                <a:ln>
+                  <a:noFill/>
+                </a:ln>
+                <a:solidFill>
+                  <a:prstClr val="black"/>
+                </a:solidFill>
+                <a:effectLst/>
+                <a:uLnTx/>
+                <a:uFillTx/>
+              </a:rPr>
+              <a:t>Build 2014</a:t>
+            </a:r>
+            <a:endParaRPr kumimoji="0" lang="en-US" sz="1800" b="0" i="0" u="none" strike="noStrike" kern="0" cap="none" spc="0" normalizeH="0" baseline="0" noProof="0" dirty="0">
+              <a:ln>
+                <a:noFill/>
+              </a:ln>
+              <a:solidFill>
+                <a:prstClr val="black"/>
+              </a:solidFill>
+              <a:effectLst/>
+              <a:uLnTx/>
+              <a:uFillTx/>
+            </a:endParaRPr>
+          </a:p>
+        </p:txBody>
+      </p:sp>
+      <p:sp>
+        <p:nvSpPr>
+          <p:cNvPr id="5" name="Footer Placeholder 4"/>
+          <p:cNvSpPr>
+            <a:spLocks noGrp="1"/>
+          </p:cNvSpPr>
+          <p:nvPr>
+            <p:ph type="ftr" sz="quarter" idx="11"/>
+          </p:nvPr>
+        </p:nvSpPr>
+        <p:spPr/>
+        <p:txBody>
+          <a:bodyPr/>
+          <a:lstStyle/>
+          <a:p>
+            <a:pPr marL="0" marR="0" lvl="0" indent="0" defTabSz="914099" eaLnBrk="0" fontAlgn="auto" latinLnBrk="0" hangingPunct="0">
+              <a:lnSpc>
+                <a:spcPct val="100000"/>
+              </a:lnSpc>
+              <a:spcBef>
+                <a:spcPts val="0"/>
+              </a:spcBef>
+              <a:spcAft>
+                <a:spcPts val="0"/>
+              </a:spcAft>
+              <a:buClrTx/>
+              <a:buSzTx/>
+              <a:buFontTx/>
+              <a:buNone/>
+              <a:tabLst/>
+              <a:defRPr/>
+            </a:pPr>
+            <a:r>
+              <a:rPr kumimoji="0" lang="en-US" sz="400" b="0" i="0" u="none" strike="noStrike" kern="0" cap="none" spc="0" normalizeH="0" baseline="0" noProof="0">
+                <a:ln>
+                  <a:noFill/>
+                </a:ln>
                 <a:gradFill>
                   <a:gsLst>
                     <a:gs pos="0">
@@ -5336,13 +5715,19 @@
                   </a:gsLst>
                   <a:lin ang="5400000" scaled="0"/>
                 </a:gradFill>
+                <a:effectLst/>
+                <a:uLnTx/>
+                <a:uFillTx/>
                 <a:latin typeface="Segoe UI" pitchFamily="34" charset="0"/>
                 <a:ea typeface="Segoe UI" pitchFamily="34" charset="0"/>
                 <a:cs typeface="Segoe UI" pitchFamily="34" charset="0"/>
               </a:rPr>
               <a:t>© 2014 Microsoft Corporation. All rights reserved. Microsoft, Windows, and other product names are or may be registered trademarks and/or trademarks in the U.S. and/or other countries. The information herein is for informational purposes only and represents the current view of Microsoft Corporation as of the date of this presentation.  Because Microsoft must respond to changing market conditions, it should not be interpreted to be a commitment on the part of Microsoft, and Microsoft cannot guarantee the accuracy of any information provided after the date of this presentation.  MICROSOFT MAKES NO WARRANTIES, EXPRESS, IMPLIED OR STATUTORY, AS TO THE INFORMATION IN THIS PRESENTATION.</a:t>
             </a:r>
-            <a:endParaRPr lang="en-US" sz="400" dirty="0">
+            <a:endParaRPr kumimoji="0" lang="en-US" sz="400" b="0" i="0" u="none" strike="noStrike" kern="0" cap="none" spc="0" normalizeH="0" baseline="0" noProof="0" dirty="0">
+              <a:ln>
+                <a:noFill/>
+              </a:ln>
               <a:gradFill>
                 <a:gsLst>
                   <a:gs pos="0">
@@ -5354,6 +5739,9 @@
                 </a:gsLst>
                 <a:lin ang="5400000" scaled="0"/>
               </a:gradFill>
+              <a:effectLst/>
+              <a:uLnTx/>
+              <a:uFillTx/>
               <a:latin typeface="Segoe UI" pitchFamily="34" charset="0"/>
               <a:ea typeface="Segoe UI" pitchFamily="34" charset="0"/>
               <a:cs typeface="Segoe UI" pitchFamily="34" charset="0"/>
@@ -5363,95 +5751,154 @@
       </p:sp>
       <p:sp>
         <p:nvSpPr>
-          <p:cNvPr id="5" name="Date Placeholder 4"/>
-          <p:cNvSpPr>
-            <a:spLocks noGrp="1"/>
-          </p:cNvSpPr>
-          <p:nvPr>
-            <p:ph type="dt" idx="11"/>
-          </p:nvPr>
-        </p:nvSpPr>
-        <p:spPr/>
-        <p:txBody>
-          <a:bodyPr/>
-          <a:lstStyle/>
-          <a:p>
-            <a:fld id="{FCF63DAE-D37E-4C44-BD81-0E251F1BE300}" type="datetime1">
-              <a:rPr lang="en-US" smtClean="0">
+          <p:cNvPr id="6" name="Date Placeholder 5"/>
+          <p:cNvSpPr>
+            <a:spLocks noGrp="1"/>
+          </p:cNvSpPr>
+          <p:nvPr>
+            <p:ph type="dt" idx="12"/>
+          </p:nvPr>
+        </p:nvSpPr>
+        <p:spPr/>
+        <p:txBody>
+          <a:bodyPr/>
+          <a:lstStyle/>
+          <a:p>
+            <a:pPr marL="0" marR="0" lvl="0" indent="0" defTabSz="914400" eaLnBrk="1" fontAlgn="auto" latinLnBrk="0" hangingPunct="1">
+              <a:lnSpc>
+                <a:spcPct val="100000"/>
+              </a:lnSpc>
+              <a:spcBef>
+                <a:spcPts val="0"/>
+              </a:spcBef>
+              <a:spcAft>
+                <a:spcPts val="0"/>
+              </a:spcAft>
+              <a:buClrTx/>
+              <a:buSzTx/>
+              <a:buFontTx/>
+              <a:buNone/>
+              <a:tabLst/>
+              <a:defRPr/>
+            </a:pPr>
+            <a:fld id="{9F00D60D-1703-4D24-8308-FEE06A50A69C}" type="datetime1">
+              <a:rPr kumimoji="0" lang="en-US" sz="1800" b="0" i="0" u="none" strike="noStrike" kern="0" cap="none" spc="0" normalizeH="0" baseline="0" noProof="0" smtClean="0">
+                <a:ln>
+                  <a:noFill/>
+                </a:ln>
                 <a:solidFill>
                   <a:prstClr val="black"/>
                 </a:solidFill>
+                <a:effectLst/>
+                <a:uLnTx/>
+                <a:uFillTx/>
               </a:rPr>
-              <a:pPr/>
+              <a:pPr marL="0" marR="0" lvl="0" indent="0" defTabSz="914400" eaLnBrk="1" fontAlgn="auto" latinLnBrk="0" hangingPunct="1">
+                <a:lnSpc>
+                  <a:spcPct val="100000"/>
+                </a:lnSpc>
+                <a:spcBef>
+                  <a:spcPts val="0"/>
+                </a:spcBef>
+                <a:spcAft>
+                  <a:spcPts val="0"/>
+                </a:spcAft>
+                <a:buClrTx/>
+                <a:buSzTx/>
+                <a:buFontTx/>
+                <a:buNone/>
+                <a:tabLst/>
+                <a:defRPr/>
+              </a:pPr>
               <a:t>2/9/2017</a:t>
             </a:fld>
-            <a:endParaRPr lang="en-US" dirty="0">
+            <a:endParaRPr kumimoji="0" lang="en-US" sz="1800" b="0" i="0" u="none" strike="noStrike" kern="0" cap="none" spc="0" normalizeH="0" baseline="0" noProof="0" dirty="0">
+              <a:ln>
+                <a:noFill/>
+              </a:ln>
               <a:solidFill>
                 <a:prstClr val="black"/>
               </a:solidFill>
+              <a:effectLst/>
+              <a:uLnTx/>
+              <a:uFillTx/>
             </a:endParaRPr>
           </a:p>
         </p:txBody>
       </p:sp>
       <p:sp>
         <p:nvSpPr>
-          <p:cNvPr id="6" name="Slide Number Placeholder 5"/>
-          <p:cNvSpPr>
-            <a:spLocks noGrp="1"/>
-          </p:cNvSpPr>
-          <p:nvPr>
-            <p:ph type="sldNum" sz="quarter" idx="12"/>
-          </p:nvPr>
-        </p:nvSpPr>
-        <p:spPr/>
-        <p:txBody>
-          <a:bodyPr/>
-          <a:lstStyle/>
-          <a:p>
+          <p:cNvPr id="7" name="Slide Number Placeholder 6"/>
+          <p:cNvSpPr>
+            <a:spLocks noGrp="1"/>
+          </p:cNvSpPr>
+          <p:nvPr>
+            <p:ph type="sldNum" sz="quarter" idx="13"/>
+          </p:nvPr>
+        </p:nvSpPr>
+        <p:spPr/>
+        <p:txBody>
+          <a:bodyPr/>
+          <a:lstStyle/>
+          <a:p>
+            <a:pPr marL="0" marR="0" lvl="0" indent="0" defTabSz="914400" eaLnBrk="1" fontAlgn="auto" latinLnBrk="0" hangingPunct="1">
+              <a:lnSpc>
+                <a:spcPct val="100000"/>
+              </a:lnSpc>
+              <a:spcBef>
+                <a:spcPts val="0"/>
+              </a:spcBef>
+              <a:spcAft>
+                <a:spcPts val="0"/>
+              </a:spcAft>
+              <a:buClrTx/>
+              <a:buSzTx/>
+              <a:buFontTx/>
+              <a:buNone/>
+              <a:tabLst/>
+              <a:defRPr/>
+            </a:pPr>
             <a:fld id="{B4008EB6-D09E-4580-8CD6-DDB14511944F}" type="slidenum">
-              <a:rPr lang="en-US" smtClean="0">
+              <a:rPr kumimoji="0" lang="en-US" sz="1800" b="0" i="0" u="none" strike="noStrike" kern="0" cap="none" spc="0" normalizeH="0" baseline="0" noProof="0" smtClean="0">
+                <a:ln>
+                  <a:noFill/>
+                </a:ln>
                 <a:solidFill>
                   <a:prstClr val="black"/>
                 </a:solidFill>
+                <a:effectLst/>
+                <a:uLnTx/>
+                <a:uFillTx/>
               </a:rPr>
-              <a:pPr/>
+              <a:pPr marL="0" marR="0" lvl="0" indent="0" defTabSz="914400" eaLnBrk="1" fontAlgn="auto" latinLnBrk="0" hangingPunct="1">
+                <a:lnSpc>
+                  <a:spcPct val="100000"/>
+                </a:lnSpc>
+                <a:spcBef>
+                  <a:spcPts val="0"/>
+                </a:spcBef>
+                <a:spcAft>
+                  <a:spcPts val="0"/>
+                </a:spcAft>
+                <a:buClrTx/>
+                <a:buSzTx/>
+                <a:buFontTx/>
+                <a:buNone/>
+                <a:tabLst/>
+                <a:defRPr/>
+              </a:pPr>
               <a:t>32</a:t>
             </a:fld>
-            <a:endParaRPr lang="en-US" dirty="0">
+            <a:endParaRPr kumimoji="0" lang="en-US" sz="1800" b="0" i="0" u="none" strike="noStrike" kern="0" cap="none" spc="0" normalizeH="0" baseline="0" noProof="0" dirty="0">
+              <a:ln>
+                <a:noFill/>
+              </a:ln>
               <a:solidFill>
                 <a:prstClr val="black"/>
               </a:solidFill>
-            </a:endParaRPr>
-          </a:p>
-        </p:txBody>
-      </p:sp>
-      <p:sp>
-        <p:nvSpPr>
-          <p:cNvPr id="7" name="Header Placeholder 6"/>
-          <p:cNvSpPr>
-            <a:spLocks noGrp="1"/>
-          </p:cNvSpPr>
-          <p:nvPr>
-            <p:ph type="hdr" sz="quarter" idx="13"/>
-          </p:nvPr>
-        </p:nvSpPr>
-        <p:spPr/>
-        <p:txBody>
-          <a:bodyPr/>
-          <a:lstStyle/>
-          <a:p>
-            <a:r>
-              <a:rPr lang="en-US">
-                <a:solidFill>
-                  <a:prstClr val="black"/>
-                </a:solidFill>
-              </a:rPr>
-              <a:t>Build 2014</a:t>
-            </a:r>
-            <a:endParaRPr lang="en-US" dirty="0">
-              <a:solidFill>
-                <a:prstClr val="black"/>
-              </a:solidFill>
+              <a:effectLst/>
+              <a:uLnTx/>
+              <a:uFillTx/>
             </a:endParaRPr>
           </a:p>
         </p:txBody>
@@ -5459,7 +5906,7 @@
     </p:spTree>
     <p:extLst>
       <p:ext uri="{BB962C8B-B14F-4D97-AF65-F5344CB8AC3E}">
-        <p14:creationId xmlns:p14="http://schemas.microsoft.com/office/powerpoint/2010/main" val="809730823"/>
+        <p14:creationId xmlns:p14="http://schemas.microsoft.com/office/powerpoint/2010/main" val="1968014362"/>
       </p:ext>
     </p:extLst>
   </p:cSld>
@@ -5729,43 +6176,12 @@
       </p:sp>
       <p:sp>
         <p:nvSpPr>
-          <p:cNvPr id="4" name="Header Placeholder 3"/>
-          <p:cNvSpPr>
-            <a:spLocks noGrp="1"/>
-          </p:cNvSpPr>
-          <p:nvPr>
-            <p:ph type="hdr" sz="quarter" idx="10"/>
-          </p:nvPr>
-        </p:nvSpPr>
-        <p:spPr/>
-        <p:txBody>
-          <a:bodyPr/>
-          <a:lstStyle/>
-          <a:p>
-            <a:r>
-              <a:rPr lang="en-US">
-                <a:solidFill>
-                  <a:prstClr val="black"/>
-                </a:solidFill>
-              </a:rPr>
-              <a:t>Build 2014</a:t>
-            </a:r>
-            <a:endParaRPr lang="en-US" dirty="0">
-              <a:solidFill>
-                <a:prstClr val="black"/>
-              </a:solidFill>
-            </a:endParaRPr>
-          </a:p>
-        </p:txBody>
-      </p:sp>
-      <p:sp>
-        <p:nvSpPr>
-          <p:cNvPr id="5" name="Footer Placeholder 4"/>
-          <p:cNvSpPr>
-            <a:spLocks noGrp="1"/>
-          </p:cNvSpPr>
-          <p:nvPr>
-            <p:ph type="ftr" sz="quarter" idx="11"/>
+          <p:cNvPr id="4" name="Footer Placeholder 3"/>
+          <p:cNvSpPr>
+            <a:spLocks noGrp="1"/>
+          </p:cNvSpPr>
+          <p:nvPr>
+            <p:ph type="ftr" sz="quarter" idx="10"/>
           </p:nvPr>
         </p:nvSpPr>
         <p:spPr/>
@@ -5814,20 +6230,20 @@
       </p:sp>
       <p:sp>
         <p:nvSpPr>
-          <p:cNvPr id="6" name="Date Placeholder 5"/>
-          <p:cNvSpPr>
-            <a:spLocks noGrp="1"/>
-          </p:cNvSpPr>
-          <p:nvPr>
-            <p:ph type="dt" idx="12"/>
-          </p:nvPr>
-        </p:nvSpPr>
-        <p:spPr/>
-        <p:txBody>
-          <a:bodyPr/>
-          <a:lstStyle/>
-          <a:p>
-            <a:fld id="{9F00D60D-1703-4D24-8308-FEE06A50A69C}" type="datetime1">
+          <p:cNvPr id="5" name="Date Placeholder 4"/>
+          <p:cNvSpPr>
+            <a:spLocks noGrp="1"/>
+          </p:cNvSpPr>
+          <p:nvPr>
+            <p:ph type="dt" idx="11"/>
+          </p:nvPr>
+        </p:nvSpPr>
+        <p:spPr/>
+        <p:txBody>
+          <a:bodyPr/>
+          <a:lstStyle/>
+          <a:p>
+            <a:fld id="{FCF63DAE-D37E-4C44-BD81-0E251F1BE300}" type="datetime1">
               <a:rPr lang="en-US" smtClean="0">
                 <a:solidFill>
                   <a:prstClr val="black"/>
@@ -5846,12 +6262,12 @@
       </p:sp>
       <p:sp>
         <p:nvSpPr>
-          <p:cNvPr id="7" name="Slide Number Placeholder 6"/>
-          <p:cNvSpPr>
-            <a:spLocks noGrp="1"/>
-          </p:cNvSpPr>
-          <p:nvPr>
-            <p:ph type="sldNum" sz="quarter" idx="13"/>
+          <p:cNvPr id="6" name="Slide Number Placeholder 5"/>
+          <p:cNvSpPr>
+            <a:spLocks noGrp="1"/>
+          </p:cNvSpPr>
+          <p:nvPr>
+            <p:ph type="sldNum" sz="quarter" idx="12"/>
           </p:nvPr>
         </p:nvSpPr>
         <p:spPr/>
@@ -5876,10 +6292,41 @@
           </a:p>
         </p:txBody>
       </p:sp>
+      <p:sp>
+        <p:nvSpPr>
+          <p:cNvPr id="7" name="Header Placeholder 6"/>
+          <p:cNvSpPr>
+            <a:spLocks noGrp="1"/>
+          </p:cNvSpPr>
+          <p:nvPr>
+            <p:ph type="hdr" sz="quarter" idx="13"/>
+          </p:nvPr>
+        </p:nvSpPr>
+        <p:spPr/>
+        <p:txBody>
+          <a:bodyPr/>
+          <a:lstStyle/>
+          <a:p>
+            <a:r>
+              <a:rPr lang="en-US">
+                <a:solidFill>
+                  <a:prstClr val="black"/>
+                </a:solidFill>
+              </a:rPr>
+              <a:t>Build 2014</a:t>
+            </a:r>
+            <a:endParaRPr lang="en-US" dirty="0">
+              <a:solidFill>
+                <a:prstClr val="black"/>
+              </a:solidFill>
+            </a:endParaRPr>
+          </a:p>
+        </p:txBody>
+      </p:sp>
     </p:spTree>
     <p:extLst>
       <p:ext uri="{BB962C8B-B14F-4D97-AF65-F5344CB8AC3E}">
-        <p14:creationId xmlns:p14="http://schemas.microsoft.com/office/powerpoint/2010/main" val="3222582736"/>
+        <p14:creationId xmlns:p14="http://schemas.microsoft.com/office/powerpoint/2010/main" val="777518763"/>
       </p:ext>
     </p:extLst>
   </p:cSld>
@@ -6089,7 +6536,7 @@
     </p:spTree>
     <p:extLst>
       <p:ext uri="{BB962C8B-B14F-4D97-AF65-F5344CB8AC3E}">
-        <p14:creationId xmlns:p14="http://schemas.microsoft.com/office/powerpoint/2010/main" val="2882451625"/>
+        <p14:creationId xmlns:p14="http://schemas.microsoft.com/office/powerpoint/2010/main" val="2808479397"/>
       </p:ext>
     </p:extLst>
   </p:cSld>
@@ -6299,7 +6746,7 @@
     </p:spTree>
     <p:extLst>
       <p:ext uri="{BB962C8B-B14F-4D97-AF65-F5344CB8AC3E}">
-        <p14:creationId xmlns:p14="http://schemas.microsoft.com/office/powerpoint/2010/main" val="230311256"/>
+        <p14:creationId xmlns:p14="http://schemas.microsoft.com/office/powerpoint/2010/main" val="809730823"/>
       </p:ext>
     </p:extLst>
   </p:cSld>
@@ -6509,7 +6956,7 @@
     </p:spTree>
     <p:extLst>
       <p:ext uri="{BB962C8B-B14F-4D97-AF65-F5344CB8AC3E}">
-        <p14:creationId xmlns:p14="http://schemas.microsoft.com/office/powerpoint/2010/main" val="3133682360"/>
+        <p14:creationId xmlns:p14="http://schemas.microsoft.com/office/powerpoint/2010/main" val="3222582736"/>
       </p:ext>
     </p:extLst>
   </p:cSld>
@@ -6719,7 +7166,7 @@
     </p:spTree>
     <p:extLst>
       <p:ext uri="{BB962C8B-B14F-4D97-AF65-F5344CB8AC3E}">
-        <p14:creationId xmlns:p14="http://schemas.microsoft.com/office/powerpoint/2010/main" val="3662995644"/>
+        <p14:creationId xmlns:p14="http://schemas.microsoft.com/office/powerpoint/2010/main" val="2882451625"/>
       </p:ext>
     </p:extLst>
   </p:cSld>
@@ -6779,43 +7226,12 @@
       </p:sp>
       <p:sp>
         <p:nvSpPr>
-          <p:cNvPr id="4" name="Header Placeholder 3"/>
-          <p:cNvSpPr>
-            <a:spLocks noGrp="1"/>
-          </p:cNvSpPr>
-          <p:nvPr>
-            <p:ph type="hdr" sz="quarter" idx="10"/>
-          </p:nvPr>
-        </p:nvSpPr>
-        <p:spPr/>
-        <p:txBody>
-          <a:bodyPr/>
-          <a:lstStyle/>
-          <a:p>
-            <a:r>
-              <a:rPr lang="en-US">
-                <a:solidFill>
-                  <a:prstClr val="black"/>
-                </a:solidFill>
-              </a:rPr>
-              <a:t>Build 2014</a:t>
-            </a:r>
-            <a:endParaRPr lang="en-US" dirty="0">
-              <a:solidFill>
-                <a:prstClr val="black"/>
-              </a:solidFill>
-            </a:endParaRPr>
-          </a:p>
-        </p:txBody>
-      </p:sp>
-      <p:sp>
-        <p:nvSpPr>
-          <p:cNvPr id="5" name="Footer Placeholder 4"/>
-          <p:cNvSpPr>
-            <a:spLocks noGrp="1"/>
-          </p:cNvSpPr>
-          <p:nvPr>
-            <p:ph type="ftr" sz="quarter" idx="11"/>
+          <p:cNvPr id="4" name="Footer Placeholder 3"/>
+          <p:cNvSpPr>
+            <a:spLocks noGrp="1"/>
+          </p:cNvSpPr>
+          <p:nvPr>
+            <p:ph type="ftr" sz="quarter" idx="10"/>
           </p:nvPr>
         </p:nvSpPr>
         <p:spPr/>
@@ -6864,20 +7280,20 @@
       </p:sp>
       <p:sp>
         <p:nvSpPr>
-          <p:cNvPr id="6" name="Date Placeholder 5"/>
-          <p:cNvSpPr>
-            <a:spLocks noGrp="1"/>
-          </p:cNvSpPr>
-          <p:nvPr>
-            <p:ph type="dt" idx="12"/>
-          </p:nvPr>
-        </p:nvSpPr>
-        <p:spPr/>
-        <p:txBody>
-          <a:bodyPr/>
-          <a:lstStyle/>
-          <a:p>
-            <a:fld id="{9F00D60D-1703-4D24-8308-FEE06A50A69C}" type="datetime1">
+          <p:cNvPr id="5" name="Date Placeholder 4"/>
+          <p:cNvSpPr>
+            <a:spLocks noGrp="1"/>
+          </p:cNvSpPr>
+          <p:nvPr>
+            <p:ph type="dt" idx="11"/>
+          </p:nvPr>
+        </p:nvSpPr>
+        <p:spPr/>
+        <p:txBody>
+          <a:bodyPr/>
+          <a:lstStyle/>
+          <a:p>
+            <a:fld id="{FCF63DAE-D37E-4C44-BD81-0E251F1BE300}" type="datetime1">
               <a:rPr lang="en-US" smtClean="0">
                 <a:solidFill>
                   <a:prstClr val="black"/>
@@ -6896,12 +7312,12 @@
       </p:sp>
       <p:sp>
         <p:nvSpPr>
-          <p:cNvPr id="7" name="Slide Number Placeholder 6"/>
-          <p:cNvSpPr>
-            <a:spLocks noGrp="1"/>
-          </p:cNvSpPr>
-          <p:nvPr>
-            <p:ph type="sldNum" sz="quarter" idx="13"/>
+          <p:cNvPr id="6" name="Slide Number Placeholder 5"/>
+          <p:cNvSpPr>
+            <a:spLocks noGrp="1"/>
+          </p:cNvSpPr>
+          <p:nvPr>
+            <p:ph type="sldNum" sz="quarter" idx="12"/>
           </p:nvPr>
         </p:nvSpPr>
         <p:spPr/>
@@ -6926,10 +7342,41 @@
           </a:p>
         </p:txBody>
       </p:sp>
+      <p:sp>
+        <p:nvSpPr>
+          <p:cNvPr id="7" name="Header Placeholder 6"/>
+          <p:cNvSpPr>
+            <a:spLocks noGrp="1"/>
+          </p:cNvSpPr>
+          <p:nvPr>
+            <p:ph type="hdr" sz="quarter" idx="13"/>
+          </p:nvPr>
+        </p:nvSpPr>
+        <p:spPr/>
+        <p:txBody>
+          <a:bodyPr/>
+          <a:lstStyle/>
+          <a:p>
+            <a:r>
+              <a:rPr lang="en-US">
+                <a:solidFill>
+                  <a:prstClr val="black"/>
+                </a:solidFill>
+              </a:rPr>
+              <a:t>Build 2014</a:t>
+            </a:r>
+            <a:endParaRPr lang="en-US" dirty="0">
+              <a:solidFill>
+                <a:prstClr val="black"/>
+              </a:solidFill>
+            </a:endParaRPr>
+          </a:p>
+        </p:txBody>
+      </p:sp>
     </p:spTree>
     <p:extLst>
       <p:ext uri="{BB962C8B-B14F-4D97-AF65-F5344CB8AC3E}">
-        <p14:creationId xmlns:p14="http://schemas.microsoft.com/office/powerpoint/2010/main" val="2906120500"/>
+        <p14:creationId xmlns:p14="http://schemas.microsoft.com/office/powerpoint/2010/main" val="230311256"/>
       </p:ext>
     </p:extLst>
   </p:cSld>
@@ -6989,12 +7436,43 @@
       </p:sp>
       <p:sp>
         <p:nvSpPr>
-          <p:cNvPr id="4" name="Footer Placeholder 3"/>
-          <p:cNvSpPr>
-            <a:spLocks noGrp="1"/>
-          </p:cNvSpPr>
-          <p:nvPr>
-            <p:ph type="ftr" sz="quarter" idx="10"/>
+          <p:cNvPr id="4" name="Header Placeholder 3"/>
+          <p:cNvSpPr>
+            <a:spLocks noGrp="1"/>
+          </p:cNvSpPr>
+          <p:nvPr>
+            <p:ph type="hdr" sz="quarter" idx="10"/>
+          </p:nvPr>
+        </p:nvSpPr>
+        <p:spPr/>
+        <p:txBody>
+          <a:bodyPr/>
+          <a:lstStyle/>
+          <a:p>
+            <a:r>
+              <a:rPr lang="en-US">
+                <a:solidFill>
+                  <a:prstClr val="black"/>
+                </a:solidFill>
+              </a:rPr>
+              <a:t>Build 2014</a:t>
+            </a:r>
+            <a:endParaRPr lang="en-US" dirty="0">
+              <a:solidFill>
+                <a:prstClr val="black"/>
+              </a:solidFill>
+            </a:endParaRPr>
+          </a:p>
+        </p:txBody>
+      </p:sp>
+      <p:sp>
+        <p:nvSpPr>
+          <p:cNvPr id="5" name="Footer Placeholder 4"/>
+          <p:cNvSpPr>
+            <a:spLocks noGrp="1"/>
+          </p:cNvSpPr>
+          <p:nvPr>
+            <p:ph type="ftr" sz="quarter" idx="11"/>
           </p:nvPr>
         </p:nvSpPr>
         <p:spPr/>
@@ -7043,20 +7521,20 @@
       </p:sp>
       <p:sp>
         <p:nvSpPr>
-          <p:cNvPr id="5" name="Date Placeholder 4"/>
-          <p:cNvSpPr>
-            <a:spLocks noGrp="1"/>
-          </p:cNvSpPr>
-          <p:nvPr>
-            <p:ph type="dt" idx="11"/>
-          </p:nvPr>
-        </p:nvSpPr>
-        <p:spPr/>
-        <p:txBody>
-          <a:bodyPr/>
-          <a:lstStyle/>
-          <a:p>
-            <a:fld id="{FCF63DAE-D37E-4C44-BD81-0E251F1BE300}" type="datetime1">
+          <p:cNvPr id="6" name="Date Placeholder 5"/>
+          <p:cNvSpPr>
+            <a:spLocks noGrp="1"/>
+          </p:cNvSpPr>
+          <p:nvPr>
+            <p:ph type="dt" idx="12"/>
+          </p:nvPr>
+        </p:nvSpPr>
+        <p:spPr/>
+        <p:txBody>
+          <a:bodyPr/>
+          <a:lstStyle/>
+          <a:p>
+            <a:fld id="{9F00D60D-1703-4D24-8308-FEE06A50A69C}" type="datetime1">
               <a:rPr lang="en-US" smtClean="0">
                 <a:solidFill>
                   <a:prstClr val="black"/>
@@ -7075,12 +7553,12 @@
       </p:sp>
       <p:sp>
         <p:nvSpPr>
-          <p:cNvPr id="6" name="Slide Number Placeholder 5"/>
-          <p:cNvSpPr>
-            <a:spLocks noGrp="1"/>
-          </p:cNvSpPr>
-          <p:nvPr>
-            <p:ph type="sldNum" sz="quarter" idx="12"/>
+          <p:cNvPr id="7" name="Slide Number Placeholder 6"/>
+          <p:cNvSpPr>
+            <a:spLocks noGrp="1"/>
+          </p:cNvSpPr>
+          <p:nvPr>
+            <p:ph type="sldNum" sz="quarter" idx="13"/>
           </p:nvPr>
         </p:nvSpPr>
         <p:spPr/>
@@ -7105,41 +7583,10 @@
           </a:p>
         </p:txBody>
       </p:sp>
-      <p:sp>
-        <p:nvSpPr>
-          <p:cNvPr id="7" name="Header Placeholder 6"/>
-          <p:cNvSpPr>
-            <a:spLocks noGrp="1"/>
-          </p:cNvSpPr>
-          <p:nvPr>
-            <p:ph type="hdr" sz="quarter" idx="13"/>
-          </p:nvPr>
-        </p:nvSpPr>
-        <p:spPr/>
-        <p:txBody>
-          <a:bodyPr/>
-          <a:lstStyle/>
-          <a:p>
-            <a:r>
-              <a:rPr lang="en-US">
-                <a:solidFill>
-                  <a:prstClr val="black"/>
-                </a:solidFill>
-              </a:rPr>
-              <a:t>Build 2014</a:t>
-            </a:r>
-            <a:endParaRPr lang="en-US" dirty="0">
-              <a:solidFill>
-                <a:prstClr val="black"/>
-              </a:solidFill>
-            </a:endParaRPr>
-          </a:p>
-        </p:txBody>
-      </p:sp>
     </p:spTree>
     <p:extLst>
       <p:ext uri="{BB962C8B-B14F-4D97-AF65-F5344CB8AC3E}">
-        <p14:creationId xmlns:p14="http://schemas.microsoft.com/office/powerpoint/2010/main" val="472659781"/>
+        <p14:creationId xmlns:p14="http://schemas.microsoft.com/office/powerpoint/2010/main" val="3133682360"/>
       </p:ext>
     </p:extLst>
   </p:cSld>
@@ -7349,7 +7796,7 @@
     </p:spTree>
     <p:extLst>
       <p:ext uri="{BB962C8B-B14F-4D97-AF65-F5344CB8AC3E}">
-        <p14:creationId xmlns:p14="http://schemas.microsoft.com/office/powerpoint/2010/main" val="2639183544"/>
+        <p14:creationId xmlns:p14="http://schemas.microsoft.com/office/powerpoint/2010/main" val="3662995644"/>
       </p:ext>
     </p:extLst>
   </p:cSld>
@@ -7409,12 +7856,43 @@
       </p:sp>
       <p:sp>
         <p:nvSpPr>
-          <p:cNvPr id="4" name="Footer Placeholder 3"/>
-          <p:cNvSpPr>
-            <a:spLocks noGrp="1"/>
-          </p:cNvSpPr>
-          <p:nvPr>
-            <p:ph type="ftr" sz="quarter" idx="10"/>
+          <p:cNvPr id="4" name="Header Placeholder 3"/>
+          <p:cNvSpPr>
+            <a:spLocks noGrp="1"/>
+          </p:cNvSpPr>
+          <p:nvPr>
+            <p:ph type="hdr" sz="quarter" idx="10"/>
+          </p:nvPr>
+        </p:nvSpPr>
+        <p:spPr/>
+        <p:txBody>
+          <a:bodyPr/>
+          <a:lstStyle/>
+          <a:p>
+            <a:r>
+              <a:rPr lang="en-US">
+                <a:solidFill>
+                  <a:prstClr val="black"/>
+                </a:solidFill>
+              </a:rPr>
+              <a:t>Build 2014</a:t>
+            </a:r>
+            <a:endParaRPr lang="en-US" dirty="0">
+              <a:solidFill>
+                <a:prstClr val="black"/>
+              </a:solidFill>
+            </a:endParaRPr>
+          </a:p>
+        </p:txBody>
+      </p:sp>
+      <p:sp>
+        <p:nvSpPr>
+          <p:cNvPr id="5" name="Footer Placeholder 4"/>
+          <p:cNvSpPr>
+            <a:spLocks noGrp="1"/>
+          </p:cNvSpPr>
+          <p:nvPr>
+            <p:ph type="ftr" sz="quarter" idx="11"/>
           </p:nvPr>
         </p:nvSpPr>
         <p:spPr/>
@@ -7463,20 +7941,20 @@
       </p:sp>
       <p:sp>
         <p:nvSpPr>
-          <p:cNvPr id="5" name="Date Placeholder 4"/>
-          <p:cNvSpPr>
-            <a:spLocks noGrp="1"/>
-          </p:cNvSpPr>
-          <p:nvPr>
-            <p:ph type="dt" idx="11"/>
-          </p:nvPr>
-        </p:nvSpPr>
-        <p:spPr/>
-        <p:txBody>
-          <a:bodyPr/>
-          <a:lstStyle/>
-          <a:p>
-            <a:fld id="{FCF63DAE-D37E-4C44-BD81-0E251F1BE300}" type="datetime1">
+          <p:cNvPr id="6" name="Date Placeholder 5"/>
+          <p:cNvSpPr>
+            <a:spLocks noGrp="1"/>
+          </p:cNvSpPr>
+          <p:nvPr>
+            <p:ph type="dt" idx="12"/>
+          </p:nvPr>
+        </p:nvSpPr>
+        <p:spPr/>
+        <p:txBody>
+          <a:bodyPr/>
+          <a:lstStyle/>
+          <a:p>
+            <a:fld id="{9F00D60D-1703-4D24-8308-FEE06A50A69C}" type="datetime1">
               <a:rPr lang="en-US" smtClean="0">
                 <a:solidFill>
                   <a:prstClr val="black"/>
@@ -7495,12 +7973,12 @@
       </p:sp>
       <p:sp>
         <p:nvSpPr>
-          <p:cNvPr id="6" name="Slide Number Placeholder 5"/>
-          <p:cNvSpPr>
-            <a:spLocks noGrp="1"/>
-          </p:cNvSpPr>
-          <p:nvPr>
-            <p:ph type="sldNum" sz="quarter" idx="12"/>
+          <p:cNvPr id="7" name="Slide Number Placeholder 6"/>
+          <p:cNvSpPr>
+            <a:spLocks noGrp="1"/>
+          </p:cNvSpPr>
+          <p:nvPr>
+            <p:ph type="sldNum" sz="quarter" idx="13"/>
           </p:nvPr>
         </p:nvSpPr>
         <p:spPr/>
@@ -7525,41 +8003,10 @@
           </a:p>
         </p:txBody>
       </p:sp>
-      <p:sp>
-        <p:nvSpPr>
-          <p:cNvPr id="7" name="Header Placeholder 6"/>
-          <p:cNvSpPr>
-            <a:spLocks noGrp="1"/>
-          </p:cNvSpPr>
-          <p:nvPr>
-            <p:ph type="hdr" sz="quarter" idx="13"/>
-          </p:nvPr>
-        </p:nvSpPr>
-        <p:spPr/>
-        <p:txBody>
-          <a:bodyPr/>
-          <a:lstStyle/>
-          <a:p>
-            <a:r>
-              <a:rPr lang="en-US">
-                <a:solidFill>
-                  <a:prstClr val="black"/>
-                </a:solidFill>
-              </a:rPr>
-              <a:t>Build 2014</a:t>
-            </a:r>
-            <a:endParaRPr lang="en-US" dirty="0">
-              <a:solidFill>
-                <a:prstClr val="black"/>
-              </a:solidFill>
-            </a:endParaRPr>
-          </a:p>
-        </p:txBody>
-      </p:sp>
     </p:spTree>
     <p:extLst>
       <p:ext uri="{BB962C8B-B14F-4D97-AF65-F5344CB8AC3E}">
-        <p14:creationId xmlns:p14="http://schemas.microsoft.com/office/powerpoint/2010/main" val="585965803"/>
+        <p14:creationId xmlns:p14="http://schemas.microsoft.com/office/powerpoint/2010/main" val="2906120500"/>
       </p:ext>
     </p:extLst>
   </p:cSld>
@@ -7619,43 +8066,12 @@
       </p:sp>
       <p:sp>
         <p:nvSpPr>
-          <p:cNvPr id="4" name="Header Placeholder 3"/>
-          <p:cNvSpPr>
-            <a:spLocks noGrp="1"/>
-          </p:cNvSpPr>
-          <p:nvPr>
-            <p:ph type="hdr" sz="quarter" idx="10"/>
-          </p:nvPr>
-        </p:nvSpPr>
-        <p:spPr/>
-        <p:txBody>
-          <a:bodyPr/>
-          <a:lstStyle/>
-          <a:p>
-            <a:r>
-              <a:rPr lang="en-US">
-                <a:solidFill>
-                  <a:prstClr val="black"/>
-                </a:solidFill>
-              </a:rPr>
-              <a:t>Build 2014</a:t>
-            </a:r>
-            <a:endParaRPr lang="en-US" dirty="0">
-              <a:solidFill>
-                <a:prstClr val="black"/>
-              </a:solidFill>
-            </a:endParaRPr>
-          </a:p>
-        </p:txBody>
-      </p:sp>
-      <p:sp>
-        <p:nvSpPr>
-          <p:cNvPr id="5" name="Footer Placeholder 4"/>
-          <p:cNvSpPr>
-            <a:spLocks noGrp="1"/>
-          </p:cNvSpPr>
-          <p:nvPr>
-            <p:ph type="ftr" sz="quarter" idx="11"/>
+          <p:cNvPr id="4" name="Footer Placeholder 3"/>
+          <p:cNvSpPr>
+            <a:spLocks noGrp="1"/>
+          </p:cNvSpPr>
+          <p:nvPr>
+            <p:ph type="ftr" sz="quarter" idx="10"/>
           </p:nvPr>
         </p:nvSpPr>
         <p:spPr/>
@@ -7704,20 +8120,20 @@
       </p:sp>
       <p:sp>
         <p:nvSpPr>
-          <p:cNvPr id="6" name="Date Placeholder 5"/>
-          <p:cNvSpPr>
-            <a:spLocks noGrp="1"/>
-          </p:cNvSpPr>
-          <p:nvPr>
-            <p:ph type="dt" idx="12"/>
-          </p:nvPr>
-        </p:nvSpPr>
-        <p:spPr/>
-        <p:txBody>
-          <a:bodyPr/>
-          <a:lstStyle/>
-          <a:p>
-            <a:fld id="{9F00D60D-1703-4D24-8308-FEE06A50A69C}" type="datetime1">
+          <p:cNvPr id="5" name="Date Placeholder 4"/>
+          <p:cNvSpPr>
+            <a:spLocks noGrp="1"/>
+          </p:cNvSpPr>
+          <p:nvPr>
+            <p:ph type="dt" idx="11"/>
+          </p:nvPr>
+        </p:nvSpPr>
+        <p:spPr/>
+        <p:txBody>
+          <a:bodyPr/>
+          <a:lstStyle/>
+          <a:p>
+            <a:fld id="{FCF63DAE-D37E-4C44-BD81-0E251F1BE300}" type="datetime1">
               <a:rPr lang="en-US" smtClean="0">
                 <a:solidFill>
                   <a:prstClr val="black"/>
@@ -7736,12 +8152,12 @@
       </p:sp>
       <p:sp>
         <p:nvSpPr>
-          <p:cNvPr id="7" name="Slide Number Placeholder 6"/>
-          <p:cNvSpPr>
-            <a:spLocks noGrp="1"/>
-          </p:cNvSpPr>
-          <p:nvPr>
-            <p:ph type="sldNum" sz="quarter" idx="13"/>
+          <p:cNvPr id="6" name="Slide Number Placeholder 5"/>
+          <p:cNvSpPr>
+            <a:spLocks noGrp="1"/>
+          </p:cNvSpPr>
+          <p:nvPr>
+            <p:ph type="sldNum" sz="quarter" idx="12"/>
           </p:nvPr>
         </p:nvSpPr>
         <p:spPr/>
@@ -7766,10 +8182,41 @@
           </a:p>
         </p:txBody>
       </p:sp>
+      <p:sp>
+        <p:nvSpPr>
+          <p:cNvPr id="7" name="Header Placeholder 6"/>
+          <p:cNvSpPr>
+            <a:spLocks noGrp="1"/>
+          </p:cNvSpPr>
+          <p:nvPr>
+            <p:ph type="hdr" sz="quarter" idx="13"/>
+          </p:nvPr>
+        </p:nvSpPr>
+        <p:spPr/>
+        <p:txBody>
+          <a:bodyPr/>
+          <a:lstStyle/>
+          <a:p>
+            <a:r>
+              <a:rPr lang="en-US">
+                <a:solidFill>
+                  <a:prstClr val="black"/>
+                </a:solidFill>
+              </a:rPr>
+              <a:t>Build 2014</a:t>
+            </a:r>
+            <a:endParaRPr lang="en-US" dirty="0">
+              <a:solidFill>
+                <a:prstClr val="black"/>
+              </a:solidFill>
+            </a:endParaRPr>
+          </a:p>
+        </p:txBody>
+      </p:sp>
     </p:spTree>
     <p:extLst>
       <p:ext uri="{BB962C8B-B14F-4D97-AF65-F5344CB8AC3E}">
-        <p14:creationId xmlns:p14="http://schemas.microsoft.com/office/powerpoint/2010/main" val="1304618400"/>
+        <p14:creationId xmlns:p14="http://schemas.microsoft.com/office/powerpoint/2010/main" val="472659781"/>
       </p:ext>
     </p:extLst>
   </p:cSld>
@@ -8039,12 +8486,43 @@
       </p:sp>
       <p:sp>
         <p:nvSpPr>
-          <p:cNvPr id="4" name="Footer Placeholder 3"/>
-          <p:cNvSpPr>
-            <a:spLocks noGrp="1"/>
-          </p:cNvSpPr>
-          <p:nvPr>
-            <p:ph type="ftr" sz="quarter" idx="10"/>
+          <p:cNvPr id="4" name="Header Placeholder 3"/>
+          <p:cNvSpPr>
+            <a:spLocks noGrp="1"/>
+          </p:cNvSpPr>
+          <p:nvPr>
+            <p:ph type="hdr" sz="quarter" idx="10"/>
+          </p:nvPr>
+        </p:nvSpPr>
+        <p:spPr/>
+        <p:txBody>
+          <a:bodyPr/>
+          <a:lstStyle/>
+          <a:p>
+            <a:r>
+              <a:rPr lang="en-US">
+                <a:solidFill>
+                  <a:prstClr val="black"/>
+                </a:solidFill>
+              </a:rPr>
+              <a:t>Build 2014</a:t>
+            </a:r>
+            <a:endParaRPr lang="en-US" dirty="0">
+              <a:solidFill>
+                <a:prstClr val="black"/>
+              </a:solidFill>
+            </a:endParaRPr>
+          </a:p>
+        </p:txBody>
+      </p:sp>
+      <p:sp>
+        <p:nvSpPr>
+          <p:cNvPr id="5" name="Footer Placeholder 4"/>
+          <p:cNvSpPr>
+            <a:spLocks noGrp="1"/>
+          </p:cNvSpPr>
+          <p:nvPr>
+            <p:ph type="ftr" sz="quarter" idx="11"/>
           </p:nvPr>
         </p:nvSpPr>
         <p:spPr/>
@@ -8093,20 +8571,20 @@
       </p:sp>
       <p:sp>
         <p:nvSpPr>
-          <p:cNvPr id="5" name="Date Placeholder 4"/>
-          <p:cNvSpPr>
-            <a:spLocks noGrp="1"/>
-          </p:cNvSpPr>
-          <p:nvPr>
-            <p:ph type="dt" idx="11"/>
-          </p:nvPr>
-        </p:nvSpPr>
-        <p:spPr/>
-        <p:txBody>
-          <a:bodyPr/>
-          <a:lstStyle/>
-          <a:p>
-            <a:fld id="{FCF63DAE-D37E-4C44-BD81-0E251F1BE300}" type="datetime1">
+          <p:cNvPr id="6" name="Date Placeholder 5"/>
+          <p:cNvSpPr>
+            <a:spLocks noGrp="1"/>
+          </p:cNvSpPr>
+          <p:nvPr>
+            <p:ph type="dt" idx="12"/>
+          </p:nvPr>
+        </p:nvSpPr>
+        <p:spPr/>
+        <p:txBody>
+          <a:bodyPr/>
+          <a:lstStyle/>
+          <a:p>
+            <a:fld id="{9F00D60D-1703-4D24-8308-FEE06A50A69C}" type="datetime1">
               <a:rPr lang="en-US" smtClean="0">
                 <a:solidFill>
                   <a:prstClr val="black"/>
@@ -8125,12 +8603,12 @@
       </p:sp>
       <p:sp>
         <p:nvSpPr>
-          <p:cNvPr id="6" name="Slide Number Placeholder 5"/>
-          <p:cNvSpPr>
-            <a:spLocks noGrp="1"/>
-          </p:cNvSpPr>
-          <p:nvPr>
-            <p:ph type="sldNum" sz="quarter" idx="12"/>
+          <p:cNvPr id="7" name="Slide Number Placeholder 6"/>
+          <p:cNvSpPr>
+            <a:spLocks noGrp="1"/>
+          </p:cNvSpPr>
+          <p:nvPr>
+            <p:ph type="sldNum" sz="quarter" idx="13"/>
           </p:nvPr>
         </p:nvSpPr>
         <p:spPr/>
@@ -8155,41 +8633,10 @@
           </a:p>
         </p:txBody>
       </p:sp>
-      <p:sp>
-        <p:nvSpPr>
-          <p:cNvPr id="7" name="Header Placeholder 6"/>
-          <p:cNvSpPr>
-            <a:spLocks noGrp="1"/>
-          </p:cNvSpPr>
-          <p:nvPr>
-            <p:ph type="hdr" sz="quarter" idx="13"/>
-          </p:nvPr>
-        </p:nvSpPr>
-        <p:spPr/>
-        <p:txBody>
-          <a:bodyPr/>
-          <a:lstStyle/>
-          <a:p>
-            <a:r>
-              <a:rPr lang="en-US">
-                <a:solidFill>
-                  <a:prstClr val="black"/>
-                </a:solidFill>
-              </a:rPr>
-              <a:t>Build 2014</a:t>
-            </a:r>
-            <a:endParaRPr lang="en-US" dirty="0">
-              <a:solidFill>
-                <a:prstClr val="black"/>
-              </a:solidFill>
-            </a:endParaRPr>
-          </a:p>
-        </p:txBody>
-      </p:sp>
     </p:spTree>
     <p:extLst>
       <p:ext uri="{BB962C8B-B14F-4D97-AF65-F5344CB8AC3E}">
-        <p14:creationId xmlns:p14="http://schemas.microsoft.com/office/powerpoint/2010/main" val="2762037189"/>
+        <p14:creationId xmlns:p14="http://schemas.microsoft.com/office/powerpoint/2010/main" val="2639183544"/>
       </p:ext>
     </p:extLst>
   </p:cSld>
@@ -8249,43 +8696,12 @@
       </p:sp>
       <p:sp>
         <p:nvSpPr>
-          <p:cNvPr id="4" name="Header Placeholder 3"/>
-          <p:cNvSpPr>
-            <a:spLocks noGrp="1"/>
-          </p:cNvSpPr>
-          <p:nvPr>
-            <p:ph type="hdr" sz="quarter" idx="10"/>
-          </p:nvPr>
-        </p:nvSpPr>
-        <p:spPr/>
-        <p:txBody>
-          <a:bodyPr/>
-          <a:lstStyle/>
-          <a:p>
-            <a:r>
-              <a:rPr lang="en-US">
-                <a:solidFill>
-                  <a:prstClr val="black"/>
-                </a:solidFill>
-              </a:rPr>
-              <a:t>Build 2014</a:t>
-            </a:r>
-            <a:endParaRPr lang="en-US" dirty="0">
-              <a:solidFill>
-                <a:prstClr val="black"/>
-              </a:solidFill>
-            </a:endParaRPr>
-          </a:p>
-        </p:txBody>
-      </p:sp>
-      <p:sp>
-        <p:nvSpPr>
-          <p:cNvPr id="5" name="Footer Placeholder 4"/>
-          <p:cNvSpPr>
-            <a:spLocks noGrp="1"/>
-          </p:cNvSpPr>
-          <p:nvPr>
-            <p:ph type="ftr" sz="quarter" idx="11"/>
+          <p:cNvPr id="4" name="Footer Placeholder 3"/>
+          <p:cNvSpPr>
+            <a:spLocks noGrp="1"/>
+          </p:cNvSpPr>
+          <p:nvPr>
+            <p:ph type="ftr" sz="quarter" idx="10"/>
           </p:nvPr>
         </p:nvSpPr>
         <p:spPr/>
@@ -8334,20 +8750,20 @@
       </p:sp>
       <p:sp>
         <p:nvSpPr>
-          <p:cNvPr id="6" name="Date Placeholder 5"/>
-          <p:cNvSpPr>
-            <a:spLocks noGrp="1"/>
-          </p:cNvSpPr>
-          <p:nvPr>
-            <p:ph type="dt" idx="12"/>
-          </p:nvPr>
-        </p:nvSpPr>
-        <p:spPr/>
-        <p:txBody>
-          <a:bodyPr/>
-          <a:lstStyle/>
-          <a:p>
-            <a:fld id="{9F00D60D-1703-4D24-8308-FEE06A50A69C}" type="datetime1">
+          <p:cNvPr id="5" name="Date Placeholder 4"/>
+          <p:cNvSpPr>
+            <a:spLocks noGrp="1"/>
+          </p:cNvSpPr>
+          <p:nvPr>
+            <p:ph type="dt" idx="11"/>
+          </p:nvPr>
+        </p:nvSpPr>
+        <p:spPr/>
+        <p:txBody>
+          <a:bodyPr/>
+          <a:lstStyle/>
+          <a:p>
+            <a:fld id="{FCF63DAE-D37E-4C44-BD81-0E251F1BE300}" type="datetime1">
               <a:rPr lang="en-US" smtClean="0">
                 <a:solidFill>
                   <a:prstClr val="black"/>
@@ -8366,12 +8782,12 @@
       </p:sp>
       <p:sp>
         <p:nvSpPr>
-          <p:cNvPr id="7" name="Slide Number Placeholder 6"/>
-          <p:cNvSpPr>
-            <a:spLocks noGrp="1"/>
-          </p:cNvSpPr>
-          <p:nvPr>
-            <p:ph type="sldNum" sz="quarter" idx="13"/>
+          <p:cNvPr id="6" name="Slide Number Placeholder 5"/>
+          <p:cNvSpPr>
+            <a:spLocks noGrp="1"/>
+          </p:cNvSpPr>
+          <p:nvPr>
+            <p:ph type="sldNum" sz="quarter" idx="12"/>
           </p:nvPr>
         </p:nvSpPr>
         <p:spPr/>
@@ -8396,10 +8812,41 @@
           </a:p>
         </p:txBody>
       </p:sp>
+      <p:sp>
+        <p:nvSpPr>
+          <p:cNvPr id="7" name="Header Placeholder 6"/>
+          <p:cNvSpPr>
+            <a:spLocks noGrp="1"/>
+          </p:cNvSpPr>
+          <p:nvPr>
+            <p:ph type="hdr" sz="quarter" idx="13"/>
+          </p:nvPr>
+        </p:nvSpPr>
+        <p:spPr/>
+        <p:txBody>
+          <a:bodyPr/>
+          <a:lstStyle/>
+          <a:p>
+            <a:r>
+              <a:rPr lang="en-US">
+                <a:solidFill>
+                  <a:prstClr val="black"/>
+                </a:solidFill>
+              </a:rPr>
+              <a:t>Build 2014</a:t>
+            </a:r>
+            <a:endParaRPr lang="en-US" dirty="0">
+              <a:solidFill>
+                <a:prstClr val="black"/>
+              </a:solidFill>
+            </a:endParaRPr>
+          </a:p>
+        </p:txBody>
+      </p:sp>
     </p:spTree>
     <p:extLst>
       <p:ext uri="{BB962C8B-B14F-4D97-AF65-F5344CB8AC3E}">
-        <p14:creationId xmlns:p14="http://schemas.microsoft.com/office/powerpoint/2010/main" val="3357644"/>
+        <p14:creationId xmlns:p14="http://schemas.microsoft.com/office/powerpoint/2010/main" val="585965803"/>
       </p:ext>
     </p:extLst>
   </p:cSld>
@@ -8609,7 +9056,7 @@
     </p:spTree>
     <p:extLst>
       <p:ext uri="{BB962C8B-B14F-4D97-AF65-F5344CB8AC3E}">
-        <p14:creationId xmlns:p14="http://schemas.microsoft.com/office/powerpoint/2010/main" val="698718609"/>
+        <p14:creationId xmlns:p14="http://schemas.microsoft.com/office/powerpoint/2010/main" val="1304618400"/>
       </p:ext>
     </p:extLst>
   </p:cSld>
@@ -8669,43 +9116,12 @@
       </p:sp>
       <p:sp>
         <p:nvSpPr>
-          <p:cNvPr id="4" name="Header Placeholder 3"/>
-          <p:cNvSpPr>
-            <a:spLocks noGrp="1"/>
-          </p:cNvSpPr>
-          <p:nvPr>
-            <p:ph type="hdr" sz="quarter" idx="10"/>
-          </p:nvPr>
-        </p:nvSpPr>
-        <p:spPr/>
-        <p:txBody>
-          <a:bodyPr/>
-          <a:lstStyle/>
-          <a:p>
-            <a:r>
-              <a:rPr lang="en-US">
-                <a:solidFill>
-                  <a:prstClr val="black"/>
-                </a:solidFill>
-              </a:rPr>
-              <a:t>Build 2014</a:t>
-            </a:r>
-            <a:endParaRPr lang="en-US" dirty="0">
-              <a:solidFill>
-                <a:prstClr val="black"/>
-              </a:solidFill>
-            </a:endParaRPr>
-          </a:p>
-        </p:txBody>
-      </p:sp>
-      <p:sp>
-        <p:nvSpPr>
-          <p:cNvPr id="5" name="Footer Placeholder 4"/>
-          <p:cNvSpPr>
-            <a:spLocks noGrp="1"/>
-          </p:cNvSpPr>
-          <p:nvPr>
-            <p:ph type="ftr" sz="quarter" idx="11"/>
+          <p:cNvPr id="4" name="Footer Placeholder 3"/>
+          <p:cNvSpPr>
+            <a:spLocks noGrp="1"/>
+          </p:cNvSpPr>
+          <p:nvPr>
+            <p:ph type="ftr" sz="quarter" idx="10"/>
           </p:nvPr>
         </p:nvSpPr>
         <p:spPr/>
@@ -8754,20 +9170,20 @@
       </p:sp>
       <p:sp>
         <p:nvSpPr>
-          <p:cNvPr id="6" name="Date Placeholder 5"/>
-          <p:cNvSpPr>
-            <a:spLocks noGrp="1"/>
-          </p:cNvSpPr>
-          <p:nvPr>
-            <p:ph type="dt" idx="12"/>
-          </p:nvPr>
-        </p:nvSpPr>
-        <p:spPr/>
-        <p:txBody>
-          <a:bodyPr/>
-          <a:lstStyle/>
-          <a:p>
-            <a:fld id="{9F00D60D-1703-4D24-8308-FEE06A50A69C}" type="datetime1">
+          <p:cNvPr id="5" name="Date Placeholder 4"/>
+          <p:cNvSpPr>
+            <a:spLocks noGrp="1"/>
+          </p:cNvSpPr>
+          <p:nvPr>
+            <p:ph type="dt" idx="11"/>
+          </p:nvPr>
+        </p:nvSpPr>
+        <p:spPr/>
+        <p:txBody>
+          <a:bodyPr/>
+          <a:lstStyle/>
+          <a:p>
+            <a:fld id="{FCF63DAE-D37E-4C44-BD81-0E251F1BE300}" type="datetime1">
               <a:rPr lang="en-US" smtClean="0">
                 <a:solidFill>
                   <a:prstClr val="black"/>
@@ -8786,12 +9202,12 @@
       </p:sp>
       <p:sp>
         <p:nvSpPr>
-          <p:cNvPr id="7" name="Slide Number Placeholder 6"/>
-          <p:cNvSpPr>
-            <a:spLocks noGrp="1"/>
-          </p:cNvSpPr>
-          <p:nvPr>
-            <p:ph type="sldNum" sz="quarter" idx="13"/>
+          <p:cNvPr id="6" name="Slide Number Placeholder 5"/>
+          <p:cNvSpPr>
+            <a:spLocks noGrp="1"/>
+          </p:cNvSpPr>
+          <p:nvPr>
+            <p:ph type="sldNum" sz="quarter" idx="12"/>
           </p:nvPr>
         </p:nvSpPr>
         <p:spPr/>
@@ -8816,10 +9232,41 @@
           </a:p>
         </p:txBody>
       </p:sp>
+      <p:sp>
+        <p:nvSpPr>
+          <p:cNvPr id="7" name="Header Placeholder 6"/>
+          <p:cNvSpPr>
+            <a:spLocks noGrp="1"/>
+          </p:cNvSpPr>
+          <p:nvPr>
+            <p:ph type="hdr" sz="quarter" idx="13"/>
+          </p:nvPr>
+        </p:nvSpPr>
+        <p:spPr/>
+        <p:txBody>
+          <a:bodyPr/>
+          <a:lstStyle/>
+          <a:p>
+            <a:r>
+              <a:rPr lang="en-US">
+                <a:solidFill>
+                  <a:prstClr val="black"/>
+                </a:solidFill>
+              </a:rPr>
+              <a:t>Build 2014</a:t>
+            </a:r>
+            <a:endParaRPr lang="en-US" dirty="0">
+              <a:solidFill>
+                <a:prstClr val="black"/>
+              </a:solidFill>
+            </a:endParaRPr>
+          </a:p>
+        </p:txBody>
+      </p:sp>
     </p:spTree>
     <p:extLst>
       <p:ext uri="{BB962C8B-B14F-4D97-AF65-F5344CB8AC3E}">
-        <p14:creationId xmlns:p14="http://schemas.microsoft.com/office/powerpoint/2010/main" val="1723905328"/>
+        <p14:creationId xmlns:p14="http://schemas.microsoft.com/office/powerpoint/2010/main" val="2762037189"/>
       </p:ext>
     </p:extLst>
   </p:cSld>
@@ -9029,7 +9476,7 @@
     </p:spTree>
     <p:extLst>
       <p:ext uri="{BB962C8B-B14F-4D97-AF65-F5344CB8AC3E}">
-        <p14:creationId xmlns:p14="http://schemas.microsoft.com/office/powerpoint/2010/main" val="2509412685"/>
+        <p14:creationId xmlns:p14="http://schemas.microsoft.com/office/powerpoint/2010/main" val="3357644"/>
       </p:ext>
     </p:extLst>
   </p:cSld>
@@ -9239,7 +9686,7 @@
     </p:spTree>
     <p:extLst>
       <p:ext uri="{BB962C8B-B14F-4D97-AF65-F5344CB8AC3E}">
-        <p14:creationId xmlns:p14="http://schemas.microsoft.com/office/powerpoint/2010/main" val="2047366070"/>
+        <p14:creationId xmlns:p14="http://schemas.microsoft.com/office/powerpoint/2010/main" val="698718609"/>
       </p:ext>
     </p:extLst>
   </p:cSld>
@@ -9449,7 +9896,7 @@
     </p:spTree>
     <p:extLst>
       <p:ext uri="{BB962C8B-B14F-4D97-AF65-F5344CB8AC3E}">
-        <p14:creationId xmlns:p14="http://schemas.microsoft.com/office/powerpoint/2010/main" val="3134217166"/>
+        <p14:creationId xmlns:p14="http://schemas.microsoft.com/office/powerpoint/2010/main" val="1723905328"/>
       </p:ext>
     </p:extLst>
   </p:cSld>
@@ -9659,7 +10106,427 @@
     </p:spTree>
     <p:extLst>
       <p:ext uri="{BB962C8B-B14F-4D97-AF65-F5344CB8AC3E}">
-        <p14:creationId xmlns:p14="http://schemas.microsoft.com/office/powerpoint/2010/main" val="1818615962"/>
+        <p14:creationId xmlns:p14="http://schemas.microsoft.com/office/powerpoint/2010/main" val="2509412685"/>
+      </p:ext>
+    </p:extLst>
+  </p:cSld>
+  <p:clrMapOvr>
+    <a:masterClrMapping/>
+  </p:clrMapOvr>
+</p:notes>
+</file>
+
+<file path=ppt/notesSlides/notesSlide48.xml><?xml version="1.0" encoding="utf-8"?>
+<p:notes xmlns:a="http://schemas.openxmlformats.org/drawingml/2006/main" xmlns:r="http://schemas.openxmlformats.org/officeDocument/2006/relationships" xmlns:p="http://schemas.openxmlformats.org/presentationml/2006/main">
+  <p:cSld>
+    <p:spTree>
+      <p:nvGrpSpPr>
+        <p:cNvPr id="1" name=""/>
+        <p:cNvGrpSpPr/>
+        <p:nvPr/>
+      </p:nvGrpSpPr>
+      <p:grpSpPr>
+        <a:xfrm>
+          <a:off x="0" y="0"/>
+          <a:ext cx="0" cy="0"/>
+          <a:chOff x="0" y="0"/>
+          <a:chExt cx="0" cy="0"/>
+        </a:xfrm>
+      </p:grpSpPr>
+      <p:sp>
+        <p:nvSpPr>
+          <p:cNvPr id="2" name="Slide Image Placeholder 1"/>
+          <p:cNvSpPr>
+            <a:spLocks noGrp="1" noRot="1" noChangeAspect="1"/>
+          </p:cNvSpPr>
+          <p:nvPr>
+            <p:ph type="sldImg"/>
+          </p:nvPr>
+        </p:nvSpPr>
+        <p:spPr/>
+      </p:sp>
+      <p:sp>
+        <p:nvSpPr>
+          <p:cNvPr id="3" name="Notes Placeholder 2"/>
+          <p:cNvSpPr>
+            <a:spLocks noGrp="1"/>
+          </p:cNvSpPr>
+          <p:nvPr>
+            <p:ph type="body" idx="1"/>
+          </p:nvPr>
+        </p:nvSpPr>
+        <p:spPr/>
+        <p:txBody>
+          <a:bodyPr/>
+          <a:lstStyle/>
+          <a:p>
+            <a:endParaRPr lang="en-US"/>
+          </a:p>
+        </p:txBody>
+      </p:sp>
+      <p:sp>
+        <p:nvSpPr>
+          <p:cNvPr id="4" name="Header Placeholder 3"/>
+          <p:cNvSpPr>
+            <a:spLocks noGrp="1"/>
+          </p:cNvSpPr>
+          <p:nvPr>
+            <p:ph type="hdr" sz="quarter" idx="10"/>
+          </p:nvPr>
+        </p:nvSpPr>
+        <p:spPr/>
+        <p:txBody>
+          <a:bodyPr/>
+          <a:lstStyle/>
+          <a:p>
+            <a:r>
+              <a:rPr lang="en-US">
+                <a:solidFill>
+                  <a:prstClr val="black"/>
+                </a:solidFill>
+              </a:rPr>
+              <a:t>Build 2014</a:t>
+            </a:r>
+            <a:endParaRPr lang="en-US" dirty="0">
+              <a:solidFill>
+                <a:prstClr val="black"/>
+              </a:solidFill>
+            </a:endParaRPr>
+          </a:p>
+        </p:txBody>
+      </p:sp>
+      <p:sp>
+        <p:nvSpPr>
+          <p:cNvPr id="5" name="Footer Placeholder 4"/>
+          <p:cNvSpPr>
+            <a:spLocks noGrp="1"/>
+          </p:cNvSpPr>
+          <p:nvPr>
+            <p:ph type="ftr" sz="quarter" idx="11"/>
+          </p:nvPr>
+        </p:nvSpPr>
+        <p:spPr/>
+        <p:txBody>
+          <a:bodyPr/>
+          <a:lstStyle/>
+          <a:p>
+            <a:pPr defTabSz="914099" eaLnBrk="0" hangingPunct="0"/>
+            <a:r>
+              <a:rPr lang="en-US" sz="400">
+                <a:gradFill>
+                  <a:gsLst>
+                    <a:gs pos="0">
+                      <a:prstClr val="black"/>
+                    </a:gs>
+                    <a:gs pos="100000">
+                      <a:prstClr val="black"/>
+                    </a:gs>
+                  </a:gsLst>
+                  <a:lin ang="5400000" scaled="0"/>
+                </a:gradFill>
+                <a:latin typeface="Segoe UI" pitchFamily="34" charset="0"/>
+                <a:ea typeface="Segoe UI" pitchFamily="34" charset="0"/>
+                <a:cs typeface="Segoe UI" pitchFamily="34" charset="0"/>
+              </a:rPr>
+              <a:t>© 2014 Microsoft Corporation. All rights reserved. Microsoft, Windows, and other product names are or may be registered trademarks and/or trademarks in the U.S. and/or other countries. The information herein is for informational purposes only and represents the current view of Microsoft Corporation as of the date of this presentation.  Because Microsoft must respond to changing market conditions, it should not be interpreted to be a commitment on the part of Microsoft, and Microsoft cannot guarantee the accuracy of any information provided after the date of this presentation.  MICROSOFT MAKES NO WARRANTIES, EXPRESS, IMPLIED OR STATUTORY, AS TO THE INFORMATION IN THIS PRESENTATION.</a:t>
+            </a:r>
+            <a:endParaRPr lang="en-US" sz="400" dirty="0">
+              <a:gradFill>
+                <a:gsLst>
+                  <a:gs pos="0">
+                    <a:prstClr val="black"/>
+                  </a:gs>
+                  <a:gs pos="100000">
+                    <a:prstClr val="black"/>
+                  </a:gs>
+                </a:gsLst>
+                <a:lin ang="5400000" scaled="0"/>
+              </a:gradFill>
+              <a:latin typeface="Segoe UI" pitchFamily="34" charset="0"/>
+              <a:ea typeface="Segoe UI" pitchFamily="34" charset="0"/>
+              <a:cs typeface="Segoe UI" pitchFamily="34" charset="0"/>
+            </a:endParaRPr>
+          </a:p>
+        </p:txBody>
+      </p:sp>
+      <p:sp>
+        <p:nvSpPr>
+          <p:cNvPr id="6" name="Date Placeholder 5"/>
+          <p:cNvSpPr>
+            <a:spLocks noGrp="1"/>
+          </p:cNvSpPr>
+          <p:nvPr>
+            <p:ph type="dt" idx="12"/>
+          </p:nvPr>
+        </p:nvSpPr>
+        <p:spPr/>
+        <p:txBody>
+          <a:bodyPr/>
+          <a:lstStyle/>
+          <a:p>
+            <a:fld id="{9F00D60D-1703-4D24-8308-FEE06A50A69C}" type="datetime1">
+              <a:rPr lang="en-US" smtClean="0">
+                <a:solidFill>
+                  <a:prstClr val="black"/>
+                </a:solidFill>
+              </a:rPr>
+              <a:pPr/>
+              <a:t>2/9/2017</a:t>
+            </a:fld>
+            <a:endParaRPr lang="en-US" dirty="0">
+              <a:solidFill>
+                <a:prstClr val="black"/>
+              </a:solidFill>
+            </a:endParaRPr>
+          </a:p>
+        </p:txBody>
+      </p:sp>
+      <p:sp>
+        <p:nvSpPr>
+          <p:cNvPr id="7" name="Slide Number Placeholder 6"/>
+          <p:cNvSpPr>
+            <a:spLocks noGrp="1"/>
+          </p:cNvSpPr>
+          <p:nvPr>
+            <p:ph type="sldNum" sz="quarter" idx="13"/>
+          </p:nvPr>
+        </p:nvSpPr>
+        <p:spPr/>
+        <p:txBody>
+          <a:bodyPr/>
+          <a:lstStyle/>
+          <a:p>
+            <a:fld id="{B4008EB6-D09E-4580-8CD6-DDB14511944F}" type="slidenum">
+              <a:rPr lang="en-US" smtClean="0">
+                <a:solidFill>
+                  <a:prstClr val="black"/>
+                </a:solidFill>
+              </a:rPr>
+              <a:pPr/>
+              <a:t>51</a:t>
+            </a:fld>
+            <a:endParaRPr lang="en-US" dirty="0">
+              <a:solidFill>
+                <a:prstClr val="black"/>
+              </a:solidFill>
+            </a:endParaRPr>
+          </a:p>
+        </p:txBody>
+      </p:sp>
+    </p:spTree>
+    <p:extLst>
+      <p:ext uri="{BB962C8B-B14F-4D97-AF65-F5344CB8AC3E}">
+        <p14:creationId xmlns:p14="http://schemas.microsoft.com/office/powerpoint/2010/main" val="2047366070"/>
+      </p:ext>
+    </p:extLst>
+  </p:cSld>
+  <p:clrMapOvr>
+    <a:masterClrMapping/>
+  </p:clrMapOvr>
+</p:notes>
+</file>
+
+<file path=ppt/notesSlides/notesSlide49.xml><?xml version="1.0" encoding="utf-8"?>
+<p:notes xmlns:a="http://schemas.openxmlformats.org/drawingml/2006/main" xmlns:r="http://schemas.openxmlformats.org/officeDocument/2006/relationships" xmlns:p="http://schemas.openxmlformats.org/presentationml/2006/main">
+  <p:cSld>
+    <p:spTree>
+      <p:nvGrpSpPr>
+        <p:cNvPr id="1" name=""/>
+        <p:cNvGrpSpPr/>
+        <p:nvPr/>
+      </p:nvGrpSpPr>
+      <p:grpSpPr>
+        <a:xfrm>
+          <a:off x="0" y="0"/>
+          <a:ext cx="0" cy="0"/>
+          <a:chOff x="0" y="0"/>
+          <a:chExt cx="0" cy="0"/>
+        </a:xfrm>
+      </p:grpSpPr>
+      <p:sp>
+        <p:nvSpPr>
+          <p:cNvPr id="2" name="Slide Image Placeholder 1"/>
+          <p:cNvSpPr>
+            <a:spLocks noGrp="1" noRot="1" noChangeAspect="1"/>
+          </p:cNvSpPr>
+          <p:nvPr>
+            <p:ph type="sldImg"/>
+          </p:nvPr>
+        </p:nvSpPr>
+        <p:spPr/>
+      </p:sp>
+      <p:sp>
+        <p:nvSpPr>
+          <p:cNvPr id="3" name="Notes Placeholder 2"/>
+          <p:cNvSpPr>
+            <a:spLocks noGrp="1"/>
+          </p:cNvSpPr>
+          <p:nvPr>
+            <p:ph type="body" idx="1"/>
+          </p:nvPr>
+        </p:nvSpPr>
+        <p:spPr/>
+        <p:txBody>
+          <a:bodyPr/>
+          <a:lstStyle/>
+          <a:p>
+            <a:endParaRPr lang="en-US"/>
+          </a:p>
+        </p:txBody>
+      </p:sp>
+      <p:sp>
+        <p:nvSpPr>
+          <p:cNvPr id="4" name="Header Placeholder 3"/>
+          <p:cNvSpPr>
+            <a:spLocks noGrp="1"/>
+          </p:cNvSpPr>
+          <p:nvPr>
+            <p:ph type="hdr" sz="quarter" idx="10"/>
+          </p:nvPr>
+        </p:nvSpPr>
+        <p:spPr/>
+        <p:txBody>
+          <a:bodyPr/>
+          <a:lstStyle/>
+          <a:p>
+            <a:r>
+              <a:rPr lang="en-US">
+                <a:solidFill>
+                  <a:prstClr val="black"/>
+                </a:solidFill>
+              </a:rPr>
+              <a:t>Build 2014</a:t>
+            </a:r>
+            <a:endParaRPr lang="en-US" dirty="0">
+              <a:solidFill>
+                <a:prstClr val="black"/>
+              </a:solidFill>
+            </a:endParaRPr>
+          </a:p>
+        </p:txBody>
+      </p:sp>
+      <p:sp>
+        <p:nvSpPr>
+          <p:cNvPr id="5" name="Footer Placeholder 4"/>
+          <p:cNvSpPr>
+            <a:spLocks noGrp="1"/>
+          </p:cNvSpPr>
+          <p:nvPr>
+            <p:ph type="ftr" sz="quarter" idx="11"/>
+          </p:nvPr>
+        </p:nvSpPr>
+        <p:spPr/>
+        <p:txBody>
+          <a:bodyPr/>
+          <a:lstStyle/>
+          <a:p>
+            <a:pPr defTabSz="914099" eaLnBrk="0" hangingPunct="0"/>
+            <a:r>
+              <a:rPr lang="en-US" sz="400">
+                <a:gradFill>
+                  <a:gsLst>
+                    <a:gs pos="0">
+                      <a:prstClr val="black"/>
+                    </a:gs>
+                    <a:gs pos="100000">
+                      <a:prstClr val="black"/>
+                    </a:gs>
+                  </a:gsLst>
+                  <a:lin ang="5400000" scaled="0"/>
+                </a:gradFill>
+                <a:latin typeface="Segoe UI" pitchFamily="34" charset="0"/>
+                <a:ea typeface="Segoe UI" pitchFamily="34" charset="0"/>
+                <a:cs typeface="Segoe UI" pitchFamily="34" charset="0"/>
+              </a:rPr>
+              <a:t>© 2014 Microsoft Corporation. All rights reserved. Microsoft, Windows, and other product names are or may be registered trademarks and/or trademarks in the U.S. and/or other countries. The information herein is for informational purposes only and represents the current view of Microsoft Corporation as of the date of this presentation.  Because Microsoft must respond to changing market conditions, it should not be interpreted to be a commitment on the part of Microsoft, and Microsoft cannot guarantee the accuracy of any information provided after the date of this presentation.  MICROSOFT MAKES NO WARRANTIES, EXPRESS, IMPLIED OR STATUTORY, AS TO THE INFORMATION IN THIS PRESENTATION.</a:t>
+            </a:r>
+            <a:endParaRPr lang="en-US" sz="400" dirty="0">
+              <a:gradFill>
+                <a:gsLst>
+                  <a:gs pos="0">
+                    <a:prstClr val="black"/>
+                  </a:gs>
+                  <a:gs pos="100000">
+                    <a:prstClr val="black"/>
+                  </a:gs>
+                </a:gsLst>
+                <a:lin ang="5400000" scaled="0"/>
+              </a:gradFill>
+              <a:latin typeface="Segoe UI" pitchFamily="34" charset="0"/>
+              <a:ea typeface="Segoe UI" pitchFamily="34" charset="0"/>
+              <a:cs typeface="Segoe UI" pitchFamily="34" charset="0"/>
+            </a:endParaRPr>
+          </a:p>
+        </p:txBody>
+      </p:sp>
+      <p:sp>
+        <p:nvSpPr>
+          <p:cNvPr id="6" name="Date Placeholder 5"/>
+          <p:cNvSpPr>
+            <a:spLocks noGrp="1"/>
+          </p:cNvSpPr>
+          <p:nvPr>
+            <p:ph type="dt" idx="12"/>
+          </p:nvPr>
+        </p:nvSpPr>
+        <p:spPr/>
+        <p:txBody>
+          <a:bodyPr/>
+          <a:lstStyle/>
+          <a:p>
+            <a:fld id="{9F00D60D-1703-4D24-8308-FEE06A50A69C}" type="datetime1">
+              <a:rPr lang="en-US" smtClean="0">
+                <a:solidFill>
+                  <a:prstClr val="black"/>
+                </a:solidFill>
+              </a:rPr>
+              <a:pPr/>
+              <a:t>2/9/2017</a:t>
+            </a:fld>
+            <a:endParaRPr lang="en-US" dirty="0">
+              <a:solidFill>
+                <a:prstClr val="black"/>
+              </a:solidFill>
+            </a:endParaRPr>
+          </a:p>
+        </p:txBody>
+      </p:sp>
+      <p:sp>
+        <p:nvSpPr>
+          <p:cNvPr id="7" name="Slide Number Placeholder 6"/>
+          <p:cNvSpPr>
+            <a:spLocks noGrp="1"/>
+          </p:cNvSpPr>
+          <p:nvPr>
+            <p:ph type="sldNum" sz="quarter" idx="13"/>
+          </p:nvPr>
+        </p:nvSpPr>
+        <p:spPr/>
+        <p:txBody>
+          <a:bodyPr/>
+          <a:lstStyle/>
+          <a:p>
+            <a:fld id="{B4008EB6-D09E-4580-8CD6-DDB14511944F}" type="slidenum">
+              <a:rPr lang="en-US" smtClean="0">
+                <a:solidFill>
+                  <a:prstClr val="black"/>
+                </a:solidFill>
+              </a:rPr>
+              <a:pPr/>
+              <a:t>52</a:t>
+            </a:fld>
+            <a:endParaRPr lang="en-US" dirty="0">
+              <a:solidFill>
+                <a:prstClr val="black"/>
+              </a:solidFill>
+            </a:endParaRPr>
+          </a:p>
+        </p:txBody>
+      </p:sp>
+    </p:spTree>
+    <p:extLst>
+      <p:ext uri="{BB962C8B-B14F-4D97-AF65-F5344CB8AC3E}">
+        <p14:creationId xmlns:p14="http://schemas.microsoft.com/office/powerpoint/2010/main" val="3134217166"/>
       </p:ext>
     </p:extLst>
   </p:cSld>
@@ -9870,6 +10737,216 @@
     <p:extLst>
       <p:ext uri="{BB962C8B-B14F-4D97-AF65-F5344CB8AC3E}">
         <p14:creationId xmlns:p14="http://schemas.microsoft.com/office/powerpoint/2010/main" val="2953832370"/>
+      </p:ext>
+    </p:extLst>
+  </p:cSld>
+  <p:clrMapOvr>
+    <a:masterClrMapping/>
+  </p:clrMapOvr>
+</p:notes>
+</file>
+
+<file path=ppt/notesSlides/notesSlide50.xml><?xml version="1.0" encoding="utf-8"?>
+<p:notes xmlns:a="http://schemas.openxmlformats.org/drawingml/2006/main" xmlns:r="http://schemas.openxmlformats.org/officeDocument/2006/relationships" xmlns:p="http://schemas.openxmlformats.org/presentationml/2006/main">
+  <p:cSld>
+    <p:spTree>
+      <p:nvGrpSpPr>
+        <p:cNvPr id="1" name=""/>
+        <p:cNvGrpSpPr/>
+        <p:nvPr/>
+      </p:nvGrpSpPr>
+      <p:grpSpPr>
+        <a:xfrm>
+          <a:off x="0" y="0"/>
+          <a:ext cx="0" cy="0"/>
+          <a:chOff x="0" y="0"/>
+          <a:chExt cx="0" cy="0"/>
+        </a:xfrm>
+      </p:grpSpPr>
+      <p:sp>
+        <p:nvSpPr>
+          <p:cNvPr id="2" name="Slide Image Placeholder 1"/>
+          <p:cNvSpPr>
+            <a:spLocks noGrp="1" noRot="1" noChangeAspect="1"/>
+          </p:cNvSpPr>
+          <p:nvPr>
+            <p:ph type="sldImg"/>
+          </p:nvPr>
+        </p:nvSpPr>
+        <p:spPr/>
+      </p:sp>
+      <p:sp>
+        <p:nvSpPr>
+          <p:cNvPr id="3" name="Notes Placeholder 2"/>
+          <p:cNvSpPr>
+            <a:spLocks noGrp="1"/>
+          </p:cNvSpPr>
+          <p:nvPr>
+            <p:ph type="body" idx="1"/>
+          </p:nvPr>
+        </p:nvSpPr>
+        <p:spPr/>
+        <p:txBody>
+          <a:bodyPr/>
+          <a:lstStyle/>
+          <a:p>
+            <a:endParaRPr lang="en-US"/>
+          </a:p>
+        </p:txBody>
+      </p:sp>
+      <p:sp>
+        <p:nvSpPr>
+          <p:cNvPr id="4" name="Header Placeholder 3"/>
+          <p:cNvSpPr>
+            <a:spLocks noGrp="1"/>
+          </p:cNvSpPr>
+          <p:nvPr>
+            <p:ph type="hdr" sz="quarter" idx="10"/>
+          </p:nvPr>
+        </p:nvSpPr>
+        <p:spPr/>
+        <p:txBody>
+          <a:bodyPr/>
+          <a:lstStyle/>
+          <a:p>
+            <a:r>
+              <a:rPr lang="en-US">
+                <a:solidFill>
+                  <a:prstClr val="black"/>
+                </a:solidFill>
+              </a:rPr>
+              <a:t>Build 2014</a:t>
+            </a:r>
+            <a:endParaRPr lang="en-US" dirty="0">
+              <a:solidFill>
+                <a:prstClr val="black"/>
+              </a:solidFill>
+            </a:endParaRPr>
+          </a:p>
+        </p:txBody>
+      </p:sp>
+      <p:sp>
+        <p:nvSpPr>
+          <p:cNvPr id="5" name="Footer Placeholder 4"/>
+          <p:cNvSpPr>
+            <a:spLocks noGrp="1"/>
+          </p:cNvSpPr>
+          <p:nvPr>
+            <p:ph type="ftr" sz="quarter" idx="11"/>
+          </p:nvPr>
+        </p:nvSpPr>
+        <p:spPr/>
+        <p:txBody>
+          <a:bodyPr/>
+          <a:lstStyle/>
+          <a:p>
+            <a:pPr defTabSz="914099" eaLnBrk="0" hangingPunct="0"/>
+            <a:r>
+              <a:rPr lang="en-US" sz="400">
+                <a:gradFill>
+                  <a:gsLst>
+                    <a:gs pos="0">
+                      <a:prstClr val="black"/>
+                    </a:gs>
+                    <a:gs pos="100000">
+                      <a:prstClr val="black"/>
+                    </a:gs>
+                  </a:gsLst>
+                  <a:lin ang="5400000" scaled="0"/>
+                </a:gradFill>
+                <a:latin typeface="Segoe UI" pitchFamily="34" charset="0"/>
+                <a:ea typeface="Segoe UI" pitchFamily="34" charset="0"/>
+                <a:cs typeface="Segoe UI" pitchFamily="34" charset="0"/>
+              </a:rPr>
+              <a:t>© 2014 Microsoft Corporation. All rights reserved. Microsoft, Windows, and other product names are or may be registered trademarks and/or trademarks in the U.S. and/or other countries. The information herein is for informational purposes only and represents the current view of Microsoft Corporation as of the date of this presentation.  Because Microsoft must respond to changing market conditions, it should not be interpreted to be a commitment on the part of Microsoft, and Microsoft cannot guarantee the accuracy of any information provided after the date of this presentation.  MICROSOFT MAKES NO WARRANTIES, EXPRESS, IMPLIED OR STATUTORY, AS TO THE INFORMATION IN THIS PRESENTATION.</a:t>
+            </a:r>
+            <a:endParaRPr lang="en-US" sz="400" dirty="0">
+              <a:gradFill>
+                <a:gsLst>
+                  <a:gs pos="0">
+                    <a:prstClr val="black"/>
+                  </a:gs>
+                  <a:gs pos="100000">
+                    <a:prstClr val="black"/>
+                  </a:gs>
+                </a:gsLst>
+                <a:lin ang="5400000" scaled="0"/>
+              </a:gradFill>
+              <a:latin typeface="Segoe UI" pitchFamily="34" charset="0"/>
+              <a:ea typeface="Segoe UI" pitchFamily="34" charset="0"/>
+              <a:cs typeface="Segoe UI" pitchFamily="34" charset="0"/>
+            </a:endParaRPr>
+          </a:p>
+        </p:txBody>
+      </p:sp>
+      <p:sp>
+        <p:nvSpPr>
+          <p:cNvPr id="6" name="Date Placeholder 5"/>
+          <p:cNvSpPr>
+            <a:spLocks noGrp="1"/>
+          </p:cNvSpPr>
+          <p:nvPr>
+            <p:ph type="dt" idx="12"/>
+          </p:nvPr>
+        </p:nvSpPr>
+        <p:spPr/>
+        <p:txBody>
+          <a:bodyPr/>
+          <a:lstStyle/>
+          <a:p>
+            <a:fld id="{9F00D60D-1703-4D24-8308-FEE06A50A69C}" type="datetime1">
+              <a:rPr lang="en-US" smtClean="0">
+                <a:solidFill>
+                  <a:prstClr val="black"/>
+                </a:solidFill>
+              </a:rPr>
+              <a:pPr/>
+              <a:t>2/9/2017</a:t>
+            </a:fld>
+            <a:endParaRPr lang="en-US" dirty="0">
+              <a:solidFill>
+                <a:prstClr val="black"/>
+              </a:solidFill>
+            </a:endParaRPr>
+          </a:p>
+        </p:txBody>
+      </p:sp>
+      <p:sp>
+        <p:nvSpPr>
+          <p:cNvPr id="7" name="Slide Number Placeholder 6"/>
+          <p:cNvSpPr>
+            <a:spLocks noGrp="1"/>
+          </p:cNvSpPr>
+          <p:nvPr>
+            <p:ph type="sldNum" sz="quarter" idx="13"/>
+          </p:nvPr>
+        </p:nvSpPr>
+        <p:spPr/>
+        <p:txBody>
+          <a:bodyPr/>
+          <a:lstStyle/>
+          <a:p>
+            <a:fld id="{B4008EB6-D09E-4580-8CD6-DDB14511944F}" type="slidenum">
+              <a:rPr lang="en-US" smtClean="0">
+                <a:solidFill>
+                  <a:prstClr val="black"/>
+                </a:solidFill>
+              </a:rPr>
+              <a:pPr/>
+              <a:t>53</a:t>
+            </a:fld>
+            <a:endParaRPr lang="en-US" dirty="0">
+              <a:solidFill>
+                <a:prstClr val="black"/>
+              </a:solidFill>
+            </a:endParaRPr>
+          </a:p>
+        </p:txBody>
+      </p:sp>
+    </p:spTree>
+    <p:extLst>
+      <p:ext uri="{BB962C8B-B14F-4D97-AF65-F5344CB8AC3E}">
+        <p14:creationId xmlns:p14="http://schemas.microsoft.com/office/powerpoint/2010/main" val="1818615962"/>
       </p:ext>
     </p:extLst>
   </p:cSld>
@@ -25806,6 +26883,131 @@
 <file path=ppt/slides/slide14.xml><?xml version="1.0" encoding="utf-8"?>
 <p:sld xmlns:a="http://schemas.openxmlformats.org/drawingml/2006/main" xmlns:r="http://schemas.openxmlformats.org/officeDocument/2006/relationships" xmlns:p="http://schemas.openxmlformats.org/presentationml/2006/main">
   <p:cSld>
+    <p:spTree>
+      <p:nvGrpSpPr>
+        <p:cNvPr id="1" name=""/>
+        <p:cNvGrpSpPr/>
+        <p:nvPr/>
+      </p:nvGrpSpPr>
+      <p:grpSpPr>
+        <a:xfrm>
+          <a:off x="0" y="0"/>
+          <a:ext cx="0" cy="0"/>
+          <a:chOff x="0" y="0"/>
+          <a:chExt cx="0" cy="0"/>
+        </a:xfrm>
+      </p:grpSpPr>
+      <p:sp>
+        <p:nvSpPr>
+          <p:cNvPr id="2" name="Text Placeholder 1"/>
+          <p:cNvSpPr>
+            <a:spLocks noGrp="1"/>
+          </p:cNvSpPr>
+          <p:nvPr>
+            <p:ph type="body" sz="quarter" idx="15"/>
+          </p:nvPr>
+        </p:nvSpPr>
+        <p:spPr>
+          <a:xfrm>
+            <a:off x="427037" y="1668462"/>
+            <a:ext cx="6093637" cy="3505200"/>
+          </a:xfrm>
+        </p:spPr>
+        <p:txBody>
+          <a:bodyPr/>
+          <a:lstStyle/>
+          <a:p>
+            <a:pPr marL="571500" indent="-571500">
+              <a:buFont typeface="Arial" panose="020B0604020202020204" pitchFamily="34" charset="0"/>
+              <a:buChar char="•"/>
+            </a:pPr>
+            <a:r>
+              <a:rPr lang="en-US" altLang="zh-CN" dirty="0"/>
+              <a:t>Once the user has authenticated successfully with O365 and has linked their account, the O365 auth option will appear predominantly as the option to authenticate</a:t>
+            </a:r>
+            <a:endParaRPr lang="en-US" dirty="0"/>
+          </a:p>
+        </p:txBody>
+      </p:sp>
+      <p:sp>
+        <p:nvSpPr>
+          <p:cNvPr id="3" name="Title 2"/>
+          <p:cNvSpPr>
+            <a:spLocks noGrp="1"/>
+          </p:cNvSpPr>
+          <p:nvPr>
+            <p:ph type="title"/>
+          </p:nvPr>
+        </p:nvSpPr>
+        <p:spPr/>
+        <p:txBody>
+          <a:bodyPr/>
+          <a:lstStyle/>
+          <a:p>
+            <a:r>
+              <a:rPr lang="en-US" dirty="0"/>
+              <a:t>Admin </a:t>
+            </a:r>
+            <a:r>
+              <a:rPr lang="en-US" altLang="zh-CN" dirty="0"/>
+              <a:t>– login with O365 account</a:t>
+            </a:r>
+            <a:endParaRPr lang="en-US" dirty="0"/>
+          </a:p>
+        </p:txBody>
+      </p:sp>
+      <p:pic>
+        <p:nvPicPr>
+          <p:cNvPr id="4" name="Picture 3"/>
+          <p:cNvPicPr>
+            <a:picLocks noChangeAspect="1"/>
+          </p:cNvPicPr>
+          <p:nvPr/>
+        </p:nvPicPr>
+        <p:blipFill>
+          <a:blip r:embed="rId3"/>
+          <a:stretch>
+            <a:fillRect/>
+          </a:stretch>
+        </p:blipFill>
+        <p:spPr>
+          <a:xfrm>
+            <a:off x="6446837" y="1668462"/>
+            <a:ext cx="5228571" cy="3019048"/>
+          </a:xfrm>
+          <a:prstGeom prst="rect">
+            <a:avLst/>
+          </a:prstGeom>
+        </p:spPr>
+      </p:pic>
+    </p:spTree>
+    <p:extLst>
+      <p:ext uri="{BB962C8B-B14F-4D97-AF65-F5344CB8AC3E}">
+        <p14:creationId xmlns:p14="http://schemas.microsoft.com/office/powerpoint/2010/main" val="3385908532"/>
+      </p:ext>
+    </p:extLst>
+  </p:cSld>
+  <p:clrMapOvr>
+    <a:masterClrMapping/>
+  </p:clrMapOvr>
+  <mc:AlternateContent xmlns:mc="http://schemas.openxmlformats.org/markup-compatibility/2006" xmlns:p14="http://schemas.microsoft.com/office/powerpoint/2010/main">
+    <mc:Choice Requires="p14">
+      <p:transition spd="med" p14:dur="700">
+        <p:fade/>
+      </p:transition>
+    </mc:Choice>
+    <mc:Fallback xmlns="">
+      <p:transition spd="med">
+        <p:fade/>
+      </p:transition>
+    </mc:Fallback>
+  </mc:AlternateContent>
+</p:sld>
+</file>
+
+<file path=ppt/slides/slide15.xml><?xml version="1.0" encoding="utf-8"?>
+<p:sld xmlns:a="http://schemas.openxmlformats.org/drawingml/2006/main" xmlns:r="http://schemas.openxmlformats.org/officeDocument/2006/relationships" xmlns:p="http://schemas.openxmlformats.org/presentationml/2006/main">
+  <p:cSld>
     <p:bg>
       <p:bgPr>
         <a:solidFill>
@@ -25875,7 +27077,7 @@
 </p:sld>
 </file>
 
-<file path=ppt/slides/slide15.xml><?xml version="1.0" encoding="utf-8"?>
+<file path=ppt/slides/slide16.xml><?xml version="1.0" encoding="utf-8"?>
 <p:sld xmlns:a="http://schemas.openxmlformats.org/drawingml/2006/main" xmlns:r="http://schemas.openxmlformats.org/officeDocument/2006/relationships" xmlns:p="http://schemas.openxmlformats.org/presentationml/2006/main">
   <p:cSld>
     <p:spTree>
@@ -25916,7 +27118,7 @@
       </p:sp>
       <p:pic>
         <p:nvPicPr>
-          <p:cNvPr id="2" name="Picture 1"/>
+          <p:cNvPr id="4" name="Picture 3"/>
           <p:cNvPicPr>
             <a:picLocks noChangeAspect="1"/>
           </p:cNvPicPr>
@@ -25930,8 +27132,8 @@
         </p:blipFill>
         <p:spPr>
           <a:xfrm>
-            <a:off x="427036" y="1287462"/>
-            <a:ext cx="11815979" cy="5562600"/>
+            <a:off x="503237" y="1363662"/>
+            <a:ext cx="10831380" cy="4495800"/>
           </a:xfrm>
           <a:prstGeom prst="rect">
             <a:avLst/>
@@ -25954,7 +27156,7 @@
 </p:sld>
 </file>
 
-<file path=ppt/slides/slide16.xml><?xml version="1.0" encoding="utf-8"?>
+<file path=ppt/slides/slide17.xml><?xml version="1.0" encoding="utf-8"?>
 <p:sld xmlns:a="http://schemas.openxmlformats.org/drawingml/2006/main" xmlns:r="http://schemas.openxmlformats.org/officeDocument/2006/relationships" xmlns:p="http://schemas.openxmlformats.org/presentationml/2006/main">
   <p:cSld>
     <p:spTree>
@@ -26147,7 +27349,7 @@
 </p:sld>
 </file>
 
-<file path=ppt/slides/slide17.xml><?xml version="1.0" encoding="utf-8"?>
+<file path=ppt/slides/slide18.xml><?xml version="1.0" encoding="utf-8"?>
 <p:sld xmlns:a="http://schemas.openxmlformats.org/drawingml/2006/main" xmlns:r="http://schemas.openxmlformats.org/officeDocument/2006/relationships" xmlns:p="http://schemas.openxmlformats.org/presentationml/2006/main">
   <p:cSld>
     <p:spTree>
@@ -26285,7 +27487,7 @@
 </p:sld>
 </file>
 
-<file path=ppt/slides/slide18.xml><?xml version="1.0" encoding="utf-8"?>
+<file path=ppt/slides/slide19.xml><?xml version="1.0" encoding="utf-8"?>
 <p:sld xmlns:a="http://schemas.openxmlformats.org/drawingml/2006/main" xmlns:r="http://schemas.openxmlformats.org/officeDocument/2006/relationships" xmlns:p="http://schemas.openxmlformats.org/presentationml/2006/main">
   <p:cSld>
     <p:spTree>
@@ -26401,125 +27603,6 @@
     <p:extLst>
       <p:ext uri="{BB962C8B-B14F-4D97-AF65-F5344CB8AC3E}">
         <p14:creationId xmlns:p14="http://schemas.microsoft.com/office/powerpoint/2010/main" val="3356712560"/>
-      </p:ext>
-    </p:extLst>
-  </p:cSld>
-  <p:clrMapOvr>
-    <a:masterClrMapping/>
-  </p:clrMapOvr>
-  <mc:AlternateContent xmlns:mc="http://schemas.openxmlformats.org/markup-compatibility/2006" xmlns:p14="http://schemas.microsoft.com/office/powerpoint/2010/main">
-    <mc:Choice Requires="p14">
-      <p:transition spd="med" p14:dur="700">
-        <p:fade/>
-      </p:transition>
-    </mc:Choice>
-    <mc:Fallback xmlns="">
-      <p:transition spd="med">
-        <p:fade/>
-      </p:transition>
-    </mc:Fallback>
-  </mc:AlternateContent>
-</p:sld>
-</file>
-
-<file path=ppt/slides/slide19.xml><?xml version="1.0" encoding="utf-8"?>
-<p:sld xmlns:a="http://schemas.openxmlformats.org/drawingml/2006/main" xmlns:r="http://schemas.openxmlformats.org/officeDocument/2006/relationships" xmlns:p="http://schemas.openxmlformats.org/presentationml/2006/main">
-  <p:cSld>
-    <p:spTree>
-      <p:nvGrpSpPr>
-        <p:cNvPr id="1" name=""/>
-        <p:cNvGrpSpPr/>
-        <p:nvPr/>
-      </p:nvGrpSpPr>
-      <p:grpSpPr>
-        <a:xfrm>
-          <a:off x="0" y="0"/>
-          <a:ext cx="0" cy="0"/>
-          <a:chOff x="0" y="0"/>
-          <a:chExt cx="0" cy="0"/>
-        </a:xfrm>
-      </p:grpSpPr>
-      <p:sp>
-        <p:nvSpPr>
-          <p:cNvPr id="2" name="Text Placeholder 1"/>
-          <p:cNvSpPr>
-            <a:spLocks noGrp="1"/>
-          </p:cNvSpPr>
-          <p:nvPr>
-            <p:ph type="body" sz="quarter" idx="15"/>
-          </p:nvPr>
-        </p:nvSpPr>
-        <p:spPr>
-          <a:xfrm>
-            <a:off x="5303837" y="1919604"/>
-            <a:ext cx="7315203" cy="914400"/>
-          </a:xfrm>
-        </p:spPr>
-        <p:txBody>
-          <a:bodyPr/>
-          <a:lstStyle/>
-          <a:p>
-            <a:pPr marL="571500" indent="-571500">
-              <a:buFont typeface="Arial" panose="020B0604020202020204" pitchFamily="34" charset="0"/>
-              <a:buChar char="•"/>
-            </a:pPr>
-            <a:r>
-              <a:rPr lang="en-US" dirty="0"/>
-              <a:t>After linking the accounts succeeds the app displays all schools. </a:t>
-            </a:r>
-          </a:p>
-        </p:txBody>
-      </p:sp>
-      <p:sp>
-        <p:nvSpPr>
-          <p:cNvPr id="3" name="Title 2"/>
-          <p:cNvSpPr>
-            <a:spLocks noGrp="1"/>
-          </p:cNvSpPr>
-          <p:nvPr>
-            <p:ph type="title"/>
-          </p:nvPr>
-        </p:nvSpPr>
-        <p:spPr/>
-        <p:txBody>
-          <a:bodyPr/>
-          <a:lstStyle/>
-          <a:p>
-            <a:r>
-              <a:rPr lang="en-US" dirty="0"/>
-              <a:t>Login succeeded</a:t>
-            </a:r>
-          </a:p>
-        </p:txBody>
-      </p:sp>
-      <p:pic>
-        <p:nvPicPr>
-          <p:cNvPr id="6" name="Picture 5"/>
-          <p:cNvPicPr>
-            <a:picLocks noChangeAspect="1"/>
-          </p:cNvPicPr>
-          <p:nvPr/>
-        </p:nvPicPr>
-        <p:blipFill>
-          <a:blip r:embed="rId3"/>
-          <a:stretch>
-            <a:fillRect/>
-          </a:stretch>
-        </p:blipFill>
-        <p:spPr>
-          <a:xfrm>
-            <a:off x="274639" y="1897062"/>
-            <a:ext cx="4819251" cy="2895600"/>
-          </a:xfrm>
-          <a:prstGeom prst="rect">
-            <a:avLst/>
-          </a:prstGeom>
-        </p:spPr>
-      </p:pic>
-    </p:spTree>
-    <p:extLst>
-      <p:ext uri="{BB962C8B-B14F-4D97-AF65-F5344CB8AC3E}">
-        <p14:creationId xmlns:p14="http://schemas.microsoft.com/office/powerpoint/2010/main" val="2987509157"/>
       </p:ext>
     </p:extLst>
   </p:cSld>
@@ -26751,6 +27834,125 @@
       </p:grpSpPr>
       <p:sp>
         <p:nvSpPr>
+          <p:cNvPr id="2" name="Text Placeholder 1"/>
+          <p:cNvSpPr>
+            <a:spLocks noGrp="1"/>
+          </p:cNvSpPr>
+          <p:nvPr>
+            <p:ph type="body" sz="quarter" idx="15"/>
+          </p:nvPr>
+        </p:nvSpPr>
+        <p:spPr>
+          <a:xfrm>
+            <a:off x="5303837" y="1919604"/>
+            <a:ext cx="7315203" cy="914400"/>
+          </a:xfrm>
+        </p:spPr>
+        <p:txBody>
+          <a:bodyPr/>
+          <a:lstStyle/>
+          <a:p>
+            <a:pPr marL="571500" indent="-571500">
+              <a:buFont typeface="Arial" panose="020B0604020202020204" pitchFamily="34" charset="0"/>
+              <a:buChar char="•"/>
+            </a:pPr>
+            <a:r>
+              <a:rPr lang="en-US" dirty="0"/>
+              <a:t>After linking the accounts succeeds the app displays all schools. </a:t>
+            </a:r>
+          </a:p>
+        </p:txBody>
+      </p:sp>
+      <p:sp>
+        <p:nvSpPr>
+          <p:cNvPr id="3" name="Title 2"/>
+          <p:cNvSpPr>
+            <a:spLocks noGrp="1"/>
+          </p:cNvSpPr>
+          <p:nvPr>
+            <p:ph type="title"/>
+          </p:nvPr>
+        </p:nvSpPr>
+        <p:spPr/>
+        <p:txBody>
+          <a:bodyPr/>
+          <a:lstStyle/>
+          <a:p>
+            <a:r>
+              <a:rPr lang="en-US" dirty="0"/>
+              <a:t>Login succeeded</a:t>
+            </a:r>
+          </a:p>
+        </p:txBody>
+      </p:sp>
+      <p:pic>
+        <p:nvPicPr>
+          <p:cNvPr id="4" name="Picture 3"/>
+          <p:cNvPicPr>
+            <a:picLocks noChangeAspect="1"/>
+          </p:cNvPicPr>
+          <p:nvPr/>
+        </p:nvPicPr>
+        <p:blipFill>
+          <a:blip r:embed="rId3"/>
+          <a:stretch>
+            <a:fillRect/>
+          </a:stretch>
+        </p:blipFill>
+        <p:spPr>
+          <a:xfrm>
+            <a:off x="503237" y="1744662"/>
+            <a:ext cx="4942189" cy="2453958"/>
+          </a:xfrm>
+          <a:prstGeom prst="rect">
+            <a:avLst/>
+          </a:prstGeom>
+        </p:spPr>
+      </p:pic>
+    </p:spTree>
+    <p:extLst>
+      <p:ext uri="{BB962C8B-B14F-4D97-AF65-F5344CB8AC3E}">
+        <p14:creationId xmlns:p14="http://schemas.microsoft.com/office/powerpoint/2010/main" val="2987509157"/>
+      </p:ext>
+    </p:extLst>
+  </p:cSld>
+  <p:clrMapOvr>
+    <a:masterClrMapping/>
+  </p:clrMapOvr>
+  <mc:AlternateContent xmlns:mc="http://schemas.openxmlformats.org/markup-compatibility/2006" xmlns:p14="http://schemas.microsoft.com/office/powerpoint/2010/main">
+    <mc:Choice Requires="p14">
+      <p:transition spd="med" p14:dur="700">
+        <p:fade/>
+      </p:transition>
+    </mc:Choice>
+    <mc:Fallback xmlns="">
+      <p:transition spd="med">
+        <p:fade/>
+      </p:transition>
+    </mc:Fallback>
+  </mc:AlternateContent>
+</p:sld>
+</file>
+
+<file path=ppt/slides/slide21.xml><?xml version="1.0" encoding="utf-8"?>
+<p:sld xmlns:a="http://schemas.openxmlformats.org/drawingml/2006/main" xmlns:r="http://schemas.openxmlformats.org/officeDocument/2006/relationships" xmlns:p="http://schemas.openxmlformats.org/presentationml/2006/main">
+  <p:cSld>
+    <p:spTree>
+      <p:nvGrpSpPr>
+        <p:cNvPr id="1" name=""/>
+        <p:cNvGrpSpPr/>
+        <p:nvPr/>
+      </p:nvGrpSpPr>
+      <p:grpSpPr>
+        <a:xfrm>
+          <a:off x="0" y="0"/>
+          <a:ext cx="0" cy="0"/>
+          <a:chOff x="0" y="0"/>
+          <a:chExt cx="0" cy="0"/>
+        </a:xfrm>
+      </p:grpSpPr>
+      <p:sp>
+        <p:nvSpPr>
           <p:cNvPr id="3" name="Title 2"/>
           <p:cNvSpPr>
             <a:spLocks noGrp="1"/>
@@ -26893,7 +28095,7 @@
 </p:sld>
 </file>
 
-<file path=ppt/slides/slide21.xml><?xml version="1.0" encoding="utf-8"?>
+<file path=ppt/slides/slide22.xml><?xml version="1.0" encoding="utf-8"?>
 <p:sld xmlns:a="http://schemas.openxmlformats.org/drawingml/2006/main" xmlns:r="http://schemas.openxmlformats.org/officeDocument/2006/relationships" xmlns:p="http://schemas.openxmlformats.org/presentationml/2006/main">
   <p:cSld>
     <p:spTree>
@@ -27080,7 +28282,128 @@
 </p:sld>
 </file>
 
-<file path=ppt/slides/slide22.xml><?xml version="1.0" encoding="utf-8"?>
+<file path=ppt/slides/slide23.xml><?xml version="1.0" encoding="utf-8"?>
+<p:sld xmlns:a="http://schemas.openxmlformats.org/drawingml/2006/main" xmlns:r="http://schemas.openxmlformats.org/officeDocument/2006/relationships" xmlns:p="http://schemas.openxmlformats.org/presentationml/2006/main">
+  <p:cSld>
+    <p:spTree>
+      <p:nvGrpSpPr>
+        <p:cNvPr id="1" name=""/>
+        <p:cNvGrpSpPr/>
+        <p:nvPr/>
+      </p:nvGrpSpPr>
+      <p:grpSpPr>
+        <a:xfrm>
+          <a:off x="0" y="0"/>
+          <a:ext cx="0" cy="0"/>
+          <a:chOff x="0" y="0"/>
+          <a:chExt cx="0" cy="0"/>
+        </a:xfrm>
+      </p:grpSpPr>
+      <p:sp>
+        <p:nvSpPr>
+          <p:cNvPr id="2" name="Text Placeholder 1"/>
+          <p:cNvSpPr>
+            <a:spLocks noGrp="1"/>
+          </p:cNvSpPr>
+          <p:nvPr>
+            <p:ph type="body" sz="quarter" idx="15"/>
+          </p:nvPr>
+        </p:nvSpPr>
+        <p:spPr>
+          <a:xfrm>
+            <a:off x="427037" y="1668462"/>
+            <a:ext cx="6093637" cy="3505200"/>
+          </a:xfrm>
+        </p:spPr>
+        <p:txBody>
+          <a:bodyPr/>
+          <a:lstStyle/>
+          <a:p>
+            <a:pPr marL="571500" indent="-571500">
+              <a:buFont typeface="Arial" panose="020B0604020202020204" pitchFamily="34" charset="0"/>
+              <a:buChar char="•"/>
+            </a:pPr>
+            <a:r>
+              <a:rPr lang="en-US" altLang="zh-CN" dirty="0"/>
+              <a:t>Once the user has authenticated successfully with O365 and has linked their account, the O365 auth option will appear predominantly as the option to authenticate</a:t>
+            </a:r>
+            <a:endParaRPr lang="en-US" dirty="0"/>
+          </a:p>
+        </p:txBody>
+      </p:sp>
+      <p:sp>
+        <p:nvSpPr>
+          <p:cNvPr id="3" name="Title 2"/>
+          <p:cNvSpPr>
+            <a:spLocks noGrp="1"/>
+          </p:cNvSpPr>
+          <p:nvPr>
+            <p:ph type="title"/>
+          </p:nvPr>
+        </p:nvSpPr>
+        <p:spPr/>
+        <p:txBody>
+          <a:bodyPr/>
+          <a:lstStyle/>
+          <a:p>
+            <a:r>
+              <a:rPr lang="en-US" altLang="zh-CN" dirty="0"/>
+              <a:t>login with O365 account</a:t>
+            </a:r>
+            <a:endParaRPr lang="en-US" dirty="0"/>
+          </a:p>
+        </p:txBody>
+      </p:sp>
+      <p:pic>
+        <p:nvPicPr>
+          <p:cNvPr id="5" name="Picture 4"/>
+          <p:cNvPicPr>
+            <a:picLocks noChangeAspect="1"/>
+          </p:cNvPicPr>
+          <p:nvPr/>
+        </p:nvPicPr>
+        <p:blipFill>
+          <a:blip r:embed="rId3"/>
+          <a:stretch>
+            <a:fillRect/>
+          </a:stretch>
+        </p:blipFill>
+        <p:spPr>
+          <a:xfrm>
+            <a:off x="6520674" y="1668462"/>
+            <a:ext cx="3638095" cy="2676190"/>
+          </a:xfrm>
+          <a:prstGeom prst="rect">
+            <a:avLst/>
+          </a:prstGeom>
+        </p:spPr>
+      </p:pic>
+    </p:spTree>
+    <p:extLst>
+      <p:ext uri="{BB962C8B-B14F-4D97-AF65-F5344CB8AC3E}">
+        <p14:creationId xmlns:p14="http://schemas.microsoft.com/office/powerpoint/2010/main" val="2887156862"/>
+      </p:ext>
+    </p:extLst>
+  </p:cSld>
+  <p:clrMapOvr>
+    <a:masterClrMapping/>
+  </p:clrMapOvr>
+  <mc:AlternateContent xmlns:mc="http://schemas.openxmlformats.org/markup-compatibility/2006" xmlns:p14="http://schemas.microsoft.com/office/powerpoint/2010/main">
+    <mc:Choice Requires="p14">
+      <p:transition spd="med" p14:dur="700">
+        <p:fade/>
+      </p:transition>
+    </mc:Choice>
+    <mc:Fallback xmlns="">
+      <p:transition spd="med">
+        <p:fade/>
+      </p:transition>
+    </mc:Fallback>
+  </mc:AlternateContent>
+</p:sld>
+</file>
+
+<file path=ppt/slides/slide24.xml><?xml version="1.0" encoding="utf-8"?>
 <p:sld xmlns:a="http://schemas.openxmlformats.org/drawingml/2006/main" xmlns:r="http://schemas.openxmlformats.org/officeDocument/2006/relationships" xmlns:p="http://schemas.openxmlformats.org/presentationml/2006/main">
   <p:cSld>
     <p:bg>
@@ -27152,7 +28475,7 @@
 </p:sld>
 </file>
 
-<file path=ppt/slides/slide23.xml><?xml version="1.0" encoding="utf-8"?>
+<file path=ppt/slides/slide25.xml><?xml version="1.0" encoding="utf-8"?>
 <p:sld xmlns:a="http://schemas.openxmlformats.org/drawingml/2006/main" xmlns:r="http://schemas.openxmlformats.org/officeDocument/2006/relationships" xmlns:p="http://schemas.openxmlformats.org/presentationml/2006/main">
   <p:cSld>
     <p:spTree>
@@ -27193,7 +28516,7 @@
       </p:sp>
       <p:pic>
         <p:nvPicPr>
-          <p:cNvPr id="5" name="Picture 4"/>
+          <p:cNvPr id="2" name="Picture 1"/>
           <p:cNvPicPr>
             <a:picLocks noChangeAspect="1"/>
           </p:cNvPicPr>
@@ -27207,8 +28530,8 @@
         </p:blipFill>
         <p:spPr>
           <a:xfrm>
-            <a:off x="283665" y="1516062"/>
-            <a:ext cx="11880538" cy="5390573"/>
+            <a:off x="579437" y="1222840"/>
+            <a:ext cx="10292286" cy="5170022"/>
           </a:xfrm>
           <a:prstGeom prst="rect">
             <a:avLst/>
@@ -27231,7 +28554,7 @@
 </p:sld>
 </file>
 
-<file path=ppt/slides/slide24.xml><?xml version="1.0" encoding="utf-8"?>
+<file path=ppt/slides/slide26.xml><?xml version="1.0" encoding="utf-8"?>
 <p:sld xmlns:a="http://schemas.openxmlformats.org/drawingml/2006/main" xmlns:r="http://schemas.openxmlformats.org/officeDocument/2006/relationships" xmlns:p="http://schemas.openxmlformats.org/presentationml/2006/main">
   <p:cSld>
     <p:spTree>
@@ -27369,7 +28692,7 @@
 </p:sld>
 </file>
 
-<file path=ppt/slides/slide25.xml><?xml version="1.0" encoding="utf-8"?>
+<file path=ppt/slides/slide27.xml><?xml version="1.0" encoding="utf-8"?>
 <p:sld xmlns:a="http://schemas.openxmlformats.org/drawingml/2006/main" xmlns:r="http://schemas.openxmlformats.org/officeDocument/2006/relationships" xmlns:p="http://schemas.openxmlformats.org/presentationml/2006/main">
   <p:cSld>
     <p:spTree>
@@ -27514,7 +28837,7 @@
 </p:sld>
 </file>
 
-<file path=ppt/slides/slide26.xml><?xml version="1.0" encoding="utf-8"?>
+<file path=ppt/slides/slide28.xml><?xml version="1.0" encoding="utf-8"?>
 <p:sld xmlns:a="http://schemas.openxmlformats.org/drawingml/2006/main" xmlns:r="http://schemas.openxmlformats.org/officeDocument/2006/relationships" xmlns:p="http://schemas.openxmlformats.org/presentationml/2006/main">
   <p:cSld>
     <p:spTree>
@@ -27646,7 +28969,7 @@
 </p:sld>
 </file>
 
-<file path=ppt/slides/slide27.xml><?xml version="1.0" encoding="utf-8"?>
+<file path=ppt/slides/slide29.xml><?xml version="1.0" encoding="utf-8"?>
 <p:sld xmlns:a="http://schemas.openxmlformats.org/drawingml/2006/main" xmlns:r="http://schemas.openxmlformats.org/officeDocument/2006/relationships" xmlns:p="http://schemas.openxmlformats.org/presentationml/2006/main">
   <p:cSld>
     <p:spTree>
@@ -27791,7 +29114,79 @@
 </p:sld>
 </file>
 
-<file path=ppt/slides/slide28.xml><?xml version="1.0" encoding="utf-8"?>
+<file path=ppt/slides/slide3.xml><?xml version="1.0" encoding="utf-8"?>
+<p:sld xmlns:a="http://schemas.openxmlformats.org/drawingml/2006/main" xmlns:r="http://schemas.openxmlformats.org/officeDocument/2006/relationships" xmlns:p="http://schemas.openxmlformats.org/presentationml/2006/main">
+  <p:cSld>
+    <p:bg>
+      <p:bgPr>
+        <a:solidFill>
+          <a:schemeClr val="bg2"/>
+        </a:solidFill>
+        <a:effectLst/>
+      </p:bgPr>
+    </p:bg>
+    <p:spTree>
+      <p:nvGrpSpPr>
+        <p:cNvPr id="1" name=""/>
+        <p:cNvGrpSpPr/>
+        <p:nvPr/>
+      </p:nvGrpSpPr>
+      <p:grpSpPr>
+        <a:xfrm>
+          <a:off x="0" y="0"/>
+          <a:ext cx="0" cy="0"/>
+          <a:chOff x="0" y="0"/>
+          <a:chExt cx="0" cy="0"/>
+        </a:xfrm>
+      </p:grpSpPr>
+      <p:sp>
+        <p:nvSpPr>
+          <p:cNvPr id="4" name="Title 3"/>
+          <p:cNvSpPr>
+            <a:spLocks noGrp="1"/>
+          </p:cNvSpPr>
+          <p:nvPr>
+            <p:ph type="title"/>
+          </p:nvPr>
+        </p:nvSpPr>
+        <p:spPr/>
+        <p:txBody>
+          <a:bodyPr/>
+          <a:lstStyle/>
+          <a:p>
+            <a:r>
+              <a:rPr lang="en-US" dirty="0"/>
+              <a:t>Admin Account Login Authentication Flow</a:t>
+            </a:r>
+          </a:p>
+        </p:txBody>
+      </p:sp>
+    </p:spTree>
+    <p:extLst>
+      <p:ext uri="{BB962C8B-B14F-4D97-AF65-F5344CB8AC3E}">
+        <p14:creationId xmlns:p14="http://schemas.microsoft.com/office/powerpoint/2010/main" val="141284340"/>
+      </p:ext>
+    </p:extLst>
+  </p:cSld>
+  <p:clrMapOvr>
+    <a:masterClrMapping/>
+  </p:clrMapOvr>
+  <mc:AlternateContent xmlns:mc="http://schemas.openxmlformats.org/markup-compatibility/2006" xmlns:p14="http://schemas.microsoft.com/office/powerpoint/2010/main">
+    <mc:Choice Requires="p14">
+      <p:transition spd="med" p14:dur="700">
+        <p:fade/>
+      </p:transition>
+    </mc:Choice>
+    <mc:Fallback xmlns="">
+      <p:transition spd="med">
+        <p:fade/>
+      </p:transition>
+    </mc:Fallback>
+  </mc:AlternateContent>
+</p:sld>
+</file>
+
+<file path=ppt/slides/slide30.xml><?xml version="1.0" encoding="utf-8"?>
 <p:sld xmlns:a="http://schemas.openxmlformats.org/drawingml/2006/main" xmlns:r="http://schemas.openxmlformats.org/officeDocument/2006/relationships" xmlns:p="http://schemas.openxmlformats.org/presentationml/2006/main">
   <p:cSld>
     <p:spTree>
@@ -27952,7 +29347,7 @@
 </p:sld>
 </file>
 
-<file path=ppt/slides/slide29.xml><?xml version="1.0" encoding="utf-8"?>
+<file path=ppt/slides/slide31.xml><?xml version="1.0" encoding="utf-8"?>
 <p:sld xmlns:a="http://schemas.openxmlformats.org/drawingml/2006/main" xmlns:r="http://schemas.openxmlformats.org/officeDocument/2006/relationships" xmlns:p="http://schemas.openxmlformats.org/presentationml/2006/main">
   <p:cSld>
     <p:spTree>
@@ -28139,17 +29534,9 @@
 </p:sld>
 </file>
 
-<file path=ppt/slides/slide3.xml><?xml version="1.0" encoding="utf-8"?>
+<file path=ppt/slides/slide32.xml><?xml version="1.0" encoding="utf-8"?>
 <p:sld xmlns:a="http://schemas.openxmlformats.org/drawingml/2006/main" xmlns:r="http://schemas.openxmlformats.org/officeDocument/2006/relationships" xmlns:p="http://schemas.openxmlformats.org/presentationml/2006/main">
   <p:cSld>
-    <p:bg>
-      <p:bgPr>
-        <a:solidFill>
-          <a:schemeClr val="bg2"/>
-        </a:solidFill>
-        <a:effectLst/>
-      </p:bgPr>
-    </p:bg>
     <p:spTree>
       <p:nvGrpSpPr>
         <p:cNvPr id="1" name=""/>
@@ -28166,7 +29553,39 @@
       </p:grpSpPr>
       <p:sp>
         <p:nvSpPr>
-          <p:cNvPr id="4" name="Title 3"/>
+          <p:cNvPr id="2" name="Text Placeholder 1"/>
+          <p:cNvSpPr>
+            <a:spLocks noGrp="1"/>
+          </p:cNvSpPr>
+          <p:nvPr>
+            <p:ph type="body" sz="quarter" idx="15"/>
+          </p:nvPr>
+        </p:nvSpPr>
+        <p:spPr>
+          <a:xfrm>
+            <a:off x="427037" y="1668462"/>
+            <a:ext cx="6093637" cy="3505200"/>
+          </a:xfrm>
+        </p:spPr>
+        <p:txBody>
+          <a:bodyPr/>
+          <a:lstStyle/>
+          <a:p>
+            <a:pPr marL="571500" indent="-571500">
+              <a:buFont typeface="Arial" panose="020B0604020202020204" pitchFamily="34" charset="0"/>
+              <a:buChar char="•"/>
+            </a:pPr>
+            <a:r>
+              <a:rPr lang="en-US" altLang="zh-CN" dirty="0"/>
+              <a:t>Once the user has authenticated successfully with O365 and has linked their account, the O365 auth option will appear predominantly as the option to authenticate</a:t>
+            </a:r>
+            <a:endParaRPr lang="en-US" dirty="0"/>
+          </a:p>
+        </p:txBody>
+      </p:sp>
+      <p:sp>
+        <p:nvSpPr>
+          <p:cNvPr id="3" name="Title 2"/>
           <p:cNvSpPr>
             <a:spLocks noGrp="1"/>
           </p:cNvSpPr>
@@ -28180,16 +29599,41 @@
           <a:lstStyle/>
           <a:p>
             <a:r>
-              <a:rPr lang="en-US" dirty="0"/>
-              <a:t>Admin Account Login Authentication Flow</a:t>
-            </a:r>
-          </a:p>
-        </p:txBody>
-      </p:sp>
+              <a:rPr lang="en-US" altLang="zh-CN" dirty="0"/>
+              <a:t>login with O365 account</a:t>
+            </a:r>
+            <a:endParaRPr lang="en-US" dirty="0"/>
+          </a:p>
+        </p:txBody>
+      </p:sp>
+      <p:pic>
+        <p:nvPicPr>
+          <p:cNvPr id="5" name="Picture 4"/>
+          <p:cNvPicPr>
+            <a:picLocks noChangeAspect="1"/>
+          </p:cNvPicPr>
+          <p:nvPr/>
+        </p:nvPicPr>
+        <p:blipFill>
+          <a:blip r:embed="rId3"/>
+          <a:stretch>
+            <a:fillRect/>
+          </a:stretch>
+        </p:blipFill>
+        <p:spPr>
+          <a:xfrm>
+            <a:off x="6520674" y="1668462"/>
+            <a:ext cx="3638095" cy="2676190"/>
+          </a:xfrm>
+          <a:prstGeom prst="rect">
+            <a:avLst/>
+          </a:prstGeom>
+        </p:spPr>
+      </p:pic>
     </p:spTree>
     <p:extLst>
       <p:ext uri="{BB962C8B-B14F-4D97-AF65-F5344CB8AC3E}">
-        <p14:creationId xmlns:p14="http://schemas.microsoft.com/office/powerpoint/2010/main" val="141284340"/>
+        <p14:creationId xmlns:p14="http://schemas.microsoft.com/office/powerpoint/2010/main" val="3944534667"/>
       </p:ext>
     </p:extLst>
   </p:cSld>
@@ -28211,7 +29655,7 @@
 </p:sld>
 </file>
 
-<file path=ppt/slides/slide30.xml><?xml version="1.0" encoding="utf-8"?>
+<file path=ppt/slides/slide33.xml><?xml version="1.0" encoding="utf-8"?>
 <p:sld xmlns:a="http://schemas.openxmlformats.org/drawingml/2006/main" xmlns:r="http://schemas.openxmlformats.org/officeDocument/2006/relationships" xmlns:p="http://schemas.openxmlformats.org/presentationml/2006/main">
   <p:cSld>
     <p:bg>
@@ -28283,7 +29727,7 @@
 </p:sld>
 </file>
 
-<file path=ppt/slides/slide31.xml><?xml version="1.0" encoding="utf-8"?>
+<file path=ppt/slides/slide34.xml><?xml version="1.0" encoding="utf-8"?>
 <p:sld xmlns:a="http://schemas.openxmlformats.org/drawingml/2006/main" xmlns:r="http://schemas.openxmlformats.org/officeDocument/2006/relationships" xmlns:p="http://schemas.openxmlformats.org/presentationml/2006/main">
   <p:cSld>
     <p:spTree>
@@ -28452,7 +29896,7 @@
 </p:sld>
 </file>
 
-<file path=ppt/slides/slide32.xml><?xml version="1.0" encoding="utf-8"?>
+<file path=ppt/slides/slide35.xml><?xml version="1.0" encoding="utf-8"?>
 <p:sld xmlns:a="http://schemas.openxmlformats.org/drawingml/2006/main" xmlns:r="http://schemas.openxmlformats.org/officeDocument/2006/relationships" xmlns:p="http://schemas.openxmlformats.org/presentationml/2006/main">
   <p:cSld>
     <p:bg>
@@ -28524,7 +29968,7 @@
 </p:sld>
 </file>
 
-<file path=ppt/slides/slide33.xml><?xml version="1.0" encoding="utf-8"?>
+<file path=ppt/slides/slide36.xml><?xml version="1.0" encoding="utf-8"?>
 <p:sld xmlns:a="http://schemas.openxmlformats.org/drawingml/2006/main" xmlns:r="http://schemas.openxmlformats.org/officeDocument/2006/relationships" xmlns:p="http://schemas.openxmlformats.org/presentationml/2006/main">
   <p:cSld>
     <p:spTree>
@@ -28638,7 +30082,7 @@
       </p:sp>
       <p:pic>
         <p:nvPicPr>
-          <p:cNvPr id="5" name="Picture 4"/>
+          <p:cNvPr id="6" name="Picture 5"/>
           <p:cNvPicPr>
             <a:picLocks noChangeAspect="1"/>
           </p:cNvPicPr>
@@ -28652,8 +30096,8 @@
         </p:blipFill>
         <p:spPr>
           <a:xfrm>
-            <a:off x="655638" y="4269025"/>
-            <a:ext cx="5562600" cy="2557483"/>
+            <a:off x="731837" y="4259262"/>
+            <a:ext cx="5638800" cy="2543175"/>
           </a:xfrm>
           <a:prstGeom prst="rect">
             <a:avLst/>
@@ -28685,7 +30129,7 @@
 </p:sld>
 </file>
 
-<file path=ppt/slides/slide34.xml><?xml version="1.0" encoding="utf-8"?>
+<file path=ppt/slides/slide37.xml><?xml version="1.0" encoding="utf-8"?>
 <p:sld xmlns:a="http://schemas.openxmlformats.org/drawingml/2006/main" xmlns:r="http://schemas.openxmlformats.org/officeDocument/2006/relationships" xmlns:p="http://schemas.openxmlformats.org/presentationml/2006/main">
   <p:cSld>
     <p:spTree>
@@ -28804,7 +30248,7 @@
 </p:sld>
 </file>
 
-<file path=ppt/slides/slide35.xml><?xml version="1.0" encoding="utf-8"?>
+<file path=ppt/slides/slide38.xml><?xml version="1.0" encoding="utf-8"?>
 <p:sld xmlns:a="http://schemas.openxmlformats.org/drawingml/2006/main" xmlns:r="http://schemas.openxmlformats.org/officeDocument/2006/relationships" xmlns:p="http://schemas.openxmlformats.org/presentationml/2006/main">
   <p:cSld>
     <p:bg>
@@ -28876,7 +30320,7 @@
 </p:sld>
 </file>
 
-<file path=ppt/slides/slide36.xml><?xml version="1.0" encoding="utf-8"?>
+<file path=ppt/slides/slide39.xml><?xml version="1.0" encoding="utf-8"?>
 <p:sld xmlns:a="http://schemas.openxmlformats.org/drawingml/2006/main" xmlns:r="http://schemas.openxmlformats.org/officeDocument/2006/relationships" xmlns:p="http://schemas.openxmlformats.org/presentationml/2006/main">
   <p:cSld>
     <p:spTree>
@@ -29087,7 +30531,86 @@
 </p:sld>
 </file>
 
-<file path=ppt/slides/slide37.xml><?xml version="1.0" encoding="utf-8"?>
+<file path=ppt/slides/slide4.xml><?xml version="1.0" encoding="utf-8"?>
+<p:sld xmlns:a="http://schemas.openxmlformats.org/drawingml/2006/main" xmlns:r="http://schemas.openxmlformats.org/officeDocument/2006/relationships" xmlns:p="http://schemas.openxmlformats.org/presentationml/2006/main">
+  <p:cSld>
+    <p:spTree>
+      <p:nvGrpSpPr>
+        <p:cNvPr id="1" name=""/>
+        <p:cNvGrpSpPr/>
+        <p:nvPr/>
+      </p:nvGrpSpPr>
+      <p:grpSpPr>
+        <a:xfrm>
+          <a:off x="0" y="0"/>
+          <a:ext cx="0" cy="0"/>
+          <a:chOff x="0" y="0"/>
+          <a:chExt cx="0" cy="0"/>
+        </a:xfrm>
+      </p:grpSpPr>
+      <p:sp>
+        <p:nvSpPr>
+          <p:cNvPr id="3" name="Title 2"/>
+          <p:cNvSpPr>
+            <a:spLocks noGrp="1"/>
+          </p:cNvSpPr>
+          <p:nvPr>
+            <p:ph type="title"/>
+          </p:nvPr>
+        </p:nvSpPr>
+        <p:spPr/>
+        <p:txBody>
+          <a:bodyPr/>
+          <a:lstStyle/>
+          <a:p>
+            <a:r>
+              <a:rPr lang="en-US" dirty="0"/>
+              <a:t>Admin Account Login Authentication Flow</a:t>
+            </a:r>
+          </a:p>
+        </p:txBody>
+      </p:sp>
+      <p:pic>
+        <p:nvPicPr>
+          <p:cNvPr id="5" name="Picture 4"/>
+          <p:cNvPicPr>
+            <a:picLocks noChangeAspect="1"/>
+          </p:cNvPicPr>
+          <p:nvPr/>
+        </p:nvPicPr>
+        <p:blipFill>
+          <a:blip r:embed="rId2"/>
+          <a:stretch>
+            <a:fillRect/>
+          </a:stretch>
+        </p:blipFill>
+        <p:spPr>
+          <a:xfrm>
+            <a:off x="503236" y="1516062"/>
+            <a:ext cx="10783181" cy="4343400"/>
+          </a:xfrm>
+          <a:prstGeom prst="rect">
+            <a:avLst/>
+          </a:prstGeom>
+        </p:spPr>
+      </p:pic>
+    </p:spTree>
+    <p:extLst>
+      <p:ext uri="{BB962C8B-B14F-4D97-AF65-F5344CB8AC3E}">
+        <p14:creationId xmlns:p14="http://schemas.microsoft.com/office/powerpoint/2010/main" val="3169000962"/>
+      </p:ext>
+    </p:extLst>
+  </p:cSld>
+  <p:clrMapOvr>
+    <a:masterClrMapping/>
+  </p:clrMapOvr>
+  <p:transition>
+    <p:fade/>
+  </p:transition>
+</p:sld>
+</file>
+
+<file path=ppt/slides/slide40.xml><?xml version="1.0" encoding="utf-8"?>
 <p:sld xmlns:a="http://schemas.openxmlformats.org/drawingml/2006/main" xmlns:r="http://schemas.openxmlformats.org/officeDocument/2006/relationships" xmlns:p="http://schemas.openxmlformats.org/presentationml/2006/main">
   <p:cSld>
     <p:spTree>
@@ -29233,7 +30756,7 @@
 </p:sld>
 </file>
 
-<file path=ppt/slides/slide38.xml><?xml version="1.0" encoding="utf-8"?>
+<file path=ppt/slides/slide41.xml><?xml version="1.0" encoding="utf-8"?>
 <p:sld xmlns:a="http://schemas.openxmlformats.org/drawingml/2006/main" xmlns:r="http://schemas.openxmlformats.org/officeDocument/2006/relationships" xmlns:p="http://schemas.openxmlformats.org/presentationml/2006/main">
   <p:cSld>
     <p:spTree>
@@ -29403,7 +30926,7 @@
 </p:sld>
 </file>
 
-<file path=ppt/slides/slide39.xml><?xml version="1.0" encoding="utf-8"?>
+<file path=ppt/slides/slide42.xml><?xml version="1.0" encoding="utf-8"?>
 <p:sld xmlns:a="http://schemas.openxmlformats.org/drawingml/2006/main" xmlns:r="http://schemas.openxmlformats.org/officeDocument/2006/relationships" xmlns:p="http://schemas.openxmlformats.org/presentationml/2006/main">
   <p:cSld>
     <p:bg>
@@ -29475,7 +30998,7 @@
 </p:sld>
 </file>
 
-<file path=ppt/slides/slide4.xml><?xml version="1.0" encoding="utf-8"?>
+<file path=ppt/slides/slide43.xml><?xml version="1.0" encoding="utf-8"?>
 <p:sld xmlns:a="http://schemas.openxmlformats.org/drawingml/2006/main" xmlns:r="http://schemas.openxmlformats.org/officeDocument/2006/relationships" xmlns:p="http://schemas.openxmlformats.org/presentationml/2006/main">
   <p:cSld>
     <p:spTree>
@@ -29494,85 +31017,6 @@
       </p:grpSpPr>
       <p:sp>
         <p:nvSpPr>
-          <p:cNvPr id="3" name="Title 2"/>
-          <p:cNvSpPr>
-            <a:spLocks noGrp="1"/>
-          </p:cNvSpPr>
-          <p:nvPr>
-            <p:ph type="title"/>
-          </p:nvPr>
-        </p:nvSpPr>
-        <p:spPr/>
-        <p:txBody>
-          <a:bodyPr/>
-          <a:lstStyle/>
-          <a:p>
-            <a:r>
-              <a:rPr lang="en-US" dirty="0"/>
-              <a:t>Admin Account Login Authentication Flow</a:t>
-            </a:r>
-          </a:p>
-        </p:txBody>
-      </p:sp>
-      <p:pic>
-        <p:nvPicPr>
-          <p:cNvPr id="4" name="Picture 3"/>
-          <p:cNvPicPr>
-            <a:picLocks noChangeAspect="1"/>
-          </p:cNvPicPr>
-          <p:nvPr/>
-        </p:nvPicPr>
-        <p:blipFill>
-          <a:blip r:embed="rId2"/>
-          <a:stretch>
-            <a:fillRect/>
-          </a:stretch>
-        </p:blipFill>
-        <p:spPr>
-          <a:xfrm>
-            <a:off x="427037" y="1363662"/>
-            <a:ext cx="11620767" cy="4419600"/>
-          </a:xfrm>
-          <a:prstGeom prst="rect">
-            <a:avLst/>
-          </a:prstGeom>
-        </p:spPr>
-      </p:pic>
-    </p:spTree>
-    <p:extLst>
-      <p:ext uri="{BB962C8B-B14F-4D97-AF65-F5344CB8AC3E}">
-        <p14:creationId xmlns:p14="http://schemas.microsoft.com/office/powerpoint/2010/main" val="3169000962"/>
-      </p:ext>
-    </p:extLst>
-  </p:cSld>
-  <p:clrMapOvr>
-    <a:masterClrMapping/>
-  </p:clrMapOvr>
-  <p:transition>
-    <p:fade/>
-  </p:transition>
-</p:sld>
-</file>
-
-<file path=ppt/slides/slide40.xml><?xml version="1.0" encoding="utf-8"?>
-<p:sld xmlns:a="http://schemas.openxmlformats.org/drawingml/2006/main" xmlns:r="http://schemas.openxmlformats.org/officeDocument/2006/relationships" xmlns:p="http://schemas.openxmlformats.org/presentationml/2006/main">
-  <p:cSld>
-    <p:spTree>
-      <p:nvGrpSpPr>
-        <p:cNvPr id="1" name=""/>
-        <p:cNvGrpSpPr/>
-        <p:nvPr/>
-      </p:nvGrpSpPr>
-      <p:grpSpPr>
-        <a:xfrm>
-          <a:off x="0" y="0"/>
-          <a:ext cx="0" cy="0"/>
-          <a:chOff x="0" y="0"/>
-          <a:chExt cx="0" cy="0"/>
-        </a:xfrm>
-      </p:grpSpPr>
-      <p:sp>
-        <p:nvSpPr>
           <p:cNvPr id="2" name="Text Placeholder 1"/>
           <p:cNvSpPr>
             <a:spLocks noGrp="1"/>
@@ -29648,7 +31092,7 @@
       </p:sp>
       <p:pic>
         <p:nvPicPr>
-          <p:cNvPr id="4" name="Picture 3"/>
+          <p:cNvPr id="5" name="Picture 4"/>
           <p:cNvPicPr>
             <a:picLocks noChangeAspect="1"/>
           </p:cNvPicPr>
@@ -29662,8 +31106,8 @@
         </p:blipFill>
         <p:spPr>
           <a:xfrm>
-            <a:off x="579437" y="3268663"/>
-            <a:ext cx="6705600" cy="3389832"/>
+            <a:off x="731837" y="3344862"/>
+            <a:ext cx="6866124" cy="3412645"/>
           </a:xfrm>
           <a:prstGeom prst="rect">
             <a:avLst/>
@@ -29695,7 +31139,7 @@
 </p:sld>
 </file>
 
-<file path=ppt/slides/slide41.xml><?xml version="1.0" encoding="utf-8"?>
+<file path=ppt/slides/slide44.xml><?xml version="1.0" encoding="utf-8"?>
 <p:sld xmlns:a="http://schemas.openxmlformats.org/drawingml/2006/main" xmlns:r="http://schemas.openxmlformats.org/officeDocument/2006/relationships" xmlns:p="http://schemas.openxmlformats.org/presentationml/2006/main">
   <p:cSld>
     <p:bg>
@@ -29767,7 +31211,7 @@
 </p:sld>
 </file>
 
-<file path=ppt/slides/slide42.xml><?xml version="1.0" encoding="utf-8"?>
+<file path=ppt/slides/slide45.xml><?xml version="1.0" encoding="utf-8"?>
 <p:sld xmlns:a="http://schemas.openxmlformats.org/drawingml/2006/main" xmlns:r="http://schemas.openxmlformats.org/officeDocument/2006/relationships" xmlns:p="http://schemas.openxmlformats.org/presentationml/2006/main">
   <p:cSld>
     <p:spTree>
@@ -29883,7 +31327,7 @@
       </p:sp>
       <p:pic>
         <p:nvPicPr>
-          <p:cNvPr id="4" name="Picture 3"/>
+          <p:cNvPr id="8" name="Picture 7"/>
           <p:cNvPicPr>
             <a:picLocks noChangeAspect="1"/>
           </p:cNvPicPr>
@@ -29897,8 +31341,8 @@
         </p:blipFill>
         <p:spPr>
           <a:xfrm>
-            <a:off x="295276" y="1597167"/>
-            <a:ext cx="4094161" cy="2189048"/>
+            <a:off x="299478" y="1754309"/>
+            <a:ext cx="4371429" cy="1961905"/>
           </a:xfrm>
           <a:prstGeom prst="rect">
             <a:avLst/>
@@ -29907,7 +31351,7 @@
       </p:pic>
       <p:pic>
         <p:nvPicPr>
-          <p:cNvPr id="5" name="Picture 4"/>
+          <p:cNvPr id="9" name="Picture 8"/>
           <p:cNvPicPr>
             <a:picLocks noChangeAspect="1"/>
           </p:cNvPicPr>
@@ -29921,8 +31365,8 @@
         </p:blipFill>
         <p:spPr>
           <a:xfrm>
-            <a:off x="295276" y="4257675"/>
-            <a:ext cx="4094161" cy="1529807"/>
+            <a:off x="273798" y="3878262"/>
+            <a:ext cx="4397110" cy="2114286"/>
           </a:xfrm>
           <a:prstGeom prst="rect">
             <a:avLst/>
@@ -29954,7 +31398,7 @@
 </p:sld>
 </file>
 
-<file path=ppt/slides/slide43.xml><?xml version="1.0" encoding="utf-8"?>
+<file path=ppt/slides/slide46.xml><?xml version="1.0" encoding="utf-8"?>
 <p:sld xmlns:a="http://schemas.openxmlformats.org/drawingml/2006/main" xmlns:r="http://schemas.openxmlformats.org/officeDocument/2006/relationships" xmlns:p="http://schemas.openxmlformats.org/presentationml/2006/main">
   <p:cSld>
     <p:bg>
@@ -30026,7 +31470,7 @@
 </p:sld>
 </file>
 
-<file path=ppt/slides/slide44.xml><?xml version="1.0" encoding="utf-8"?>
+<file path=ppt/slides/slide47.xml><?xml version="1.0" encoding="utf-8"?>
 <p:sld xmlns:a="http://schemas.openxmlformats.org/drawingml/2006/main" xmlns:r="http://schemas.openxmlformats.org/officeDocument/2006/relationships" xmlns:p="http://schemas.openxmlformats.org/presentationml/2006/main">
   <p:cSld>
     <p:spTree>
@@ -30198,7 +31642,7 @@
 </p:sld>
 </file>
 
-<file path=ppt/slides/slide45.xml><?xml version="1.0" encoding="utf-8"?>
+<file path=ppt/slides/slide48.xml><?xml version="1.0" encoding="utf-8"?>
 <p:sld xmlns:a="http://schemas.openxmlformats.org/drawingml/2006/main" xmlns:r="http://schemas.openxmlformats.org/officeDocument/2006/relationships" xmlns:p="http://schemas.openxmlformats.org/presentationml/2006/main">
   <p:cSld>
     <p:spTree>
@@ -30355,7 +31799,7 @@
 </p:sld>
 </file>
 
-<file path=ppt/slides/slide46.xml><?xml version="1.0" encoding="utf-8"?>
+<file path=ppt/slides/slide49.xml><?xml version="1.0" encoding="utf-8"?>
 <p:sld xmlns:a="http://schemas.openxmlformats.org/drawingml/2006/main" xmlns:r="http://schemas.openxmlformats.org/officeDocument/2006/relationships" xmlns:p="http://schemas.openxmlformats.org/presentationml/2006/main">
   <p:cSld>
     <p:spTree>
@@ -30531,7 +31975,145 @@
 </p:sld>
 </file>
 
-<file path=ppt/slides/slide47.xml><?xml version="1.0" encoding="utf-8"?>
+<file path=ppt/slides/slide5.xml><?xml version="1.0" encoding="utf-8"?>
+<p:sld xmlns:a="http://schemas.openxmlformats.org/drawingml/2006/main" xmlns:r="http://schemas.openxmlformats.org/officeDocument/2006/relationships" xmlns:p="http://schemas.openxmlformats.org/presentationml/2006/main">
+  <p:cSld>
+    <p:spTree>
+      <p:nvGrpSpPr>
+        <p:cNvPr id="1" name=""/>
+        <p:cNvGrpSpPr/>
+        <p:nvPr/>
+      </p:nvGrpSpPr>
+      <p:grpSpPr>
+        <a:xfrm>
+          <a:off x="0" y="0"/>
+          <a:ext cx="0" cy="0"/>
+          <a:chOff x="0" y="0"/>
+          <a:chExt cx="0" cy="0"/>
+        </a:xfrm>
+      </p:grpSpPr>
+      <p:sp>
+        <p:nvSpPr>
+          <p:cNvPr id="3" name="Title 2"/>
+          <p:cNvSpPr>
+            <a:spLocks noGrp="1"/>
+          </p:cNvSpPr>
+          <p:nvPr>
+            <p:ph type="title"/>
+          </p:nvPr>
+        </p:nvSpPr>
+        <p:spPr/>
+        <p:txBody>
+          <a:bodyPr/>
+          <a:lstStyle/>
+          <a:p>
+            <a:r>
+              <a:rPr lang="en-US" dirty="0"/>
+              <a:t>Admin Login with an Office 365 Account</a:t>
+            </a:r>
+          </a:p>
+        </p:txBody>
+      </p:sp>
+      <p:sp>
+        <p:nvSpPr>
+          <p:cNvPr id="8" name="Text Placeholder 1"/>
+          <p:cNvSpPr>
+            <a:spLocks noGrp="1"/>
+          </p:cNvSpPr>
+          <p:nvPr>
+            <p:ph type="body" sz="quarter" idx="4294967295"/>
+          </p:nvPr>
+        </p:nvSpPr>
+        <p:spPr>
+          <a:xfrm>
+            <a:off x="274640" y="1820862"/>
+            <a:ext cx="6248398" cy="3200876"/>
+          </a:xfrm>
+          <a:prstGeom prst="rect">
+            <a:avLst/>
+          </a:prstGeom>
+        </p:spPr>
+        <p:txBody>
+          <a:bodyPr/>
+          <a:lstStyle/>
+          <a:p>
+            <a:r>
+              <a:rPr lang="en-US" dirty="0"/>
+              <a:t>Go to the site login page. </a:t>
+            </a:r>
+          </a:p>
+          <a:p>
+            <a:r>
+              <a:rPr lang="en-US" dirty="0"/>
+              <a:t>Click the </a:t>
+            </a:r>
+            <a:r>
+              <a:rPr lang="en-US" b="1" dirty="0"/>
+              <a:t>Sign in with Office 365</a:t>
+            </a:r>
+            <a:r>
+              <a:rPr lang="en-US" dirty="0"/>
+              <a:t> button.</a:t>
+            </a:r>
+          </a:p>
+          <a:p>
+            <a:r>
+              <a:rPr lang="en-US" dirty="0"/>
+              <a:t>Login with the Admin account.</a:t>
+            </a:r>
+          </a:p>
+        </p:txBody>
+      </p:sp>
+      <p:pic>
+        <p:nvPicPr>
+          <p:cNvPr id="12" name="Picture 11"/>
+          <p:cNvPicPr>
+            <a:picLocks noChangeAspect="1"/>
+          </p:cNvPicPr>
+          <p:nvPr/>
+        </p:nvPicPr>
+        <p:blipFill>
+          <a:blip r:embed="rId3"/>
+          <a:stretch>
+            <a:fillRect/>
+          </a:stretch>
+        </p:blipFill>
+        <p:spPr>
+          <a:xfrm>
+            <a:off x="6523037" y="2030412"/>
+            <a:ext cx="5318811" cy="1847850"/>
+          </a:xfrm>
+          <a:prstGeom prst="rect">
+            <a:avLst/>
+          </a:prstGeom>
+        </p:spPr>
+      </p:pic>
+    </p:spTree>
+    <p:extLst>
+      <p:ext uri="{BB962C8B-B14F-4D97-AF65-F5344CB8AC3E}">
+        <p14:creationId xmlns:p14="http://schemas.microsoft.com/office/powerpoint/2010/main" val="2203498496"/>
+      </p:ext>
+    </p:extLst>
+  </p:cSld>
+  <p:clrMapOvr>
+    <a:masterClrMapping/>
+  </p:clrMapOvr>
+  <mc:AlternateContent xmlns:mc="http://schemas.openxmlformats.org/markup-compatibility/2006" xmlns:p14="http://schemas.microsoft.com/office/powerpoint/2010/main">
+    <mc:Choice Requires="p14">
+      <p:transition spd="med" p14:dur="700">
+        <p:fade/>
+      </p:transition>
+    </mc:Choice>
+    <mc:Fallback xmlns="">
+      <p:transition spd="med">
+        <p:fade/>
+      </p:transition>
+    </mc:Fallback>
+  </mc:AlternateContent>
+</p:sld>
+</file>
+
+<file path=ppt/slides/slide50.xml><?xml version="1.0" encoding="utf-8"?>
 <p:sld xmlns:a="http://schemas.openxmlformats.org/drawingml/2006/main" xmlns:r="http://schemas.openxmlformats.org/officeDocument/2006/relationships" xmlns:p="http://schemas.openxmlformats.org/presentationml/2006/main">
   <p:cSld>
     <p:spTree>
@@ -30703,7 +32285,7 @@
 </p:sld>
 </file>
 
-<file path=ppt/slides/slide48.xml><?xml version="1.0" encoding="utf-8"?>
+<file path=ppt/slides/slide51.xml><?xml version="1.0" encoding="utf-8"?>
 <p:sld xmlns:a="http://schemas.openxmlformats.org/drawingml/2006/main" xmlns:r="http://schemas.openxmlformats.org/officeDocument/2006/relationships" xmlns:p="http://schemas.openxmlformats.org/presentationml/2006/main">
   <p:cSld>
     <p:spTree>
@@ -30830,7 +32412,7 @@
 </p:sld>
 </file>
 
-<file path=ppt/slides/slide49.xml><?xml version="1.0" encoding="utf-8"?>
+<file path=ppt/slides/slide52.xml><?xml version="1.0" encoding="utf-8"?>
 <p:sld xmlns:a="http://schemas.openxmlformats.org/drawingml/2006/main" xmlns:r="http://schemas.openxmlformats.org/officeDocument/2006/relationships" xmlns:p="http://schemas.openxmlformats.org/presentationml/2006/main">
   <p:cSld>
     <p:spTree>
@@ -31099,145 +32681,7 @@
 </p:sld>
 </file>
 
-<file path=ppt/slides/slide5.xml><?xml version="1.0" encoding="utf-8"?>
-<p:sld xmlns:a="http://schemas.openxmlformats.org/drawingml/2006/main" xmlns:r="http://schemas.openxmlformats.org/officeDocument/2006/relationships" xmlns:p="http://schemas.openxmlformats.org/presentationml/2006/main">
-  <p:cSld>
-    <p:spTree>
-      <p:nvGrpSpPr>
-        <p:cNvPr id="1" name=""/>
-        <p:cNvGrpSpPr/>
-        <p:nvPr/>
-      </p:nvGrpSpPr>
-      <p:grpSpPr>
-        <a:xfrm>
-          <a:off x="0" y="0"/>
-          <a:ext cx="0" cy="0"/>
-          <a:chOff x="0" y="0"/>
-          <a:chExt cx="0" cy="0"/>
-        </a:xfrm>
-      </p:grpSpPr>
-      <p:sp>
-        <p:nvSpPr>
-          <p:cNvPr id="3" name="Title 2"/>
-          <p:cNvSpPr>
-            <a:spLocks noGrp="1"/>
-          </p:cNvSpPr>
-          <p:nvPr>
-            <p:ph type="title"/>
-          </p:nvPr>
-        </p:nvSpPr>
-        <p:spPr/>
-        <p:txBody>
-          <a:bodyPr/>
-          <a:lstStyle/>
-          <a:p>
-            <a:r>
-              <a:rPr lang="en-US" dirty="0"/>
-              <a:t>Admin Login with an Office 365 Account</a:t>
-            </a:r>
-          </a:p>
-        </p:txBody>
-      </p:sp>
-      <p:sp>
-        <p:nvSpPr>
-          <p:cNvPr id="8" name="Text Placeholder 1"/>
-          <p:cNvSpPr>
-            <a:spLocks noGrp="1"/>
-          </p:cNvSpPr>
-          <p:nvPr>
-            <p:ph type="body" sz="quarter" idx="4294967295"/>
-          </p:nvPr>
-        </p:nvSpPr>
-        <p:spPr>
-          <a:xfrm>
-            <a:off x="274640" y="1820862"/>
-            <a:ext cx="6248398" cy="3200876"/>
-          </a:xfrm>
-          <a:prstGeom prst="rect">
-            <a:avLst/>
-          </a:prstGeom>
-        </p:spPr>
-        <p:txBody>
-          <a:bodyPr/>
-          <a:lstStyle/>
-          <a:p>
-            <a:r>
-              <a:rPr lang="en-US" dirty="0"/>
-              <a:t>Go to the site login page. </a:t>
-            </a:r>
-          </a:p>
-          <a:p>
-            <a:r>
-              <a:rPr lang="en-US" dirty="0"/>
-              <a:t>Click the </a:t>
-            </a:r>
-            <a:r>
-              <a:rPr lang="en-US" b="1" dirty="0"/>
-              <a:t>Sign in with Office 365</a:t>
-            </a:r>
-            <a:r>
-              <a:rPr lang="en-US" dirty="0"/>
-              <a:t> button.</a:t>
-            </a:r>
-          </a:p>
-          <a:p>
-            <a:r>
-              <a:rPr lang="en-US" dirty="0"/>
-              <a:t>Login with the Admin account.</a:t>
-            </a:r>
-          </a:p>
-        </p:txBody>
-      </p:sp>
-      <p:pic>
-        <p:nvPicPr>
-          <p:cNvPr id="12" name="Picture 11"/>
-          <p:cNvPicPr>
-            <a:picLocks noChangeAspect="1"/>
-          </p:cNvPicPr>
-          <p:nvPr/>
-        </p:nvPicPr>
-        <p:blipFill>
-          <a:blip r:embed="rId3"/>
-          <a:stretch>
-            <a:fillRect/>
-          </a:stretch>
-        </p:blipFill>
-        <p:spPr>
-          <a:xfrm>
-            <a:off x="6523037" y="2030412"/>
-            <a:ext cx="5318811" cy="1847850"/>
-          </a:xfrm>
-          <a:prstGeom prst="rect">
-            <a:avLst/>
-          </a:prstGeom>
-        </p:spPr>
-      </p:pic>
-    </p:spTree>
-    <p:extLst>
-      <p:ext uri="{BB962C8B-B14F-4D97-AF65-F5344CB8AC3E}">
-        <p14:creationId xmlns:p14="http://schemas.microsoft.com/office/powerpoint/2010/main" val="2203498496"/>
-      </p:ext>
-    </p:extLst>
-  </p:cSld>
-  <p:clrMapOvr>
-    <a:masterClrMapping/>
-  </p:clrMapOvr>
-  <mc:AlternateContent xmlns:mc="http://schemas.openxmlformats.org/markup-compatibility/2006" xmlns:p14="http://schemas.microsoft.com/office/powerpoint/2010/main">
-    <mc:Choice Requires="p14">
-      <p:transition spd="med" p14:dur="700">
-        <p:fade/>
-      </p:transition>
-    </mc:Choice>
-    <mc:Fallback xmlns="">
-      <p:transition spd="med">
-        <p:fade/>
-      </p:transition>
-    </mc:Fallback>
-  </mc:AlternateContent>
-</p:sld>
-</file>
-
-<file path=ppt/slides/slide50.xml><?xml version="1.0" encoding="utf-8"?>
+<file path=ppt/slides/slide53.xml><?xml version="1.0" encoding="utf-8"?>
 <p:sld xmlns:a="http://schemas.openxmlformats.org/drawingml/2006/main" xmlns:r="http://schemas.openxmlformats.org/officeDocument/2006/relationships" xmlns:p="http://schemas.openxmlformats.org/presentationml/2006/main">
   <p:cSld>
     <p:spTree>
@@ -31508,7 +32952,7 @@
       </p:sp>
       <p:pic>
         <p:nvPicPr>
-          <p:cNvPr id="5" name="Picture 4"/>
+          <p:cNvPr id="4" name="Picture 3"/>
           <p:cNvPicPr>
             <a:picLocks noChangeAspect="1"/>
           </p:cNvPicPr>
@@ -31522,8 +32966,8 @@
         </p:blipFill>
         <p:spPr>
           <a:xfrm>
-            <a:off x="655637" y="3416889"/>
-            <a:ext cx="7285714" cy="1780952"/>
+            <a:off x="808037" y="3497262"/>
+            <a:ext cx="7076190" cy="1780952"/>
           </a:xfrm>
           <a:prstGeom prst="rect">
             <a:avLst/>
@@ -33404,21 +34848,6 @@
 </file>
 
 <file path=customXml/item1.xml><?xml version="1.0" encoding="utf-8"?>
-<?mso-contentType ?>
-<FormTemplates xmlns="http://schemas.microsoft.com/sharepoint/v3/contenttype/forms">
-  <Display>DocumentLibraryForm</Display>
-  <Edit>DocumentLibraryForm</Edit>
-  <New>DocumentLibraryForm</New>
-</FormTemplates>
-</file>
-
-<file path=customXml/item2.xml><?xml version="1.0" encoding="utf-8"?>
-<p:properties xmlns:p="http://schemas.microsoft.com/office/2006/metadata/properties" xmlns:xsi="http://www.w3.org/2001/XMLSchema-instance" xmlns:pc="http://schemas.microsoft.com/office/infopath/2007/PartnerControls">
-  <documentManagement/>
-</p:properties>
-</file>
-
-<file path=customXml/item3.xml><?xml version="1.0" encoding="utf-8"?>
 <ct:contentTypeSchema xmlns:ct="http://schemas.microsoft.com/office/2006/metadata/contentType" xmlns:ma="http://schemas.microsoft.com/office/2006/metadata/properties/metaAttributes" ct:_="" ma:_="" ma:contentTypeName="Document" ma:contentTypeID="0x01010053433B08FA9EE742BB667ECEF5AA0226" ma:contentTypeVersion="4" ma:contentTypeDescription="Create a new document." ma:contentTypeScope="" ma:versionID="898350153c3cb7409c9d00c11df4aa1a">
   <xsd:schema xmlns:xsd="http://www.w3.org/2001/XMLSchema" xmlns:xs="http://www.w3.org/2001/XMLSchema" xmlns:p="http://schemas.microsoft.com/office/2006/metadata/properties" xmlns:ns2="09eba053-c572-4474-974d-b0bef0e9174f" targetNamespace="http://schemas.microsoft.com/office/2006/metadata/properties" ma:root="true" ma:fieldsID="f69afda497831ad76ed280df00c0bf48" ns2:_="">
     <xsd:import namespace="09eba053-c572-4474-974d-b0bef0e9174f"/>
@@ -33580,31 +35009,22 @@
 </ct:contentTypeSchema>
 </file>
 
-<file path=customXml/itemProps1.xml><?xml version="1.0" encoding="utf-8"?>
-<ds:datastoreItem xmlns:ds="http://schemas.openxmlformats.org/officeDocument/2006/customXml" ds:itemID="{41543473-98BF-41A8-AEE8-AF1C274C4DD8}">
-  <ds:schemaRefs>
-    <ds:schemaRef ds:uri="http://schemas.microsoft.com/sharepoint/v3/contenttype/forms"/>
-  </ds:schemaRefs>
-</ds:datastoreItem>
+<file path=customXml/item2.xml><?xml version="1.0" encoding="utf-8"?>
+<?mso-contentType ?>
+<FormTemplates xmlns="http://schemas.microsoft.com/sharepoint/v3/contenttype/forms">
+  <Display>DocumentLibraryForm</Display>
+  <Edit>DocumentLibraryForm</Edit>
+  <New>DocumentLibraryForm</New>
+</FormTemplates>
 </file>
 
-<file path=customXml/itemProps2.xml><?xml version="1.0" encoding="utf-8"?>
-<ds:datastoreItem xmlns:ds="http://schemas.openxmlformats.org/officeDocument/2006/customXml" ds:itemID="{479EF7F2-79F0-4950-9137-4016BE64CE46}">
-  <ds:schemaRefs>
-    <ds:schemaRef ds:uri="http://purl.org/dc/elements/1.1/"/>
-    <ds:schemaRef ds:uri="http://schemas.microsoft.com/office/2006/metadata/properties"/>
-    <ds:schemaRef ds:uri="09eba053-c572-4474-974d-b0bef0e9174f"/>
-    <ds:schemaRef ds:uri="http://schemas.microsoft.com/office/2006/documentManagement/types"/>
-    <ds:schemaRef ds:uri="http://purl.org/dc/terms/"/>
-    <ds:schemaRef ds:uri="http://schemas.openxmlformats.org/package/2006/metadata/core-properties"/>
-    <ds:schemaRef ds:uri="http://purl.org/dc/dcmitype/"/>
-    <ds:schemaRef ds:uri="http://schemas.microsoft.com/office/infopath/2007/PartnerControls"/>
-    <ds:schemaRef ds:uri="http://www.w3.org/XML/1998/namespace"/>
-  </ds:schemaRefs>
-</ds:datastoreItem>
+<file path=customXml/item3.xml><?xml version="1.0" encoding="utf-8"?>
+<p:properties xmlns:p="http://schemas.microsoft.com/office/2006/metadata/properties" xmlns:xsi="http://www.w3.org/2001/XMLSchema-instance" xmlns:pc="http://schemas.microsoft.com/office/infopath/2007/PartnerControls">
+  <documentManagement/>
+</p:properties>
 </file>
 
-<file path=customXml/itemProps3.xml><?xml version="1.0" encoding="utf-8"?>
+<file path=customXml/itemProps1.xml><?xml version="1.0" encoding="utf-8"?>
 <ds:datastoreItem xmlns:ds="http://schemas.openxmlformats.org/officeDocument/2006/customXml" ds:itemID="{55F7FE33-E5CA-47B4-B8F6-126891A96CF6}">
   <ds:schemaRefs>
     <ds:schemaRef ds:uri="http://schemas.microsoft.com/office/2006/metadata/contentType"/>
@@ -33620,4 +35040,28 @@
     <ds:schemaRef ds:uri="http://schemas.microsoft.com/internal/obd"/>
   </ds:schemaRefs>
 </ds:datastoreItem>
+</file>
+
+<file path=customXml/itemProps2.xml><?xml version="1.0" encoding="utf-8"?>
+<ds:datastoreItem xmlns:ds="http://schemas.openxmlformats.org/officeDocument/2006/customXml" ds:itemID="{41543473-98BF-41A8-AEE8-AF1C274C4DD8}">
+  <ds:schemaRefs>
+    <ds:schemaRef ds:uri="http://schemas.microsoft.com/sharepoint/v3/contenttype/forms"/>
+  </ds:schemaRefs>
+</ds:datastoreItem>
+</file>
+
+<file path=customXml/itemProps3.xml><?xml version="1.0" encoding="utf-8"?>
+<ds:datastoreItem xmlns:ds="http://schemas.openxmlformats.org/officeDocument/2006/customXml" ds:itemID="{479EF7F2-79F0-4950-9137-4016BE64CE46}">
+  <ds:schemaRefs>
+    <ds:schemaRef ds:uri="http://purl.org/dc/elements/1.1/"/>
+    <ds:schemaRef ds:uri="http://schemas.microsoft.com/office/2006/metadata/properties"/>
+    <ds:schemaRef ds:uri="09eba053-c572-4474-974d-b0bef0e9174f"/>
+    <ds:schemaRef ds:uri="http://schemas.microsoft.com/office/2006/documentManagement/types"/>
+    <ds:schemaRef ds:uri="http://purl.org/dc/terms/"/>
+    <ds:schemaRef ds:uri="http://schemas.openxmlformats.org/package/2006/metadata/core-properties"/>
+    <ds:schemaRef ds:uri="http://purl.org/dc/dcmitype/"/>
+    <ds:schemaRef ds:uri="http://schemas.microsoft.com/office/infopath/2007/PartnerControls"/>
+    <ds:schemaRef ds:uri="http://www.w3.org/XML/1998/namespace"/>
+  </ds:schemaRefs>
+</ds:datastoreItem>
 </file>
--- a/EDU GRAPH-API Demo Script.pptx
+++ b/EDU GRAPH-API Demo Script.pptx
@@ -285,7 +285,7 @@
 
 <file path=ppt/commentAuthors.xml><?xml version="1.0" encoding="utf-8"?>
 <p:cmAuthorLst xmlns:a="http://schemas.openxmlformats.org/drawingml/2006/main" xmlns:r="http://schemas.openxmlformats.org/officeDocument/2006/relationships" xmlns:p="http://schemas.openxmlformats.org/presentationml/2006/main">
-  <p:cmAuthor id="4" name="Author" initials="A" lastIdx="0" clrIdx="4"/>
+  <p:cmAuthor id="5" name="作者" initials="A" lastIdx="0" clrIdx="5"/>
 </p:cmAuthorLst>
 </file>
 
@@ -378,7 +378,7 @@
               <a:rPr lang="en-US" smtClean="0">
                 <a:latin typeface="Segoe UI" pitchFamily="34" charset="0"/>
               </a:rPr>
-              <a:t>2/9/2017 5:30 PM</a:t>
+              <a:t>2/10/2017 10:06 AM</a:t>
             </a:fld>
             <a:endParaRPr lang="en-US" dirty="0">
               <a:latin typeface="Segoe UI" pitchFamily="34" charset="0"/>
@@ -661,7 +661,7 @@
           <a:p>
             <a:fld id="{38EEC551-8CDA-4EB6-89BB-2A86C9F091C8}" type="datetime8">
               <a:rPr lang="en-US" smtClean="0"/>
-              <a:t>2/9/2017 5:30 PM</a:t>
+              <a:t>2/10/2017 10:06 AM</a:t>
             </a:fld>
             <a:endParaRPr lang="en-US" dirty="0"/>
           </a:p>
@@ -1025,7 +1025,7 @@
           <a:p>
             <a:fld id="{C6996B83-60CF-42A8-BA06-F99D0BEC30B3}" type="datetime1">
               <a:rPr lang="en-US" smtClean="0"/>
-              <a:t>2/9/2017</a:t>
+              <a:t>2/10/2017</a:t>
             </a:fld>
             <a:endParaRPr lang="en-US" dirty="0"/>
           </a:p>
@@ -1245,7 +1245,7 @@
                 </a:solidFill>
               </a:rPr>
               <a:pPr/>
-              <a:t>2/9/2017</a:t>
+              <a:t>2/10/2017</a:t>
             </a:fld>
             <a:endParaRPr lang="en-US" dirty="0">
               <a:solidFill>
@@ -1455,7 +1455,7 @@
                 </a:solidFill>
               </a:rPr>
               <a:pPr/>
-              <a:t>2/9/2017</a:t>
+              <a:t>2/10/2017</a:t>
             </a:fld>
             <a:endParaRPr lang="en-US" dirty="0">
               <a:solidFill>
@@ -1665,7 +1665,7 @@
                 </a:solidFill>
               </a:rPr>
               <a:pPr/>
-              <a:t>2/9/2017</a:t>
+              <a:t>2/10/2017</a:t>
             </a:fld>
             <a:endParaRPr lang="en-US" dirty="0">
               <a:solidFill>
@@ -1971,7 +1971,7 @@
                 <a:tabLst/>
                 <a:defRPr/>
               </a:pPr>
-              <a:t>2/9/2017</a:t>
+              <a:t>2/10/2017</a:t>
             </a:fld>
             <a:endParaRPr kumimoji="0" lang="en-US" sz="1800" b="0" i="0" u="none" strike="noStrike" kern="0" cap="none" spc="0" normalizeH="0" baseline="0" noProof="0" dirty="0">
               <a:ln>
@@ -2201,7 +2201,7 @@
                 </a:solidFill>
               </a:rPr>
               <a:pPr/>
-              <a:t>2/9/2017</a:t>
+              <a:t>2/10/2017</a:t>
             </a:fld>
             <a:endParaRPr lang="en-US" dirty="0">
               <a:solidFill>
@@ -2442,7 +2442,7 @@
                 </a:solidFill>
               </a:rPr>
               <a:pPr/>
-              <a:t>2/9/2017</a:t>
+              <a:t>2/10/2017</a:t>
             </a:fld>
             <a:endParaRPr lang="en-US" dirty="0">
               <a:solidFill>
@@ -2652,7 +2652,7 @@
                 </a:solidFill>
               </a:rPr>
               <a:pPr/>
-              <a:t>2/9/2017</a:t>
+              <a:t>2/10/2017</a:t>
             </a:fld>
             <a:endParaRPr lang="en-US" dirty="0">
               <a:solidFill>
@@ -2862,7 +2862,7 @@
                 </a:solidFill>
               </a:rPr>
               <a:pPr/>
-              <a:t>2/9/2017</a:t>
+              <a:t>2/10/2017</a:t>
             </a:fld>
             <a:endParaRPr lang="en-US" dirty="0">
               <a:solidFill>
@@ -3072,7 +3072,7 @@
                 </a:solidFill>
               </a:rPr>
               <a:pPr/>
-              <a:t>2/9/2017</a:t>
+              <a:t>2/10/2017</a:t>
             </a:fld>
             <a:endParaRPr lang="en-US" dirty="0">
               <a:solidFill>
@@ -3282,7 +3282,7 @@
                 </a:solidFill>
               </a:rPr>
               <a:pPr/>
-              <a:t>2/9/2017</a:t>
+              <a:t>2/10/2017</a:t>
             </a:fld>
             <a:endParaRPr lang="en-US" dirty="0">
               <a:solidFill>
@@ -3456,7 +3456,7 @@
           <a:p>
             <a:fld id="{B079C3B8-7366-4A44-A34B-3977080C19E7}" type="datetime1">
               <a:rPr lang="en-US" smtClean="0"/>
-              <a:t>2/9/2017</a:t>
+              <a:t>2/10/2017</a:t>
             </a:fld>
             <a:endParaRPr lang="en-US" dirty="0"/>
           </a:p>
@@ -3677,7 +3677,7 @@
                 </a:solidFill>
               </a:rPr>
               <a:pPr/>
-              <a:t>2/9/2017</a:t>
+              <a:t>2/10/2017</a:t>
             </a:fld>
             <a:endParaRPr lang="en-US" dirty="0">
               <a:solidFill>
@@ -3983,7 +3983,7 @@
                 <a:tabLst/>
                 <a:defRPr/>
               </a:pPr>
-              <a:t>2/9/2017</a:t>
+              <a:t>2/10/2017</a:t>
             </a:fld>
             <a:endParaRPr kumimoji="0" lang="en-US" sz="1800" b="0" i="0" u="none" strike="noStrike" kern="0" cap="none" spc="0" normalizeH="0" baseline="0" noProof="0" dirty="0">
               <a:ln>
@@ -4213,7 +4213,7 @@
                 </a:solidFill>
               </a:rPr>
               <a:pPr/>
-              <a:t>2/9/2017</a:t>
+              <a:t>2/10/2017</a:t>
             </a:fld>
             <a:endParaRPr lang="en-US" dirty="0">
               <a:solidFill>
@@ -4454,7 +4454,7 @@
                 </a:solidFill>
               </a:rPr>
               <a:pPr/>
-              <a:t>2/9/2017</a:t>
+              <a:t>2/10/2017</a:t>
             </a:fld>
             <a:endParaRPr lang="en-US" dirty="0">
               <a:solidFill>
@@ -4664,7 +4664,7 @@
                 </a:solidFill>
               </a:rPr>
               <a:pPr/>
-              <a:t>2/9/2017</a:t>
+              <a:t>2/10/2017</a:t>
             </a:fld>
             <a:endParaRPr lang="en-US" dirty="0">
               <a:solidFill>
@@ -4874,7 +4874,7 @@
                 </a:solidFill>
               </a:rPr>
               <a:pPr/>
-              <a:t>2/9/2017</a:t>
+              <a:t>2/10/2017</a:t>
             </a:fld>
             <a:endParaRPr lang="en-US" dirty="0">
               <a:solidFill>
@@ -5084,7 +5084,7 @@
                 </a:solidFill>
               </a:rPr>
               <a:pPr/>
-              <a:t>2/9/2017</a:t>
+              <a:t>2/10/2017</a:t>
             </a:fld>
             <a:endParaRPr lang="en-US" dirty="0">
               <a:solidFill>
@@ -5294,7 +5294,7 @@
                 </a:solidFill>
               </a:rPr>
               <a:pPr/>
-              <a:t>2/9/2017</a:t>
+              <a:t>2/10/2017</a:t>
             </a:fld>
             <a:endParaRPr lang="en-US" dirty="0">
               <a:solidFill>
@@ -5504,7 +5504,7 @@
                 </a:solidFill>
               </a:rPr>
               <a:pPr/>
-              <a:t>2/9/2017</a:t>
+              <a:t>2/10/2017</a:t>
             </a:fld>
             <a:endParaRPr lang="en-US" dirty="0">
               <a:solidFill>
@@ -5810,7 +5810,7 @@
                 <a:tabLst/>
                 <a:defRPr/>
               </a:pPr>
-              <a:t>2/9/2017</a:t>
+              <a:t>2/10/2017</a:t>
             </a:fld>
             <a:endParaRPr kumimoji="0" lang="en-US" sz="1800" b="0" i="0" u="none" strike="noStrike" kern="0" cap="none" spc="0" normalizeH="0" baseline="0" noProof="0" dirty="0">
               <a:ln>
@@ -6040,7 +6040,7 @@
                 </a:solidFill>
               </a:rPr>
               <a:pPr/>
-              <a:t>2/9/2017</a:t>
+              <a:t>2/10/2017</a:t>
             </a:fld>
             <a:endParaRPr lang="en-US" dirty="0">
               <a:solidFill>
@@ -6250,7 +6250,7 @@
                 </a:solidFill>
               </a:rPr>
               <a:pPr/>
-              <a:t>2/9/2017</a:t>
+              <a:t>2/10/2017</a:t>
             </a:fld>
             <a:endParaRPr lang="en-US" dirty="0">
               <a:solidFill>
@@ -6491,7 +6491,7 @@
                 </a:solidFill>
               </a:rPr>
               <a:pPr/>
-              <a:t>2/9/2017</a:t>
+              <a:t>2/10/2017</a:t>
             </a:fld>
             <a:endParaRPr lang="en-US" dirty="0">
               <a:solidFill>
@@ -6670,7 +6670,7 @@
                 </a:solidFill>
               </a:rPr>
               <a:pPr/>
-              <a:t>2/9/2017</a:t>
+              <a:t>2/10/2017</a:t>
             </a:fld>
             <a:endParaRPr lang="en-US" dirty="0">
               <a:solidFill>
@@ -6911,7 +6911,7 @@
                 </a:solidFill>
               </a:rPr>
               <a:pPr/>
-              <a:t>2/9/2017</a:t>
+              <a:t>2/10/2017</a:t>
             </a:fld>
             <a:endParaRPr lang="en-US" dirty="0">
               <a:solidFill>
@@ -7121,7 +7121,7 @@
                 </a:solidFill>
               </a:rPr>
               <a:pPr/>
-              <a:t>2/9/2017</a:t>
+              <a:t>2/10/2017</a:t>
             </a:fld>
             <a:endParaRPr lang="en-US" dirty="0">
               <a:solidFill>
@@ -7300,7 +7300,7 @@
                 </a:solidFill>
               </a:rPr>
               <a:pPr/>
-              <a:t>2/9/2017</a:t>
+              <a:t>2/10/2017</a:t>
             </a:fld>
             <a:endParaRPr lang="en-US" dirty="0">
               <a:solidFill>
@@ -7541,7 +7541,7 @@
                 </a:solidFill>
               </a:rPr>
               <a:pPr/>
-              <a:t>2/9/2017</a:t>
+              <a:t>2/10/2017</a:t>
             </a:fld>
             <a:endParaRPr lang="en-US" dirty="0">
               <a:solidFill>
@@ -7751,7 +7751,7 @@
                 </a:solidFill>
               </a:rPr>
               <a:pPr/>
-              <a:t>2/9/2017</a:t>
+              <a:t>2/10/2017</a:t>
             </a:fld>
             <a:endParaRPr lang="en-US" dirty="0">
               <a:solidFill>
@@ -7961,7 +7961,7 @@
                 </a:solidFill>
               </a:rPr>
               <a:pPr/>
-              <a:t>2/9/2017</a:t>
+              <a:t>2/10/2017</a:t>
             </a:fld>
             <a:endParaRPr lang="en-US" dirty="0">
               <a:solidFill>
@@ -8140,7 +8140,7 @@
                 </a:solidFill>
               </a:rPr>
               <a:pPr/>
-              <a:t>2/9/2017</a:t>
+              <a:t>2/10/2017</a:t>
             </a:fld>
             <a:endParaRPr lang="en-US" dirty="0">
               <a:solidFill>
@@ -8381,7 +8381,7 @@
                 </a:solidFill>
               </a:rPr>
               <a:pPr/>
-              <a:t>2/9/2017</a:t>
+              <a:t>2/10/2017</a:t>
             </a:fld>
             <a:endParaRPr lang="en-US" dirty="0">
               <a:solidFill>
@@ -8591,7 +8591,7 @@
                 </a:solidFill>
               </a:rPr>
               <a:pPr/>
-              <a:t>2/9/2017</a:t>
+              <a:t>2/10/2017</a:t>
             </a:fld>
             <a:endParaRPr lang="en-US" dirty="0">
               <a:solidFill>
@@ -8770,7 +8770,7 @@
                 </a:solidFill>
               </a:rPr>
               <a:pPr/>
-              <a:t>2/9/2017</a:t>
+              <a:t>2/10/2017</a:t>
             </a:fld>
             <a:endParaRPr lang="en-US" dirty="0">
               <a:solidFill>
@@ -9011,7 +9011,7 @@
                 </a:solidFill>
               </a:rPr>
               <a:pPr/>
-              <a:t>2/9/2017</a:t>
+              <a:t>2/10/2017</a:t>
             </a:fld>
             <a:endParaRPr lang="en-US" dirty="0">
               <a:solidFill>
@@ -9190,7 +9190,7 @@
                 </a:solidFill>
               </a:rPr>
               <a:pPr/>
-              <a:t>2/9/2017</a:t>
+              <a:t>2/10/2017</a:t>
             </a:fld>
             <a:endParaRPr lang="en-US" dirty="0">
               <a:solidFill>
@@ -9431,7 +9431,7 @@
                 </a:solidFill>
               </a:rPr>
               <a:pPr/>
-              <a:t>2/9/2017</a:t>
+              <a:t>2/10/2017</a:t>
             </a:fld>
             <a:endParaRPr lang="en-US" dirty="0">
               <a:solidFill>
@@ -9641,7 +9641,7 @@
                 </a:solidFill>
               </a:rPr>
               <a:pPr/>
-              <a:t>2/9/2017</a:t>
+              <a:t>2/10/2017</a:t>
             </a:fld>
             <a:endParaRPr lang="en-US" dirty="0">
               <a:solidFill>
@@ -9851,7 +9851,7 @@
                 </a:solidFill>
               </a:rPr>
               <a:pPr/>
-              <a:t>2/9/2017</a:t>
+              <a:t>2/10/2017</a:t>
             </a:fld>
             <a:endParaRPr lang="en-US" dirty="0">
               <a:solidFill>
@@ -10061,7 +10061,7 @@
                 </a:solidFill>
               </a:rPr>
               <a:pPr/>
-              <a:t>2/9/2017</a:t>
+              <a:t>2/10/2017</a:t>
             </a:fld>
             <a:endParaRPr lang="en-US" dirty="0">
               <a:solidFill>
@@ -10271,7 +10271,7 @@
                 </a:solidFill>
               </a:rPr>
               <a:pPr/>
-              <a:t>2/9/2017</a:t>
+              <a:t>2/10/2017</a:t>
             </a:fld>
             <a:endParaRPr lang="en-US" dirty="0">
               <a:solidFill>
@@ -10481,7 +10481,7 @@
                 </a:solidFill>
               </a:rPr>
               <a:pPr/>
-              <a:t>2/9/2017</a:t>
+              <a:t>2/10/2017</a:t>
             </a:fld>
             <a:endParaRPr lang="en-US" dirty="0">
               <a:solidFill>
@@ -10691,7 +10691,7 @@
                 </a:solidFill>
               </a:rPr>
               <a:pPr/>
-              <a:t>2/9/2017</a:t>
+              <a:t>2/10/2017</a:t>
             </a:fld>
             <a:endParaRPr lang="en-US" dirty="0">
               <a:solidFill>
@@ -10901,7 +10901,7 @@
                 </a:solidFill>
               </a:rPr>
               <a:pPr/>
-              <a:t>2/9/2017</a:t>
+              <a:t>2/10/2017</a:t>
             </a:fld>
             <a:endParaRPr lang="en-US" dirty="0">
               <a:solidFill>
@@ -11111,7 +11111,7 @@
                 </a:solidFill>
               </a:rPr>
               <a:pPr/>
-              <a:t>2/9/2017</a:t>
+              <a:t>2/10/2017</a:t>
             </a:fld>
             <a:endParaRPr lang="en-US" dirty="0">
               <a:solidFill>
@@ -11321,7 +11321,7 @@
                 </a:solidFill>
               </a:rPr>
               <a:pPr/>
-              <a:t>2/9/2017</a:t>
+              <a:t>2/10/2017</a:t>
             </a:fld>
             <a:endParaRPr lang="en-US" dirty="0">
               <a:solidFill>
@@ -11531,7 +11531,7 @@
                 </a:solidFill>
               </a:rPr>
               <a:pPr/>
-              <a:t>2/9/2017</a:t>
+              <a:t>2/10/2017</a:t>
             </a:fld>
             <a:endParaRPr lang="en-US" dirty="0">
               <a:solidFill>
@@ -11741,7 +11741,7 @@
                 </a:solidFill>
               </a:rPr>
               <a:pPr/>
-              <a:t>2/9/2017</a:t>
+              <a:t>2/10/2017</a:t>
             </a:fld>
             <a:endParaRPr lang="en-US" dirty="0">
               <a:solidFill>
@@ -28645,7 +28645,7 @@
       </p:sp>
       <p:pic>
         <p:nvPicPr>
-          <p:cNvPr id="12" name="Picture 11"/>
+          <p:cNvPr id="5" name="图片 4"/>
           <p:cNvPicPr>
             <a:picLocks noChangeAspect="1"/>
           </p:cNvPicPr>
@@ -28659,8 +28659,8 @@
         </p:blipFill>
         <p:spPr>
           <a:xfrm>
-            <a:off x="6523037" y="2030412"/>
-            <a:ext cx="5318811" cy="1847850"/>
+            <a:off x="6599237" y="2049462"/>
+            <a:ext cx="3123809" cy="1228571"/>
           </a:xfrm>
           <a:prstGeom prst="rect">
             <a:avLst/>
@@ -32066,7 +32066,7 @@
       </p:sp>
       <p:pic>
         <p:nvPicPr>
-          <p:cNvPr id="12" name="Picture 11"/>
+          <p:cNvPr id="2" name="图片 1"/>
           <p:cNvPicPr>
             <a:picLocks noChangeAspect="1"/>
           </p:cNvPicPr>
@@ -32080,8 +32080,8 @@
         </p:blipFill>
         <p:spPr>
           <a:xfrm>
-            <a:off x="6523037" y="2030412"/>
-            <a:ext cx="5318811" cy="1847850"/>
+            <a:off x="6599237" y="2049462"/>
+            <a:ext cx="3123809" cy="1228571"/>
           </a:xfrm>
           <a:prstGeom prst="rect">
             <a:avLst/>
@@ -34848,6 +34848,21 @@
 </file>
 
 <file path=customXml/item1.xml><?xml version="1.0" encoding="utf-8"?>
+<?mso-contentType ?>
+<FormTemplates xmlns="http://schemas.microsoft.com/sharepoint/v3/contenttype/forms">
+  <Display>DocumentLibraryForm</Display>
+  <Edit>DocumentLibraryForm</Edit>
+  <New>DocumentLibraryForm</New>
+</FormTemplates>
+</file>
+
+<file path=customXml/item2.xml><?xml version="1.0" encoding="utf-8"?>
+<p:properties xmlns:p="http://schemas.microsoft.com/office/2006/metadata/properties" xmlns:xsi="http://www.w3.org/2001/XMLSchema-instance" xmlns:pc="http://schemas.microsoft.com/office/infopath/2007/PartnerControls">
+  <documentManagement/>
+</p:properties>
+</file>
+
+<file path=customXml/item3.xml><?xml version="1.0" encoding="utf-8"?>
 <ct:contentTypeSchema xmlns:ct="http://schemas.microsoft.com/office/2006/metadata/contentType" xmlns:ma="http://schemas.microsoft.com/office/2006/metadata/properties/metaAttributes" ct:_="" ma:_="" ma:contentTypeName="Document" ma:contentTypeID="0x01010053433B08FA9EE742BB667ECEF5AA0226" ma:contentTypeVersion="4" ma:contentTypeDescription="Create a new document." ma:contentTypeScope="" ma:versionID="898350153c3cb7409c9d00c11df4aa1a">
   <xsd:schema xmlns:xsd="http://www.w3.org/2001/XMLSchema" xmlns:xs="http://www.w3.org/2001/XMLSchema" xmlns:p="http://schemas.microsoft.com/office/2006/metadata/properties" xmlns:ns2="09eba053-c572-4474-974d-b0bef0e9174f" targetNamespace="http://schemas.microsoft.com/office/2006/metadata/properties" ma:root="true" ma:fieldsID="f69afda497831ad76ed280df00c0bf48" ns2:_="">
     <xsd:import namespace="09eba053-c572-4474-974d-b0bef0e9174f"/>
@@ -35009,22 +35024,31 @@
 </ct:contentTypeSchema>
 </file>
 
-<file path=customXml/item2.xml><?xml version="1.0" encoding="utf-8"?>
-<?mso-contentType ?>
-<FormTemplates xmlns="http://schemas.microsoft.com/sharepoint/v3/contenttype/forms">
-  <Display>DocumentLibraryForm</Display>
-  <Edit>DocumentLibraryForm</Edit>
-  <New>DocumentLibraryForm</New>
-</FormTemplates>
+<file path=customXml/itemProps1.xml><?xml version="1.0" encoding="utf-8"?>
+<ds:datastoreItem xmlns:ds="http://schemas.openxmlformats.org/officeDocument/2006/customXml" ds:itemID="{41543473-98BF-41A8-AEE8-AF1C274C4DD8}">
+  <ds:schemaRefs>
+    <ds:schemaRef ds:uri="http://schemas.microsoft.com/sharepoint/v3/contenttype/forms"/>
+  </ds:schemaRefs>
+</ds:datastoreItem>
 </file>
 
-<file path=customXml/item3.xml><?xml version="1.0" encoding="utf-8"?>
-<p:properties xmlns:p="http://schemas.microsoft.com/office/2006/metadata/properties" xmlns:xsi="http://www.w3.org/2001/XMLSchema-instance" xmlns:pc="http://schemas.microsoft.com/office/infopath/2007/PartnerControls">
-  <documentManagement/>
-</p:properties>
+<file path=customXml/itemProps2.xml><?xml version="1.0" encoding="utf-8"?>
+<ds:datastoreItem xmlns:ds="http://schemas.openxmlformats.org/officeDocument/2006/customXml" ds:itemID="{479EF7F2-79F0-4950-9137-4016BE64CE46}">
+  <ds:schemaRefs>
+    <ds:schemaRef ds:uri="http://purl.org/dc/elements/1.1/"/>
+    <ds:schemaRef ds:uri="http://schemas.microsoft.com/office/2006/metadata/properties"/>
+    <ds:schemaRef ds:uri="09eba053-c572-4474-974d-b0bef0e9174f"/>
+    <ds:schemaRef ds:uri="http://schemas.microsoft.com/office/2006/documentManagement/types"/>
+    <ds:schemaRef ds:uri="http://purl.org/dc/terms/"/>
+    <ds:schemaRef ds:uri="http://schemas.openxmlformats.org/package/2006/metadata/core-properties"/>
+    <ds:schemaRef ds:uri="http://purl.org/dc/dcmitype/"/>
+    <ds:schemaRef ds:uri="http://schemas.microsoft.com/office/infopath/2007/PartnerControls"/>
+    <ds:schemaRef ds:uri="http://www.w3.org/XML/1998/namespace"/>
+  </ds:schemaRefs>
+</ds:datastoreItem>
 </file>
 
-<file path=customXml/itemProps1.xml><?xml version="1.0" encoding="utf-8"?>
+<file path=customXml/itemProps3.xml><?xml version="1.0" encoding="utf-8"?>
 <ds:datastoreItem xmlns:ds="http://schemas.openxmlformats.org/officeDocument/2006/customXml" ds:itemID="{55F7FE33-E5CA-47B4-B8F6-126891A96CF6}">
   <ds:schemaRefs>
     <ds:schemaRef ds:uri="http://schemas.microsoft.com/office/2006/metadata/contentType"/>
@@ -35040,28 +35064,4 @@
     <ds:schemaRef ds:uri="http://schemas.microsoft.com/internal/obd"/>
   </ds:schemaRefs>
 </ds:datastoreItem>
-</file>
-
-<file path=customXml/itemProps2.xml><?xml version="1.0" encoding="utf-8"?>
-<ds:datastoreItem xmlns:ds="http://schemas.openxmlformats.org/officeDocument/2006/customXml" ds:itemID="{41543473-98BF-41A8-AEE8-AF1C274C4DD8}">
-  <ds:schemaRefs>
-    <ds:schemaRef ds:uri="http://schemas.microsoft.com/sharepoint/v3/contenttype/forms"/>
-  </ds:schemaRefs>
-</ds:datastoreItem>
-</file>
-
-<file path=customXml/itemProps3.xml><?xml version="1.0" encoding="utf-8"?>
-<ds:datastoreItem xmlns:ds="http://schemas.openxmlformats.org/officeDocument/2006/customXml" ds:itemID="{479EF7F2-79F0-4950-9137-4016BE64CE46}">
-  <ds:schemaRefs>
-    <ds:schemaRef ds:uri="http://purl.org/dc/elements/1.1/"/>
-    <ds:schemaRef ds:uri="http://schemas.microsoft.com/office/2006/metadata/properties"/>
-    <ds:schemaRef ds:uri="09eba053-c572-4474-974d-b0bef0e9174f"/>
-    <ds:schemaRef ds:uri="http://schemas.microsoft.com/office/2006/documentManagement/types"/>
-    <ds:schemaRef ds:uri="http://purl.org/dc/terms/"/>
-    <ds:schemaRef ds:uri="http://schemas.openxmlformats.org/package/2006/metadata/core-properties"/>
-    <ds:schemaRef ds:uri="http://purl.org/dc/dcmitype/"/>
-    <ds:schemaRef ds:uri="http://schemas.microsoft.com/office/infopath/2007/PartnerControls"/>
-    <ds:schemaRef ds:uri="http://www.w3.org/XML/1998/namespace"/>
-  </ds:schemaRefs>
-</ds:datastoreItem>
 </file>
--- a/EDU GRAPH-API Demo Script.pptx
+++ b/EDU GRAPH-API Demo Script.pptx
@@ -7,10 +7,10 @@
     <p:sldMasterId id="2147484307" r:id="rId6"/>
   </p:sldMasterIdLst>
   <p:notesMasterIdLst>
-    <p:notesMasterId r:id="rId60"/>
+    <p:notesMasterId r:id="rId59"/>
   </p:notesMasterIdLst>
   <p:handoutMasterIdLst>
-    <p:handoutMasterId r:id="rId61"/>
+    <p:handoutMasterId r:id="rId60"/>
   </p:handoutMasterIdLst>
   <p:sldIdLst>
     <p:sldId id="258" r:id="rId7"/>
@@ -52,20 +52,19 @@
     <p:sldId id="321" r:id="rId43"/>
     <p:sldId id="322" r:id="rId44"/>
     <p:sldId id="323" r:id="rId45"/>
-    <p:sldId id="342" r:id="rId46"/>
-    <p:sldId id="343" r:id="rId47"/>
-    <p:sldId id="349" r:id="rId48"/>
-    <p:sldId id="350" r:id="rId49"/>
-    <p:sldId id="347" r:id="rId50"/>
-    <p:sldId id="348" r:id="rId51"/>
-    <p:sldId id="324" r:id="rId52"/>
-    <p:sldId id="325" r:id="rId53"/>
-    <p:sldId id="326" r:id="rId54"/>
-    <p:sldId id="331" r:id="rId55"/>
-    <p:sldId id="328" r:id="rId56"/>
-    <p:sldId id="329" r:id="rId57"/>
-    <p:sldId id="330" r:id="rId58"/>
-    <p:sldId id="332" r:id="rId59"/>
+    <p:sldId id="356" r:id="rId46"/>
+    <p:sldId id="342" r:id="rId47"/>
+    <p:sldId id="343" r:id="rId48"/>
+    <p:sldId id="347" r:id="rId49"/>
+    <p:sldId id="348" r:id="rId50"/>
+    <p:sldId id="324" r:id="rId51"/>
+    <p:sldId id="325" r:id="rId52"/>
+    <p:sldId id="326" r:id="rId53"/>
+    <p:sldId id="331" r:id="rId54"/>
+    <p:sldId id="328" r:id="rId55"/>
+    <p:sldId id="329" r:id="rId56"/>
+    <p:sldId id="330" r:id="rId57"/>
+    <p:sldId id="332" r:id="rId58"/>
   </p:sldIdLst>
   <p:sldSz cx="12436475" cy="6994525"/>
   <p:notesSz cx="6858000" cy="9144000"/>
@@ -232,14 +231,9 @@
           <p14:sldIdLst>
             <p14:sldId id="322"/>
             <p14:sldId id="323"/>
+            <p14:sldId id="356"/>
             <p14:sldId id="342"/>
             <p14:sldId id="343"/>
-          </p14:sldIdLst>
-        </p14:section>
-        <p14:section name="Teachers/Students" id="{AEBB7434-39FE-44DA-9126-E46760E6BB80}">
-          <p14:sldIdLst>
-            <p14:sldId id="349"/>
-            <p14:sldId id="350"/>
           </p14:sldIdLst>
         </p14:section>
         <p14:section name="Demo Helper" id="{4E7ABD03-156A-423B-8919-765633C8C604}">
@@ -382,7 +376,7 @@
               <a:rPr lang="en-US" smtClean="0">
                 <a:latin typeface="Segoe UI" pitchFamily="34" charset="0"/>
               </a:rPr>
-              <a:t>8/4/2017 9:51 AM</a:t>
+              <a:t>11/23/2017 10:02 AM</a:t>
             </a:fld>
             <a:endParaRPr lang="en-US" dirty="0">
               <a:latin typeface="Segoe UI" pitchFamily="34" charset="0"/>
@@ -665,7 +659,7 @@
           <a:p>
             <a:fld id="{38EEC551-8CDA-4EB6-89BB-2A86C9F091C8}" type="datetime8">
               <a:rPr lang="en-US" smtClean="0"/>
-              <a:t>8/4/2017 9:51 AM</a:t>
+              <a:t>11/23/2017 10:02 AM</a:t>
             </a:fld>
             <a:endParaRPr lang="en-US" dirty="0"/>
           </a:p>
@@ -1029,7 +1023,7 @@
           <a:p>
             <a:fld id="{C6996B83-60CF-42A8-BA06-F99D0BEC30B3}" type="datetime1">
               <a:rPr lang="en-US" smtClean="0"/>
-              <a:t>8/4/2017</a:t>
+              <a:t>11/23/2017</a:t>
             </a:fld>
             <a:endParaRPr lang="en-US" dirty="0"/>
           </a:p>
@@ -1249,7 +1243,7 @@
                 </a:solidFill>
               </a:rPr>
               <a:pPr/>
-              <a:t>8/4/2017</a:t>
+              <a:t>11/23/2017</a:t>
             </a:fld>
             <a:endParaRPr lang="en-US" dirty="0">
               <a:solidFill>
@@ -1459,7 +1453,7 @@
                 </a:solidFill>
               </a:rPr>
               <a:pPr/>
-              <a:t>8/4/2017</a:t>
+              <a:t>11/23/2017</a:t>
             </a:fld>
             <a:endParaRPr lang="en-US" dirty="0">
               <a:solidFill>
@@ -1669,7 +1663,7 @@
                 </a:solidFill>
               </a:rPr>
               <a:pPr/>
-              <a:t>8/4/2017</a:t>
+              <a:t>11/23/2017</a:t>
             </a:fld>
             <a:endParaRPr lang="en-US" dirty="0">
               <a:solidFill>
@@ -1975,7 +1969,7 @@
                 <a:tabLst/>
                 <a:defRPr/>
               </a:pPr>
-              <a:t>8/4/2017</a:t>
+              <a:t>11/23/2017</a:t>
             </a:fld>
             <a:endParaRPr kumimoji="0" lang="en-US" sz="1800" b="0" i="0" u="none" strike="noStrike" kern="0" cap="none" spc="0" normalizeH="0" baseline="0" noProof="0" dirty="0">
               <a:ln>
@@ -2205,7 +2199,7 @@
                 </a:solidFill>
               </a:rPr>
               <a:pPr/>
-              <a:t>8/4/2017</a:t>
+              <a:t>11/23/2017</a:t>
             </a:fld>
             <a:endParaRPr lang="en-US" dirty="0">
               <a:solidFill>
@@ -2446,7 +2440,7 @@
                 </a:solidFill>
               </a:rPr>
               <a:pPr/>
-              <a:t>8/4/2017</a:t>
+              <a:t>11/23/2017</a:t>
             </a:fld>
             <a:endParaRPr lang="en-US" dirty="0">
               <a:solidFill>
@@ -2656,7 +2650,7 @@
                 </a:solidFill>
               </a:rPr>
               <a:pPr/>
-              <a:t>8/4/2017</a:t>
+              <a:t>11/23/2017</a:t>
             </a:fld>
             <a:endParaRPr lang="en-US" dirty="0">
               <a:solidFill>
@@ -2866,7 +2860,7 @@
                 </a:solidFill>
               </a:rPr>
               <a:pPr/>
-              <a:t>8/4/2017</a:t>
+              <a:t>11/23/2017</a:t>
             </a:fld>
             <a:endParaRPr lang="en-US" dirty="0">
               <a:solidFill>
@@ -3076,7 +3070,7 @@
                 </a:solidFill>
               </a:rPr>
               <a:pPr/>
-              <a:t>8/4/2017</a:t>
+              <a:t>11/23/2017</a:t>
             </a:fld>
             <a:endParaRPr lang="en-US" dirty="0">
               <a:solidFill>
@@ -3286,7 +3280,7 @@
                 </a:solidFill>
               </a:rPr>
               <a:pPr/>
-              <a:t>8/4/2017</a:t>
+              <a:t>11/23/2017</a:t>
             </a:fld>
             <a:endParaRPr lang="en-US" dirty="0">
               <a:solidFill>
@@ -3460,7 +3454,7 @@
           <a:p>
             <a:fld id="{B079C3B8-7366-4A44-A34B-3977080C19E7}" type="datetime1">
               <a:rPr lang="en-US" smtClean="0"/>
-              <a:t>8/4/2017</a:t>
+              <a:t>11/23/2017</a:t>
             </a:fld>
             <a:endParaRPr lang="en-US" dirty="0"/>
           </a:p>
@@ -3681,7 +3675,7 @@
                 </a:solidFill>
               </a:rPr>
               <a:pPr/>
-              <a:t>8/4/2017</a:t>
+              <a:t>11/23/2017</a:t>
             </a:fld>
             <a:endParaRPr lang="en-US" dirty="0">
               <a:solidFill>
@@ -3987,7 +3981,7 @@
                 <a:tabLst/>
                 <a:defRPr/>
               </a:pPr>
-              <a:t>8/4/2017</a:t>
+              <a:t>11/23/2017</a:t>
             </a:fld>
             <a:endParaRPr kumimoji="0" lang="en-US" sz="1800" b="0" i="0" u="none" strike="noStrike" kern="0" cap="none" spc="0" normalizeH="0" baseline="0" noProof="0" dirty="0">
               <a:ln>
@@ -4217,7 +4211,7 @@
                 </a:solidFill>
               </a:rPr>
               <a:pPr/>
-              <a:t>8/4/2017</a:t>
+              <a:t>11/23/2017</a:t>
             </a:fld>
             <a:endParaRPr lang="en-US" dirty="0">
               <a:solidFill>
@@ -4458,7 +4452,7 @@
                 </a:solidFill>
               </a:rPr>
               <a:pPr/>
-              <a:t>8/4/2017</a:t>
+              <a:t>11/23/2017</a:t>
             </a:fld>
             <a:endParaRPr lang="en-US" dirty="0">
               <a:solidFill>
@@ -4668,7 +4662,7 @@
                 </a:solidFill>
               </a:rPr>
               <a:pPr/>
-              <a:t>8/4/2017</a:t>
+              <a:t>11/23/2017</a:t>
             </a:fld>
             <a:endParaRPr lang="en-US" dirty="0">
               <a:solidFill>
@@ -4878,7 +4872,7 @@
                 </a:solidFill>
               </a:rPr>
               <a:pPr/>
-              <a:t>8/4/2017</a:t>
+              <a:t>11/23/2017</a:t>
             </a:fld>
             <a:endParaRPr lang="en-US" dirty="0">
               <a:solidFill>
@@ -5088,7 +5082,7 @@
                 </a:solidFill>
               </a:rPr>
               <a:pPr/>
-              <a:t>8/4/2017</a:t>
+              <a:t>11/23/2017</a:t>
             </a:fld>
             <a:endParaRPr lang="en-US" dirty="0">
               <a:solidFill>
@@ -5298,7 +5292,7 @@
                 </a:solidFill>
               </a:rPr>
               <a:pPr/>
-              <a:t>8/4/2017</a:t>
+              <a:t>11/23/2017</a:t>
             </a:fld>
             <a:endParaRPr lang="en-US" dirty="0">
               <a:solidFill>
@@ -5508,7 +5502,7 @@
                 </a:solidFill>
               </a:rPr>
               <a:pPr/>
-              <a:t>8/4/2017</a:t>
+              <a:t>11/23/2017</a:t>
             </a:fld>
             <a:endParaRPr lang="en-US" dirty="0">
               <a:solidFill>
@@ -5814,7 +5808,7 @@
                 <a:tabLst/>
                 <a:defRPr/>
               </a:pPr>
-              <a:t>8/4/2017</a:t>
+              <a:t>11/23/2017</a:t>
             </a:fld>
             <a:endParaRPr kumimoji="0" lang="en-US" sz="1800" b="0" i="0" u="none" strike="noStrike" kern="0" cap="none" spc="0" normalizeH="0" baseline="0" noProof="0" dirty="0">
               <a:ln>
@@ -6044,7 +6038,7 @@
                 </a:solidFill>
               </a:rPr>
               <a:pPr/>
-              <a:t>8/4/2017</a:t>
+              <a:t>11/23/2017</a:t>
             </a:fld>
             <a:endParaRPr lang="en-US" dirty="0">
               <a:solidFill>
@@ -6254,7 +6248,7 @@
                 </a:solidFill>
               </a:rPr>
               <a:pPr/>
-              <a:t>8/4/2017</a:t>
+              <a:t>11/23/2017</a:t>
             </a:fld>
             <a:endParaRPr lang="en-US" dirty="0">
               <a:solidFill>
@@ -6495,7 +6489,7 @@
                 </a:solidFill>
               </a:rPr>
               <a:pPr/>
-              <a:t>8/4/2017</a:t>
+              <a:t>11/23/2017</a:t>
             </a:fld>
             <a:endParaRPr lang="en-US" dirty="0">
               <a:solidFill>
@@ -6674,7 +6668,7 @@
                 </a:solidFill>
               </a:rPr>
               <a:pPr/>
-              <a:t>8/4/2017</a:t>
+              <a:t>11/23/2017</a:t>
             </a:fld>
             <a:endParaRPr lang="en-US" dirty="0">
               <a:solidFill>
@@ -6915,7 +6909,7 @@
                 </a:solidFill>
               </a:rPr>
               <a:pPr/>
-              <a:t>8/4/2017</a:t>
+              <a:t>11/23/2017</a:t>
             </a:fld>
             <a:endParaRPr lang="en-US" dirty="0">
               <a:solidFill>
@@ -7125,7 +7119,7 @@
                 </a:solidFill>
               </a:rPr>
               <a:pPr/>
-              <a:t>8/4/2017</a:t>
+              <a:t>11/23/2017</a:t>
             </a:fld>
             <a:endParaRPr lang="en-US" dirty="0">
               <a:solidFill>
@@ -7304,7 +7298,7 @@
                 </a:solidFill>
               </a:rPr>
               <a:pPr/>
-              <a:t>8/4/2017</a:t>
+              <a:t>11/23/2017</a:t>
             </a:fld>
             <a:endParaRPr lang="en-US" dirty="0">
               <a:solidFill>
@@ -7545,7 +7539,7 @@
                 </a:solidFill>
               </a:rPr>
               <a:pPr/>
-              <a:t>8/4/2017</a:t>
+              <a:t>11/23/2017</a:t>
             </a:fld>
             <a:endParaRPr lang="en-US" dirty="0">
               <a:solidFill>
@@ -7755,7 +7749,7 @@
                 </a:solidFill>
               </a:rPr>
               <a:pPr/>
-              <a:t>8/4/2017</a:t>
+              <a:t>11/23/2017</a:t>
             </a:fld>
             <a:endParaRPr lang="en-US" dirty="0">
               <a:solidFill>
@@ -7800,7 +7794,7 @@
     </p:spTree>
     <p:extLst>
       <p:ext uri="{BB962C8B-B14F-4D97-AF65-F5344CB8AC3E}">
-        <p14:creationId xmlns:p14="http://schemas.microsoft.com/office/powerpoint/2010/main" val="3662995644"/>
+        <p14:creationId xmlns:p14="http://schemas.microsoft.com/office/powerpoint/2010/main" val="1119002506"/>
       </p:ext>
     </p:extLst>
   </p:cSld>
@@ -7965,7 +7959,7 @@
                 </a:solidFill>
               </a:rPr>
               <a:pPr/>
-              <a:t>8/4/2017</a:t>
+              <a:t>11/23/2017</a:t>
             </a:fld>
             <a:endParaRPr lang="en-US" dirty="0">
               <a:solidFill>
@@ -8010,7 +8004,7 @@
     </p:spTree>
     <p:extLst>
       <p:ext uri="{BB962C8B-B14F-4D97-AF65-F5344CB8AC3E}">
-        <p14:creationId xmlns:p14="http://schemas.microsoft.com/office/powerpoint/2010/main" val="2906120500"/>
+        <p14:creationId xmlns:p14="http://schemas.microsoft.com/office/powerpoint/2010/main" val="3662995644"/>
       </p:ext>
     </p:extLst>
   </p:cSld>
@@ -8070,12 +8064,43 @@
       </p:sp>
       <p:sp>
         <p:nvSpPr>
-          <p:cNvPr id="4" name="Footer Placeholder 3"/>
-          <p:cNvSpPr>
-            <a:spLocks noGrp="1"/>
-          </p:cNvSpPr>
-          <p:nvPr>
-            <p:ph type="ftr" sz="quarter" idx="10"/>
+          <p:cNvPr id="4" name="Header Placeholder 3"/>
+          <p:cNvSpPr>
+            <a:spLocks noGrp="1"/>
+          </p:cNvSpPr>
+          <p:nvPr>
+            <p:ph type="hdr" sz="quarter" idx="10"/>
+          </p:nvPr>
+        </p:nvSpPr>
+        <p:spPr/>
+        <p:txBody>
+          <a:bodyPr/>
+          <a:lstStyle/>
+          <a:p>
+            <a:r>
+              <a:rPr lang="en-US">
+                <a:solidFill>
+                  <a:prstClr val="black"/>
+                </a:solidFill>
+              </a:rPr>
+              <a:t>Build 2014</a:t>
+            </a:r>
+            <a:endParaRPr lang="en-US" dirty="0">
+              <a:solidFill>
+                <a:prstClr val="black"/>
+              </a:solidFill>
+            </a:endParaRPr>
+          </a:p>
+        </p:txBody>
+      </p:sp>
+      <p:sp>
+        <p:nvSpPr>
+          <p:cNvPr id="5" name="Footer Placeholder 4"/>
+          <p:cNvSpPr>
+            <a:spLocks noGrp="1"/>
+          </p:cNvSpPr>
+          <p:nvPr>
+            <p:ph type="ftr" sz="quarter" idx="11"/>
           </p:nvPr>
         </p:nvSpPr>
         <p:spPr/>
@@ -8124,27 +8149,27 @@
       </p:sp>
       <p:sp>
         <p:nvSpPr>
-          <p:cNvPr id="5" name="Date Placeholder 4"/>
-          <p:cNvSpPr>
-            <a:spLocks noGrp="1"/>
-          </p:cNvSpPr>
-          <p:nvPr>
-            <p:ph type="dt" idx="11"/>
-          </p:nvPr>
-        </p:nvSpPr>
-        <p:spPr/>
-        <p:txBody>
-          <a:bodyPr/>
-          <a:lstStyle/>
-          <a:p>
-            <a:fld id="{FCF63DAE-D37E-4C44-BD81-0E251F1BE300}" type="datetime1">
+          <p:cNvPr id="6" name="Date Placeholder 5"/>
+          <p:cNvSpPr>
+            <a:spLocks noGrp="1"/>
+          </p:cNvSpPr>
+          <p:nvPr>
+            <p:ph type="dt" idx="12"/>
+          </p:nvPr>
+        </p:nvSpPr>
+        <p:spPr/>
+        <p:txBody>
+          <a:bodyPr/>
+          <a:lstStyle/>
+          <a:p>
+            <a:fld id="{9F00D60D-1703-4D24-8308-FEE06A50A69C}" type="datetime1">
               <a:rPr lang="en-US" smtClean="0">
                 <a:solidFill>
                   <a:prstClr val="black"/>
                 </a:solidFill>
               </a:rPr>
               <a:pPr/>
-              <a:t>8/4/2017</a:t>
+              <a:t>11/23/2017</a:t>
             </a:fld>
             <a:endParaRPr lang="en-US" dirty="0">
               <a:solidFill>
@@ -8156,12 +8181,12 @@
       </p:sp>
       <p:sp>
         <p:nvSpPr>
-          <p:cNvPr id="6" name="Slide Number Placeholder 5"/>
-          <p:cNvSpPr>
-            <a:spLocks noGrp="1"/>
-          </p:cNvSpPr>
-          <p:nvPr>
-            <p:ph type="sldNum" sz="quarter" idx="12"/>
+          <p:cNvPr id="7" name="Slide Number Placeholder 6"/>
+          <p:cNvSpPr>
+            <a:spLocks noGrp="1"/>
+          </p:cNvSpPr>
+          <p:nvPr>
+            <p:ph type="sldNum" sz="quarter" idx="13"/>
           </p:nvPr>
         </p:nvSpPr>
         <p:spPr/>
@@ -8186,41 +8211,10 @@
           </a:p>
         </p:txBody>
       </p:sp>
-      <p:sp>
-        <p:nvSpPr>
-          <p:cNvPr id="7" name="Header Placeholder 6"/>
-          <p:cNvSpPr>
-            <a:spLocks noGrp="1"/>
-          </p:cNvSpPr>
-          <p:nvPr>
-            <p:ph type="hdr" sz="quarter" idx="13"/>
-          </p:nvPr>
-        </p:nvSpPr>
-        <p:spPr/>
-        <p:txBody>
-          <a:bodyPr/>
-          <a:lstStyle/>
-          <a:p>
-            <a:r>
-              <a:rPr lang="en-US">
-                <a:solidFill>
-                  <a:prstClr val="black"/>
-                </a:solidFill>
-              </a:rPr>
-              <a:t>Build 2014</a:t>
-            </a:r>
-            <a:endParaRPr lang="en-US" dirty="0">
-              <a:solidFill>
-                <a:prstClr val="black"/>
-              </a:solidFill>
-            </a:endParaRPr>
-          </a:p>
-        </p:txBody>
-      </p:sp>
     </p:spTree>
     <p:extLst>
       <p:ext uri="{BB962C8B-B14F-4D97-AF65-F5344CB8AC3E}">
-        <p14:creationId xmlns:p14="http://schemas.microsoft.com/office/powerpoint/2010/main" val="472659781"/>
+        <p14:creationId xmlns:p14="http://schemas.microsoft.com/office/powerpoint/2010/main" val="2906120500"/>
       </p:ext>
     </p:extLst>
   </p:cSld>
@@ -8385,7 +8379,7 @@
                 </a:solidFill>
               </a:rPr>
               <a:pPr/>
-              <a:t>8/4/2017</a:t>
+              <a:t>11/23/2017</a:t>
             </a:fld>
             <a:endParaRPr lang="en-US" dirty="0">
               <a:solidFill>
@@ -8490,43 +8484,12 @@
       </p:sp>
       <p:sp>
         <p:nvSpPr>
-          <p:cNvPr id="4" name="Header Placeholder 3"/>
-          <p:cNvSpPr>
-            <a:spLocks noGrp="1"/>
-          </p:cNvSpPr>
-          <p:nvPr>
-            <p:ph type="hdr" sz="quarter" idx="10"/>
-          </p:nvPr>
-        </p:nvSpPr>
-        <p:spPr/>
-        <p:txBody>
-          <a:bodyPr/>
-          <a:lstStyle/>
-          <a:p>
-            <a:r>
-              <a:rPr lang="en-US">
-                <a:solidFill>
-                  <a:prstClr val="black"/>
-                </a:solidFill>
-              </a:rPr>
-              <a:t>Build 2014</a:t>
-            </a:r>
-            <a:endParaRPr lang="en-US" dirty="0">
-              <a:solidFill>
-                <a:prstClr val="black"/>
-              </a:solidFill>
-            </a:endParaRPr>
-          </a:p>
-        </p:txBody>
-      </p:sp>
-      <p:sp>
-        <p:nvSpPr>
-          <p:cNvPr id="5" name="Footer Placeholder 4"/>
-          <p:cNvSpPr>
-            <a:spLocks noGrp="1"/>
-          </p:cNvSpPr>
-          <p:nvPr>
-            <p:ph type="ftr" sz="quarter" idx="11"/>
+          <p:cNvPr id="4" name="Footer Placeholder 3"/>
+          <p:cNvSpPr>
+            <a:spLocks noGrp="1"/>
+          </p:cNvSpPr>
+          <p:nvPr>
+            <p:ph type="ftr" sz="quarter" idx="10"/>
           </p:nvPr>
         </p:nvSpPr>
         <p:spPr/>
@@ -8575,27 +8538,27 @@
       </p:sp>
       <p:sp>
         <p:nvSpPr>
-          <p:cNvPr id="6" name="Date Placeholder 5"/>
-          <p:cNvSpPr>
-            <a:spLocks noGrp="1"/>
-          </p:cNvSpPr>
-          <p:nvPr>
-            <p:ph type="dt" idx="12"/>
-          </p:nvPr>
-        </p:nvSpPr>
-        <p:spPr/>
-        <p:txBody>
-          <a:bodyPr/>
-          <a:lstStyle/>
-          <a:p>
-            <a:fld id="{9F00D60D-1703-4D24-8308-FEE06A50A69C}" type="datetime1">
+          <p:cNvPr id="5" name="Date Placeholder 4"/>
+          <p:cNvSpPr>
+            <a:spLocks noGrp="1"/>
+          </p:cNvSpPr>
+          <p:nvPr>
+            <p:ph type="dt" idx="11"/>
+          </p:nvPr>
+        </p:nvSpPr>
+        <p:spPr/>
+        <p:txBody>
+          <a:bodyPr/>
+          <a:lstStyle/>
+          <a:p>
+            <a:fld id="{FCF63DAE-D37E-4C44-BD81-0E251F1BE300}" type="datetime1">
               <a:rPr lang="en-US" smtClean="0">
                 <a:solidFill>
                   <a:prstClr val="black"/>
                 </a:solidFill>
               </a:rPr>
               <a:pPr/>
-              <a:t>8/4/2017</a:t>
+              <a:t>11/23/2017</a:t>
             </a:fld>
             <a:endParaRPr lang="en-US" dirty="0">
               <a:solidFill>
@@ -8607,12 +8570,12 @@
       </p:sp>
       <p:sp>
         <p:nvSpPr>
-          <p:cNvPr id="7" name="Slide Number Placeholder 6"/>
-          <p:cNvSpPr>
-            <a:spLocks noGrp="1"/>
-          </p:cNvSpPr>
-          <p:nvPr>
-            <p:ph type="sldNum" sz="quarter" idx="13"/>
+          <p:cNvPr id="6" name="Slide Number Placeholder 5"/>
+          <p:cNvSpPr>
+            <a:spLocks noGrp="1"/>
+          </p:cNvSpPr>
+          <p:nvPr>
+            <p:ph type="sldNum" sz="quarter" idx="12"/>
           </p:nvPr>
         </p:nvSpPr>
         <p:spPr/>
@@ -8637,10 +8600,41 @@
           </a:p>
         </p:txBody>
       </p:sp>
+      <p:sp>
+        <p:nvSpPr>
+          <p:cNvPr id="7" name="Header Placeholder 6"/>
+          <p:cNvSpPr>
+            <a:spLocks noGrp="1"/>
+          </p:cNvSpPr>
+          <p:nvPr>
+            <p:ph type="hdr" sz="quarter" idx="13"/>
+          </p:nvPr>
+        </p:nvSpPr>
+        <p:spPr/>
+        <p:txBody>
+          <a:bodyPr/>
+          <a:lstStyle/>
+          <a:p>
+            <a:r>
+              <a:rPr lang="en-US">
+                <a:solidFill>
+                  <a:prstClr val="black"/>
+                </a:solidFill>
+              </a:rPr>
+              <a:t>Build 2014</a:t>
+            </a:r>
+            <a:endParaRPr lang="en-US" dirty="0">
+              <a:solidFill>
+                <a:prstClr val="black"/>
+              </a:solidFill>
+            </a:endParaRPr>
+          </a:p>
+        </p:txBody>
+      </p:sp>
     </p:spTree>
     <p:extLst>
       <p:ext uri="{BB962C8B-B14F-4D97-AF65-F5344CB8AC3E}">
-        <p14:creationId xmlns:p14="http://schemas.microsoft.com/office/powerpoint/2010/main" val="2639183544"/>
+        <p14:creationId xmlns:p14="http://schemas.microsoft.com/office/powerpoint/2010/main" val="585965803"/>
       </p:ext>
     </p:extLst>
   </p:cSld>
@@ -8700,12 +8694,43 @@
       </p:sp>
       <p:sp>
         <p:nvSpPr>
-          <p:cNvPr id="4" name="Footer Placeholder 3"/>
-          <p:cNvSpPr>
-            <a:spLocks noGrp="1"/>
-          </p:cNvSpPr>
-          <p:nvPr>
-            <p:ph type="ftr" sz="quarter" idx="10"/>
+          <p:cNvPr id="4" name="Header Placeholder 3"/>
+          <p:cNvSpPr>
+            <a:spLocks noGrp="1"/>
+          </p:cNvSpPr>
+          <p:nvPr>
+            <p:ph type="hdr" sz="quarter" idx="10"/>
+          </p:nvPr>
+        </p:nvSpPr>
+        <p:spPr/>
+        <p:txBody>
+          <a:bodyPr/>
+          <a:lstStyle/>
+          <a:p>
+            <a:r>
+              <a:rPr lang="en-US">
+                <a:solidFill>
+                  <a:prstClr val="black"/>
+                </a:solidFill>
+              </a:rPr>
+              <a:t>Build 2014</a:t>
+            </a:r>
+            <a:endParaRPr lang="en-US" dirty="0">
+              <a:solidFill>
+                <a:prstClr val="black"/>
+              </a:solidFill>
+            </a:endParaRPr>
+          </a:p>
+        </p:txBody>
+      </p:sp>
+      <p:sp>
+        <p:nvSpPr>
+          <p:cNvPr id="5" name="Footer Placeholder 4"/>
+          <p:cNvSpPr>
+            <a:spLocks noGrp="1"/>
+          </p:cNvSpPr>
+          <p:nvPr>
+            <p:ph type="ftr" sz="quarter" idx="11"/>
           </p:nvPr>
         </p:nvSpPr>
         <p:spPr/>
@@ -8754,27 +8779,27 @@
       </p:sp>
       <p:sp>
         <p:nvSpPr>
-          <p:cNvPr id="5" name="Date Placeholder 4"/>
-          <p:cNvSpPr>
-            <a:spLocks noGrp="1"/>
-          </p:cNvSpPr>
-          <p:nvPr>
-            <p:ph type="dt" idx="11"/>
-          </p:nvPr>
-        </p:nvSpPr>
-        <p:spPr/>
-        <p:txBody>
-          <a:bodyPr/>
-          <a:lstStyle/>
-          <a:p>
-            <a:fld id="{FCF63DAE-D37E-4C44-BD81-0E251F1BE300}" type="datetime1">
+          <p:cNvPr id="6" name="Date Placeholder 5"/>
+          <p:cNvSpPr>
+            <a:spLocks noGrp="1"/>
+          </p:cNvSpPr>
+          <p:nvPr>
+            <p:ph type="dt" idx="12"/>
+          </p:nvPr>
+        </p:nvSpPr>
+        <p:spPr/>
+        <p:txBody>
+          <a:bodyPr/>
+          <a:lstStyle/>
+          <a:p>
+            <a:fld id="{9F00D60D-1703-4D24-8308-FEE06A50A69C}" type="datetime1">
               <a:rPr lang="en-US" smtClean="0">
                 <a:solidFill>
                   <a:prstClr val="black"/>
                 </a:solidFill>
               </a:rPr>
               <a:pPr/>
-              <a:t>8/4/2017</a:t>
+              <a:t>11/23/2017</a:t>
             </a:fld>
             <a:endParaRPr lang="en-US" dirty="0">
               <a:solidFill>
@@ -8786,12 +8811,12 @@
       </p:sp>
       <p:sp>
         <p:nvSpPr>
-          <p:cNvPr id="6" name="Slide Number Placeholder 5"/>
-          <p:cNvSpPr>
-            <a:spLocks noGrp="1"/>
-          </p:cNvSpPr>
-          <p:nvPr>
-            <p:ph type="sldNum" sz="quarter" idx="12"/>
+          <p:cNvPr id="7" name="Slide Number Placeholder 6"/>
+          <p:cNvSpPr>
+            <a:spLocks noGrp="1"/>
+          </p:cNvSpPr>
+          <p:nvPr>
+            <p:ph type="sldNum" sz="quarter" idx="13"/>
           </p:nvPr>
         </p:nvSpPr>
         <p:spPr/>
@@ -8816,41 +8841,10 @@
           </a:p>
         </p:txBody>
       </p:sp>
-      <p:sp>
-        <p:nvSpPr>
-          <p:cNvPr id="7" name="Header Placeholder 6"/>
-          <p:cNvSpPr>
-            <a:spLocks noGrp="1"/>
-          </p:cNvSpPr>
-          <p:nvPr>
-            <p:ph type="hdr" sz="quarter" idx="13"/>
-          </p:nvPr>
-        </p:nvSpPr>
-        <p:spPr/>
-        <p:txBody>
-          <a:bodyPr/>
-          <a:lstStyle/>
-          <a:p>
-            <a:r>
-              <a:rPr lang="en-US">
-                <a:solidFill>
-                  <a:prstClr val="black"/>
-                </a:solidFill>
-              </a:rPr>
-              <a:t>Build 2014</a:t>
-            </a:r>
-            <a:endParaRPr lang="en-US" dirty="0">
-              <a:solidFill>
-                <a:prstClr val="black"/>
-              </a:solidFill>
-            </a:endParaRPr>
-          </a:p>
-        </p:txBody>
-      </p:sp>
     </p:spTree>
     <p:extLst>
       <p:ext uri="{BB962C8B-B14F-4D97-AF65-F5344CB8AC3E}">
-        <p14:creationId xmlns:p14="http://schemas.microsoft.com/office/powerpoint/2010/main" val="585965803"/>
+        <p14:creationId xmlns:p14="http://schemas.microsoft.com/office/powerpoint/2010/main" val="1304618400"/>
       </p:ext>
     </p:extLst>
   </p:cSld>
@@ -8910,43 +8904,12 @@
       </p:sp>
       <p:sp>
         <p:nvSpPr>
-          <p:cNvPr id="4" name="Header Placeholder 3"/>
-          <p:cNvSpPr>
-            <a:spLocks noGrp="1"/>
-          </p:cNvSpPr>
-          <p:nvPr>
-            <p:ph type="hdr" sz="quarter" idx="10"/>
-          </p:nvPr>
-        </p:nvSpPr>
-        <p:spPr/>
-        <p:txBody>
-          <a:bodyPr/>
-          <a:lstStyle/>
-          <a:p>
-            <a:r>
-              <a:rPr lang="en-US">
-                <a:solidFill>
-                  <a:prstClr val="black"/>
-                </a:solidFill>
-              </a:rPr>
-              <a:t>Build 2014</a:t>
-            </a:r>
-            <a:endParaRPr lang="en-US" dirty="0">
-              <a:solidFill>
-                <a:prstClr val="black"/>
-              </a:solidFill>
-            </a:endParaRPr>
-          </a:p>
-        </p:txBody>
-      </p:sp>
-      <p:sp>
-        <p:nvSpPr>
-          <p:cNvPr id="5" name="Footer Placeholder 4"/>
-          <p:cNvSpPr>
-            <a:spLocks noGrp="1"/>
-          </p:cNvSpPr>
-          <p:nvPr>
-            <p:ph type="ftr" sz="quarter" idx="11"/>
+          <p:cNvPr id="4" name="Footer Placeholder 3"/>
+          <p:cNvSpPr>
+            <a:spLocks noGrp="1"/>
+          </p:cNvSpPr>
+          <p:nvPr>
+            <p:ph type="ftr" sz="quarter" idx="10"/>
           </p:nvPr>
         </p:nvSpPr>
         <p:spPr/>
@@ -8995,27 +8958,27 @@
       </p:sp>
       <p:sp>
         <p:nvSpPr>
-          <p:cNvPr id="6" name="Date Placeholder 5"/>
-          <p:cNvSpPr>
-            <a:spLocks noGrp="1"/>
-          </p:cNvSpPr>
-          <p:nvPr>
-            <p:ph type="dt" idx="12"/>
-          </p:nvPr>
-        </p:nvSpPr>
-        <p:spPr/>
-        <p:txBody>
-          <a:bodyPr/>
-          <a:lstStyle/>
-          <a:p>
-            <a:fld id="{9F00D60D-1703-4D24-8308-FEE06A50A69C}" type="datetime1">
+          <p:cNvPr id="5" name="Date Placeholder 4"/>
+          <p:cNvSpPr>
+            <a:spLocks noGrp="1"/>
+          </p:cNvSpPr>
+          <p:nvPr>
+            <p:ph type="dt" idx="11"/>
+          </p:nvPr>
+        </p:nvSpPr>
+        <p:spPr/>
+        <p:txBody>
+          <a:bodyPr/>
+          <a:lstStyle/>
+          <a:p>
+            <a:fld id="{FCF63DAE-D37E-4C44-BD81-0E251F1BE300}" type="datetime1">
               <a:rPr lang="en-US" smtClean="0">
                 <a:solidFill>
                   <a:prstClr val="black"/>
                 </a:solidFill>
               </a:rPr>
               <a:pPr/>
-              <a:t>8/4/2017</a:t>
+              <a:t>11/23/2017</a:t>
             </a:fld>
             <a:endParaRPr lang="en-US" dirty="0">
               <a:solidFill>
@@ -9027,12 +8990,12 @@
       </p:sp>
       <p:sp>
         <p:nvSpPr>
-          <p:cNvPr id="7" name="Slide Number Placeholder 6"/>
-          <p:cNvSpPr>
-            <a:spLocks noGrp="1"/>
-          </p:cNvSpPr>
-          <p:nvPr>
-            <p:ph type="sldNum" sz="quarter" idx="13"/>
+          <p:cNvPr id="6" name="Slide Number Placeholder 5"/>
+          <p:cNvSpPr>
+            <a:spLocks noGrp="1"/>
+          </p:cNvSpPr>
+          <p:nvPr>
+            <p:ph type="sldNum" sz="quarter" idx="12"/>
           </p:nvPr>
         </p:nvSpPr>
         <p:spPr/>
@@ -9057,10 +9020,41 @@
           </a:p>
         </p:txBody>
       </p:sp>
+      <p:sp>
+        <p:nvSpPr>
+          <p:cNvPr id="7" name="Header Placeholder 6"/>
+          <p:cNvSpPr>
+            <a:spLocks noGrp="1"/>
+          </p:cNvSpPr>
+          <p:nvPr>
+            <p:ph type="hdr" sz="quarter" idx="13"/>
+          </p:nvPr>
+        </p:nvSpPr>
+        <p:spPr/>
+        <p:txBody>
+          <a:bodyPr/>
+          <a:lstStyle/>
+          <a:p>
+            <a:r>
+              <a:rPr lang="en-US">
+                <a:solidFill>
+                  <a:prstClr val="black"/>
+                </a:solidFill>
+              </a:rPr>
+              <a:t>Build 2014</a:t>
+            </a:r>
+            <a:endParaRPr lang="en-US" dirty="0">
+              <a:solidFill>
+                <a:prstClr val="black"/>
+              </a:solidFill>
+            </a:endParaRPr>
+          </a:p>
+        </p:txBody>
+      </p:sp>
     </p:spTree>
     <p:extLst>
       <p:ext uri="{BB962C8B-B14F-4D97-AF65-F5344CB8AC3E}">
-        <p14:creationId xmlns:p14="http://schemas.microsoft.com/office/powerpoint/2010/main" val="1304618400"/>
+        <p14:creationId xmlns:p14="http://schemas.microsoft.com/office/powerpoint/2010/main" val="2762037189"/>
       </p:ext>
     </p:extLst>
   </p:cSld>
@@ -9120,12 +9114,43 @@
       </p:sp>
       <p:sp>
         <p:nvSpPr>
-          <p:cNvPr id="4" name="Footer Placeholder 3"/>
-          <p:cNvSpPr>
-            <a:spLocks noGrp="1"/>
-          </p:cNvSpPr>
-          <p:nvPr>
-            <p:ph type="ftr" sz="quarter" idx="10"/>
+          <p:cNvPr id="4" name="Header Placeholder 3"/>
+          <p:cNvSpPr>
+            <a:spLocks noGrp="1"/>
+          </p:cNvSpPr>
+          <p:nvPr>
+            <p:ph type="hdr" sz="quarter" idx="10"/>
+          </p:nvPr>
+        </p:nvSpPr>
+        <p:spPr/>
+        <p:txBody>
+          <a:bodyPr/>
+          <a:lstStyle/>
+          <a:p>
+            <a:r>
+              <a:rPr lang="en-US">
+                <a:solidFill>
+                  <a:prstClr val="black"/>
+                </a:solidFill>
+              </a:rPr>
+              <a:t>Build 2014</a:t>
+            </a:r>
+            <a:endParaRPr lang="en-US" dirty="0">
+              <a:solidFill>
+                <a:prstClr val="black"/>
+              </a:solidFill>
+            </a:endParaRPr>
+          </a:p>
+        </p:txBody>
+      </p:sp>
+      <p:sp>
+        <p:nvSpPr>
+          <p:cNvPr id="5" name="Footer Placeholder 4"/>
+          <p:cNvSpPr>
+            <a:spLocks noGrp="1"/>
+          </p:cNvSpPr>
+          <p:nvPr>
+            <p:ph type="ftr" sz="quarter" idx="11"/>
           </p:nvPr>
         </p:nvSpPr>
         <p:spPr/>
@@ -9174,27 +9199,27 @@
       </p:sp>
       <p:sp>
         <p:nvSpPr>
-          <p:cNvPr id="5" name="Date Placeholder 4"/>
-          <p:cNvSpPr>
-            <a:spLocks noGrp="1"/>
-          </p:cNvSpPr>
-          <p:nvPr>
-            <p:ph type="dt" idx="11"/>
-          </p:nvPr>
-        </p:nvSpPr>
-        <p:spPr/>
-        <p:txBody>
-          <a:bodyPr/>
-          <a:lstStyle/>
-          <a:p>
-            <a:fld id="{FCF63DAE-D37E-4C44-BD81-0E251F1BE300}" type="datetime1">
+          <p:cNvPr id="6" name="Date Placeholder 5"/>
+          <p:cNvSpPr>
+            <a:spLocks noGrp="1"/>
+          </p:cNvSpPr>
+          <p:nvPr>
+            <p:ph type="dt" idx="12"/>
+          </p:nvPr>
+        </p:nvSpPr>
+        <p:spPr/>
+        <p:txBody>
+          <a:bodyPr/>
+          <a:lstStyle/>
+          <a:p>
+            <a:fld id="{9F00D60D-1703-4D24-8308-FEE06A50A69C}" type="datetime1">
               <a:rPr lang="en-US" smtClean="0">
                 <a:solidFill>
                   <a:prstClr val="black"/>
                 </a:solidFill>
               </a:rPr>
               <a:pPr/>
-              <a:t>8/4/2017</a:t>
+              <a:t>11/23/2017</a:t>
             </a:fld>
             <a:endParaRPr lang="en-US" dirty="0">
               <a:solidFill>
@@ -9206,12 +9231,12 @@
       </p:sp>
       <p:sp>
         <p:nvSpPr>
-          <p:cNvPr id="6" name="Slide Number Placeholder 5"/>
-          <p:cNvSpPr>
-            <a:spLocks noGrp="1"/>
-          </p:cNvSpPr>
-          <p:nvPr>
-            <p:ph type="sldNum" sz="quarter" idx="12"/>
+          <p:cNvPr id="7" name="Slide Number Placeholder 6"/>
+          <p:cNvSpPr>
+            <a:spLocks noGrp="1"/>
+          </p:cNvSpPr>
+          <p:nvPr>
+            <p:ph type="sldNum" sz="quarter" idx="13"/>
           </p:nvPr>
         </p:nvSpPr>
         <p:spPr/>
@@ -9236,41 +9261,10 @@
           </a:p>
         </p:txBody>
       </p:sp>
-      <p:sp>
-        <p:nvSpPr>
-          <p:cNvPr id="7" name="Header Placeholder 6"/>
-          <p:cNvSpPr>
-            <a:spLocks noGrp="1"/>
-          </p:cNvSpPr>
-          <p:nvPr>
-            <p:ph type="hdr" sz="quarter" idx="13"/>
-          </p:nvPr>
-        </p:nvSpPr>
-        <p:spPr/>
-        <p:txBody>
-          <a:bodyPr/>
-          <a:lstStyle/>
-          <a:p>
-            <a:r>
-              <a:rPr lang="en-US">
-                <a:solidFill>
-                  <a:prstClr val="black"/>
-                </a:solidFill>
-              </a:rPr>
-              <a:t>Build 2014</a:t>
-            </a:r>
-            <a:endParaRPr lang="en-US" dirty="0">
-              <a:solidFill>
-                <a:prstClr val="black"/>
-              </a:solidFill>
-            </a:endParaRPr>
-          </a:p>
-        </p:txBody>
-      </p:sp>
     </p:spTree>
     <p:extLst>
       <p:ext uri="{BB962C8B-B14F-4D97-AF65-F5344CB8AC3E}">
-        <p14:creationId xmlns:p14="http://schemas.microsoft.com/office/powerpoint/2010/main" val="2762037189"/>
+        <p14:creationId xmlns:p14="http://schemas.microsoft.com/office/powerpoint/2010/main" val="3357644"/>
       </p:ext>
     </p:extLst>
   </p:cSld>
@@ -9435,7 +9429,7 @@
                 </a:solidFill>
               </a:rPr>
               <a:pPr/>
-              <a:t>8/4/2017</a:t>
+              <a:t>11/23/2017</a:t>
             </a:fld>
             <a:endParaRPr lang="en-US" dirty="0">
               <a:solidFill>
@@ -9480,7 +9474,7 @@
     </p:spTree>
     <p:extLst>
       <p:ext uri="{BB962C8B-B14F-4D97-AF65-F5344CB8AC3E}">
-        <p14:creationId xmlns:p14="http://schemas.microsoft.com/office/powerpoint/2010/main" val="3357644"/>
+        <p14:creationId xmlns:p14="http://schemas.microsoft.com/office/powerpoint/2010/main" val="698718609"/>
       </p:ext>
     </p:extLst>
   </p:cSld>
@@ -9645,7 +9639,7 @@
                 </a:solidFill>
               </a:rPr>
               <a:pPr/>
-              <a:t>8/4/2017</a:t>
+              <a:t>11/23/2017</a:t>
             </a:fld>
             <a:endParaRPr lang="en-US" dirty="0">
               <a:solidFill>
@@ -9690,7 +9684,7 @@
     </p:spTree>
     <p:extLst>
       <p:ext uri="{BB962C8B-B14F-4D97-AF65-F5344CB8AC3E}">
-        <p14:creationId xmlns:p14="http://schemas.microsoft.com/office/powerpoint/2010/main" val="698718609"/>
+        <p14:creationId xmlns:p14="http://schemas.microsoft.com/office/powerpoint/2010/main" val="1723905328"/>
       </p:ext>
     </p:extLst>
   </p:cSld>
@@ -9855,7 +9849,7 @@
                 </a:solidFill>
               </a:rPr>
               <a:pPr/>
-              <a:t>8/4/2017</a:t>
+              <a:t>11/23/2017</a:t>
             </a:fld>
             <a:endParaRPr lang="en-US" dirty="0">
               <a:solidFill>
@@ -9900,7 +9894,7 @@
     </p:spTree>
     <p:extLst>
       <p:ext uri="{BB962C8B-B14F-4D97-AF65-F5344CB8AC3E}">
-        <p14:creationId xmlns:p14="http://schemas.microsoft.com/office/powerpoint/2010/main" val="1723905328"/>
+        <p14:creationId xmlns:p14="http://schemas.microsoft.com/office/powerpoint/2010/main" val="2509412685"/>
       </p:ext>
     </p:extLst>
   </p:cSld>
@@ -10065,7 +10059,7 @@
                 </a:solidFill>
               </a:rPr>
               <a:pPr/>
-              <a:t>8/4/2017</a:t>
+              <a:t>11/23/2017</a:t>
             </a:fld>
             <a:endParaRPr lang="en-US" dirty="0">
               <a:solidFill>
@@ -10110,7 +10104,7 @@
     </p:spTree>
     <p:extLst>
       <p:ext uri="{BB962C8B-B14F-4D97-AF65-F5344CB8AC3E}">
-        <p14:creationId xmlns:p14="http://schemas.microsoft.com/office/powerpoint/2010/main" val="2509412685"/>
+        <p14:creationId xmlns:p14="http://schemas.microsoft.com/office/powerpoint/2010/main" val="2047366070"/>
       </p:ext>
     </p:extLst>
   </p:cSld>
@@ -10275,7 +10269,7 @@
                 </a:solidFill>
               </a:rPr>
               <a:pPr/>
-              <a:t>8/4/2017</a:t>
+              <a:t>11/23/2017</a:t>
             </a:fld>
             <a:endParaRPr lang="en-US" dirty="0">
               <a:solidFill>
@@ -10320,7 +10314,7 @@
     </p:spTree>
     <p:extLst>
       <p:ext uri="{BB962C8B-B14F-4D97-AF65-F5344CB8AC3E}">
-        <p14:creationId xmlns:p14="http://schemas.microsoft.com/office/powerpoint/2010/main" val="2047366070"/>
+        <p14:creationId xmlns:p14="http://schemas.microsoft.com/office/powerpoint/2010/main" val="3134217166"/>
       </p:ext>
     </p:extLst>
   </p:cSld>
@@ -10485,7 +10479,7 @@
                 </a:solidFill>
               </a:rPr>
               <a:pPr/>
-              <a:t>8/4/2017</a:t>
+              <a:t>11/23/2017</a:t>
             </a:fld>
             <a:endParaRPr lang="en-US" dirty="0">
               <a:solidFill>
@@ -10530,7 +10524,7 @@
     </p:spTree>
     <p:extLst>
       <p:ext uri="{BB962C8B-B14F-4D97-AF65-F5344CB8AC3E}">
-        <p14:creationId xmlns:p14="http://schemas.microsoft.com/office/powerpoint/2010/main" val="3134217166"/>
+        <p14:creationId xmlns:p14="http://schemas.microsoft.com/office/powerpoint/2010/main" val="1818615962"/>
       </p:ext>
     </p:extLst>
   </p:cSld>
@@ -10695,7 +10689,7 @@
                 </a:solidFill>
               </a:rPr>
               <a:pPr/>
-              <a:t>8/4/2017</a:t>
+              <a:t>11/23/2017</a:t>
             </a:fld>
             <a:endParaRPr lang="en-US" dirty="0">
               <a:solidFill>
@@ -10741,216 +10735,6 @@
     <p:extLst>
       <p:ext uri="{BB962C8B-B14F-4D97-AF65-F5344CB8AC3E}">
         <p14:creationId xmlns:p14="http://schemas.microsoft.com/office/powerpoint/2010/main" val="2953832370"/>
-      </p:ext>
-    </p:extLst>
-  </p:cSld>
-  <p:clrMapOvr>
-    <a:masterClrMapping/>
-  </p:clrMapOvr>
-</p:notes>
-</file>
-
-<file path=ppt/notesSlides/notesSlide50.xml><?xml version="1.0" encoding="utf-8"?>
-<p:notes xmlns:a="http://schemas.openxmlformats.org/drawingml/2006/main" xmlns:r="http://schemas.openxmlformats.org/officeDocument/2006/relationships" xmlns:p="http://schemas.openxmlformats.org/presentationml/2006/main">
-  <p:cSld>
-    <p:spTree>
-      <p:nvGrpSpPr>
-        <p:cNvPr id="1" name=""/>
-        <p:cNvGrpSpPr/>
-        <p:nvPr/>
-      </p:nvGrpSpPr>
-      <p:grpSpPr>
-        <a:xfrm>
-          <a:off x="0" y="0"/>
-          <a:ext cx="0" cy="0"/>
-          <a:chOff x="0" y="0"/>
-          <a:chExt cx="0" cy="0"/>
-        </a:xfrm>
-      </p:grpSpPr>
-      <p:sp>
-        <p:nvSpPr>
-          <p:cNvPr id="2" name="Slide Image Placeholder 1"/>
-          <p:cNvSpPr>
-            <a:spLocks noGrp="1" noRot="1" noChangeAspect="1"/>
-          </p:cNvSpPr>
-          <p:nvPr>
-            <p:ph type="sldImg"/>
-          </p:nvPr>
-        </p:nvSpPr>
-        <p:spPr/>
-      </p:sp>
-      <p:sp>
-        <p:nvSpPr>
-          <p:cNvPr id="3" name="Notes Placeholder 2"/>
-          <p:cNvSpPr>
-            <a:spLocks noGrp="1"/>
-          </p:cNvSpPr>
-          <p:nvPr>
-            <p:ph type="body" idx="1"/>
-          </p:nvPr>
-        </p:nvSpPr>
-        <p:spPr/>
-        <p:txBody>
-          <a:bodyPr/>
-          <a:lstStyle/>
-          <a:p>
-            <a:endParaRPr lang="en-US"/>
-          </a:p>
-        </p:txBody>
-      </p:sp>
-      <p:sp>
-        <p:nvSpPr>
-          <p:cNvPr id="4" name="Header Placeholder 3"/>
-          <p:cNvSpPr>
-            <a:spLocks noGrp="1"/>
-          </p:cNvSpPr>
-          <p:nvPr>
-            <p:ph type="hdr" sz="quarter" idx="10"/>
-          </p:nvPr>
-        </p:nvSpPr>
-        <p:spPr/>
-        <p:txBody>
-          <a:bodyPr/>
-          <a:lstStyle/>
-          <a:p>
-            <a:r>
-              <a:rPr lang="en-US">
-                <a:solidFill>
-                  <a:prstClr val="black"/>
-                </a:solidFill>
-              </a:rPr>
-              <a:t>Build 2014</a:t>
-            </a:r>
-            <a:endParaRPr lang="en-US" dirty="0">
-              <a:solidFill>
-                <a:prstClr val="black"/>
-              </a:solidFill>
-            </a:endParaRPr>
-          </a:p>
-        </p:txBody>
-      </p:sp>
-      <p:sp>
-        <p:nvSpPr>
-          <p:cNvPr id="5" name="Footer Placeholder 4"/>
-          <p:cNvSpPr>
-            <a:spLocks noGrp="1"/>
-          </p:cNvSpPr>
-          <p:nvPr>
-            <p:ph type="ftr" sz="quarter" idx="11"/>
-          </p:nvPr>
-        </p:nvSpPr>
-        <p:spPr/>
-        <p:txBody>
-          <a:bodyPr/>
-          <a:lstStyle/>
-          <a:p>
-            <a:pPr defTabSz="914099" eaLnBrk="0" hangingPunct="0"/>
-            <a:r>
-              <a:rPr lang="en-US" sz="400">
-                <a:gradFill>
-                  <a:gsLst>
-                    <a:gs pos="0">
-                      <a:prstClr val="black"/>
-                    </a:gs>
-                    <a:gs pos="100000">
-                      <a:prstClr val="black"/>
-                    </a:gs>
-                  </a:gsLst>
-                  <a:lin ang="5400000" scaled="0"/>
-                </a:gradFill>
-                <a:latin typeface="Segoe UI" pitchFamily="34" charset="0"/>
-                <a:ea typeface="Segoe UI" pitchFamily="34" charset="0"/>
-                <a:cs typeface="Segoe UI" pitchFamily="34" charset="0"/>
-              </a:rPr>
-              <a:t>© 2014 Microsoft Corporation. All rights reserved. Microsoft, Windows, and other product names are or may be registered trademarks and/or trademarks in the U.S. and/or other countries. The information herein is for informational purposes only and represents the current view of Microsoft Corporation as of the date of this presentation.  Because Microsoft must respond to changing market conditions, it should not be interpreted to be a commitment on the part of Microsoft, and Microsoft cannot guarantee the accuracy of any information provided after the date of this presentation.  MICROSOFT MAKES NO WARRANTIES, EXPRESS, IMPLIED OR STATUTORY, AS TO THE INFORMATION IN THIS PRESENTATION.</a:t>
-            </a:r>
-            <a:endParaRPr lang="en-US" sz="400" dirty="0">
-              <a:gradFill>
-                <a:gsLst>
-                  <a:gs pos="0">
-                    <a:prstClr val="black"/>
-                  </a:gs>
-                  <a:gs pos="100000">
-                    <a:prstClr val="black"/>
-                  </a:gs>
-                </a:gsLst>
-                <a:lin ang="5400000" scaled="0"/>
-              </a:gradFill>
-              <a:latin typeface="Segoe UI" pitchFamily="34" charset="0"/>
-              <a:ea typeface="Segoe UI" pitchFamily="34" charset="0"/>
-              <a:cs typeface="Segoe UI" pitchFamily="34" charset="0"/>
-            </a:endParaRPr>
-          </a:p>
-        </p:txBody>
-      </p:sp>
-      <p:sp>
-        <p:nvSpPr>
-          <p:cNvPr id="6" name="Date Placeholder 5"/>
-          <p:cNvSpPr>
-            <a:spLocks noGrp="1"/>
-          </p:cNvSpPr>
-          <p:nvPr>
-            <p:ph type="dt" idx="12"/>
-          </p:nvPr>
-        </p:nvSpPr>
-        <p:spPr/>
-        <p:txBody>
-          <a:bodyPr/>
-          <a:lstStyle/>
-          <a:p>
-            <a:fld id="{9F00D60D-1703-4D24-8308-FEE06A50A69C}" type="datetime1">
-              <a:rPr lang="en-US" smtClean="0">
-                <a:solidFill>
-                  <a:prstClr val="black"/>
-                </a:solidFill>
-              </a:rPr>
-              <a:pPr/>
-              <a:t>8/4/2017</a:t>
-            </a:fld>
-            <a:endParaRPr lang="en-US" dirty="0">
-              <a:solidFill>
-                <a:prstClr val="black"/>
-              </a:solidFill>
-            </a:endParaRPr>
-          </a:p>
-        </p:txBody>
-      </p:sp>
-      <p:sp>
-        <p:nvSpPr>
-          <p:cNvPr id="7" name="Slide Number Placeholder 6"/>
-          <p:cNvSpPr>
-            <a:spLocks noGrp="1"/>
-          </p:cNvSpPr>
-          <p:nvPr>
-            <p:ph type="sldNum" sz="quarter" idx="13"/>
-          </p:nvPr>
-        </p:nvSpPr>
-        <p:spPr/>
-        <p:txBody>
-          <a:bodyPr/>
-          <a:lstStyle/>
-          <a:p>
-            <a:fld id="{B4008EB6-D09E-4580-8CD6-DDB14511944F}" type="slidenum">
-              <a:rPr lang="en-US" smtClean="0">
-                <a:solidFill>
-                  <a:prstClr val="black"/>
-                </a:solidFill>
-              </a:rPr>
-              <a:pPr/>
-              <a:t>53</a:t>
-            </a:fld>
-            <a:endParaRPr lang="en-US" dirty="0">
-              <a:solidFill>
-                <a:prstClr val="black"/>
-              </a:solidFill>
-            </a:endParaRPr>
-          </a:p>
-        </p:txBody>
-      </p:sp>
-    </p:spTree>
-    <p:extLst>
-      <p:ext uri="{BB962C8B-B14F-4D97-AF65-F5344CB8AC3E}">
-        <p14:creationId xmlns:p14="http://schemas.microsoft.com/office/powerpoint/2010/main" val="1818615962"/>
       </p:ext>
     </p:extLst>
   </p:cSld>
@@ -11115,7 +10899,7 @@
                 </a:solidFill>
               </a:rPr>
               <a:pPr/>
-              <a:t>8/4/2017</a:t>
+              <a:t>11/23/2017</a:t>
             </a:fld>
             <a:endParaRPr lang="en-US" dirty="0">
               <a:solidFill>
@@ -11325,7 +11109,7 @@
                 </a:solidFill>
               </a:rPr>
               <a:pPr/>
-              <a:t>8/4/2017</a:t>
+              <a:t>11/23/2017</a:t>
             </a:fld>
             <a:endParaRPr lang="en-US" dirty="0">
               <a:solidFill>
@@ -11535,7 +11319,7 @@
                 </a:solidFill>
               </a:rPr>
               <a:pPr/>
-              <a:t>8/4/2017</a:t>
+              <a:t>11/23/2017</a:t>
             </a:fld>
             <a:endParaRPr lang="en-US" dirty="0">
               <a:solidFill>
@@ -11745,7 +11529,7 @@
                 </a:solidFill>
               </a:rPr>
               <a:pPr/>
-              <a:t>8/4/2017</a:t>
+              <a:t>11/23/2017</a:t>
             </a:fld>
             <a:endParaRPr lang="en-US" dirty="0">
               <a:solidFill>
@@ -27710,13 +27494,6 @@
           </a:p>
           <a:p>
             <a:r>
-              <a:rPr lang="en-US" altLang="zh-CN" dirty="0"/>
-              <a:t>Teachers/Students</a:t>
-            </a:r>
-            <a:endParaRPr lang="en-US" dirty="0"/>
-          </a:p>
-          <a:p>
-            <a:r>
               <a:rPr lang="en-US" dirty="0"/>
               <a:t>Demo Helper</a:t>
             </a:r>
@@ -27899,7 +27676,13 @@
       </p:sp>
       <p:pic>
         <p:nvPicPr>
-          <p:cNvPr id="4" name="Picture 3"/>
+          <p:cNvPr id="6" name="Picture 5">
+            <a:extLst>
+              <a:ext uri="{FF2B5EF4-FFF2-40B4-BE49-F238E27FC236}">
+                <a16:creationId xmlns:a16="http://schemas.microsoft.com/office/drawing/2014/main" id="{B0A01391-03CF-4ED7-A2A7-F7710AD130A3}"/>
+              </a:ext>
+            </a:extLst>
+          </p:cNvPr>
           <p:cNvPicPr>
             <a:picLocks noChangeAspect="1"/>
           </p:cNvPicPr>
@@ -27913,8 +27696,8 @@
         </p:blipFill>
         <p:spPr>
           <a:xfrm>
-            <a:off x="503237" y="1744662"/>
-            <a:ext cx="4942189" cy="2453958"/>
+            <a:off x="294283" y="1668462"/>
+            <a:ext cx="5009554" cy="1720886"/>
           </a:xfrm>
           <a:prstGeom prst="rect">
             <a:avLst/>
@@ -29831,20 +29614,6 @@
               <a:t> to go to the classes page.</a:t>
             </a:r>
           </a:p>
-          <a:p>
-            <a:r>
-              <a:rPr lang="en-US" sz="2800" dirty="0"/>
-              <a:t>Click </a:t>
-            </a:r>
-            <a:r>
-              <a:rPr lang="en-US" sz="2800" b="1" dirty="0"/>
-              <a:t>Teachers/students</a:t>
-            </a:r>
-            <a:r>
-              <a:rPr lang="en-US" sz="2800" dirty="0"/>
-              <a:t> to show teachers/students of current school.</a:t>
-            </a:r>
-          </a:p>
         </p:txBody>
       </p:sp>
       <p:sp>
@@ -29871,10 +29640,10 @@
       </p:sp>
       <p:pic>
         <p:nvPicPr>
-          <p:cNvPr id="4" name="Picture 3">
+          <p:cNvPr id="5" name="Picture 4">
             <a:extLst>
               <a:ext uri="{FF2B5EF4-FFF2-40B4-BE49-F238E27FC236}">
-                <a16:creationId xmlns:a16="http://schemas.microsoft.com/office/drawing/2014/main" id="{24CE180C-8EA6-41DF-B235-126AFF042241}"/>
+                <a16:creationId xmlns:a16="http://schemas.microsoft.com/office/drawing/2014/main" id="{0AD1B9E5-0679-4BAB-966D-A7716253818D}"/>
               </a:ext>
             </a:extLst>
           </p:cNvPr>
@@ -29891,8 +29660,8 @@
         </p:blipFill>
         <p:spPr>
           <a:xfrm>
-            <a:off x="808037" y="3649662"/>
-            <a:ext cx="9158288" cy="3183111"/>
+            <a:off x="641349" y="3497262"/>
+            <a:ext cx="11153775" cy="2819400"/>
           </a:xfrm>
           <a:prstGeom prst="rect">
             <a:avLst/>
@@ -30229,7 +29998,13 @@
       </p:sp>
       <p:pic>
         <p:nvPicPr>
-          <p:cNvPr id="4" name="Picture 3"/>
+          <p:cNvPr id="5" name="Picture 4">
+            <a:extLst>
+              <a:ext uri="{FF2B5EF4-FFF2-40B4-BE49-F238E27FC236}">
+                <a16:creationId xmlns:a16="http://schemas.microsoft.com/office/drawing/2014/main" id="{00CD81B2-992D-4754-B547-724555D268BE}"/>
+              </a:ext>
+            </a:extLst>
+          </p:cNvPr>
           <p:cNvPicPr>
             <a:picLocks noChangeAspect="1"/>
           </p:cNvPicPr>
@@ -30243,8 +30018,8 @@
         </p:blipFill>
         <p:spPr>
           <a:xfrm>
-            <a:off x="244476" y="1744662"/>
-            <a:ext cx="4407910" cy="2590800"/>
+            <a:off x="274639" y="1750301"/>
+            <a:ext cx="4647729" cy="2415859"/>
           </a:xfrm>
           <a:prstGeom prst="rect">
             <a:avLst/>
@@ -30377,7 +30152,7 @@
         </p:nvSpPr>
         <p:spPr>
           <a:xfrm>
-            <a:off x="4819906" y="2735262"/>
+            <a:off x="4819906" y="3268662"/>
             <a:ext cx="7315203" cy="914400"/>
           </a:xfrm>
         </p:spPr>
@@ -30401,7 +30176,7 @@
             </a:pPr>
             <a:r>
               <a:rPr lang="en-US" dirty="0"/>
-              <a:t>There are 4 tabs containing  students, class documents, conversations and seating chart. </a:t>
+              <a:t>There are 5 tabs containing  students, Assignments, class documents, conversations and seating chart. </a:t>
             </a:r>
           </a:p>
           <a:p>
@@ -30414,6 +30189,16 @@
               <a:t>Click each tab to see detailed information.</a:t>
             </a:r>
           </a:p>
+          <a:p>
+            <a:pPr marL="571500" indent="-571500">
+              <a:buFont typeface="Arial" panose="020B0604020202020204" pitchFamily="34" charset="0"/>
+              <a:buChar char="•"/>
+            </a:pPr>
+            <a:r>
+              <a:rPr lang="en-US" dirty="0"/>
+              <a:t>The owner can add a co-teacher to the class.</a:t>
+            </a:r>
+          </a:p>
         </p:txBody>
       </p:sp>
       <p:sp>
@@ -30440,7 +30225,13 @@
       </p:sp>
       <p:pic>
         <p:nvPicPr>
-          <p:cNvPr id="7" name="Picture 6"/>
+          <p:cNvPr id="4" name="Picture 3">
+            <a:extLst>
+              <a:ext uri="{FF2B5EF4-FFF2-40B4-BE49-F238E27FC236}">
+                <a16:creationId xmlns:a16="http://schemas.microsoft.com/office/drawing/2014/main" id="{2C325DD6-3C75-4E9B-95AB-751F09F19050}"/>
+              </a:ext>
+            </a:extLst>
+          </p:cNvPr>
           <p:cNvPicPr>
             <a:picLocks noChangeAspect="1"/>
           </p:cNvPicPr>
@@ -30454,80 +30245,8 @@
         </p:blipFill>
         <p:spPr>
           <a:xfrm>
-            <a:off x="298905" y="1394743"/>
-            <a:ext cx="4347459" cy="1805021"/>
-          </a:xfrm>
-          <a:prstGeom prst="rect">
-            <a:avLst/>
-          </a:prstGeom>
-        </p:spPr>
-      </p:pic>
-      <p:pic>
-        <p:nvPicPr>
-          <p:cNvPr id="8" name="Picture 7"/>
-          <p:cNvPicPr>
-            <a:picLocks noChangeAspect="1"/>
-          </p:cNvPicPr>
-          <p:nvPr/>
-        </p:nvPicPr>
-        <p:blipFill>
-          <a:blip r:embed="rId4"/>
-          <a:stretch>
-            <a:fillRect/>
-          </a:stretch>
-        </p:blipFill>
-        <p:spPr>
-          <a:xfrm>
-            <a:off x="248830" y="3341225"/>
-            <a:ext cx="4397534" cy="1075282"/>
-          </a:xfrm>
-          <a:prstGeom prst="rect">
-            <a:avLst/>
-          </a:prstGeom>
-        </p:spPr>
-      </p:pic>
-      <p:pic>
-        <p:nvPicPr>
-          <p:cNvPr id="9" name="Picture 8"/>
-          <p:cNvPicPr>
-            <a:picLocks noChangeAspect="1"/>
-          </p:cNvPicPr>
-          <p:nvPr/>
-        </p:nvPicPr>
-        <p:blipFill>
-          <a:blip r:embed="rId5"/>
-          <a:stretch>
-            <a:fillRect/>
-          </a:stretch>
-        </p:blipFill>
-        <p:spPr>
-          <a:xfrm>
-            <a:off x="283982" y="4557331"/>
-            <a:ext cx="4362382" cy="859875"/>
-          </a:xfrm>
-          <a:prstGeom prst="rect">
-            <a:avLst/>
-          </a:prstGeom>
-        </p:spPr>
-      </p:pic>
-      <p:pic>
-        <p:nvPicPr>
-          <p:cNvPr id="10" name="Picture 9"/>
-          <p:cNvPicPr>
-            <a:picLocks noChangeAspect="1"/>
-          </p:cNvPicPr>
-          <p:nvPr/>
-        </p:nvPicPr>
-        <p:blipFill>
-          <a:blip r:embed="rId6"/>
-          <a:stretch>
-            <a:fillRect/>
-          </a:stretch>
-        </p:blipFill>
-        <p:spPr>
-          <a:xfrm>
-            <a:off x="298905" y="5707062"/>
-            <a:ext cx="4371725" cy="1063090"/>
+            <a:off x="229276" y="1212849"/>
+            <a:ext cx="4590630" cy="2595563"/>
           </a:xfrm>
           <a:prstGeom prst="rect">
             <a:avLst/>
@@ -30667,6 +30386,141 @@
         </p:nvSpPr>
         <p:spPr>
           <a:xfrm>
+            <a:off x="427038" y="1439862"/>
+            <a:ext cx="11708072" cy="2057400"/>
+          </a:xfrm>
+        </p:spPr>
+        <p:txBody>
+          <a:bodyPr/>
+          <a:lstStyle/>
+          <a:p>
+            <a:pPr marL="571500" indent="-571500">
+              <a:buFont typeface="Arial" panose="020B0604020202020204" pitchFamily="34" charset="0"/>
+              <a:buChar char="•"/>
+            </a:pPr>
+            <a:r>
+              <a:rPr lang="en-US" dirty="0"/>
+              <a:t>A teacher can add/publish an assignment.</a:t>
+            </a:r>
+          </a:p>
+          <a:p>
+            <a:pPr marL="571500" indent="-571500">
+              <a:buFont typeface="Arial" panose="020B0604020202020204" pitchFamily="34" charset="0"/>
+              <a:buChar char="•"/>
+            </a:pPr>
+            <a:r>
+              <a:rPr lang="en-US" dirty="0"/>
+              <a:t>A student can add resources for an assignment. </a:t>
+            </a:r>
+          </a:p>
+        </p:txBody>
+      </p:sp>
+      <p:sp>
+        <p:nvSpPr>
+          <p:cNvPr id="3" name="Title 2"/>
+          <p:cNvSpPr>
+            <a:spLocks noGrp="1"/>
+          </p:cNvSpPr>
+          <p:nvPr>
+            <p:ph type="title"/>
+          </p:nvPr>
+        </p:nvSpPr>
+        <p:spPr/>
+        <p:txBody>
+          <a:bodyPr/>
+          <a:lstStyle/>
+          <a:p>
+            <a:r>
+              <a:rPr lang="en-US" dirty="0"/>
+              <a:t>Class detail - Assignment</a:t>
+            </a:r>
+          </a:p>
+        </p:txBody>
+      </p:sp>
+      <p:pic>
+        <p:nvPicPr>
+          <p:cNvPr id="5" name="Picture 4">
+            <a:extLst>
+              <a:ext uri="{FF2B5EF4-FFF2-40B4-BE49-F238E27FC236}">
+                <a16:creationId xmlns:a16="http://schemas.microsoft.com/office/drawing/2014/main" id="{34C70B43-773E-4FA2-8D8C-D66BFC1AFCBB}"/>
+              </a:ext>
+            </a:extLst>
+          </p:cNvPr>
+          <p:cNvPicPr>
+            <a:picLocks noChangeAspect="1"/>
+          </p:cNvPicPr>
+          <p:nvPr/>
+        </p:nvPicPr>
+        <p:blipFill>
+          <a:blip r:embed="rId3"/>
+          <a:stretch>
+            <a:fillRect/>
+          </a:stretch>
+        </p:blipFill>
+        <p:spPr>
+          <a:xfrm>
+            <a:off x="1036637" y="3766897"/>
+            <a:ext cx="9672637" cy="3108174"/>
+          </a:xfrm>
+          <a:prstGeom prst="rect">
+            <a:avLst/>
+          </a:prstGeom>
+        </p:spPr>
+      </p:pic>
+    </p:spTree>
+    <p:extLst>
+      <p:ext uri="{BB962C8B-B14F-4D97-AF65-F5344CB8AC3E}">
+        <p14:creationId xmlns:p14="http://schemas.microsoft.com/office/powerpoint/2010/main" val="1346763997"/>
+      </p:ext>
+    </p:extLst>
+  </p:cSld>
+  <p:clrMapOvr>
+    <a:masterClrMapping/>
+  </p:clrMapOvr>
+  <mc:AlternateContent xmlns:mc="http://schemas.openxmlformats.org/markup-compatibility/2006" xmlns:p14="http://schemas.microsoft.com/office/powerpoint/2010/main">
+    <mc:Choice Requires="p14">
+      <p:transition spd="med" p14:dur="700">
+        <p:fade/>
+      </p:transition>
+    </mc:Choice>
+    <mc:Fallback xmlns="">
+      <p:transition spd="med">
+        <p:fade/>
+      </p:transition>
+    </mc:Fallback>
+  </mc:AlternateContent>
+</p:sld>
+</file>
+
+<file path=ppt/slides/slide41.xml><?xml version="1.0" encoding="utf-8"?>
+<p:sld xmlns:a="http://schemas.openxmlformats.org/drawingml/2006/main" xmlns:r="http://schemas.openxmlformats.org/officeDocument/2006/relationships" xmlns:p="http://schemas.openxmlformats.org/presentationml/2006/main">
+  <p:cSld>
+    <p:spTree>
+      <p:nvGrpSpPr>
+        <p:cNvPr id="1" name=""/>
+        <p:cNvGrpSpPr/>
+        <p:nvPr/>
+      </p:nvGrpSpPr>
+      <p:grpSpPr>
+        <a:xfrm>
+          <a:off x="0" y="0"/>
+          <a:ext cx="0" cy="0"/>
+          <a:chOff x="0" y="0"/>
+          <a:chExt cx="0" cy="0"/>
+        </a:xfrm>
+      </p:grpSpPr>
+      <p:sp>
+        <p:nvSpPr>
+          <p:cNvPr id="2" name="Text Placeholder 1"/>
+          <p:cNvSpPr>
+            <a:spLocks noGrp="1"/>
+          </p:cNvSpPr>
+          <p:nvPr>
+            <p:ph type="body" sz="quarter" idx="15"/>
+          </p:nvPr>
+        </p:nvSpPr>
+        <p:spPr>
+          <a:xfrm>
             <a:off x="5108526" y="3532002"/>
             <a:ext cx="7315203" cy="914400"/>
           </a:xfrm>
@@ -30751,7 +30605,7 @@
         </p:blipFill>
         <p:spPr>
           <a:xfrm>
-            <a:off x="553966" y="1529355"/>
+            <a:off x="553966" y="1668462"/>
             <a:ext cx="4554560" cy="1652334"/>
           </a:xfrm>
           <a:prstGeom prst="rect">
@@ -30784,7 +30638,7 @@
 </p:sld>
 </file>
 
-<file path=ppt/slides/slide41.xml><?xml version="1.0" encoding="utf-8"?>
+<file path=ppt/slides/slide42.xml><?xml version="1.0" encoding="utf-8"?>
 <p:sld xmlns:a="http://schemas.openxmlformats.org/drawingml/2006/main" xmlns:r="http://schemas.openxmlformats.org/officeDocument/2006/relationships" xmlns:p="http://schemas.openxmlformats.org/presentationml/2006/main">
   <p:cSld>
     <p:spTree>
@@ -30954,220 +30808,7 @@
 </p:sld>
 </file>
 
-<file path=ppt/slides/slide42.xml><?xml version="1.0" encoding="utf-8"?>
-<p:sld xmlns:a="http://schemas.openxmlformats.org/drawingml/2006/main" xmlns:r="http://schemas.openxmlformats.org/officeDocument/2006/relationships" xmlns:p="http://schemas.openxmlformats.org/presentationml/2006/main">
-  <p:cSld>
-    <p:bg>
-      <p:bgPr>
-        <a:solidFill>
-          <a:schemeClr val="bg2"/>
-        </a:solidFill>
-        <a:effectLst/>
-      </p:bgPr>
-    </p:bg>
-    <p:spTree>
-      <p:nvGrpSpPr>
-        <p:cNvPr id="1" name=""/>
-        <p:cNvGrpSpPr/>
-        <p:nvPr/>
-      </p:nvGrpSpPr>
-      <p:grpSpPr>
-        <a:xfrm>
-          <a:off x="0" y="0"/>
-          <a:ext cx="0" cy="0"/>
-          <a:chOff x="0" y="0"/>
-          <a:chExt cx="0" cy="0"/>
-        </a:xfrm>
-      </p:grpSpPr>
-      <p:sp>
-        <p:nvSpPr>
-          <p:cNvPr id="4" name="Title 3"/>
-          <p:cNvSpPr>
-            <a:spLocks noGrp="1"/>
-          </p:cNvSpPr>
-          <p:nvPr>
-            <p:ph type="title"/>
-          </p:nvPr>
-        </p:nvSpPr>
-        <p:spPr/>
-        <p:txBody>
-          <a:bodyPr/>
-          <a:lstStyle/>
-          <a:p>
-            <a:r>
-              <a:rPr lang="en-US" dirty="0"/>
-              <a:t>Teachers/Students</a:t>
-            </a:r>
-          </a:p>
-        </p:txBody>
-      </p:sp>
-    </p:spTree>
-    <p:extLst>
-      <p:ext uri="{BB962C8B-B14F-4D97-AF65-F5344CB8AC3E}">
-        <p14:creationId xmlns:p14="http://schemas.microsoft.com/office/powerpoint/2010/main" val="2204471322"/>
-      </p:ext>
-    </p:extLst>
-  </p:cSld>
-  <p:clrMapOvr>
-    <a:masterClrMapping/>
-  </p:clrMapOvr>
-  <mc:AlternateContent xmlns:mc="http://schemas.openxmlformats.org/markup-compatibility/2006" xmlns:p14="http://schemas.microsoft.com/office/powerpoint/2010/main">
-    <mc:Choice Requires="p14">
-      <p:transition spd="med" p14:dur="700">
-        <p:fade/>
-      </p:transition>
-    </mc:Choice>
-    <mc:Fallback xmlns="">
-      <p:transition spd="med">
-        <p:fade/>
-      </p:transition>
-    </mc:Fallback>
-  </mc:AlternateContent>
-</p:sld>
-</file>
-
 <file path=ppt/slides/slide43.xml><?xml version="1.0" encoding="utf-8"?>
-<p:sld xmlns:a="http://schemas.openxmlformats.org/drawingml/2006/main" xmlns:r="http://schemas.openxmlformats.org/officeDocument/2006/relationships" xmlns:p="http://schemas.openxmlformats.org/presentationml/2006/main">
-  <p:cSld>
-    <p:spTree>
-      <p:nvGrpSpPr>
-        <p:cNvPr id="1" name=""/>
-        <p:cNvGrpSpPr/>
-        <p:nvPr/>
-      </p:nvGrpSpPr>
-      <p:grpSpPr>
-        <a:xfrm>
-          <a:off x="0" y="0"/>
-          <a:ext cx="0" cy="0"/>
-          <a:chOff x="0" y="0"/>
-          <a:chExt cx="0" cy="0"/>
-        </a:xfrm>
-      </p:grpSpPr>
-      <p:sp>
-        <p:nvSpPr>
-          <p:cNvPr id="2" name="Text Placeholder 1"/>
-          <p:cNvSpPr>
-            <a:spLocks noGrp="1"/>
-          </p:cNvSpPr>
-          <p:nvPr>
-            <p:ph type="body" sz="quarter" idx="10"/>
-          </p:nvPr>
-        </p:nvSpPr>
-        <p:spPr>
-          <a:xfrm>
-            <a:off x="274639" y="1265046"/>
-            <a:ext cx="11887199" cy="2743199"/>
-          </a:xfrm>
-        </p:spPr>
-        <p:txBody>
-          <a:bodyPr/>
-          <a:lstStyle/>
-          <a:p>
-            <a:r>
-              <a:rPr lang="en-US" sz="2800" dirty="0"/>
-              <a:t>Click </a:t>
-            </a:r>
-            <a:r>
-              <a:rPr lang="en-US" sz="2800" b="1" dirty="0"/>
-              <a:t>Teachers/students</a:t>
-            </a:r>
-            <a:r>
-              <a:rPr lang="en-US" sz="2800" dirty="0"/>
-              <a:t>  on all schools page and then go to  all users page.</a:t>
-            </a:r>
-          </a:p>
-          <a:p>
-            <a:r>
-              <a:rPr lang="en-US" sz="2800" dirty="0"/>
-              <a:t>All teachers/students will list here. </a:t>
-            </a:r>
-          </a:p>
-          <a:p>
-            <a:r>
-              <a:rPr lang="en-US" sz="2800" dirty="0"/>
-              <a:t>Click the filter on top right corn to filer teachers/students.</a:t>
-            </a:r>
-          </a:p>
-          <a:p>
-            <a:r>
-              <a:rPr lang="en-US" sz="2800" dirty="0"/>
-              <a:t> teachers/students will be displayed with paginations.</a:t>
-            </a:r>
-          </a:p>
-        </p:txBody>
-      </p:sp>
-      <p:sp>
-        <p:nvSpPr>
-          <p:cNvPr id="3" name="Title 2"/>
-          <p:cNvSpPr>
-            <a:spLocks noGrp="1"/>
-          </p:cNvSpPr>
-          <p:nvPr>
-            <p:ph type="title"/>
-          </p:nvPr>
-        </p:nvSpPr>
-        <p:spPr/>
-        <p:txBody>
-          <a:bodyPr/>
-          <a:lstStyle/>
-          <a:p>
-            <a:r>
-              <a:rPr lang="en-US" dirty="0"/>
-              <a:t>ALL SCHOOLS – Teachers/Students</a:t>
-            </a:r>
-          </a:p>
-        </p:txBody>
-      </p:sp>
-      <p:pic>
-        <p:nvPicPr>
-          <p:cNvPr id="5" name="Picture 4"/>
-          <p:cNvPicPr>
-            <a:picLocks noChangeAspect="1"/>
-          </p:cNvPicPr>
-          <p:nvPr/>
-        </p:nvPicPr>
-        <p:blipFill>
-          <a:blip r:embed="rId3"/>
-          <a:stretch>
-            <a:fillRect/>
-          </a:stretch>
-        </p:blipFill>
-        <p:spPr>
-          <a:xfrm>
-            <a:off x="731837" y="3344862"/>
-            <a:ext cx="6866124" cy="3412645"/>
-          </a:xfrm>
-          <a:prstGeom prst="rect">
-            <a:avLst/>
-          </a:prstGeom>
-        </p:spPr>
-      </p:pic>
-    </p:spTree>
-    <p:extLst>
-      <p:ext uri="{BB962C8B-B14F-4D97-AF65-F5344CB8AC3E}">
-        <p14:creationId xmlns:p14="http://schemas.microsoft.com/office/powerpoint/2010/main" val="3773680944"/>
-      </p:ext>
-    </p:extLst>
-  </p:cSld>
-  <p:clrMapOvr>
-    <a:masterClrMapping/>
-  </p:clrMapOvr>
-  <mc:AlternateContent xmlns:mc="http://schemas.openxmlformats.org/markup-compatibility/2006" xmlns:p14="http://schemas.microsoft.com/office/powerpoint/2010/main">
-    <mc:Choice Requires="p14">
-      <p:transition spd="med" p14:dur="700">
-        <p:fade/>
-      </p:transition>
-    </mc:Choice>
-    <mc:Fallback xmlns="">
-      <p:transition spd="med">
-        <p:fade/>
-      </p:transition>
-    </mc:Fallback>
-  </mc:AlternateContent>
-</p:sld>
-</file>
-
-<file path=ppt/slides/slide44.xml><?xml version="1.0" encoding="utf-8"?>
 <p:sld xmlns:a="http://schemas.openxmlformats.org/drawingml/2006/main" xmlns:r="http://schemas.openxmlformats.org/officeDocument/2006/relationships" xmlns:p="http://schemas.openxmlformats.org/presentationml/2006/main">
   <p:cSld>
     <p:bg>
@@ -31239,7 +30880,7 @@
 </p:sld>
 </file>
 
-<file path=ppt/slides/slide45.xml><?xml version="1.0" encoding="utf-8"?>
+<file path=ppt/slides/slide44.xml><?xml version="1.0" encoding="utf-8"?>
 <p:sld xmlns:a="http://schemas.openxmlformats.org/drawingml/2006/main" xmlns:r="http://schemas.openxmlformats.org/officeDocument/2006/relationships" xmlns:p="http://schemas.openxmlformats.org/presentationml/2006/main">
   <p:cSld>
     <p:spTree>
@@ -31426,7 +31067,7 @@
 </p:sld>
 </file>
 
-<file path=ppt/slides/slide46.xml><?xml version="1.0" encoding="utf-8"?>
+<file path=ppt/slides/slide45.xml><?xml version="1.0" encoding="utf-8"?>
 <p:sld xmlns:a="http://schemas.openxmlformats.org/drawingml/2006/main" xmlns:r="http://schemas.openxmlformats.org/officeDocument/2006/relationships" xmlns:p="http://schemas.openxmlformats.org/presentationml/2006/main">
   <p:cSld>
     <p:bg>
@@ -31498,7 +31139,7 @@
 </p:sld>
 </file>
 
-<file path=ppt/slides/slide47.xml><?xml version="1.0" encoding="utf-8"?>
+<file path=ppt/slides/slide46.xml><?xml version="1.0" encoding="utf-8"?>
 <p:sld xmlns:a="http://schemas.openxmlformats.org/drawingml/2006/main" xmlns:r="http://schemas.openxmlformats.org/officeDocument/2006/relationships" xmlns:p="http://schemas.openxmlformats.org/presentationml/2006/main">
   <p:cSld>
     <p:spTree>
@@ -31670,7 +31311,7 @@
 </p:sld>
 </file>
 
-<file path=ppt/slides/slide48.xml><?xml version="1.0" encoding="utf-8"?>
+<file path=ppt/slides/slide47.xml><?xml version="1.0" encoding="utf-8"?>
 <p:sld xmlns:a="http://schemas.openxmlformats.org/drawingml/2006/main" xmlns:r="http://schemas.openxmlformats.org/officeDocument/2006/relationships" xmlns:p="http://schemas.openxmlformats.org/presentationml/2006/main">
   <p:cSld>
     <p:spTree>
@@ -31827,7 +31468,7 @@
 </p:sld>
 </file>
 
-<file path=ppt/slides/slide49.xml><?xml version="1.0" encoding="utf-8"?>
+<file path=ppt/slides/slide48.xml><?xml version="1.0" encoding="utf-8"?>
 <p:sld xmlns:a="http://schemas.openxmlformats.org/drawingml/2006/main" xmlns:r="http://schemas.openxmlformats.org/officeDocument/2006/relationships" xmlns:p="http://schemas.openxmlformats.org/presentationml/2006/main">
   <p:cSld>
     <p:spTree>
@@ -32003,6 +31644,178 @@
 </p:sld>
 </file>
 
+<file path=ppt/slides/slide49.xml><?xml version="1.0" encoding="utf-8"?>
+<p:sld xmlns:a="http://schemas.openxmlformats.org/drawingml/2006/main" xmlns:r="http://schemas.openxmlformats.org/officeDocument/2006/relationships" xmlns:p="http://schemas.openxmlformats.org/presentationml/2006/main">
+  <p:cSld>
+    <p:spTree>
+      <p:nvGrpSpPr>
+        <p:cNvPr id="1" name=""/>
+        <p:cNvGrpSpPr/>
+        <p:nvPr/>
+      </p:nvGrpSpPr>
+      <p:grpSpPr>
+        <a:xfrm>
+          <a:off x="0" y="0"/>
+          <a:ext cx="0" cy="0"/>
+          <a:chOff x="0" y="0"/>
+          <a:chExt cx="0" cy="0"/>
+        </a:xfrm>
+      </p:grpSpPr>
+      <p:sp>
+        <p:nvSpPr>
+          <p:cNvPr id="3" name="Title 2"/>
+          <p:cNvSpPr>
+            <a:spLocks noGrp="1"/>
+          </p:cNvSpPr>
+          <p:nvPr>
+            <p:ph type="title"/>
+          </p:nvPr>
+        </p:nvSpPr>
+        <p:spPr/>
+        <p:txBody>
+          <a:bodyPr/>
+          <a:lstStyle/>
+          <a:p>
+            <a:r>
+              <a:rPr lang="en-US" dirty="0"/>
+              <a:t>Update AD User Information</a:t>
+            </a:r>
+          </a:p>
+        </p:txBody>
+      </p:sp>
+      <p:sp>
+        <p:nvSpPr>
+          <p:cNvPr id="8" name="Text Placeholder 1"/>
+          <p:cNvSpPr>
+            <a:spLocks noGrp="1"/>
+          </p:cNvSpPr>
+          <p:nvPr>
+            <p:ph type="body" sz="quarter" idx="4294967295"/>
+          </p:nvPr>
+        </p:nvSpPr>
+        <p:spPr>
+          <a:xfrm>
+            <a:off x="122236" y="1212849"/>
+            <a:ext cx="9212801" cy="4985980"/>
+          </a:xfrm>
+          <a:prstGeom prst="rect">
+            <a:avLst/>
+          </a:prstGeom>
+        </p:spPr>
+        <p:txBody>
+          <a:bodyPr/>
+          <a:lstStyle/>
+          <a:p>
+            <a:pPr marL="571500" indent="-571500"/>
+            <a:r>
+              <a:rPr lang="en-US" dirty="0"/>
+              <a:t>Got to </a:t>
+            </a:r>
+            <a:r>
+              <a:rPr lang="en-US" dirty="0">
+                <a:hlinkClick r:id="rId3"/>
+              </a:rPr>
+              <a:t>https://portal.azure.com</a:t>
+            </a:r>
+            <a:r>
+              <a:rPr lang="en-US" dirty="0"/>
+              <a:t> and login with the admin account.</a:t>
+            </a:r>
+          </a:p>
+          <a:p>
+            <a:pPr marL="571500" indent="-571500"/>
+            <a:r>
+              <a:rPr lang="en-US" dirty="0"/>
+              <a:t>Click </a:t>
+            </a:r>
+            <a:r>
+              <a:rPr lang="en-US" b="1" dirty="0"/>
+              <a:t>Azure Active Directory </a:t>
+            </a:r>
+            <a:r>
+              <a:rPr lang="en-US" dirty="0"/>
+              <a:t>icon on left navigation panel. </a:t>
+            </a:r>
+          </a:p>
+          <a:p>
+            <a:r>
+              <a:rPr lang="en-US" dirty="0"/>
+              <a:t>The AD named </a:t>
+            </a:r>
+            <a:r>
+              <a:rPr lang="en-US" b="1" dirty="0"/>
+              <a:t>Canviz EDU</a:t>
+            </a:r>
+            <a:r>
+              <a:rPr lang="en-US" dirty="0"/>
+              <a:t> will show. </a:t>
+            </a:r>
+          </a:p>
+          <a:p>
+            <a:r>
+              <a:rPr lang="en-US" dirty="0"/>
+              <a:t>If the default AD opened is not </a:t>
+            </a:r>
+            <a:r>
+              <a:rPr lang="en-US" b="1" dirty="0"/>
+              <a:t>Canviz EDU</a:t>
+            </a:r>
+            <a:r>
+              <a:rPr lang="en-US" dirty="0"/>
+              <a:t>, switch AD by click user icon on top right corner of the page.</a:t>
+            </a:r>
+          </a:p>
+        </p:txBody>
+      </p:sp>
+      <p:pic>
+        <p:nvPicPr>
+          <p:cNvPr id="4" name="Picture 3"/>
+          <p:cNvPicPr>
+            <a:picLocks noChangeAspect="1"/>
+          </p:cNvPicPr>
+          <p:nvPr/>
+        </p:nvPicPr>
+        <p:blipFill>
+          <a:blip r:embed="rId4"/>
+          <a:stretch>
+            <a:fillRect/>
+          </a:stretch>
+        </p:blipFill>
+        <p:spPr>
+          <a:xfrm>
+            <a:off x="9571037" y="1212849"/>
+            <a:ext cx="2357167" cy="5564461"/>
+          </a:xfrm>
+          <a:prstGeom prst="rect">
+            <a:avLst/>
+          </a:prstGeom>
+        </p:spPr>
+      </p:pic>
+    </p:spTree>
+    <p:extLst>
+      <p:ext uri="{BB962C8B-B14F-4D97-AF65-F5344CB8AC3E}">
+        <p14:creationId xmlns:p14="http://schemas.microsoft.com/office/powerpoint/2010/main" val="1811741265"/>
+      </p:ext>
+    </p:extLst>
+  </p:cSld>
+  <p:clrMapOvr>
+    <a:masterClrMapping/>
+  </p:clrMapOvr>
+  <mc:AlternateContent xmlns:mc="http://schemas.openxmlformats.org/markup-compatibility/2006" xmlns:p14="http://schemas.microsoft.com/office/powerpoint/2010/main">
+    <mc:Choice Requires="p14">
+      <p:transition spd="med" p14:dur="700">
+        <p:fade/>
+      </p:transition>
+    </mc:Choice>
+    <mc:Fallback xmlns="">
+      <p:transition spd="med">
+        <p:fade/>
+      </p:transition>
+    </mc:Fallback>
+  </mc:AlternateContent>
+</p:sld>
+</file>
+
 <file path=ppt/slides/slide5.xml><?xml version="1.0" encoding="utf-8"?>
 <p:sld xmlns:a="http://schemas.openxmlformats.org/drawingml/2006/main" xmlns:r="http://schemas.openxmlformats.org/officeDocument/2006/relationships" xmlns:p="http://schemas.openxmlformats.org/presentationml/2006/main">
   <p:cSld>
@@ -32160,178 +31973,6 @@
       </p:grpSpPr>
       <p:sp>
         <p:nvSpPr>
-          <p:cNvPr id="3" name="Title 2"/>
-          <p:cNvSpPr>
-            <a:spLocks noGrp="1"/>
-          </p:cNvSpPr>
-          <p:nvPr>
-            <p:ph type="title"/>
-          </p:nvPr>
-        </p:nvSpPr>
-        <p:spPr/>
-        <p:txBody>
-          <a:bodyPr/>
-          <a:lstStyle/>
-          <a:p>
-            <a:r>
-              <a:rPr lang="en-US" dirty="0"/>
-              <a:t>Update AD User Information</a:t>
-            </a:r>
-          </a:p>
-        </p:txBody>
-      </p:sp>
-      <p:sp>
-        <p:nvSpPr>
-          <p:cNvPr id="8" name="Text Placeholder 1"/>
-          <p:cNvSpPr>
-            <a:spLocks noGrp="1"/>
-          </p:cNvSpPr>
-          <p:nvPr>
-            <p:ph type="body" sz="quarter" idx="4294967295"/>
-          </p:nvPr>
-        </p:nvSpPr>
-        <p:spPr>
-          <a:xfrm>
-            <a:off x="122236" y="1212849"/>
-            <a:ext cx="9212801" cy="4985980"/>
-          </a:xfrm>
-          <a:prstGeom prst="rect">
-            <a:avLst/>
-          </a:prstGeom>
-        </p:spPr>
-        <p:txBody>
-          <a:bodyPr/>
-          <a:lstStyle/>
-          <a:p>
-            <a:pPr marL="571500" indent="-571500"/>
-            <a:r>
-              <a:rPr lang="en-US" dirty="0"/>
-              <a:t>Got to </a:t>
-            </a:r>
-            <a:r>
-              <a:rPr lang="en-US" dirty="0">
-                <a:hlinkClick r:id="rId3"/>
-              </a:rPr>
-              <a:t>https://portal.azure.com</a:t>
-            </a:r>
-            <a:r>
-              <a:rPr lang="en-US" dirty="0"/>
-              <a:t> and login with the admin account.</a:t>
-            </a:r>
-          </a:p>
-          <a:p>
-            <a:pPr marL="571500" indent="-571500"/>
-            <a:r>
-              <a:rPr lang="en-US" dirty="0"/>
-              <a:t>Click </a:t>
-            </a:r>
-            <a:r>
-              <a:rPr lang="en-US" b="1" dirty="0"/>
-              <a:t>Azure Active Directory </a:t>
-            </a:r>
-            <a:r>
-              <a:rPr lang="en-US" dirty="0"/>
-              <a:t>icon on left navigation panel. </a:t>
-            </a:r>
-          </a:p>
-          <a:p>
-            <a:r>
-              <a:rPr lang="en-US" dirty="0"/>
-              <a:t>The AD named </a:t>
-            </a:r>
-            <a:r>
-              <a:rPr lang="en-US" b="1" dirty="0"/>
-              <a:t>Canviz EDU</a:t>
-            </a:r>
-            <a:r>
-              <a:rPr lang="en-US" dirty="0"/>
-              <a:t> will show. </a:t>
-            </a:r>
-          </a:p>
-          <a:p>
-            <a:r>
-              <a:rPr lang="en-US" dirty="0"/>
-              <a:t>If the default AD opened is not </a:t>
-            </a:r>
-            <a:r>
-              <a:rPr lang="en-US" b="1" dirty="0"/>
-              <a:t>Canviz EDU</a:t>
-            </a:r>
-            <a:r>
-              <a:rPr lang="en-US" dirty="0"/>
-              <a:t>, switch AD by click user icon on top right corner of the page.</a:t>
-            </a:r>
-          </a:p>
-        </p:txBody>
-      </p:sp>
-      <p:pic>
-        <p:nvPicPr>
-          <p:cNvPr id="4" name="Picture 3"/>
-          <p:cNvPicPr>
-            <a:picLocks noChangeAspect="1"/>
-          </p:cNvPicPr>
-          <p:nvPr/>
-        </p:nvPicPr>
-        <p:blipFill>
-          <a:blip r:embed="rId4"/>
-          <a:stretch>
-            <a:fillRect/>
-          </a:stretch>
-        </p:blipFill>
-        <p:spPr>
-          <a:xfrm>
-            <a:off x="9571037" y="1212849"/>
-            <a:ext cx="2357167" cy="5564461"/>
-          </a:xfrm>
-          <a:prstGeom prst="rect">
-            <a:avLst/>
-          </a:prstGeom>
-        </p:spPr>
-      </p:pic>
-    </p:spTree>
-    <p:extLst>
-      <p:ext uri="{BB962C8B-B14F-4D97-AF65-F5344CB8AC3E}">
-        <p14:creationId xmlns:p14="http://schemas.microsoft.com/office/powerpoint/2010/main" val="1811741265"/>
-      </p:ext>
-    </p:extLst>
-  </p:cSld>
-  <p:clrMapOvr>
-    <a:masterClrMapping/>
-  </p:clrMapOvr>
-  <mc:AlternateContent xmlns:mc="http://schemas.openxmlformats.org/markup-compatibility/2006" xmlns:p14="http://schemas.microsoft.com/office/powerpoint/2010/main">
-    <mc:Choice Requires="p14">
-      <p:transition spd="med" p14:dur="700">
-        <p:fade/>
-      </p:transition>
-    </mc:Choice>
-    <mc:Fallback xmlns="">
-      <p:transition spd="med">
-        <p:fade/>
-      </p:transition>
-    </mc:Fallback>
-  </mc:AlternateContent>
-</p:sld>
-</file>
-
-<file path=ppt/slides/slide51.xml><?xml version="1.0" encoding="utf-8"?>
-<p:sld xmlns:a="http://schemas.openxmlformats.org/drawingml/2006/main" xmlns:r="http://schemas.openxmlformats.org/officeDocument/2006/relationships" xmlns:p="http://schemas.openxmlformats.org/presentationml/2006/main">
-  <p:cSld>
-    <p:spTree>
-      <p:nvGrpSpPr>
-        <p:cNvPr id="1" name=""/>
-        <p:cNvGrpSpPr/>
-        <p:nvPr/>
-      </p:nvGrpSpPr>
-      <p:grpSpPr>
-        <a:xfrm>
-          <a:off x="0" y="0"/>
-          <a:ext cx="0" cy="0"/>
-          <a:chOff x="0" y="0"/>
-          <a:chExt cx="0" cy="0"/>
-        </a:xfrm>
-      </p:grpSpPr>
-      <p:sp>
-        <p:nvSpPr>
           <p:cNvPr id="2" name="Text Placeholder 1"/>
           <p:cNvSpPr>
             <a:spLocks noGrp="1"/>
@@ -32440,7 +32081,7 @@
 </p:sld>
 </file>
 
-<file path=ppt/slides/slide52.xml><?xml version="1.0" encoding="utf-8"?>
+<file path=ppt/slides/slide51.xml><?xml version="1.0" encoding="utf-8"?>
 <p:sld xmlns:a="http://schemas.openxmlformats.org/drawingml/2006/main" xmlns:r="http://schemas.openxmlformats.org/officeDocument/2006/relationships" xmlns:p="http://schemas.openxmlformats.org/presentationml/2006/main">
   <p:cSld>
     <p:spTree>
@@ -32709,7 +32350,7 @@
 </p:sld>
 </file>
 
-<file path=ppt/slides/slide53.xml><?xml version="1.0" encoding="utf-8"?>
+<file path=ppt/slides/slide52.xml><?xml version="1.0" encoding="utf-8"?>
 <p:sld xmlns:a="http://schemas.openxmlformats.org/drawingml/2006/main" xmlns:r="http://schemas.openxmlformats.org/officeDocument/2006/relationships" xmlns:p="http://schemas.openxmlformats.org/presentationml/2006/main">
   <p:cSld>
     <p:spTree>
@@ -34912,15 +34553,6 @@
 </file>
 
 <file path=customXml/item1.xml><?xml version="1.0" encoding="utf-8"?>
-<?mso-contentType ?>
-<FormTemplates xmlns="http://schemas.microsoft.com/sharepoint/v3/contenttype/forms">
-  <Display>DocumentLibraryForm</Display>
-  <Edit>DocumentLibraryForm</Edit>
-  <New>DocumentLibraryForm</New>
-</FormTemplates>
-</file>
-
-<file path=customXml/item2.xml><?xml version="1.0" encoding="utf-8"?>
 <ct:contentTypeSchema xmlns:ct="http://schemas.microsoft.com/office/2006/metadata/contentType" xmlns:ma="http://schemas.microsoft.com/office/2006/metadata/properties/metaAttributes" ct:_="" ma:_="" ma:contentTypeName="Document" ma:contentTypeID="0x01010053433B08FA9EE742BB667ECEF5AA0226" ma:contentTypeVersion="4" ma:contentTypeDescription="Create a new document." ma:contentTypeScope="" ma:versionID="898350153c3cb7409c9d00c11df4aa1a">
   <xsd:schema xmlns:xsd="http://www.w3.org/2001/XMLSchema" xmlns:xs="http://www.w3.org/2001/XMLSchema" xmlns:p="http://schemas.microsoft.com/office/2006/metadata/properties" xmlns:ns2="09eba053-c572-4474-974d-b0bef0e9174f" targetNamespace="http://schemas.microsoft.com/office/2006/metadata/properties" ma:root="true" ma:fieldsID="f69afda497831ad76ed280df00c0bf48" ns2:_="">
     <xsd:import namespace="09eba053-c572-4474-974d-b0bef0e9174f"/>
@@ -35082,6 +34714,15 @@
 </ct:contentTypeSchema>
 </file>
 
+<file path=customXml/item2.xml><?xml version="1.0" encoding="utf-8"?>
+<?mso-contentType ?>
+<FormTemplates xmlns="http://schemas.microsoft.com/sharepoint/v3/contenttype/forms">
+  <Display>DocumentLibraryForm</Display>
+  <Edit>DocumentLibraryForm</Edit>
+  <New>DocumentLibraryForm</New>
+</FormTemplates>
+</file>
+
 <file path=customXml/item3.xml><?xml version="1.0" encoding="utf-8"?>
 <p:properties xmlns:p="http://schemas.microsoft.com/office/2006/metadata/properties" xmlns:xsi="http://www.w3.org/2001/XMLSchema-instance" xmlns:pc="http://schemas.microsoft.com/office/infopath/2007/PartnerControls">
   <documentManagement/>
@@ -35089,14 +34730,6 @@
 </file>
 
 <file path=customXml/itemProps1.xml><?xml version="1.0" encoding="utf-8"?>
-<ds:datastoreItem xmlns:ds="http://schemas.openxmlformats.org/officeDocument/2006/customXml" ds:itemID="{41543473-98BF-41A8-AEE8-AF1C274C4DD8}">
-  <ds:schemaRefs>
-    <ds:schemaRef ds:uri="http://schemas.microsoft.com/sharepoint/v3/contenttype/forms"/>
-  </ds:schemaRefs>
-</ds:datastoreItem>
-</file>
-
-<file path=customXml/itemProps2.xml><?xml version="1.0" encoding="utf-8"?>
 <ds:datastoreItem xmlns:ds="http://schemas.openxmlformats.org/officeDocument/2006/customXml" ds:itemID="{55F7FE33-E5CA-47B4-B8F6-126891A96CF6}">
   <ds:schemaRefs>
     <ds:schemaRef ds:uri="http://schemas.microsoft.com/office/2006/metadata/contentType"/>
@@ -35110,6 +34743,14 @@
     <ds:schemaRef ds:uri="http://purl.org/dc/elements/1.1/"/>
     <ds:schemaRef ds:uri="http://purl.org/dc/terms/"/>
     <ds:schemaRef ds:uri="http://schemas.microsoft.com/internal/obd"/>
+  </ds:schemaRefs>
+</ds:datastoreItem>
+</file>
+
+<file path=customXml/itemProps2.xml><?xml version="1.0" encoding="utf-8"?>
+<ds:datastoreItem xmlns:ds="http://schemas.openxmlformats.org/officeDocument/2006/customXml" ds:itemID="{41543473-98BF-41A8-AEE8-AF1C274C4DD8}">
+  <ds:schemaRefs>
+    <ds:schemaRef ds:uri="http://schemas.microsoft.com/sharepoint/v3/contenttype/forms"/>
   </ds:schemaRefs>
 </ds:datastoreItem>
 </file>

--- a/EDU GRAPH-API Demo Script.pptx
+++ b/EDU GRAPH-API Demo Script.pptx
@@ -376,7 +376,7 @@
               <a:rPr lang="en-US" smtClean="0">
                 <a:latin typeface="Segoe UI" pitchFamily="34" charset="0"/>
               </a:rPr>
-              <a:t>11/23/2017 10:02 AM</a:t>
+              <a:t>11/24/2017 12:35 PM</a:t>
             </a:fld>
             <a:endParaRPr lang="en-US" dirty="0">
               <a:latin typeface="Segoe UI" pitchFamily="34" charset="0"/>
@@ -659,7 +659,7 @@
           <a:p>
             <a:fld id="{38EEC551-8CDA-4EB6-89BB-2A86C9F091C8}" type="datetime8">
               <a:rPr lang="en-US" smtClean="0"/>
-              <a:t>11/23/2017 10:02 AM</a:t>
+              <a:t>11/24/2017 12:35 PM</a:t>
             </a:fld>
             <a:endParaRPr lang="en-US" dirty="0"/>
           </a:p>
@@ -1023,7 +1023,7 @@
           <a:p>
             <a:fld id="{C6996B83-60CF-42A8-BA06-F99D0BEC30B3}" type="datetime1">
               <a:rPr lang="en-US" smtClean="0"/>
-              <a:t>11/23/2017</a:t>
+              <a:t>11/24/2017</a:t>
             </a:fld>
             <a:endParaRPr lang="en-US" dirty="0"/>
           </a:p>
@@ -1243,7 +1243,7 @@
                 </a:solidFill>
               </a:rPr>
               <a:pPr/>
-              <a:t>11/23/2017</a:t>
+              <a:t>11/24/2017</a:t>
             </a:fld>
             <a:endParaRPr lang="en-US" dirty="0">
               <a:solidFill>
@@ -1453,7 +1453,7 @@
                 </a:solidFill>
               </a:rPr>
               <a:pPr/>
-              <a:t>11/23/2017</a:t>
+              <a:t>11/24/2017</a:t>
             </a:fld>
             <a:endParaRPr lang="en-US" dirty="0">
               <a:solidFill>
@@ -1663,7 +1663,7 @@
                 </a:solidFill>
               </a:rPr>
               <a:pPr/>
-              <a:t>11/23/2017</a:t>
+              <a:t>11/24/2017</a:t>
             </a:fld>
             <a:endParaRPr lang="en-US" dirty="0">
               <a:solidFill>
@@ -1969,7 +1969,7 @@
                 <a:tabLst/>
                 <a:defRPr/>
               </a:pPr>
-              <a:t>11/23/2017</a:t>
+              <a:t>11/24/2017</a:t>
             </a:fld>
             <a:endParaRPr kumimoji="0" lang="en-US" sz="1800" b="0" i="0" u="none" strike="noStrike" kern="0" cap="none" spc="0" normalizeH="0" baseline="0" noProof="0" dirty="0">
               <a:ln>
@@ -2199,7 +2199,7 @@
                 </a:solidFill>
               </a:rPr>
               <a:pPr/>
-              <a:t>11/23/2017</a:t>
+              <a:t>11/24/2017</a:t>
             </a:fld>
             <a:endParaRPr lang="en-US" dirty="0">
               <a:solidFill>
@@ -2440,7 +2440,7 @@
                 </a:solidFill>
               </a:rPr>
               <a:pPr/>
-              <a:t>11/23/2017</a:t>
+              <a:t>11/24/2017</a:t>
             </a:fld>
             <a:endParaRPr lang="en-US" dirty="0">
               <a:solidFill>
@@ -2650,7 +2650,7 @@
                 </a:solidFill>
               </a:rPr>
               <a:pPr/>
-              <a:t>11/23/2017</a:t>
+              <a:t>11/24/2017</a:t>
             </a:fld>
             <a:endParaRPr lang="en-US" dirty="0">
               <a:solidFill>
@@ -2860,7 +2860,7 @@
                 </a:solidFill>
               </a:rPr>
               <a:pPr/>
-              <a:t>11/23/2017</a:t>
+              <a:t>11/24/2017</a:t>
             </a:fld>
             <a:endParaRPr lang="en-US" dirty="0">
               <a:solidFill>
@@ -3070,7 +3070,7 @@
                 </a:solidFill>
               </a:rPr>
               <a:pPr/>
-              <a:t>11/23/2017</a:t>
+              <a:t>11/24/2017</a:t>
             </a:fld>
             <a:endParaRPr lang="en-US" dirty="0">
               <a:solidFill>
@@ -3280,7 +3280,7 @@
                 </a:solidFill>
               </a:rPr>
               <a:pPr/>
-              <a:t>11/23/2017</a:t>
+              <a:t>11/24/2017</a:t>
             </a:fld>
             <a:endParaRPr lang="en-US" dirty="0">
               <a:solidFill>
@@ -3454,7 +3454,7 @@
           <a:p>
             <a:fld id="{B079C3B8-7366-4A44-A34B-3977080C19E7}" type="datetime1">
               <a:rPr lang="en-US" smtClean="0"/>
-              <a:t>11/23/2017</a:t>
+              <a:t>11/24/2017</a:t>
             </a:fld>
             <a:endParaRPr lang="en-US" dirty="0"/>
           </a:p>
@@ -3675,7 +3675,7 @@
                 </a:solidFill>
               </a:rPr>
               <a:pPr/>
-              <a:t>11/23/2017</a:t>
+              <a:t>11/24/2017</a:t>
             </a:fld>
             <a:endParaRPr lang="en-US" dirty="0">
               <a:solidFill>
@@ -3981,7 +3981,7 @@
                 <a:tabLst/>
                 <a:defRPr/>
               </a:pPr>
-              <a:t>11/23/2017</a:t>
+              <a:t>11/24/2017</a:t>
             </a:fld>
             <a:endParaRPr kumimoji="0" lang="en-US" sz="1800" b="0" i="0" u="none" strike="noStrike" kern="0" cap="none" spc="0" normalizeH="0" baseline="0" noProof="0" dirty="0">
               <a:ln>
@@ -4211,7 +4211,7 @@
                 </a:solidFill>
               </a:rPr>
               <a:pPr/>
-              <a:t>11/23/2017</a:t>
+              <a:t>11/24/2017</a:t>
             </a:fld>
             <a:endParaRPr lang="en-US" dirty="0">
               <a:solidFill>
@@ -4452,7 +4452,7 @@
                 </a:solidFill>
               </a:rPr>
               <a:pPr/>
-              <a:t>11/23/2017</a:t>
+              <a:t>11/24/2017</a:t>
             </a:fld>
             <a:endParaRPr lang="en-US" dirty="0">
               <a:solidFill>
@@ -4662,7 +4662,7 @@
                 </a:solidFill>
               </a:rPr>
               <a:pPr/>
-              <a:t>11/23/2017</a:t>
+              <a:t>11/24/2017</a:t>
             </a:fld>
             <a:endParaRPr lang="en-US" dirty="0">
               <a:solidFill>
@@ -4872,7 +4872,7 @@
                 </a:solidFill>
               </a:rPr>
               <a:pPr/>
-              <a:t>11/23/2017</a:t>
+              <a:t>11/24/2017</a:t>
             </a:fld>
             <a:endParaRPr lang="en-US" dirty="0">
               <a:solidFill>
@@ -5082,7 +5082,7 @@
                 </a:solidFill>
               </a:rPr>
               <a:pPr/>
-              <a:t>11/23/2017</a:t>
+              <a:t>11/24/2017</a:t>
             </a:fld>
             <a:endParaRPr lang="en-US" dirty="0">
               <a:solidFill>
@@ -5292,7 +5292,7 @@
                 </a:solidFill>
               </a:rPr>
               <a:pPr/>
-              <a:t>11/23/2017</a:t>
+              <a:t>11/24/2017</a:t>
             </a:fld>
             <a:endParaRPr lang="en-US" dirty="0">
               <a:solidFill>
@@ -5502,7 +5502,7 @@
                 </a:solidFill>
               </a:rPr>
               <a:pPr/>
-              <a:t>11/23/2017</a:t>
+              <a:t>11/24/2017</a:t>
             </a:fld>
             <a:endParaRPr lang="en-US" dirty="0">
               <a:solidFill>
@@ -5808,7 +5808,7 @@
                 <a:tabLst/>
                 <a:defRPr/>
               </a:pPr>
-              <a:t>11/23/2017</a:t>
+              <a:t>11/24/2017</a:t>
             </a:fld>
             <a:endParaRPr kumimoji="0" lang="en-US" sz="1800" b="0" i="0" u="none" strike="noStrike" kern="0" cap="none" spc="0" normalizeH="0" baseline="0" noProof="0" dirty="0">
               <a:ln>
@@ -6038,7 +6038,7 @@
                 </a:solidFill>
               </a:rPr>
               <a:pPr/>
-              <a:t>11/23/2017</a:t>
+              <a:t>11/24/2017</a:t>
             </a:fld>
             <a:endParaRPr lang="en-US" dirty="0">
               <a:solidFill>
@@ -6248,7 +6248,7 @@
                 </a:solidFill>
               </a:rPr>
               <a:pPr/>
-              <a:t>11/23/2017</a:t>
+              <a:t>11/24/2017</a:t>
             </a:fld>
             <a:endParaRPr lang="en-US" dirty="0">
               <a:solidFill>
@@ -6489,7 +6489,7 @@
                 </a:solidFill>
               </a:rPr>
               <a:pPr/>
-              <a:t>11/23/2017</a:t>
+              <a:t>11/24/2017</a:t>
             </a:fld>
             <a:endParaRPr lang="en-US" dirty="0">
               <a:solidFill>
@@ -6668,7 +6668,7 @@
                 </a:solidFill>
               </a:rPr>
               <a:pPr/>
-              <a:t>11/23/2017</a:t>
+              <a:t>11/24/2017</a:t>
             </a:fld>
             <a:endParaRPr lang="en-US" dirty="0">
               <a:solidFill>
@@ -6909,7 +6909,7 @@
                 </a:solidFill>
               </a:rPr>
               <a:pPr/>
-              <a:t>11/23/2017</a:t>
+              <a:t>11/24/2017</a:t>
             </a:fld>
             <a:endParaRPr lang="en-US" dirty="0">
               <a:solidFill>
@@ -7119,7 +7119,7 @@
                 </a:solidFill>
               </a:rPr>
               <a:pPr/>
-              <a:t>11/23/2017</a:t>
+              <a:t>11/24/2017</a:t>
             </a:fld>
             <a:endParaRPr lang="en-US" dirty="0">
               <a:solidFill>
@@ -7298,7 +7298,7 @@
                 </a:solidFill>
               </a:rPr>
               <a:pPr/>
-              <a:t>11/23/2017</a:t>
+              <a:t>11/24/2017</a:t>
             </a:fld>
             <a:endParaRPr lang="en-US" dirty="0">
               <a:solidFill>
@@ -7539,7 +7539,7 @@
                 </a:solidFill>
               </a:rPr>
               <a:pPr/>
-              <a:t>11/23/2017</a:t>
+              <a:t>11/24/2017</a:t>
             </a:fld>
             <a:endParaRPr lang="en-US" dirty="0">
               <a:solidFill>
@@ -7749,7 +7749,7 @@
                 </a:solidFill>
               </a:rPr>
               <a:pPr/>
-              <a:t>11/23/2017</a:t>
+              <a:t>11/24/2017</a:t>
             </a:fld>
             <a:endParaRPr lang="en-US" dirty="0">
               <a:solidFill>
@@ -7959,7 +7959,7 @@
                 </a:solidFill>
               </a:rPr>
               <a:pPr/>
-              <a:t>11/23/2017</a:t>
+              <a:t>11/24/2017</a:t>
             </a:fld>
             <a:endParaRPr lang="en-US" dirty="0">
               <a:solidFill>
@@ -8169,7 +8169,7 @@
                 </a:solidFill>
               </a:rPr>
               <a:pPr/>
-              <a:t>11/23/2017</a:t>
+              <a:t>11/24/2017</a:t>
             </a:fld>
             <a:endParaRPr lang="en-US" dirty="0">
               <a:solidFill>
@@ -8379,7 +8379,7 @@
                 </a:solidFill>
               </a:rPr>
               <a:pPr/>
-              <a:t>11/23/2017</a:t>
+              <a:t>11/24/2017</a:t>
             </a:fld>
             <a:endParaRPr lang="en-US" dirty="0">
               <a:solidFill>
@@ -8558,7 +8558,7 @@
                 </a:solidFill>
               </a:rPr>
               <a:pPr/>
-              <a:t>11/23/2017</a:t>
+              <a:t>11/24/2017</a:t>
             </a:fld>
             <a:endParaRPr lang="en-US" dirty="0">
               <a:solidFill>
@@ -8799,7 +8799,7 @@
                 </a:solidFill>
               </a:rPr>
               <a:pPr/>
-              <a:t>11/23/2017</a:t>
+              <a:t>11/24/2017</a:t>
             </a:fld>
             <a:endParaRPr lang="en-US" dirty="0">
               <a:solidFill>
@@ -8978,7 +8978,7 @@
                 </a:solidFill>
               </a:rPr>
               <a:pPr/>
-              <a:t>11/23/2017</a:t>
+              <a:t>11/24/2017</a:t>
             </a:fld>
             <a:endParaRPr lang="en-US" dirty="0">
               <a:solidFill>
@@ -9219,7 +9219,7 @@
                 </a:solidFill>
               </a:rPr>
               <a:pPr/>
-              <a:t>11/23/2017</a:t>
+              <a:t>11/24/2017</a:t>
             </a:fld>
             <a:endParaRPr lang="en-US" dirty="0">
               <a:solidFill>
@@ -9429,7 +9429,7 @@
                 </a:solidFill>
               </a:rPr>
               <a:pPr/>
-              <a:t>11/23/2017</a:t>
+              <a:t>11/24/2017</a:t>
             </a:fld>
             <a:endParaRPr lang="en-US" dirty="0">
               <a:solidFill>
@@ -9639,7 +9639,7 @@
                 </a:solidFill>
               </a:rPr>
               <a:pPr/>
-              <a:t>11/23/2017</a:t>
+              <a:t>11/24/2017</a:t>
             </a:fld>
             <a:endParaRPr lang="en-US" dirty="0">
               <a:solidFill>
@@ -9849,7 +9849,7 @@
                 </a:solidFill>
               </a:rPr>
               <a:pPr/>
-              <a:t>11/23/2017</a:t>
+              <a:t>11/24/2017</a:t>
             </a:fld>
             <a:endParaRPr lang="en-US" dirty="0">
               <a:solidFill>
@@ -10059,7 +10059,7 @@
                 </a:solidFill>
               </a:rPr>
               <a:pPr/>
-              <a:t>11/23/2017</a:t>
+              <a:t>11/24/2017</a:t>
             </a:fld>
             <a:endParaRPr lang="en-US" dirty="0">
               <a:solidFill>
@@ -10269,7 +10269,7 @@
                 </a:solidFill>
               </a:rPr>
               <a:pPr/>
-              <a:t>11/23/2017</a:t>
+              <a:t>11/24/2017</a:t>
             </a:fld>
             <a:endParaRPr lang="en-US" dirty="0">
               <a:solidFill>
@@ -10479,7 +10479,7 @@
                 </a:solidFill>
               </a:rPr>
               <a:pPr/>
-              <a:t>11/23/2017</a:t>
+              <a:t>11/24/2017</a:t>
             </a:fld>
             <a:endParaRPr lang="en-US" dirty="0">
               <a:solidFill>
@@ -10689,7 +10689,7 @@
                 </a:solidFill>
               </a:rPr>
               <a:pPr/>
-              <a:t>11/23/2017</a:t>
+              <a:t>11/24/2017</a:t>
             </a:fld>
             <a:endParaRPr lang="en-US" dirty="0">
               <a:solidFill>
@@ -10899,7 +10899,7 @@
                 </a:solidFill>
               </a:rPr>
               <a:pPr/>
-              <a:t>11/23/2017</a:t>
+              <a:t>11/24/2017</a:t>
             </a:fld>
             <a:endParaRPr lang="en-US" dirty="0">
               <a:solidFill>
@@ -11109,7 +11109,7 @@
                 </a:solidFill>
               </a:rPr>
               <a:pPr/>
-              <a:t>11/23/2017</a:t>
+              <a:t>11/24/2017</a:t>
             </a:fld>
             <a:endParaRPr lang="en-US" dirty="0">
               <a:solidFill>
@@ -11319,7 +11319,7 @@
                 </a:solidFill>
               </a:rPr>
               <a:pPr/>
-              <a:t>11/23/2017</a:t>
+              <a:t>11/24/2017</a:t>
             </a:fld>
             <a:endParaRPr lang="en-US" dirty="0">
               <a:solidFill>
@@ -11529,7 +11529,7 @@
                 </a:solidFill>
               </a:rPr>
               <a:pPr/>
-              <a:t>11/23/2017</a:t>
+              <a:t>11/24/2017</a:t>
             </a:fld>
             <a:endParaRPr lang="en-US" dirty="0">
               <a:solidFill>
@@ -31900,8 +31900,13 @@
           <a:p>
             <a:r>
               <a:rPr lang="en-US" dirty="0"/>
-              <a:t>Login with the Admin account.</a:t>
-            </a:r>
+              <a:t>Login with the Admin </a:t>
+            </a:r>
+            <a:r>
+              <a:rPr lang="en-US"/>
+              <a:t>account. </a:t>
+            </a:r>
+            <a:endParaRPr lang="en-US" dirty="0"/>
           </a:p>
         </p:txBody>
       </p:sp>
@@ -34553,6 +34558,15 @@
 </file>
 
 <file path=customXml/item1.xml><?xml version="1.0" encoding="utf-8"?>
+<?mso-contentType ?>
+<FormTemplates xmlns="http://schemas.microsoft.com/sharepoint/v3/contenttype/forms">
+  <Display>DocumentLibraryForm</Display>
+  <Edit>DocumentLibraryForm</Edit>
+  <New>DocumentLibraryForm</New>
+</FormTemplates>
+</file>
+
+<file path=customXml/item2.xml><?xml version="1.0" encoding="utf-8"?>
 <ct:contentTypeSchema xmlns:ct="http://schemas.microsoft.com/office/2006/metadata/contentType" xmlns:ma="http://schemas.microsoft.com/office/2006/metadata/properties/metaAttributes" ct:_="" ma:_="" ma:contentTypeName="Document" ma:contentTypeID="0x01010053433B08FA9EE742BB667ECEF5AA0226" ma:contentTypeVersion="4" ma:contentTypeDescription="Create a new document." ma:contentTypeScope="" ma:versionID="898350153c3cb7409c9d00c11df4aa1a">
   <xsd:schema xmlns:xsd="http://www.w3.org/2001/XMLSchema" xmlns:xs="http://www.w3.org/2001/XMLSchema" xmlns:p="http://schemas.microsoft.com/office/2006/metadata/properties" xmlns:ns2="09eba053-c572-4474-974d-b0bef0e9174f" targetNamespace="http://schemas.microsoft.com/office/2006/metadata/properties" ma:root="true" ma:fieldsID="f69afda497831ad76ed280df00c0bf48" ns2:_="">
     <xsd:import namespace="09eba053-c572-4474-974d-b0bef0e9174f"/>
@@ -34714,15 +34728,6 @@
 </ct:contentTypeSchema>
 </file>
 
-<file path=customXml/item2.xml><?xml version="1.0" encoding="utf-8"?>
-<?mso-contentType ?>
-<FormTemplates xmlns="http://schemas.microsoft.com/sharepoint/v3/contenttype/forms">
-  <Display>DocumentLibraryForm</Display>
-  <Edit>DocumentLibraryForm</Edit>
-  <New>DocumentLibraryForm</New>
-</FormTemplates>
-</file>
-
 <file path=customXml/item3.xml><?xml version="1.0" encoding="utf-8"?>
 <p:properties xmlns:p="http://schemas.microsoft.com/office/2006/metadata/properties" xmlns:xsi="http://www.w3.org/2001/XMLSchema-instance" xmlns:pc="http://schemas.microsoft.com/office/infopath/2007/PartnerControls">
   <documentManagement/>
@@ -34730,6 +34735,14 @@
 </file>
 
 <file path=customXml/itemProps1.xml><?xml version="1.0" encoding="utf-8"?>
+<ds:datastoreItem xmlns:ds="http://schemas.openxmlformats.org/officeDocument/2006/customXml" ds:itemID="{41543473-98BF-41A8-AEE8-AF1C274C4DD8}">
+  <ds:schemaRefs>
+    <ds:schemaRef ds:uri="http://schemas.microsoft.com/sharepoint/v3/contenttype/forms"/>
+  </ds:schemaRefs>
+</ds:datastoreItem>
+</file>
+
+<file path=customXml/itemProps2.xml><?xml version="1.0" encoding="utf-8"?>
 <ds:datastoreItem xmlns:ds="http://schemas.openxmlformats.org/officeDocument/2006/customXml" ds:itemID="{55F7FE33-E5CA-47B4-B8F6-126891A96CF6}">
   <ds:schemaRefs>
     <ds:schemaRef ds:uri="http://schemas.microsoft.com/office/2006/metadata/contentType"/>
@@ -34743,14 +34756,6 @@
     <ds:schemaRef ds:uri="http://purl.org/dc/elements/1.1/"/>
     <ds:schemaRef ds:uri="http://purl.org/dc/terms/"/>
     <ds:schemaRef ds:uri="http://schemas.microsoft.com/internal/obd"/>
-  </ds:schemaRefs>
-</ds:datastoreItem>
-</file>
-
-<file path=customXml/itemProps2.xml><?xml version="1.0" encoding="utf-8"?>
-<ds:datastoreItem xmlns:ds="http://schemas.openxmlformats.org/officeDocument/2006/customXml" ds:itemID="{41543473-98BF-41A8-AEE8-AF1C274C4DD8}">
-  <ds:schemaRefs>
-    <ds:schemaRef ds:uri="http://schemas.microsoft.com/sharepoint/v3/contenttype/forms"/>
   </ds:schemaRefs>
 </ds:datastoreItem>
 </file>

--- a/EDU GRAPH-API Demo Script.pptx
+++ b/EDU GRAPH-API Demo Script.pptx
@@ -376,7 +376,7 @@
               <a:rPr lang="en-US" smtClean="0">
                 <a:latin typeface="Segoe UI" pitchFamily="34" charset="0"/>
               </a:rPr>
-              <a:t>11/24/2017 12:35 PM</a:t>
+              <a:t>11/23/2017 10:02 AM</a:t>
             </a:fld>
             <a:endParaRPr lang="en-US" dirty="0">
               <a:latin typeface="Segoe UI" pitchFamily="34" charset="0"/>
@@ -659,7 +659,7 @@
           <a:p>
             <a:fld id="{38EEC551-8CDA-4EB6-89BB-2A86C9F091C8}" type="datetime8">
               <a:rPr lang="en-US" smtClean="0"/>
-              <a:t>11/24/2017 12:35 PM</a:t>
+              <a:t>11/23/2017 10:02 AM</a:t>
             </a:fld>
             <a:endParaRPr lang="en-US" dirty="0"/>
           </a:p>
@@ -1023,7 +1023,7 @@
           <a:p>
             <a:fld id="{C6996B83-60CF-42A8-BA06-F99D0BEC30B3}" type="datetime1">
               <a:rPr lang="en-US" smtClean="0"/>
-              <a:t>11/24/2017</a:t>
+              <a:t>11/23/2017</a:t>
             </a:fld>
             <a:endParaRPr lang="en-US" dirty="0"/>
           </a:p>
@@ -1243,7 +1243,7 @@
                 </a:solidFill>
               </a:rPr>
               <a:pPr/>
-              <a:t>11/24/2017</a:t>
+              <a:t>11/23/2017</a:t>
             </a:fld>
             <a:endParaRPr lang="en-US" dirty="0">
               <a:solidFill>
@@ -1453,7 +1453,7 @@
                 </a:solidFill>
               </a:rPr>
               <a:pPr/>
-              <a:t>11/24/2017</a:t>
+              <a:t>11/23/2017</a:t>
             </a:fld>
             <a:endParaRPr lang="en-US" dirty="0">
               <a:solidFill>
@@ -1663,7 +1663,7 @@
                 </a:solidFill>
               </a:rPr>
               <a:pPr/>
-              <a:t>11/24/2017</a:t>
+              <a:t>11/23/2017</a:t>
             </a:fld>
             <a:endParaRPr lang="en-US" dirty="0">
               <a:solidFill>
@@ -1969,7 +1969,7 @@
                 <a:tabLst/>
                 <a:defRPr/>
               </a:pPr>
-              <a:t>11/24/2017</a:t>
+              <a:t>11/23/2017</a:t>
             </a:fld>
             <a:endParaRPr kumimoji="0" lang="en-US" sz="1800" b="0" i="0" u="none" strike="noStrike" kern="0" cap="none" spc="0" normalizeH="0" baseline="0" noProof="0" dirty="0">
               <a:ln>
@@ -2199,7 +2199,7 @@
                 </a:solidFill>
               </a:rPr>
               <a:pPr/>
-              <a:t>11/24/2017</a:t>
+              <a:t>11/23/2017</a:t>
             </a:fld>
             <a:endParaRPr lang="en-US" dirty="0">
               <a:solidFill>
@@ -2440,7 +2440,7 @@
                 </a:solidFill>
               </a:rPr>
               <a:pPr/>
-              <a:t>11/24/2017</a:t>
+              <a:t>11/23/2017</a:t>
             </a:fld>
             <a:endParaRPr lang="en-US" dirty="0">
               <a:solidFill>
@@ -2650,7 +2650,7 @@
                 </a:solidFill>
               </a:rPr>
               <a:pPr/>
-              <a:t>11/24/2017</a:t>
+              <a:t>11/23/2017</a:t>
             </a:fld>
             <a:endParaRPr lang="en-US" dirty="0">
               <a:solidFill>
@@ -2860,7 +2860,7 @@
                 </a:solidFill>
               </a:rPr>
               <a:pPr/>
-              <a:t>11/24/2017</a:t>
+              <a:t>11/23/2017</a:t>
             </a:fld>
             <a:endParaRPr lang="en-US" dirty="0">
               <a:solidFill>
@@ -3070,7 +3070,7 @@
                 </a:solidFill>
               </a:rPr>
               <a:pPr/>
-              <a:t>11/24/2017</a:t>
+              <a:t>11/23/2017</a:t>
             </a:fld>
             <a:endParaRPr lang="en-US" dirty="0">
               <a:solidFill>
@@ -3280,7 +3280,7 @@
                 </a:solidFill>
               </a:rPr>
               <a:pPr/>
-              <a:t>11/24/2017</a:t>
+              <a:t>11/23/2017</a:t>
             </a:fld>
             <a:endParaRPr lang="en-US" dirty="0">
               <a:solidFill>
@@ -3454,7 +3454,7 @@
           <a:p>
             <a:fld id="{B079C3B8-7366-4A44-A34B-3977080C19E7}" type="datetime1">
               <a:rPr lang="en-US" smtClean="0"/>
-              <a:t>11/24/2017</a:t>
+              <a:t>11/23/2017</a:t>
             </a:fld>
             <a:endParaRPr lang="en-US" dirty="0"/>
           </a:p>
@@ -3675,7 +3675,7 @@
                 </a:solidFill>
               </a:rPr>
               <a:pPr/>
-              <a:t>11/24/2017</a:t>
+              <a:t>11/23/2017</a:t>
             </a:fld>
             <a:endParaRPr lang="en-US" dirty="0">
               <a:solidFill>
@@ -3981,7 +3981,7 @@
                 <a:tabLst/>
                 <a:defRPr/>
               </a:pPr>
-              <a:t>11/24/2017</a:t>
+              <a:t>11/23/2017</a:t>
             </a:fld>
             <a:endParaRPr kumimoji="0" lang="en-US" sz="1800" b="0" i="0" u="none" strike="noStrike" kern="0" cap="none" spc="0" normalizeH="0" baseline="0" noProof="0" dirty="0">
               <a:ln>
@@ -4211,7 +4211,7 @@
                 </a:solidFill>
               </a:rPr>
               <a:pPr/>
-              <a:t>11/24/2017</a:t>
+              <a:t>11/23/2017</a:t>
             </a:fld>
             <a:endParaRPr lang="en-US" dirty="0">
               <a:solidFill>
@@ -4452,7 +4452,7 @@
                 </a:solidFill>
               </a:rPr>
               <a:pPr/>
-              <a:t>11/24/2017</a:t>
+              <a:t>11/23/2017</a:t>
             </a:fld>
             <a:endParaRPr lang="en-US" dirty="0">
               <a:solidFill>
@@ -4662,7 +4662,7 @@
                 </a:solidFill>
               </a:rPr>
               <a:pPr/>
-              <a:t>11/24/2017</a:t>
+              <a:t>11/23/2017</a:t>
             </a:fld>
             <a:endParaRPr lang="en-US" dirty="0">
               <a:solidFill>
@@ -4872,7 +4872,7 @@
                 </a:solidFill>
               </a:rPr>
               <a:pPr/>
-              <a:t>11/24/2017</a:t>
+              <a:t>11/23/2017</a:t>
             </a:fld>
             <a:endParaRPr lang="en-US" dirty="0">
               <a:solidFill>
@@ -5082,7 +5082,7 @@
                 </a:solidFill>
               </a:rPr>
               <a:pPr/>
-              <a:t>11/24/2017</a:t>
+              <a:t>11/23/2017</a:t>
             </a:fld>
             <a:endParaRPr lang="en-US" dirty="0">
               <a:solidFill>
@@ -5292,7 +5292,7 @@
                 </a:solidFill>
               </a:rPr>
               <a:pPr/>
-              <a:t>11/24/2017</a:t>
+              <a:t>11/23/2017</a:t>
             </a:fld>
             <a:endParaRPr lang="en-US" dirty="0">
               <a:solidFill>
@@ -5502,7 +5502,7 @@
                 </a:solidFill>
               </a:rPr>
               <a:pPr/>
-              <a:t>11/24/2017</a:t>
+              <a:t>11/23/2017</a:t>
             </a:fld>
             <a:endParaRPr lang="en-US" dirty="0">
               <a:solidFill>
@@ -5808,7 +5808,7 @@
                 <a:tabLst/>
                 <a:defRPr/>
               </a:pPr>
-              <a:t>11/24/2017</a:t>
+              <a:t>11/23/2017</a:t>
             </a:fld>
             <a:endParaRPr kumimoji="0" lang="en-US" sz="1800" b="0" i="0" u="none" strike="noStrike" kern="0" cap="none" spc="0" normalizeH="0" baseline="0" noProof="0" dirty="0">
               <a:ln>
@@ -6038,7 +6038,7 @@
                 </a:solidFill>
               </a:rPr>
               <a:pPr/>
-              <a:t>11/24/2017</a:t>
+              <a:t>11/23/2017</a:t>
             </a:fld>
             <a:endParaRPr lang="en-US" dirty="0">
               <a:solidFill>
@@ -6248,7 +6248,7 @@
                 </a:solidFill>
               </a:rPr>
               <a:pPr/>
-              <a:t>11/24/2017</a:t>
+              <a:t>11/23/2017</a:t>
             </a:fld>
             <a:endParaRPr lang="en-US" dirty="0">
               <a:solidFill>
@@ -6489,7 +6489,7 @@
                 </a:solidFill>
               </a:rPr>
               <a:pPr/>
-              <a:t>11/24/2017</a:t>
+              <a:t>11/23/2017</a:t>
             </a:fld>
             <a:endParaRPr lang="en-US" dirty="0">
               <a:solidFill>
@@ -6668,7 +6668,7 @@
                 </a:solidFill>
               </a:rPr>
               <a:pPr/>
-              <a:t>11/24/2017</a:t>
+              <a:t>11/23/2017</a:t>
             </a:fld>
             <a:endParaRPr lang="en-US" dirty="0">
               <a:solidFill>
@@ -6909,7 +6909,7 @@
                 </a:solidFill>
               </a:rPr>
               <a:pPr/>
-              <a:t>11/24/2017</a:t>
+              <a:t>11/23/2017</a:t>
             </a:fld>
             <a:endParaRPr lang="en-US" dirty="0">
               <a:solidFill>
@@ -7119,7 +7119,7 @@
                 </a:solidFill>
               </a:rPr>
               <a:pPr/>
-              <a:t>11/24/2017</a:t>
+              <a:t>11/23/2017</a:t>
             </a:fld>
             <a:endParaRPr lang="en-US" dirty="0">
               <a:solidFill>
@@ -7298,7 +7298,7 @@
                 </a:solidFill>
               </a:rPr>
               <a:pPr/>
-              <a:t>11/24/2017</a:t>
+              <a:t>11/23/2017</a:t>
             </a:fld>
             <a:endParaRPr lang="en-US" dirty="0">
               <a:solidFill>
@@ -7539,7 +7539,7 @@
                 </a:solidFill>
               </a:rPr>
               <a:pPr/>
-              <a:t>11/24/2017</a:t>
+              <a:t>11/23/2017</a:t>
             </a:fld>
             <a:endParaRPr lang="en-US" dirty="0">
               <a:solidFill>
@@ -7749,7 +7749,7 @@
                 </a:solidFill>
               </a:rPr>
               <a:pPr/>
-              <a:t>11/24/2017</a:t>
+              <a:t>11/23/2017</a:t>
             </a:fld>
             <a:endParaRPr lang="en-US" dirty="0">
               <a:solidFill>
@@ -7959,7 +7959,7 @@
                 </a:solidFill>
               </a:rPr>
               <a:pPr/>
-              <a:t>11/24/2017</a:t>
+              <a:t>11/23/2017</a:t>
             </a:fld>
             <a:endParaRPr lang="en-US" dirty="0">
               <a:solidFill>
@@ -8169,7 +8169,7 @@
                 </a:solidFill>
               </a:rPr>
               <a:pPr/>
-              <a:t>11/24/2017</a:t>
+              <a:t>11/23/2017</a:t>
             </a:fld>
             <a:endParaRPr lang="en-US" dirty="0">
               <a:solidFill>
@@ -8379,7 +8379,7 @@
                 </a:solidFill>
               </a:rPr>
               <a:pPr/>
-              <a:t>11/24/2017</a:t>
+              <a:t>11/23/2017</a:t>
             </a:fld>
             <a:endParaRPr lang="en-US" dirty="0">
               <a:solidFill>
@@ -8558,7 +8558,7 @@
                 </a:solidFill>
               </a:rPr>
               <a:pPr/>
-              <a:t>11/24/2017</a:t>
+              <a:t>11/23/2017</a:t>
             </a:fld>
             <a:endParaRPr lang="en-US" dirty="0">
               <a:solidFill>
@@ -8799,7 +8799,7 @@
                 </a:solidFill>
               </a:rPr>
               <a:pPr/>
-              <a:t>11/24/2017</a:t>
+              <a:t>11/23/2017</a:t>
             </a:fld>
             <a:endParaRPr lang="en-US" dirty="0">
               <a:solidFill>
@@ -8978,7 +8978,7 @@
                 </a:solidFill>
               </a:rPr>
               <a:pPr/>
-              <a:t>11/24/2017</a:t>
+              <a:t>11/23/2017</a:t>
             </a:fld>
             <a:endParaRPr lang="en-US" dirty="0">
               <a:solidFill>
@@ -9219,7 +9219,7 @@
                 </a:solidFill>
               </a:rPr>
               <a:pPr/>
-              <a:t>11/24/2017</a:t>
+              <a:t>11/23/2017</a:t>
             </a:fld>
             <a:endParaRPr lang="en-US" dirty="0">
               <a:solidFill>
@@ -9429,7 +9429,7 @@
                 </a:solidFill>
               </a:rPr>
               <a:pPr/>
-              <a:t>11/24/2017</a:t>
+              <a:t>11/23/2017</a:t>
             </a:fld>
             <a:endParaRPr lang="en-US" dirty="0">
               <a:solidFill>
@@ -9639,7 +9639,7 @@
                 </a:solidFill>
               </a:rPr>
               <a:pPr/>
-              <a:t>11/24/2017</a:t>
+              <a:t>11/23/2017</a:t>
             </a:fld>
             <a:endParaRPr lang="en-US" dirty="0">
               <a:solidFill>
@@ -9849,7 +9849,7 @@
                 </a:solidFill>
               </a:rPr>
               <a:pPr/>
-              <a:t>11/24/2017</a:t>
+              <a:t>11/23/2017</a:t>
             </a:fld>
             <a:endParaRPr lang="en-US" dirty="0">
               <a:solidFill>
@@ -10059,7 +10059,7 @@
                 </a:solidFill>
               </a:rPr>
               <a:pPr/>
-              <a:t>11/24/2017</a:t>
+              <a:t>11/23/2017</a:t>
             </a:fld>
             <a:endParaRPr lang="en-US" dirty="0">
               <a:solidFill>
@@ -10269,7 +10269,7 @@
                 </a:solidFill>
               </a:rPr>
               <a:pPr/>
-              <a:t>11/24/2017</a:t>
+              <a:t>11/23/2017</a:t>
             </a:fld>
             <a:endParaRPr lang="en-US" dirty="0">
               <a:solidFill>
@@ -10479,7 +10479,7 @@
                 </a:solidFill>
               </a:rPr>
               <a:pPr/>
-              <a:t>11/24/2017</a:t>
+              <a:t>11/23/2017</a:t>
             </a:fld>
             <a:endParaRPr lang="en-US" dirty="0">
               <a:solidFill>
@@ -10689,7 +10689,7 @@
                 </a:solidFill>
               </a:rPr>
               <a:pPr/>
-              <a:t>11/24/2017</a:t>
+              <a:t>11/23/2017</a:t>
             </a:fld>
             <a:endParaRPr lang="en-US" dirty="0">
               <a:solidFill>
@@ -10899,7 +10899,7 @@
                 </a:solidFill>
               </a:rPr>
               <a:pPr/>
-              <a:t>11/24/2017</a:t>
+              <a:t>11/23/2017</a:t>
             </a:fld>
             <a:endParaRPr lang="en-US" dirty="0">
               <a:solidFill>
@@ -11109,7 +11109,7 @@
                 </a:solidFill>
               </a:rPr>
               <a:pPr/>
-              <a:t>11/24/2017</a:t>
+              <a:t>11/23/2017</a:t>
             </a:fld>
             <a:endParaRPr lang="en-US" dirty="0">
               <a:solidFill>
@@ -11319,7 +11319,7 @@
                 </a:solidFill>
               </a:rPr>
               <a:pPr/>
-              <a:t>11/24/2017</a:t>
+              <a:t>11/23/2017</a:t>
             </a:fld>
             <a:endParaRPr lang="en-US" dirty="0">
               <a:solidFill>
@@ -11529,7 +11529,7 @@
                 </a:solidFill>
               </a:rPr>
               <a:pPr/>
-              <a:t>11/24/2017</a:t>
+              <a:t>11/23/2017</a:t>
             </a:fld>
             <a:endParaRPr lang="en-US" dirty="0">
               <a:solidFill>
@@ -31900,13 +31900,8 @@
           <a:p>
             <a:r>
               <a:rPr lang="en-US" dirty="0"/>
-              <a:t>Login with the Admin </a:t>
-            </a:r>
-            <a:r>
-              <a:rPr lang="en-US"/>
-              <a:t>account. </a:t>
-            </a:r>
-            <a:endParaRPr lang="en-US" dirty="0"/>
+              <a:t>Login with the Admin account.</a:t>
+            </a:r>
           </a:p>
         </p:txBody>
       </p:sp>
@@ -34558,15 +34553,6 @@
 </file>
 
 <file path=customXml/item1.xml><?xml version="1.0" encoding="utf-8"?>
-<?mso-contentType ?>
-<FormTemplates xmlns="http://schemas.microsoft.com/sharepoint/v3/contenttype/forms">
-  <Display>DocumentLibraryForm</Display>
-  <Edit>DocumentLibraryForm</Edit>
-  <New>DocumentLibraryForm</New>
-</FormTemplates>
-</file>
-
-<file path=customXml/item2.xml><?xml version="1.0" encoding="utf-8"?>
 <ct:contentTypeSchema xmlns:ct="http://schemas.microsoft.com/office/2006/metadata/contentType" xmlns:ma="http://schemas.microsoft.com/office/2006/metadata/properties/metaAttributes" ct:_="" ma:_="" ma:contentTypeName="Document" ma:contentTypeID="0x01010053433B08FA9EE742BB667ECEF5AA0226" ma:contentTypeVersion="4" ma:contentTypeDescription="Create a new document." ma:contentTypeScope="" ma:versionID="898350153c3cb7409c9d00c11df4aa1a">
   <xsd:schema xmlns:xsd="http://www.w3.org/2001/XMLSchema" xmlns:xs="http://www.w3.org/2001/XMLSchema" xmlns:p="http://schemas.microsoft.com/office/2006/metadata/properties" xmlns:ns2="09eba053-c572-4474-974d-b0bef0e9174f" targetNamespace="http://schemas.microsoft.com/office/2006/metadata/properties" ma:root="true" ma:fieldsID="f69afda497831ad76ed280df00c0bf48" ns2:_="">
     <xsd:import namespace="09eba053-c572-4474-974d-b0bef0e9174f"/>
@@ -34728,6 +34714,15 @@
 </ct:contentTypeSchema>
 </file>
 
+<file path=customXml/item2.xml><?xml version="1.0" encoding="utf-8"?>
+<?mso-contentType ?>
+<FormTemplates xmlns="http://schemas.microsoft.com/sharepoint/v3/contenttype/forms">
+  <Display>DocumentLibraryForm</Display>
+  <Edit>DocumentLibraryForm</Edit>
+  <New>DocumentLibraryForm</New>
+</FormTemplates>
+</file>
+
 <file path=customXml/item3.xml><?xml version="1.0" encoding="utf-8"?>
 <p:properties xmlns:p="http://schemas.microsoft.com/office/2006/metadata/properties" xmlns:xsi="http://www.w3.org/2001/XMLSchema-instance" xmlns:pc="http://schemas.microsoft.com/office/infopath/2007/PartnerControls">
   <documentManagement/>
@@ -34735,14 +34730,6 @@
 </file>
 
 <file path=customXml/itemProps1.xml><?xml version="1.0" encoding="utf-8"?>
-<ds:datastoreItem xmlns:ds="http://schemas.openxmlformats.org/officeDocument/2006/customXml" ds:itemID="{41543473-98BF-41A8-AEE8-AF1C274C4DD8}">
-  <ds:schemaRefs>
-    <ds:schemaRef ds:uri="http://schemas.microsoft.com/sharepoint/v3/contenttype/forms"/>
-  </ds:schemaRefs>
-</ds:datastoreItem>
-</file>
-
-<file path=customXml/itemProps2.xml><?xml version="1.0" encoding="utf-8"?>
 <ds:datastoreItem xmlns:ds="http://schemas.openxmlformats.org/officeDocument/2006/customXml" ds:itemID="{55F7FE33-E5CA-47B4-B8F6-126891A96CF6}">
   <ds:schemaRefs>
     <ds:schemaRef ds:uri="http://schemas.microsoft.com/office/2006/metadata/contentType"/>
@@ -34756,6 +34743,14 @@
     <ds:schemaRef ds:uri="http://purl.org/dc/elements/1.1/"/>
     <ds:schemaRef ds:uri="http://purl.org/dc/terms/"/>
     <ds:schemaRef ds:uri="http://schemas.microsoft.com/internal/obd"/>
+  </ds:schemaRefs>
+</ds:datastoreItem>
+</file>
+
+<file path=customXml/itemProps2.xml><?xml version="1.0" encoding="utf-8"?>
+<ds:datastoreItem xmlns:ds="http://schemas.openxmlformats.org/officeDocument/2006/customXml" ds:itemID="{41543473-98BF-41A8-AEE8-AF1C274C4DD8}">
+  <ds:schemaRefs>
+    <ds:schemaRef ds:uri="http://schemas.microsoft.com/sharepoint/v3/contenttype/forms"/>
   </ds:schemaRefs>
 </ds:datastoreItem>
 </file>
